--- a/presentation/monads.pptx
+++ b/presentation/monads.pptx
@@ -8,8 +8,10 @@
     <p:sldId id="292" r:id="rId5"/>
     <p:sldId id="311" r:id="rId6"/>
     <p:sldId id="312" r:id="rId7"/>
-    <p:sldId id="309" r:id="rId8"/>
-    <p:sldId id="310" r:id="rId9"/>
+    <p:sldId id="313" r:id="rId8"/>
+    <p:sldId id="314" r:id="rId9"/>
+    <p:sldId id="309" r:id="rId10"/>
+    <p:sldId id="310" r:id="rId11"/>
   </p:sldIdLst>
   <p:sldSz cx="12192000" cy="6858000"/>
   <p:notesSz cx="6858000" cy="9144000"/>
@@ -117,30 +119,18 @@
 </file>
 
 <file path=ppt/diagrams/colors1.xml><?xml version="1.0" encoding="utf-8"?>
-<dgm:colorsDef xmlns:dgm="http://schemas.openxmlformats.org/drawingml/2006/diagram" xmlns:a="http://schemas.openxmlformats.org/drawingml/2006/main" uniqueId="urn:microsoft.com/office/officeart/2005/8/colors/accent0_3">
+<dgm:colorsDef xmlns:dgm="http://schemas.openxmlformats.org/drawingml/2006/diagram" xmlns:a="http://schemas.openxmlformats.org/drawingml/2006/main" uniqueId="urn:microsoft.com/office/officeart/2018/5/colors/Iconchunking_neutralicon_colorful1">
   <dgm:title val=""/>
   <dgm:desc val=""/>
   <dgm:catLst>
-    <dgm:cat type="mainScheme" pri="10300"/>
+    <dgm:cat type="colorful" pri="10100"/>
   </dgm:catLst>
   <dgm:styleLbl name="node0">
     <dgm:fillClrLst meth="repeat">
-      <a:schemeClr val="dk2"/>
+      <a:schemeClr val="accent1"/>
     </dgm:fillClrLst>
     <dgm:linClrLst meth="repeat">
-      <a:schemeClr val="lt2"/>
-    </dgm:linClrLst>
-    <dgm:effectClrLst/>
-    <dgm:txLinClrLst/>
-    <dgm:txFillClrLst/>
-    <dgm:txEffectClrLst/>
-  </dgm:styleLbl>
-  <dgm:styleLbl name="alignNode1">
-    <dgm:fillClrLst meth="repeat">
-      <a:schemeClr val="dk2"/>
-    </dgm:fillClrLst>
-    <dgm:linClrLst meth="repeat">
-      <a:schemeClr val="dk2"/>
+      <a:schemeClr val="lt1"/>
     </dgm:linClrLst>
     <dgm:effectClrLst/>
     <dgm:txLinClrLst/>
@@ -149,10 +139,34 @@
   </dgm:styleLbl>
   <dgm:styleLbl name="node1">
     <dgm:fillClrLst meth="repeat">
-      <a:schemeClr val="dk2"/>
+      <a:schemeClr val="bg1"/>
     </dgm:fillClrLst>
     <dgm:linClrLst meth="repeat">
-      <a:schemeClr val="lt2"/>
+      <a:schemeClr val="lt1">
+        <a:alpha val="0"/>
+      </a:schemeClr>
+    </dgm:linClrLst>
+    <dgm:effectClrLst/>
+    <dgm:txLinClrLst/>
+    <dgm:txFillClrLst meth="repeat">
+      <a:schemeClr val="dk1"/>
+    </dgm:txFillClrLst>
+    <dgm:txEffectClrLst/>
+  </dgm:styleLbl>
+  <dgm:styleLbl name="alignNode1">
+    <dgm:fillClrLst meth="repeat">
+      <a:schemeClr val="accent2"/>
+      <a:schemeClr val="accent3"/>
+      <a:schemeClr val="accent4"/>
+      <a:schemeClr val="accent5"/>
+      <a:schemeClr val="accent6"/>
+    </dgm:fillClrLst>
+    <dgm:linClrLst meth="repeat">
+      <a:schemeClr val="accent2"/>
+      <a:schemeClr val="accent3"/>
+      <a:schemeClr val="accent4"/>
+      <a:schemeClr val="accent5"/>
+      <a:schemeClr val="accent6"/>
     </dgm:linClrLst>
     <dgm:effectClrLst/>
     <dgm:txLinClrLst/>
@@ -161,10 +175,14 @@
   </dgm:styleLbl>
   <dgm:styleLbl name="lnNode1">
     <dgm:fillClrLst meth="repeat">
-      <a:schemeClr val="dk2"/>
+      <a:schemeClr val="accent2"/>
+      <a:schemeClr val="accent3"/>
+      <a:schemeClr val="accent4"/>
+      <a:schemeClr val="accent5"/>
+      <a:schemeClr val="accent6"/>
     </dgm:fillClrLst>
     <dgm:linClrLst meth="repeat">
-      <a:schemeClr val="lt2"/>
+      <a:schemeClr val="lt1"/>
     </dgm:linClrLst>
     <dgm:effectClrLst/>
     <dgm:txLinClrLst/>
@@ -173,12 +191,24 @@
   </dgm:styleLbl>
   <dgm:styleLbl name="vennNode1">
     <dgm:fillClrLst meth="repeat">
-      <a:schemeClr val="dk2">
+      <a:schemeClr val="accent2">
+        <a:alpha val="50000"/>
+      </a:schemeClr>
+      <a:schemeClr val="accent3">
+        <a:alpha val="50000"/>
+      </a:schemeClr>
+      <a:schemeClr val="accent4">
+        <a:alpha val="50000"/>
+      </a:schemeClr>
+      <a:schemeClr val="accent5">
+        <a:alpha val="50000"/>
+      </a:schemeClr>
+      <a:schemeClr val="accent6">
         <a:alpha val="50000"/>
       </a:schemeClr>
     </dgm:fillClrLst>
     <dgm:linClrLst meth="repeat">
-      <a:schemeClr val="lt2"/>
+      <a:schemeClr val="lt1"/>
     </dgm:linClrLst>
     <dgm:effectClrLst/>
     <dgm:txLinClrLst/>
@@ -186,11 +216,11 @@
     <dgm:txEffectClrLst/>
   </dgm:styleLbl>
   <dgm:styleLbl name="node2">
-    <dgm:fillClrLst meth="repeat">
-      <a:schemeClr val="dk2"/>
+    <dgm:fillClrLst>
+      <a:schemeClr val="accent2"/>
     </dgm:fillClrLst>
     <dgm:linClrLst meth="repeat">
-      <a:schemeClr val="lt2"/>
+      <a:schemeClr val="lt1"/>
     </dgm:linClrLst>
     <dgm:effectClrLst/>
     <dgm:txLinClrLst/>
@@ -198,11 +228,11 @@
     <dgm:txEffectClrLst/>
   </dgm:styleLbl>
   <dgm:styleLbl name="node3">
-    <dgm:fillClrLst meth="repeat">
-      <a:schemeClr val="dk2"/>
+    <dgm:fillClrLst>
+      <a:schemeClr val="accent3"/>
     </dgm:fillClrLst>
     <dgm:linClrLst meth="repeat">
-      <a:schemeClr val="lt2"/>
+      <a:schemeClr val="lt1"/>
     </dgm:linClrLst>
     <dgm:effectClrLst/>
     <dgm:txLinClrLst/>
@@ -210,11 +240,11 @@
     <dgm:txEffectClrLst/>
   </dgm:styleLbl>
   <dgm:styleLbl name="node4">
-    <dgm:fillClrLst meth="repeat">
-      <a:schemeClr val="dk2"/>
+    <dgm:fillClrLst>
+      <a:schemeClr val="accent4"/>
     </dgm:fillClrLst>
     <dgm:linClrLst meth="repeat">
-      <a:schemeClr val="lt2"/>
+      <a:schemeClr val="lt1"/>
     </dgm:linClrLst>
     <dgm:effectClrLst/>
     <dgm:txLinClrLst/>
@@ -223,66 +253,80 @@
   </dgm:styleLbl>
   <dgm:styleLbl name="fgImgPlace1">
     <dgm:fillClrLst meth="repeat">
-      <a:schemeClr val="dk2">
+      <a:schemeClr val="accent2">
+        <a:tint val="50000"/>
+      </a:schemeClr>
+      <a:schemeClr val="accent3">
+        <a:tint val="50000"/>
+      </a:schemeClr>
+      <a:schemeClr val="accent4">
+        <a:tint val="50000"/>
+      </a:schemeClr>
+      <a:schemeClr val="accent5">
+        <a:tint val="50000"/>
+      </a:schemeClr>
+      <a:schemeClr val="accent6">
         <a:tint val="50000"/>
       </a:schemeClr>
     </dgm:fillClrLst>
     <dgm:linClrLst meth="repeat">
-      <a:schemeClr val="lt2"/>
+      <a:schemeClr val="lt1"/>
     </dgm:linClrLst>
     <dgm:effectClrLst/>
     <dgm:txLinClrLst/>
     <dgm:txFillClrLst meth="repeat">
-      <a:schemeClr val="lt2"/>
+      <a:schemeClr val="lt1"/>
     </dgm:txFillClrLst>
     <dgm:txEffectClrLst/>
   </dgm:styleLbl>
   <dgm:styleLbl name="alignImgPlace1">
-    <dgm:fillClrLst meth="repeat">
-      <a:schemeClr val="dk2">
+    <dgm:fillClrLst>
+      <a:schemeClr val="accent1">
         <a:tint val="50000"/>
+      </a:schemeClr>
+      <a:schemeClr val="accent2">
+        <a:tint val="20000"/>
       </a:schemeClr>
     </dgm:fillClrLst>
     <dgm:linClrLst meth="repeat">
-      <a:schemeClr val="dk2">
-        <a:shade val="80000"/>
-      </a:schemeClr>
+      <a:schemeClr val="lt1"/>
     </dgm:linClrLst>
     <dgm:effectClrLst/>
     <dgm:txLinClrLst/>
     <dgm:txFillClrLst meth="repeat">
-      <a:schemeClr val="lt2"/>
+      <a:schemeClr val="lt1"/>
     </dgm:txFillClrLst>
     <dgm:txEffectClrLst/>
   </dgm:styleLbl>
   <dgm:styleLbl name="bgImgPlace1">
-    <dgm:fillClrLst meth="repeat">
-      <a:schemeClr val="dk2">
+    <dgm:fillClrLst>
+      <a:schemeClr val="accent1">
         <a:tint val="50000"/>
+      </a:schemeClr>
+      <a:schemeClr val="accent2">
+        <a:tint val="20000"/>
       </a:schemeClr>
     </dgm:fillClrLst>
     <dgm:linClrLst meth="repeat">
-      <a:schemeClr val="dk2">
-        <a:shade val="80000"/>
-      </a:schemeClr>
+      <a:schemeClr val="lt1"/>
     </dgm:linClrLst>
     <dgm:effectClrLst/>
     <dgm:txLinClrLst/>
     <dgm:txFillClrLst meth="repeat">
-      <a:schemeClr val="lt2"/>
+      <a:schemeClr val="lt1"/>
     </dgm:txFillClrLst>
     <dgm:txEffectClrLst/>
   </dgm:styleLbl>
   <dgm:styleLbl name="sibTrans2D1">
     <dgm:fillClrLst meth="repeat">
-      <a:schemeClr val="dk2">
-        <a:tint val="60000"/>
-      </a:schemeClr>
+      <a:schemeClr val="accent2"/>
+      <a:schemeClr val="accent3"/>
+      <a:schemeClr val="accent4"/>
+      <a:schemeClr val="accent5"/>
+      <a:schemeClr val="accent6"/>
     </dgm:fillClrLst>
-    <dgm:linClrLst meth="repeat">
-      <a:schemeClr val="dk2">
-        <a:tint val="60000"/>
-      </a:schemeClr>
+    <dgm:linClrLst meth="cycle">
+      <a:schemeClr val="lt1"/>
     </dgm:linClrLst>
     <dgm:effectClrLst/>
     <dgm:txLinClrLst/>
@@ -291,72 +335,84 @@
   </dgm:styleLbl>
   <dgm:styleLbl name="fgSibTrans2D1">
     <dgm:fillClrLst meth="repeat">
-      <a:schemeClr val="dk2">
-        <a:tint val="60000"/>
-      </a:schemeClr>
+      <a:schemeClr val="accent2"/>
+      <a:schemeClr val="accent3"/>
+      <a:schemeClr val="accent4"/>
+      <a:schemeClr val="accent5"/>
+      <a:schemeClr val="accent6"/>
     </dgm:fillClrLst>
-    <dgm:linClrLst meth="repeat">
-      <a:schemeClr val="dk2">
-        <a:tint val="60000"/>
-      </a:schemeClr>
+    <dgm:linClrLst meth="cycle">
+      <a:schemeClr val="lt1"/>
     </dgm:linClrLst>
     <dgm:effectClrLst/>
     <dgm:txLinClrLst/>
-    <dgm:txFillClrLst/>
+    <dgm:txFillClrLst meth="repeat">
+      <a:schemeClr val="lt1"/>
+    </dgm:txFillClrLst>
     <dgm:txEffectClrLst/>
   </dgm:styleLbl>
   <dgm:styleLbl name="bgSibTrans2D1">
     <dgm:fillClrLst meth="repeat">
-      <a:schemeClr val="dk2">
-        <a:tint val="60000"/>
-      </a:schemeClr>
+      <a:schemeClr val="accent2"/>
+      <a:schemeClr val="accent3"/>
+      <a:schemeClr val="accent4"/>
+      <a:schemeClr val="accent5"/>
+      <a:schemeClr val="accent6"/>
     </dgm:fillClrLst>
-    <dgm:linClrLst meth="repeat">
-      <a:schemeClr val="dk2">
-        <a:tint val="60000"/>
-      </a:schemeClr>
+    <dgm:linClrLst meth="cycle">
+      <a:schemeClr val="lt1"/>
     </dgm:linClrLst>
     <dgm:effectClrLst/>
     <dgm:txLinClrLst/>
-    <dgm:txFillClrLst/>
+    <dgm:txFillClrLst meth="repeat">
+      <a:schemeClr val="lt1"/>
+    </dgm:txFillClrLst>
     <dgm:txEffectClrLst/>
   </dgm:styleLbl>
   <dgm:styleLbl name="sibTrans1D1">
     <dgm:fillClrLst meth="repeat">
-      <a:schemeClr val="dk2"/>
+      <a:schemeClr val="accent2"/>
+      <a:schemeClr val="accent3"/>
+      <a:schemeClr val="accent4"/>
+      <a:schemeClr val="accent5"/>
+      <a:schemeClr val="accent6"/>
     </dgm:fillClrLst>
     <dgm:linClrLst meth="repeat">
-      <a:schemeClr val="dk2"/>
+      <a:schemeClr val="accent2"/>
+      <a:schemeClr val="accent3"/>
+      <a:schemeClr val="accent4"/>
+      <a:schemeClr val="accent5"/>
+      <a:schemeClr val="accent6"/>
     </dgm:linClrLst>
     <dgm:effectClrLst/>
     <dgm:txLinClrLst/>
     <dgm:txFillClrLst meth="repeat">
-      <a:schemeClr val="lt2"/>
+      <a:schemeClr val="tx1"/>
     </dgm:txFillClrLst>
     <dgm:txEffectClrLst/>
   </dgm:styleLbl>
   <dgm:styleLbl name="callout">
     <dgm:fillClrLst meth="repeat">
-      <a:schemeClr val="dk2"/>
+      <a:schemeClr val="accent2"/>
     </dgm:fillClrLst>
     <dgm:linClrLst meth="repeat">
-      <a:schemeClr val="dk2">
+      <a:schemeClr val="accent2">
         <a:tint val="50000"/>
       </a:schemeClr>
     </dgm:linClrLst>
     <dgm:effectClrLst/>
     <dgm:txLinClrLst/>
     <dgm:txFillClrLst meth="repeat">
-      <a:schemeClr val="lt2"/>
+      <a:schemeClr val="tx1"/>
     </dgm:txFillClrLst>
     <dgm:txEffectClrLst/>
   </dgm:styleLbl>
   <dgm:styleLbl name="asst0">
     <dgm:fillClrLst meth="repeat">
-      <a:schemeClr val="dk2"/>
+      <a:schemeClr val="accent1"/>
     </dgm:fillClrLst>
     <dgm:linClrLst meth="repeat">
-      <a:schemeClr val="lt2"/>
+      <a:schemeClr val="lt1"/>
     </dgm:linClrLst>
     <dgm:effectClrLst/>
     <dgm:txLinClrLst/>
@@ -365,10 +421,10 @@
   </dgm:styleLbl>
   <dgm:styleLbl name="asst1">
     <dgm:fillClrLst meth="repeat">
-      <a:schemeClr val="dk2"/>
+      <a:schemeClr val="accent2"/>
     </dgm:fillClrLst>
     <dgm:linClrLst meth="repeat">
-      <a:schemeClr val="lt2"/>
+      <a:schemeClr val="lt1"/>
     </dgm:linClrLst>
     <dgm:effectClrLst/>
     <dgm:txLinClrLst/>
@@ -376,11 +432,11 @@
     <dgm:txEffectClrLst/>
   </dgm:styleLbl>
   <dgm:styleLbl name="asst2">
-    <dgm:fillClrLst meth="repeat">
-      <a:schemeClr val="dk2"/>
+    <dgm:fillClrLst>
+      <a:schemeClr val="accent3"/>
     </dgm:fillClrLst>
     <dgm:linClrLst meth="repeat">
-      <a:schemeClr val="lt2"/>
+      <a:schemeClr val="lt1"/>
     </dgm:linClrLst>
     <dgm:effectClrLst/>
     <dgm:txLinClrLst/>
@@ -388,11 +444,11 @@
     <dgm:txEffectClrLst/>
   </dgm:styleLbl>
   <dgm:styleLbl name="asst3">
-    <dgm:fillClrLst meth="repeat">
-      <a:schemeClr val="dk2"/>
+    <dgm:fillClrLst>
+      <a:schemeClr val="accent4"/>
     </dgm:fillClrLst>
     <dgm:linClrLst meth="repeat">
-      <a:schemeClr val="lt2"/>
+      <a:schemeClr val="lt1"/>
     </dgm:linClrLst>
     <dgm:effectClrLst/>
     <dgm:txLinClrLst/>
@@ -400,11 +456,11 @@
     <dgm:txEffectClrLst/>
   </dgm:styleLbl>
   <dgm:styleLbl name="asst4">
-    <dgm:fillClrLst meth="repeat">
-      <a:schemeClr val="dk2"/>
+    <dgm:fillClrLst>
+      <a:schemeClr val="accent5"/>
     </dgm:fillClrLst>
     <dgm:linClrLst meth="repeat">
-      <a:schemeClr val="lt2"/>
+      <a:schemeClr val="lt1"/>
     </dgm:linClrLst>
     <dgm:effectClrLst/>
     <dgm:txLinClrLst/>
@@ -413,72 +469,62 @@
   </dgm:styleLbl>
   <dgm:styleLbl name="parChTrans2D1">
     <dgm:fillClrLst meth="repeat">
-      <a:schemeClr val="dk2">
-        <a:tint val="60000"/>
-      </a:schemeClr>
+      <a:schemeClr val="accent2"/>
     </dgm:fillClrLst>
     <dgm:linClrLst meth="repeat">
-      <a:schemeClr val="dk2">
-        <a:tint val="60000"/>
-      </a:schemeClr>
+      <a:schemeClr val="lt1"/>
     </dgm:linClrLst>
     <dgm:effectClrLst/>
     <dgm:txLinClrLst/>
     <dgm:txFillClrLst meth="repeat">
-      <a:schemeClr val="lt2"/>
+      <a:schemeClr val="lt1"/>
     </dgm:txFillClrLst>
     <dgm:txEffectClrLst/>
   </dgm:styleLbl>
   <dgm:styleLbl name="parChTrans2D2">
     <dgm:fillClrLst meth="repeat">
-      <a:schemeClr val="dk2"/>
+      <a:schemeClr val="accent3"/>
     </dgm:fillClrLst>
     <dgm:linClrLst meth="repeat">
-      <a:schemeClr val="dk2"/>
+      <a:schemeClr val="lt1"/>
+    </dgm:linClrLst>
+    <dgm:effectClrLst/>
+    <dgm:txLinClrLst/>
+    <dgm:txFillClrLst/>
+    <dgm:txEffectClrLst/>
+  </dgm:styleLbl>
+  <dgm:styleLbl name="parChTrans2D3">
+    <dgm:fillClrLst meth="repeat">
+      <a:schemeClr val="accent4"/>
+    </dgm:fillClrLst>
+    <dgm:linClrLst meth="repeat">
+      <a:schemeClr val="lt1"/>
+    </dgm:linClrLst>
+    <dgm:effectClrLst/>
+    <dgm:txLinClrLst/>
+    <dgm:txFillClrLst/>
+    <dgm:txEffectClrLst/>
+  </dgm:styleLbl>
+  <dgm:styleLbl name="parChTrans2D4">
+    <dgm:fillClrLst meth="repeat">
+      <a:schemeClr val="accent5"/>
+    </dgm:fillClrLst>
+    <dgm:linClrLst meth="repeat">
+      <a:schemeClr val="lt1"/>
     </dgm:linClrLst>
     <dgm:effectClrLst/>
     <dgm:txLinClrLst/>
     <dgm:txFillClrLst meth="repeat">
-      <a:schemeClr val="lt2"/>
-    </dgm:txFillClrLst>
-    <dgm:txEffectClrLst/>
-  </dgm:styleLbl>
-  <dgm:styleLbl name="parChTrans2D3">
-    <dgm:fillClrLst meth="repeat">
-      <a:schemeClr val="dk2"/>
-    </dgm:fillClrLst>
-    <dgm:linClrLst meth="repeat">
-      <a:schemeClr val="dk2"/>
-    </dgm:linClrLst>
-    <dgm:effectClrLst/>
-    <dgm:txLinClrLst/>
-    <dgm:txFillClrLst meth="repeat">
-      <a:schemeClr val="lt2"/>
-    </dgm:txFillClrLst>
-    <dgm:txEffectClrLst/>
-  </dgm:styleLbl>
-  <dgm:styleLbl name="parChTrans2D4">
-    <dgm:fillClrLst meth="repeat">
-      <a:schemeClr val="dk2"/>
-    </dgm:fillClrLst>
-    <dgm:linClrLst meth="repeat">
-      <a:schemeClr val="dk2"/>
-    </dgm:linClrLst>
-    <dgm:effectClrLst/>
-    <dgm:txLinClrLst/>
-    <dgm:txFillClrLst meth="repeat">
-      <a:schemeClr val="lt2"/>
+      <a:schemeClr val="lt1"/>
     </dgm:txFillClrLst>
     <dgm:txEffectClrLst/>
   </dgm:styleLbl>
   <dgm:styleLbl name="parChTrans1D1">
     <dgm:fillClrLst meth="repeat">
-      <a:schemeClr val="dk2"/>
+      <a:schemeClr val="accent2"/>
     </dgm:fillClrLst>
     <dgm:linClrLst meth="repeat">
-      <a:schemeClr val="dk2">
-        <a:shade val="60000"/>
-      </a:schemeClr>
+      <a:schemeClr val="accent1"/>
     </dgm:linClrLst>
     <dgm:effectClrLst/>
     <dgm:txLinClrLst/>
@@ -489,12 +535,12 @@
   </dgm:styleLbl>
   <dgm:styleLbl name="parChTrans1D2">
     <dgm:fillClrLst meth="repeat">
-      <a:schemeClr val="dk2"/>
+      <a:schemeClr val="accent3">
+        <a:tint val="90000"/>
+      </a:schemeClr>
     </dgm:fillClrLst>
     <dgm:linClrLst meth="repeat">
-      <a:schemeClr val="dk2">
-        <a:shade val="60000"/>
-      </a:schemeClr>
+      <a:schemeClr val="accent2"/>
     </dgm:linClrLst>
     <dgm:effectClrLst/>
     <dgm:txLinClrLst/>
@@ -505,12 +551,12 @@
   </dgm:styleLbl>
   <dgm:styleLbl name="parChTrans1D3">
     <dgm:fillClrLst meth="repeat">
-      <a:schemeClr val="dk2"/>
+      <a:schemeClr val="accent4">
+        <a:tint val="70000"/>
+      </a:schemeClr>
     </dgm:fillClrLst>
     <dgm:linClrLst meth="repeat">
-      <a:schemeClr val="dk2">
-        <a:shade val="80000"/>
-      </a:schemeClr>
+      <a:schemeClr val="accent3"/>
     </dgm:linClrLst>
     <dgm:effectClrLst/>
     <dgm:txLinClrLst/>
@@ -521,12 +567,12 @@
   </dgm:styleLbl>
   <dgm:styleLbl name="parChTrans1D4">
     <dgm:fillClrLst meth="repeat">
-      <a:schemeClr val="dk2"/>
+      <a:schemeClr val="accent5">
+        <a:tint val="50000"/>
+      </a:schemeClr>
     </dgm:fillClrLst>
     <dgm:linClrLst meth="repeat">
-      <a:schemeClr val="dk2">
-        <a:shade val="80000"/>
-      </a:schemeClr>
+      <a:schemeClr val="accent4"/>
     </dgm:linClrLst>
     <dgm:effectClrLst/>
     <dgm:txLinClrLst/>
@@ -537,12 +583,16 @@
   </dgm:styleLbl>
   <dgm:styleLbl name="fgAcc1">
     <dgm:fillClrLst meth="repeat">
-      <a:schemeClr val="lt2">
+      <a:schemeClr val="lt1">
         <a:alpha val="90000"/>
       </a:schemeClr>
     </dgm:fillClrLst>
     <dgm:linClrLst meth="repeat">
-      <a:schemeClr val="dk2"/>
+      <a:schemeClr val="accent2"/>
+      <a:schemeClr val="accent3"/>
+      <a:schemeClr val="accent4"/>
+      <a:schemeClr val="accent5"/>
+      <a:schemeClr val="accent6"/>
     </dgm:linClrLst>
     <dgm:effectClrLst/>
     <dgm:txLinClrLst/>
@@ -553,12 +603,16 @@
   </dgm:styleLbl>
   <dgm:styleLbl name="conFgAcc1">
     <dgm:fillClrLst meth="repeat">
-      <a:schemeClr val="lt2">
+      <a:schemeClr val="lt1">
         <a:alpha val="90000"/>
       </a:schemeClr>
     </dgm:fillClrLst>
     <dgm:linClrLst meth="repeat">
-      <a:schemeClr val="dk2"/>
+      <a:schemeClr val="accent2"/>
+      <a:schemeClr val="accent3"/>
+      <a:schemeClr val="accent4"/>
+      <a:schemeClr val="accent5"/>
+      <a:schemeClr val="accent6"/>
     </dgm:linClrLst>
     <dgm:effectClrLst/>
     <dgm:txLinClrLst/>
@@ -569,12 +623,16 @@
   </dgm:styleLbl>
   <dgm:styleLbl name="alignAcc1">
     <dgm:fillClrLst meth="repeat">
-      <a:schemeClr val="lt2">
+      <a:schemeClr val="lt1">
         <a:alpha val="90000"/>
       </a:schemeClr>
     </dgm:fillClrLst>
     <dgm:linClrLst meth="repeat">
-      <a:schemeClr val="dk2"/>
+      <a:schemeClr val="accent2"/>
+      <a:schemeClr val="accent3"/>
+      <a:schemeClr val="accent4"/>
+      <a:schemeClr val="accent5"/>
+      <a:schemeClr val="accent6"/>
     </dgm:linClrLst>
     <dgm:effectClrLst/>
     <dgm:txLinClrLst/>
@@ -585,12 +643,12 @@
   </dgm:styleLbl>
   <dgm:styleLbl name="trAlignAcc1">
     <dgm:fillClrLst meth="repeat">
-      <a:schemeClr val="lt2">
+      <a:schemeClr val="lt1">
         <a:alpha val="40000"/>
       </a:schemeClr>
     </dgm:fillClrLst>
     <dgm:linClrLst meth="repeat">
-      <a:schemeClr val="dk2"/>
+      <a:schemeClr val="accent1"/>
     </dgm:linClrLst>
     <dgm:effectClrLst/>
     <dgm:txLinClrLst/>
@@ -601,12 +659,16 @@
   </dgm:styleLbl>
   <dgm:styleLbl name="bgAcc1">
     <dgm:fillClrLst meth="repeat">
-      <a:schemeClr val="lt2">
+      <a:schemeClr val="lt1">
         <a:alpha val="90000"/>
       </a:schemeClr>
     </dgm:fillClrLst>
     <dgm:linClrLst meth="repeat">
-      <a:schemeClr val="dk2"/>
+      <a:schemeClr val="accent2"/>
+      <a:schemeClr val="accent3"/>
+      <a:schemeClr val="accent4"/>
+      <a:schemeClr val="accent5"/>
+      <a:schemeClr val="accent6"/>
     </dgm:linClrLst>
     <dgm:effectClrLst/>
     <dgm:txLinClrLst/>
@@ -617,10 +679,14 @@
   </dgm:styleLbl>
   <dgm:styleLbl name="solidFgAcc1">
     <dgm:fillClrLst meth="repeat">
-      <a:schemeClr val="lt2"/>
+      <a:schemeClr val="lt1"/>
     </dgm:fillClrLst>
     <dgm:linClrLst meth="repeat">
-      <a:schemeClr val="dk2"/>
+      <a:schemeClr val="accent2"/>
+      <a:schemeClr val="accent3"/>
+      <a:schemeClr val="accent4"/>
+      <a:schemeClr val="accent5"/>
+      <a:schemeClr val="accent6"/>
     </dgm:linClrLst>
     <dgm:effectClrLst/>
     <dgm:txLinClrLst/>
@@ -631,10 +697,14 @@
   </dgm:styleLbl>
   <dgm:styleLbl name="solidAlignAcc1">
     <dgm:fillClrLst meth="repeat">
-      <a:schemeClr val="lt2"/>
+      <a:schemeClr val="lt1"/>
     </dgm:fillClrLst>
     <dgm:linClrLst meth="repeat">
-      <a:schemeClr val="dk2"/>
+      <a:schemeClr val="accent2"/>
+      <a:schemeClr val="accent3"/>
+      <a:schemeClr val="accent4"/>
+      <a:schemeClr val="accent5"/>
+      <a:schemeClr val="accent6"/>
     </dgm:linClrLst>
     <dgm:effectClrLst/>
     <dgm:txLinClrLst/>
@@ -645,10 +715,14 @@
   </dgm:styleLbl>
   <dgm:styleLbl name="solidBgAcc1">
     <dgm:fillClrLst meth="repeat">
-      <a:schemeClr val="lt2"/>
+      <a:schemeClr val="lt1"/>
     </dgm:fillClrLst>
     <dgm:linClrLst meth="repeat">
-      <a:schemeClr val="dk2"/>
+      <a:schemeClr val="accent2"/>
+      <a:schemeClr val="accent3"/>
+      <a:schemeClr val="accent4"/>
+      <a:schemeClr val="accent5"/>
+      <a:schemeClr val="accent6"/>
     </dgm:linClrLst>
     <dgm:effectClrLst/>
     <dgm:txLinClrLst/>
@@ -659,15 +733,47 @@
   </dgm:styleLbl>
   <dgm:styleLbl name="fgAccFollowNode1">
     <dgm:fillClrLst meth="repeat">
-      <a:schemeClr val="dk2">
+      <a:schemeClr val="accent2">
+        <a:tint val="40000"/>
         <a:alpha val="90000"/>
+      </a:schemeClr>
+      <a:schemeClr val="accent3">
         <a:tint val="40000"/>
+        <a:alpha val="90000"/>
+      </a:schemeClr>
+      <a:schemeClr val="accent4">
+        <a:tint val="40000"/>
+        <a:alpha val="90000"/>
+      </a:schemeClr>
+      <a:schemeClr val="accent5">
+        <a:tint val="40000"/>
+        <a:alpha val="90000"/>
+      </a:schemeClr>
+      <a:schemeClr val="accent6">
+        <a:tint val="40000"/>
+        <a:alpha val="90000"/>
       </a:schemeClr>
     </dgm:fillClrLst>
     <dgm:linClrLst meth="repeat">
-      <a:schemeClr val="dk2">
+      <a:schemeClr val="accent2">
+        <a:tint val="40000"/>
         <a:alpha val="90000"/>
+      </a:schemeClr>
+      <a:schemeClr val="accent3">
         <a:tint val="40000"/>
+        <a:alpha val="90000"/>
+      </a:schemeClr>
+      <a:schemeClr val="accent4">
+        <a:tint val="40000"/>
+        <a:alpha val="90000"/>
+      </a:schemeClr>
+      <a:schemeClr val="accent5">
+        <a:tint val="40000"/>
+        <a:alpha val="90000"/>
+      </a:schemeClr>
+      <a:schemeClr val="accent6">
+        <a:tint val="40000"/>
+        <a:alpha val="90000"/>
       </a:schemeClr>
     </dgm:linClrLst>
     <dgm:effectClrLst/>
@@ -679,15 +785,47 @@
   </dgm:styleLbl>
   <dgm:styleLbl name="alignAccFollowNode1">
     <dgm:fillClrLst meth="repeat">
-      <a:schemeClr val="dk2">
+      <a:schemeClr val="accent2">
+        <a:tint val="40000"/>
         <a:alpha val="90000"/>
+      </a:schemeClr>
+      <a:schemeClr val="accent3">
         <a:tint val="40000"/>
+        <a:alpha val="90000"/>
+      </a:schemeClr>
+      <a:schemeClr val="accent4">
+        <a:tint val="40000"/>
+        <a:alpha val="90000"/>
+      </a:schemeClr>
+      <a:schemeClr val="accent5">
+        <a:tint val="40000"/>
+        <a:alpha val="90000"/>
+      </a:schemeClr>
+      <a:schemeClr val="accent6">
+        <a:tint val="40000"/>
+        <a:alpha val="90000"/>
       </a:schemeClr>
     </dgm:fillClrLst>
     <dgm:linClrLst meth="repeat">
-      <a:schemeClr val="dk2">
+      <a:schemeClr val="accent2">
+        <a:tint val="40000"/>
         <a:alpha val="90000"/>
+      </a:schemeClr>
+      <a:schemeClr val="accent3">
         <a:tint val="40000"/>
+        <a:alpha val="90000"/>
+      </a:schemeClr>
+      <a:schemeClr val="accent4">
+        <a:tint val="40000"/>
+        <a:alpha val="90000"/>
+      </a:schemeClr>
+      <a:schemeClr val="accent5">
+        <a:tint val="40000"/>
+        <a:alpha val="90000"/>
+      </a:schemeClr>
+      <a:schemeClr val="accent6">
+        <a:tint val="40000"/>
+        <a:alpha val="90000"/>
       </a:schemeClr>
     </dgm:linClrLst>
     <dgm:effectClrLst/>
@@ -699,15 +837,47 @@
   </dgm:styleLbl>
   <dgm:styleLbl name="bgAccFollowNode1">
     <dgm:fillClrLst meth="repeat">
-      <a:schemeClr val="dk2">
+      <a:schemeClr val="accent2">
+        <a:tint val="40000"/>
         <a:alpha val="90000"/>
+      </a:schemeClr>
+      <a:schemeClr val="accent3">
         <a:tint val="40000"/>
+        <a:alpha val="90000"/>
+      </a:schemeClr>
+      <a:schemeClr val="accent4">
+        <a:tint val="40000"/>
+        <a:alpha val="90000"/>
+      </a:schemeClr>
+      <a:schemeClr val="accent5">
+        <a:tint val="40000"/>
+        <a:alpha val="90000"/>
+      </a:schemeClr>
+      <a:schemeClr val="accent6">
+        <a:tint val="40000"/>
+        <a:alpha val="90000"/>
       </a:schemeClr>
     </dgm:fillClrLst>
     <dgm:linClrLst meth="repeat">
-      <a:schemeClr val="dk2">
+      <a:schemeClr val="accent2">
+        <a:tint val="40000"/>
         <a:alpha val="90000"/>
+      </a:schemeClr>
+      <a:schemeClr val="accent3">
         <a:tint val="40000"/>
+        <a:alpha val="90000"/>
+      </a:schemeClr>
+      <a:schemeClr val="accent4">
+        <a:tint val="40000"/>
+        <a:alpha val="90000"/>
+      </a:schemeClr>
+      <a:schemeClr val="accent5">
+        <a:tint val="40000"/>
+        <a:alpha val="90000"/>
+      </a:schemeClr>
+      <a:schemeClr val="accent6">
+        <a:tint val="40000"/>
+        <a:alpha val="90000"/>
       </a:schemeClr>
     </dgm:linClrLst>
     <dgm:effectClrLst/>
@@ -719,12 +889,12 @@
   </dgm:styleLbl>
   <dgm:styleLbl name="fgAcc0">
     <dgm:fillClrLst meth="repeat">
-      <a:schemeClr val="lt2">
+      <a:schemeClr val="lt1">
         <a:alpha val="90000"/>
       </a:schemeClr>
     </dgm:fillClrLst>
-    <dgm:linClrLst meth="repeat">
-      <a:schemeClr val="dk2"/>
+    <dgm:linClrLst>
+      <a:schemeClr val="accent1"/>
     </dgm:linClrLst>
     <dgm:effectClrLst/>
     <dgm:txLinClrLst/>
@@ -735,12 +905,12 @@
   </dgm:styleLbl>
   <dgm:styleLbl name="fgAcc2">
     <dgm:fillClrLst meth="repeat">
-      <a:schemeClr val="lt2">
+      <a:schemeClr val="lt1">
         <a:alpha val="90000"/>
       </a:schemeClr>
     </dgm:fillClrLst>
-    <dgm:linClrLst meth="repeat">
-      <a:schemeClr val="dk2"/>
+    <dgm:linClrLst>
+      <a:schemeClr val="accent2"/>
     </dgm:linClrLst>
     <dgm:effectClrLst/>
     <dgm:txLinClrLst/>
@@ -751,12 +921,12 @@
   </dgm:styleLbl>
   <dgm:styleLbl name="fgAcc3">
     <dgm:fillClrLst meth="repeat">
-      <a:schemeClr val="lt2">
+      <a:schemeClr val="lt1">
         <a:alpha val="90000"/>
       </a:schemeClr>
     </dgm:fillClrLst>
-    <dgm:linClrLst meth="repeat">
-      <a:schemeClr val="dk2"/>
+    <dgm:linClrLst>
+      <a:schemeClr val="accent3"/>
     </dgm:linClrLst>
     <dgm:effectClrLst/>
     <dgm:txLinClrLst/>
@@ -767,12 +937,12 @@
   </dgm:styleLbl>
   <dgm:styleLbl name="fgAcc4">
     <dgm:fillClrLst meth="repeat">
-      <a:schemeClr val="lt2">
+      <a:schemeClr val="lt1">
         <a:alpha val="90000"/>
       </a:schemeClr>
     </dgm:fillClrLst>
-    <dgm:linClrLst meth="repeat">
-      <a:schemeClr val="dk2"/>
+    <dgm:linClrLst>
+      <a:schemeClr val="accent4"/>
     </dgm:linClrLst>
     <dgm:effectClrLst/>
     <dgm:txLinClrLst/>
@@ -783,28 +953,30 @@
   </dgm:styleLbl>
   <dgm:styleLbl name="bgShp">
     <dgm:fillClrLst meth="repeat">
-      <a:schemeClr val="dk2">
-        <a:tint val="40000"/>
-      </a:schemeClr>
+      <a:schemeClr val="accent2"/>
+      <a:schemeClr val="accent3"/>
+      <a:schemeClr val="accent4"/>
+      <a:schemeClr val="accent5"/>
+      <a:schemeClr val="accent6"/>
     </dgm:fillClrLst>
     <dgm:linClrLst meth="repeat">
-      <a:schemeClr val="dk2"/>
+      <a:schemeClr val="lt1">
+        <a:alpha val="0"/>
+      </a:schemeClr>
     </dgm:linClrLst>
     <dgm:effectClrLst/>
     <dgm:txLinClrLst/>
-    <dgm:txFillClrLst meth="repeat">
-      <a:schemeClr val="dk1"/>
-    </dgm:txFillClrLst>
+    <dgm:txFillClrLst/>
     <dgm:txEffectClrLst/>
   </dgm:styleLbl>
   <dgm:styleLbl name="dkBgShp">
     <dgm:fillClrLst meth="repeat">
-      <a:schemeClr val="dk2">
-        <a:shade val="80000"/>
+      <a:schemeClr val="accent2">
+        <a:shade val="90000"/>
       </a:schemeClr>
     </dgm:fillClrLst>
     <dgm:linClrLst meth="repeat">
-      <a:schemeClr val="dk2"/>
+      <a:schemeClr val="dk1"/>
     </dgm:linClrLst>
     <dgm:effectClrLst/>
     <dgm:txLinClrLst/>
@@ -815,13 +987,13 @@
   </dgm:styleLbl>
   <dgm:styleLbl name="trBgShp">
     <dgm:fillClrLst meth="repeat">
-      <a:schemeClr val="dk2">
+      <a:schemeClr val="accent1">
         <a:tint val="50000"/>
         <a:alpha val="40000"/>
       </a:schemeClr>
     </dgm:fillClrLst>
     <dgm:linClrLst meth="repeat">
-      <a:schemeClr val="dk2"/>
+      <a:schemeClr val="accent2"/>
     </dgm:linClrLst>
     <dgm:effectClrLst/>
     <dgm:txLinClrLst/>
@@ -832,12 +1004,12 @@
   </dgm:styleLbl>
   <dgm:styleLbl name="fgShp">
     <dgm:fillClrLst meth="repeat">
-      <a:schemeClr val="dk2">
-        <a:tint val="60000"/>
+      <a:schemeClr val="accent2">
+        <a:tint val="40000"/>
       </a:schemeClr>
     </dgm:fillClrLst>
     <dgm:linClrLst meth="repeat">
-      <a:schemeClr val="lt2"/>
+      <a:schemeClr val="lt1"/>
     </dgm:linClrLst>
     <dgm:effectClrLst/>
     <dgm:txLinClrLst/>
@@ -848,7 +1020,7 @@
   </dgm:styleLbl>
   <dgm:styleLbl name="revTx">
     <dgm:fillClrLst meth="repeat">
-      <a:schemeClr val="lt2">
+      <a:schemeClr val="lt1">
         <a:alpha val="0"/>
       </a:schemeClr>
     </dgm:fillClrLst>
@@ -871,7 +1043,7 @@
 <dgm:dataModel xmlns:dgm="http://schemas.openxmlformats.org/drawingml/2006/diagram" xmlns:a="http://schemas.openxmlformats.org/drawingml/2006/main">
   <dgm:ptLst>
     <dgm:pt modelId="{15509919-36B5-4162-8899-417A9F93473B}" type="doc">
-      <dgm:prSet loTypeId="urn:microsoft.com/office/officeart/2016/7/layout/LinearBlockProcessNumbered#1" loCatId="process" qsTypeId="urn:microsoft.com/office/officeart/2005/8/quickstyle/simple2" qsCatId="simple" csTypeId="urn:microsoft.com/office/officeart/2005/8/colors/accent0_3" csCatId="mainScheme" phldr="1"/>
+      <dgm:prSet loTypeId="urn:microsoft.com/office/officeart/2018/5/layout/IconLeafLabelList" loCatId="icon" qsTypeId="urn:microsoft.com/office/officeart/2005/8/quickstyle/simple1" qsCatId="simple" csTypeId="urn:microsoft.com/office/officeart/2018/5/colors/Iconchunking_neutralicon_colorful1" csCatId="colorful" phldr="1"/>
       <dgm:spPr/>
       <dgm:t>
         <a:bodyPr/>
@@ -888,8 +1060,14 @@
         <a:bodyPr/>
         <a:lstStyle/>
         <a:p>
+          <a:pPr>
+            <a:lnSpc>
+              <a:spcPct val="100000"/>
+            </a:lnSpc>
+            <a:defRPr cap="all"/>
+          </a:pPr>
           <a:r>
-            <a:rPr lang="en-US" dirty="0"/>
+            <a:rPr lang="en-US"/>
             <a:t>Effect</a:t>
           </a:r>
         </a:p>
@@ -913,10 +1091,6 @@
         <a:bodyPr/>
         <a:lstStyle/>
         <a:p>
-          <a:r>
-            <a:rPr lang="en-US"/>
-            <a:t>01</a:t>
-          </a:r>
           <a:endParaRPr lang="en-US" dirty="0"/>
         </a:p>
       </dgm:t>
@@ -928,8 +1102,14 @@
         <a:bodyPr/>
         <a:lstStyle/>
         <a:p>
+          <a:pPr>
+            <a:lnSpc>
+              <a:spcPct val="100000"/>
+            </a:lnSpc>
+            <a:defRPr cap="all"/>
+          </a:pPr>
           <a:r>
-            <a:rPr lang="en-US" dirty="0"/>
+            <a:rPr lang="en-US"/>
             <a:t>Bind</a:t>
           </a:r>
         </a:p>
@@ -953,10 +1133,6 @@
         <a:bodyPr/>
         <a:lstStyle/>
         <a:p>
-          <a:r>
-            <a:rPr lang="en-US"/>
-            <a:t>02</a:t>
-          </a:r>
           <a:endParaRPr lang="en-US" dirty="0"/>
         </a:p>
       </dgm:t>
@@ -968,8 +1144,14 @@
         <a:bodyPr/>
         <a:lstStyle/>
         <a:p>
+          <a:pPr>
+            <a:lnSpc>
+              <a:spcPct val="100000"/>
+            </a:lnSpc>
+            <a:defRPr cap="all"/>
+          </a:pPr>
           <a:r>
-            <a:rPr lang="en-US" dirty="0"/>
+            <a:rPr lang="en-US"/>
             <a:t>Unit</a:t>
           </a:r>
         </a:p>
@@ -993,114 +1175,191 @@
         <a:bodyPr/>
         <a:lstStyle/>
         <a:p>
-          <a:r>
-            <a:rPr lang="en-US"/>
-            <a:t>03</a:t>
-          </a:r>
           <a:endParaRPr lang="en-US" dirty="0"/>
         </a:p>
       </dgm:t>
     </dgm:pt>
-    <dgm:pt modelId="{09F899AB-70CA-46DA-8F8C-58514A9FEF67}" type="pres">
-      <dgm:prSet presAssocID="{15509919-36B5-4162-8899-417A9F93473B}" presName="Name0" presStyleCnt="0">
+    <dgm:pt modelId="{D69CB7DE-633C-49F2-955D-F68AD6192FEB}" type="pres">
+      <dgm:prSet presAssocID="{15509919-36B5-4162-8899-417A9F93473B}" presName="root" presStyleCnt="0">
         <dgm:presLayoutVars>
-          <dgm:animLvl val="lvl"/>
+          <dgm:dir/>
           <dgm:resizeHandles val="exact"/>
         </dgm:presLayoutVars>
       </dgm:prSet>
       <dgm:spPr/>
     </dgm:pt>
-    <dgm:pt modelId="{9E708B2C-9056-43B8-820C-8D4D2D591614}" type="pres">
-      <dgm:prSet presAssocID="{AAF9DEE3-8444-4CA1-8BC2-D834D3ED6C74}" presName="compositeNode" presStyleCnt="0">
+    <dgm:pt modelId="{4A7F6FC8-0B6E-41FB-BAA9-0C77035CF180}" type="pres">
+      <dgm:prSet presAssocID="{AAF9DEE3-8444-4CA1-8BC2-D834D3ED6C74}" presName="compNode" presStyleCnt="0"/>
+      <dgm:spPr/>
+    </dgm:pt>
+    <dgm:pt modelId="{AD19B792-7D1E-48DA-80D6-A3ED32F0553A}" type="pres">
+      <dgm:prSet presAssocID="{AAF9DEE3-8444-4CA1-8BC2-D834D3ED6C74}" presName="iconBgRect" presStyleLbl="bgShp" presStyleIdx="0" presStyleCnt="3"/>
+      <dgm:spPr>
+        <a:prstGeom prst="round2DiagRect">
+          <a:avLst>
+            <a:gd name="adj1" fmla="val 29727"/>
+            <a:gd name="adj2" fmla="val 0"/>
+          </a:avLst>
+        </a:prstGeom>
+      </dgm:spPr>
+    </dgm:pt>
+    <dgm:pt modelId="{F7AD53E1-E4C1-4135-B9F9-BDB4D9F84513}" type="pres">
+      <dgm:prSet presAssocID="{AAF9DEE3-8444-4CA1-8BC2-D834D3ED6C74}" presName="iconRect" presStyleLbl="node1" presStyleIdx="0" presStyleCnt="3"/>
+      <dgm:spPr>
+        <a:blipFill>
+          <a:blip xmlns:r="http://schemas.openxmlformats.org/officeDocument/2006/relationships" r:embed="rId1">
+            <a:extLst>
+              <a:ext uri="{28A0092B-C50C-407E-A947-70E740481C1C}">
+                <a14:useLocalDpi xmlns:a14="http://schemas.microsoft.com/office/drawing/2010/main" val="0"/>
+              </a:ext>
+              <a:ext uri="{96DAC541-7B7A-43D3-8B79-37D633B846F1}">
+                <asvg:svgBlip xmlns:asvg="http://schemas.microsoft.com/office/drawing/2016/SVG/main" r:embed="rId2"/>
+              </a:ext>
+            </a:extLst>
+          </a:blip>
+          <a:stretch>
+            <a:fillRect/>
+          </a:stretch>
+        </a:blipFill>
+        <a:ln>
+          <a:noFill/>
+        </a:ln>
+      </dgm:spPr>
+      <dgm:extLst>
+        <a:ext uri="{E40237B7-FDA0-4F09-8148-C483321AD2D9}">
+          <dgm14:cNvPr xmlns:dgm14="http://schemas.microsoft.com/office/drawing/2010/diagram" id="0" name="" descr="Downward trend"/>
+        </a:ext>
+      </dgm:extLst>
+    </dgm:pt>
+    <dgm:pt modelId="{6EE365C4-5E71-43C0-B9BF-FB00C5D24D7D}" type="pres">
+      <dgm:prSet presAssocID="{AAF9DEE3-8444-4CA1-8BC2-D834D3ED6C74}" presName="spaceRect" presStyleCnt="0"/>
+      <dgm:spPr/>
+    </dgm:pt>
+    <dgm:pt modelId="{D8E18D2E-8BEE-4E83-9E0B-E4CA9977202C}" type="pres">
+      <dgm:prSet presAssocID="{AAF9DEE3-8444-4CA1-8BC2-D834D3ED6C74}" presName="textRect" presStyleLbl="revTx" presStyleIdx="0" presStyleCnt="3">
         <dgm:presLayoutVars>
-          <dgm:bulletEnabled val="1"/>
+          <dgm:chMax val="1"/>
+          <dgm:chPref val="1"/>
         </dgm:presLayoutVars>
       </dgm:prSet>
       <dgm:spPr/>
     </dgm:pt>
-    <dgm:pt modelId="{F4992080-7D4E-4F2B-B608-170DDBB6006A}" type="pres">
-      <dgm:prSet presAssocID="{AAF9DEE3-8444-4CA1-8BC2-D834D3ED6C74}" presName="bgRect" presStyleLbl="alignNode1" presStyleIdx="0" presStyleCnt="3" custLinFactNeighborX="-25"/>
+    <dgm:pt modelId="{195EE72E-9BDB-4726-828B-7E29D5ACC48C}" type="pres">
+      <dgm:prSet presAssocID="{23210C7F-6847-491E-BE1F-A79529AF2B8B}" presName="sibTrans" presStyleCnt="0"/>
       <dgm:spPr/>
     </dgm:pt>
-    <dgm:pt modelId="{15536E38-36FE-4A51-B620-2715BFAD5475}" type="pres">
-      <dgm:prSet presAssocID="{23210C7F-6847-491E-BE1F-A79529AF2B8B}" presName="sibTransNodeRect" presStyleLbl="alignNode1" presStyleIdx="0" presStyleCnt="3">
+    <dgm:pt modelId="{2E2AA989-B9C8-48F3-A994-6E9EB94E4FFA}" type="pres">
+      <dgm:prSet presAssocID="{B2B879BD-3840-400C-92BD-B2C2383358D7}" presName="compNode" presStyleCnt="0"/>
+      <dgm:spPr/>
+    </dgm:pt>
+    <dgm:pt modelId="{8246F7D0-6B2F-4A46-946B-05930EAEC129}" type="pres">
+      <dgm:prSet presAssocID="{B2B879BD-3840-400C-92BD-B2C2383358D7}" presName="iconBgRect" presStyleLbl="bgShp" presStyleIdx="1" presStyleCnt="3"/>
+      <dgm:spPr>
+        <a:prstGeom prst="round2DiagRect">
+          <a:avLst>
+            <a:gd name="adj1" fmla="val 29727"/>
+            <a:gd name="adj2" fmla="val 0"/>
+          </a:avLst>
+        </a:prstGeom>
+      </dgm:spPr>
+    </dgm:pt>
+    <dgm:pt modelId="{CFEE7E4D-C1F6-4817-AFE3-7F6A5B728E87}" type="pres">
+      <dgm:prSet presAssocID="{B2B879BD-3840-400C-92BD-B2C2383358D7}" presName="iconRect" presStyleLbl="node1" presStyleIdx="1" presStyleCnt="3"/>
+      <dgm:spPr>
+        <a:blipFill>
+          <a:blip xmlns:r="http://schemas.openxmlformats.org/officeDocument/2006/relationships" r:embed="rId3">
+            <a:extLst>
+              <a:ext uri="{28A0092B-C50C-407E-A947-70E740481C1C}">
+                <a14:useLocalDpi xmlns:a14="http://schemas.microsoft.com/office/drawing/2010/main" val="0"/>
+              </a:ext>
+              <a:ext uri="{96DAC541-7B7A-43D3-8B79-37D633B846F1}">
+                <asvg:svgBlip xmlns:asvg="http://schemas.microsoft.com/office/drawing/2016/SVG/main" r:embed="rId4"/>
+              </a:ext>
+            </a:extLst>
+          </a:blip>
+          <a:stretch>
+            <a:fillRect/>
+          </a:stretch>
+        </a:blipFill>
+        <a:ln>
+          <a:noFill/>
+        </a:ln>
+      </dgm:spPr>
+      <dgm:extLst>
+        <a:ext uri="{E40237B7-FDA0-4F09-8148-C483321AD2D9}">
+          <dgm14:cNvPr xmlns:dgm14="http://schemas.microsoft.com/office/drawing/2010/diagram" id="0" name="" descr="Document"/>
+        </a:ext>
+      </dgm:extLst>
+    </dgm:pt>
+    <dgm:pt modelId="{EC1716AC-4EDD-4C3C-A83F-9383BE2A2037}" type="pres">
+      <dgm:prSet presAssocID="{B2B879BD-3840-400C-92BD-B2C2383358D7}" presName="spaceRect" presStyleCnt="0"/>
+      <dgm:spPr/>
+    </dgm:pt>
+    <dgm:pt modelId="{8DC210C1-A53C-4FEB-A70E-CFF2DD1F6058}" type="pres">
+      <dgm:prSet presAssocID="{B2B879BD-3840-400C-92BD-B2C2383358D7}" presName="textRect" presStyleLbl="revTx" presStyleIdx="1" presStyleCnt="3">
         <dgm:presLayoutVars>
-          <dgm:chMax val="0"/>
-          <dgm:bulletEnabled val="1"/>
+          <dgm:chMax val="1"/>
+          <dgm:chPref val="1"/>
         </dgm:presLayoutVars>
       </dgm:prSet>
       <dgm:spPr/>
     </dgm:pt>
-    <dgm:pt modelId="{B158057C-23C1-45AE-9273-5935A8F6104B}" type="pres">
-      <dgm:prSet presAssocID="{AAF9DEE3-8444-4CA1-8BC2-D834D3ED6C74}" presName="nodeRect" presStyleLbl="alignNode1" presStyleIdx="0" presStyleCnt="3">
-        <dgm:presLayoutVars>
-          <dgm:bulletEnabled val="1"/>
-        </dgm:presLayoutVars>
-      </dgm:prSet>
-      <dgm:spPr/>
-    </dgm:pt>
-    <dgm:pt modelId="{5D52B8B6-958E-480C-9455-911A104C8C73}" type="pres">
-      <dgm:prSet presAssocID="{23210C7F-6847-491E-BE1F-A79529AF2B8B}" presName="sibTrans" presStyleCnt="0"/>
-      <dgm:spPr/>
-    </dgm:pt>
-    <dgm:pt modelId="{070CFBFA-AE62-406D-B2E3-4A871FE3EC95}" type="pres">
-      <dgm:prSet presAssocID="{B2B879BD-3840-400C-92BD-B2C2383358D7}" presName="compositeNode" presStyleCnt="0">
-        <dgm:presLayoutVars>
-          <dgm:bulletEnabled val="1"/>
-        </dgm:presLayoutVars>
-      </dgm:prSet>
-      <dgm:spPr/>
-    </dgm:pt>
-    <dgm:pt modelId="{89A9B4CF-6439-46B1-B6A9-1D6CD5034774}" type="pres">
-      <dgm:prSet presAssocID="{B2B879BD-3840-400C-92BD-B2C2383358D7}" presName="bgRect" presStyleLbl="alignNode1" presStyleIdx="1" presStyleCnt="3"/>
-      <dgm:spPr/>
-    </dgm:pt>
-    <dgm:pt modelId="{379B8CE4-8135-4F2C-A5A0-E55EBE328E9A}" type="pres">
-      <dgm:prSet presAssocID="{FBAA44FF-54DE-45C8-9FAC-512C40277233}" presName="sibTransNodeRect" presStyleLbl="alignNode1" presStyleIdx="1" presStyleCnt="3">
-        <dgm:presLayoutVars>
-          <dgm:chMax val="0"/>
-          <dgm:bulletEnabled val="1"/>
-        </dgm:presLayoutVars>
-      </dgm:prSet>
-      <dgm:spPr/>
-    </dgm:pt>
-    <dgm:pt modelId="{9F2B2B99-E41C-48B6-9241-186B3896CDB2}" type="pres">
-      <dgm:prSet presAssocID="{B2B879BD-3840-400C-92BD-B2C2383358D7}" presName="nodeRect" presStyleLbl="alignNode1" presStyleIdx="1" presStyleCnt="3">
-        <dgm:presLayoutVars>
-          <dgm:bulletEnabled val="1"/>
-        </dgm:presLayoutVars>
-      </dgm:prSet>
-      <dgm:spPr/>
-    </dgm:pt>
-    <dgm:pt modelId="{88CC7DDE-DA0F-42A6-8406-A11161BD6BA9}" type="pres">
+    <dgm:pt modelId="{CBB6DF32-BC5E-4BD7-97A8-967789CE46EC}" type="pres">
       <dgm:prSet presAssocID="{FBAA44FF-54DE-45C8-9FAC-512C40277233}" presName="sibTrans" presStyleCnt="0"/>
       <dgm:spPr/>
     </dgm:pt>
-    <dgm:pt modelId="{4C550E1C-ACB2-4A5D-BD4A-3D5D60E405E6}" type="pres">
-      <dgm:prSet presAssocID="{CA9D674E-4FF1-45DC-82E4-0B2DB6A5363F}" presName="compositeNode" presStyleCnt="0">
-        <dgm:presLayoutVars>
-          <dgm:bulletEnabled val="1"/>
-        </dgm:presLayoutVars>
-      </dgm:prSet>
+    <dgm:pt modelId="{6B2239AF-06B1-40DD-9E9C-6991F0D44362}" type="pres">
+      <dgm:prSet presAssocID="{CA9D674E-4FF1-45DC-82E4-0B2DB6A5363F}" presName="compNode" presStyleCnt="0"/>
       <dgm:spPr/>
     </dgm:pt>
-    <dgm:pt modelId="{0802B4A8-7224-4B0A-95B7-D17AEB2B2AFF}" type="pres">
-      <dgm:prSet presAssocID="{CA9D674E-4FF1-45DC-82E4-0B2DB6A5363F}" presName="bgRect" presStyleLbl="alignNode1" presStyleIdx="2" presStyleCnt="3"/>
+    <dgm:pt modelId="{3043F317-AC8E-4D28-A91B-EB14354DEA68}" type="pres">
+      <dgm:prSet presAssocID="{CA9D674E-4FF1-45DC-82E4-0B2DB6A5363F}" presName="iconBgRect" presStyleLbl="bgShp" presStyleIdx="2" presStyleCnt="3"/>
+      <dgm:spPr>
+        <a:prstGeom prst="round2DiagRect">
+          <a:avLst>
+            <a:gd name="adj1" fmla="val 29727"/>
+            <a:gd name="adj2" fmla="val 0"/>
+          </a:avLst>
+        </a:prstGeom>
+      </dgm:spPr>
+    </dgm:pt>
+    <dgm:pt modelId="{C6083497-A4F2-4ACF-A706-D7EECEDCCEDF}" type="pres">
+      <dgm:prSet presAssocID="{CA9D674E-4FF1-45DC-82E4-0B2DB6A5363F}" presName="iconRect" presStyleLbl="node1" presStyleIdx="2" presStyleCnt="3"/>
+      <dgm:spPr>
+        <a:blipFill>
+          <a:blip xmlns:r="http://schemas.openxmlformats.org/officeDocument/2006/relationships" r:embed="rId5">
+            <a:extLst>
+              <a:ext uri="{28A0092B-C50C-407E-A947-70E740481C1C}">
+                <a14:useLocalDpi xmlns:a14="http://schemas.microsoft.com/office/drawing/2010/main" val="0"/>
+              </a:ext>
+              <a:ext uri="{96DAC541-7B7A-43D3-8B79-37D633B846F1}">
+                <asvg:svgBlip xmlns:asvg="http://schemas.microsoft.com/office/drawing/2016/SVG/main" r:embed="rId6"/>
+              </a:ext>
+            </a:extLst>
+          </a:blip>
+          <a:stretch>
+            <a:fillRect/>
+          </a:stretch>
+        </a:blipFill>
+        <a:ln>
+          <a:noFill/>
+        </a:ln>
+      </dgm:spPr>
+      <dgm:extLst>
+        <a:ext uri="{E40237B7-FDA0-4F09-8148-C483321AD2D9}">
+          <dgm14:cNvPr xmlns:dgm14="http://schemas.microsoft.com/office/drawing/2010/diagram" id="0" name="" descr="Team"/>
+        </a:ext>
+      </dgm:extLst>
+    </dgm:pt>
+    <dgm:pt modelId="{9929E890-C413-40A9-A119-FC51987F362C}" type="pres">
+      <dgm:prSet presAssocID="{CA9D674E-4FF1-45DC-82E4-0B2DB6A5363F}" presName="spaceRect" presStyleCnt="0"/>
       <dgm:spPr/>
     </dgm:pt>
-    <dgm:pt modelId="{68AC9669-DC11-473A-AA2E-579A44E78C37}" type="pres">
-      <dgm:prSet presAssocID="{196DA4DC-9DD2-4A39-8A3A-D367BFE5A8BA}" presName="sibTransNodeRect" presStyleLbl="alignNode1" presStyleIdx="2" presStyleCnt="3">
+    <dgm:pt modelId="{872B811B-E48E-449B-81AA-54475BB22D3A}" type="pres">
+      <dgm:prSet presAssocID="{CA9D674E-4FF1-45DC-82E4-0B2DB6A5363F}" presName="textRect" presStyleLbl="revTx" presStyleIdx="2" presStyleCnt="3">
         <dgm:presLayoutVars>
-          <dgm:chMax val="0"/>
-          <dgm:bulletEnabled val="1"/>
-        </dgm:presLayoutVars>
-      </dgm:prSet>
-      <dgm:spPr/>
-    </dgm:pt>
-    <dgm:pt modelId="{D085015A-41AF-4EFA-A104-4FD73B2362F0}" type="pres">
-      <dgm:prSet presAssocID="{CA9D674E-4FF1-45DC-82E4-0B2DB6A5363F}" presName="nodeRect" presStyleLbl="alignNode1" presStyleIdx="2" presStyleCnt="3">
-        <dgm:presLayoutVars>
-          <dgm:bulletEnabled val="1"/>
+          <dgm:chMax val="1"/>
+          <dgm:chPref val="1"/>
         </dgm:presLayoutVars>
       </dgm:prSet>
       <dgm:spPr/>
@@ -1108,32 +1367,29 @@
   </dgm:ptLst>
   <dgm:cxnLst>
     <dgm:cxn modelId="{0A7DA706-17DD-412A-8BE0-4F6529274E66}" srcId="{15509919-36B5-4162-8899-417A9F93473B}" destId="{AAF9DEE3-8444-4CA1-8BC2-D834D3ED6C74}" srcOrd="0" destOrd="0" parTransId="{205BDF49-153E-4CE8-8402-E23704595764}" sibTransId="{23210C7F-6847-491E-BE1F-A79529AF2B8B}"/>
-    <dgm:cxn modelId="{109C0B15-B806-4127-A7EA-6F2FD85C2B5C}" type="presOf" srcId="{AAF9DEE3-8444-4CA1-8BC2-D834D3ED6C74}" destId="{B158057C-23C1-45AE-9273-5935A8F6104B}" srcOrd="1" destOrd="0" presId="urn:microsoft.com/office/officeart/2016/7/layout/LinearBlockProcessNumbered#1"/>
-    <dgm:cxn modelId="{284ED317-FBD3-4318-9DC1-43DD0A7A84DA}" type="presOf" srcId="{CA9D674E-4FF1-45DC-82E4-0B2DB6A5363F}" destId="{D085015A-41AF-4EFA-A104-4FD73B2362F0}" srcOrd="1" destOrd="0" presId="urn:microsoft.com/office/officeart/2016/7/layout/LinearBlockProcessNumbered#1"/>
-    <dgm:cxn modelId="{28938E20-006F-438A-BC3B-539C09A41AF8}" type="presOf" srcId="{23210C7F-6847-491E-BE1F-A79529AF2B8B}" destId="{15536E38-36FE-4A51-B620-2715BFAD5475}" srcOrd="0" destOrd="0" presId="urn:microsoft.com/office/officeart/2016/7/layout/LinearBlockProcessNumbered#1"/>
-    <dgm:cxn modelId="{9519B82E-A537-470B-AA27-A5E33C934F3E}" type="presOf" srcId="{196DA4DC-9DD2-4A39-8A3A-D367BFE5A8BA}" destId="{68AC9669-DC11-473A-AA2E-579A44E78C37}" srcOrd="0" destOrd="0" presId="urn:microsoft.com/office/officeart/2016/7/layout/LinearBlockProcessNumbered#1"/>
-    <dgm:cxn modelId="{E774C62E-62A2-478F-B2D4-49AC51F9A4FC}" type="presOf" srcId="{FBAA44FF-54DE-45C8-9FAC-512C40277233}" destId="{379B8CE4-8135-4F2C-A5A0-E55EBE328E9A}" srcOrd="0" destOrd="0" presId="urn:microsoft.com/office/officeart/2016/7/layout/LinearBlockProcessNumbered#1"/>
     <dgm:cxn modelId="{C5BD0B3A-2D82-4EC1-9975-05076C4418DA}" srcId="{15509919-36B5-4162-8899-417A9F93473B}" destId="{CA9D674E-4FF1-45DC-82E4-0B2DB6A5363F}" srcOrd="2" destOrd="0" parTransId="{F1F10F9B-925A-4787-9D00-91106497A02E}" sibTransId="{196DA4DC-9DD2-4A39-8A3A-D367BFE5A8BA}"/>
-    <dgm:cxn modelId="{6E5EF465-680F-4962-87CA-2B44BA61BBF3}" type="presOf" srcId="{AAF9DEE3-8444-4CA1-8BC2-D834D3ED6C74}" destId="{F4992080-7D4E-4F2B-B608-170DDBB6006A}" srcOrd="0" destOrd="0" presId="urn:microsoft.com/office/officeart/2016/7/layout/LinearBlockProcessNumbered#1"/>
-    <dgm:cxn modelId="{BE05FF76-48E4-476C-9495-A13A63321F9B}" type="presOf" srcId="{B2B879BD-3840-400C-92BD-B2C2383358D7}" destId="{89A9B4CF-6439-46B1-B6A9-1D6CD5034774}" srcOrd="0" destOrd="0" presId="urn:microsoft.com/office/officeart/2016/7/layout/LinearBlockProcessNumbered#1"/>
-    <dgm:cxn modelId="{AEC6D081-73F8-41AD-9101-B43295B68E14}" type="presOf" srcId="{CA9D674E-4FF1-45DC-82E4-0B2DB6A5363F}" destId="{0802B4A8-7224-4B0A-95B7-D17AEB2B2AFF}" srcOrd="0" destOrd="0" presId="urn:microsoft.com/office/officeart/2016/7/layout/LinearBlockProcessNumbered#1"/>
-    <dgm:cxn modelId="{840BB0C7-181A-4BA4-9324-C35937B4BA77}" type="presOf" srcId="{15509919-36B5-4162-8899-417A9F93473B}" destId="{09F899AB-70CA-46DA-8F8C-58514A9FEF67}" srcOrd="0" destOrd="0" presId="urn:microsoft.com/office/officeart/2016/7/layout/LinearBlockProcessNumbered#1"/>
+    <dgm:cxn modelId="{0F36F991-A30F-4043-BA68-AB244AC545CB}" type="presOf" srcId="{B2B879BD-3840-400C-92BD-B2C2383358D7}" destId="{8DC210C1-A53C-4FEB-A70E-CFF2DD1F6058}" srcOrd="0" destOrd="0" presId="urn:microsoft.com/office/officeart/2018/5/layout/IconLeafLabelList"/>
+    <dgm:cxn modelId="{63388EA6-2E31-AD4B-BF29-29D205464468}" type="presOf" srcId="{15509919-36B5-4162-8899-417A9F93473B}" destId="{D69CB7DE-633C-49F2-955D-F68AD6192FEB}" srcOrd="0" destOrd="0" presId="urn:microsoft.com/office/officeart/2018/5/layout/IconLeafLabelList"/>
     <dgm:cxn modelId="{42CDCACA-F394-4044-BBF6-522A0005ABCB}" srcId="{15509919-36B5-4162-8899-417A9F93473B}" destId="{B2B879BD-3840-400C-92BD-B2C2383358D7}" srcOrd="1" destOrd="0" parTransId="{09440D86-F3E6-4A3C-9E78-1AFC56348641}" sibTransId="{FBAA44FF-54DE-45C8-9FAC-512C40277233}"/>
-    <dgm:cxn modelId="{6AB3E3E3-CAC3-4821-AAD0-21289FC8AF3F}" type="presOf" srcId="{B2B879BD-3840-400C-92BD-B2C2383358D7}" destId="{9F2B2B99-E41C-48B6-9241-186B3896CDB2}" srcOrd="1" destOrd="0" presId="urn:microsoft.com/office/officeart/2016/7/layout/LinearBlockProcessNumbered#1"/>
-    <dgm:cxn modelId="{90D3E440-E32E-4616-A794-C357B58C725C}" type="presParOf" srcId="{09F899AB-70CA-46DA-8F8C-58514A9FEF67}" destId="{9E708B2C-9056-43B8-820C-8D4D2D591614}" srcOrd="0" destOrd="0" presId="urn:microsoft.com/office/officeart/2016/7/layout/LinearBlockProcessNumbered#1"/>
-    <dgm:cxn modelId="{94905F72-0547-4876-85BD-1CE201853F0E}" type="presParOf" srcId="{9E708B2C-9056-43B8-820C-8D4D2D591614}" destId="{F4992080-7D4E-4F2B-B608-170DDBB6006A}" srcOrd="0" destOrd="0" presId="urn:microsoft.com/office/officeart/2016/7/layout/LinearBlockProcessNumbered#1"/>
-    <dgm:cxn modelId="{32F232D9-C82F-455D-A4CB-8A6F950974CB}" type="presParOf" srcId="{9E708B2C-9056-43B8-820C-8D4D2D591614}" destId="{15536E38-36FE-4A51-B620-2715BFAD5475}" srcOrd="1" destOrd="0" presId="urn:microsoft.com/office/officeart/2016/7/layout/LinearBlockProcessNumbered#1"/>
-    <dgm:cxn modelId="{E1630E94-0972-452E-A256-8FE168492E2F}" type="presParOf" srcId="{9E708B2C-9056-43B8-820C-8D4D2D591614}" destId="{B158057C-23C1-45AE-9273-5935A8F6104B}" srcOrd="2" destOrd="0" presId="urn:microsoft.com/office/officeart/2016/7/layout/LinearBlockProcessNumbered#1"/>
-    <dgm:cxn modelId="{3D53040A-6114-439D-91AE-A92823686B42}" type="presParOf" srcId="{09F899AB-70CA-46DA-8F8C-58514A9FEF67}" destId="{5D52B8B6-958E-480C-9455-911A104C8C73}" srcOrd="1" destOrd="0" presId="urn:microsoft.com/office/officeart/2016/7/layout/LinearBlockProcessNumbered#1"/>
-    <dgm:cxn modelId="{71CD1E60-9941-432A-AAD3-6BEE9759C7CA}" type="presParOf" srcId="{09F899AB-70CA-46DA-8F8C-58514A9FEF67}" destId="{070CFBFA-AE62-406D-B2E3-4A871FE3EC95}" srcOrd="2" destOrd="0" presId="urn:microsoft.com/office/officeart/2016/7/layout/LinearBlockProcessNumbered#1"/>
-    <dgm:cxn modelId="{E24E5F24-B05D-485A-B1E3-F029361EAC2F}" type="presParOf" srcId="{070CFBFA-AE62-406D-B2E3-4A871FE3EC95}" destId="{89A9B4CF-6439-46B1-B6A9-1D6CD5034774}" srcOrd="0" destOrd="0" presId="urn:microsoft.com/office/officeart/2016/7/layout/LinearBlockProcessNumbered#1"/>
-    <dgm:cxn modelId="{B1A2A29E-FBA6-4188-BE73-D4752962B995}" type="presParOf" srcId="{070CFBFA-AE62-406D-B2E3-4A871FE3EC95}" destId="{379B8CE4-8135-4F2C-A5A0-E55EBE328E9A}" srcOrd="1" destOrd="0" presId="urn:microsoft.com/office/officeart/2016/7/layout/LinearBlockProcessNumbered#1"/>
-    <dgm:cxn modelId="{F07F5881-E747-4C57-B3A8-80D81CA9E653}" type="presParOf" srcId="{070CFBFA-AE62-406D-B2E3-4A871FE3EC95}" destId="{9F2B2B99-E41C-48B6-9241-186B3896CDB2}" srcOrd="2" destOrd="0" presId="urn:microsoft.com/office/officeart/2016/7/layout/LinearBlockProcessNumbered#1"/>
-    <dgm:cxn modelId="{CFE97617-C516-4DC5-9F9C-80DAA0EDE08F}" type="presParOf" srcId="{09F899AB-70CA-46DA-8F8C-58514A9FEF67}" destId="{88CC7DDE-DA0F-42A6-8406-A11161BD6BA9}" srcOrd="3" destOrd="0" presId="urn:microsoft.com/office/officeart/2016/7/layout/LinearBlockProcessNumbered#1"/>
-    <dgm:cxn modelId="{B7A23FED-2302-47D8-8E80-C7B4D99F0301}" type="presParOf" srcId="{09F899AB-70CA-46DA-8F8C-58514A9FEF67}" destId="{4C550E1C-ACB2-4A5D-BD4A-3D5D60E405E6}" srcOrd="4" destOrd="0" presId="urn:microsoft.com/office/officeart/2016/7/layout/LinearBlockProcessNumbered#1"/>
-    <dgm:cxn modelId="{B9E766C8-B1F9-4299-93D9-C5605EEE5998}" type="presParOf" srcId="{4C550E1C-ACB2-4A5D-BD4A-3D5D60E405E6}" destId="{0802B4A8-7224-4B0A-95B7-D17AEB2B2AFF}" srcOrd="0" destOrd="0" presId="urn:microsoft.com/office/officeart/2016/7/layout/LinearBlockProcessNumbered#1"/>
-    <dgm:cxn modelId="{DDDBCEBE-059F-40AD-A1D1-8D888A5BCC15}" type="presParOf" srcId="{4C550E1C-ACB2-4A5D-BD4A-3D5D60E405E6}" destId="{68AC9669-DC11-473A-AA2E-579A44E78C37}" srcOrd="1" destOrd="0" presId="urn:microsoft.com/office/officeart/2016/7/layout/LinearBlockProcessNumbered#1"/>
-    <dgm:cxn modelId="{90FC101C-CCF0-411F-ABB9-797553DF6D08}" type="presParOf" srcId="{4C550E1C-ACB2-4A5D-BD4A-3D5D60E405E6}" destId="{D085015A-41AF-4EFA-A104-4FD73B2362F0}" srcOrd="2" destOrd="0" presId="urn:microsoft.com/office/officeart/2016/7/layout/LinearBlockProcessNumbered#1"/>
+    <dgm:cxn modelId="{8AE9EDD7-2546-B345-ADBF-49F61345EB37}" type="presOf" srcId="{CA9D674E-4FF1-45DC-82E4-0B2DB6A5363F}" destId="{872B811B-E48E-449B-81AA-54475BB22D3A}" srcOrd="0" destOrd="0" presId="urn:microsoft.com/office/officeart/2018/5/layout/IconLeafLabelList"/>
+    <dgm:cxn modelId="{B9C511FD-35C6-9948-B518-8ECD5B45A8BB}" type="presOf" srcId="{AAF9DEE3-8444-4CA1-8BC2-D834D3ED6C74}" destId="{D8E18D2E-8BEE-4E83-9E0B-E4CA9977202C}" srcOrd="0" destOrd="0" presId="urn:microsoft.com/office/officeart/2018/5/layout/IconLeafLabelList"/>
+    <dgm:cxn modelId="{0D270EAC-11E2-E943-A708-DFBDB4154E49}" type="presParOf" srcId="{D69CB7DE-633C-49F2-955D-F68AD6192FEB}" destId="{4A7F6FC8-0B6E-41FB-BAA9-0C77035CF180}" srcOrd="0" destOrd="0" presId="urn:microsoft.com/office/officeart/2018/5/layout/IconLeafLabelList"/>
+    <dgm:cxn modelId="{340E87C2-3838-2141-B0E1-2EB2D52D7A62}" type="presParOf" srcId="{4A7F6FC8-0B6E-41FB-BAA9-0C77035CF180}" destId="{AD19B792-7D1E-48DA-80D6-A3ED32F0553A}" srcOrd="0" destOrd="0" presId="urn:microsoft.com/office/officeart/2018/5/layout/IconLeafLabelList"/>
+    <dgm:cxn modelId="{AE97D9E4-7192-7847-AEF9-863809E3E3D5}" type="presParOf" srcId="{4A7F6FC8-0B6E-41FB-BAA9-0C77035CF180}" destId="{F7AD53E1-E4C1-4135-B9F9-BDB4D9F84513}" srcOrd="1" destOrd="0" presId="urn:microsoft.com/office/officeart/2018/5/layout/IconLeafLabelList"/>
+    <dgm:cxn modelId="{946C1C33-1F7B-F342-8DEF-3609B5B17A7A}" type="presParOf" srcId="{4A7F6FC8-0B6E-41FB-BAA9-0C77035CF180}" destId="{6EE365C4-5E71-43C0-B9BF-FB00C5D24D7D}" srcOrd="2" destOrd="0" presId="urn:microsoft.com/office/officeart/2018/5/layout/IconLeafLabelList"/>
+    <dgm:cxn modelId="{42E62638-50EC-FF48-984A-C4021CFF83AB}" type="presParOf" srcId="{4A7F6FC8-0B6E-41FB-BAA9-0C77035CF180}" destId="{D8E18D2E-8BEE-4E83-9E0B-E4CA9977202C}" srcOrd="3" destOrd="0" presId="urn:microsoft.com/office/officeart/2018/5/layout/IconLeafLabelList"/>
+    <dgm:cxn modelId="{7A710F6D-BB47-324D-BF43-AFA736A06B62}" type="presParOf" srcId="{D69CB7DE-633C-49F2-955D-F68AD6192FEB}" destId="{195EE72E-9BDB-4726-828B-7E29D5ACC48C}" srcOrd="1" destOrd="0" presId="urn:microsoft.com/office/officeart/2018/5/layout/IconLeafLabelList"/>
+    <dgm:cxn modelId="{1E81E959-262B-EC42-B75E-ED0067135670}" type="presParOf" srcId="{D69CB7DE-633C-49F2-955D-F68AD6192FEB}" destId="{2E2AA989-B9C8-48F3-A994-6E9EB94E4FFA}" srcOrd="2" destOrd="0" presId="urn:microsoft.com/office/officeart/2018/5/layout/IconLeafLabelList"/>
+    <dgm:cxn modelId="{9A46EFA3-6FDA-7440-9705-42A2B18F936C}" type="presParOf" srcId="{2E2AA989-B9C8-48F3-A994-6E9EB94E4FFA}" destId="{8246F7D0-6B2F-4A46-946B-05930EAEC129}" srcOrd="0" destOrd="0" presId="urn:microsoft.com/office/officeart/2018/5/layout/IconLeafLabelList"/>
+    <dgm:cxn modelId="{6001AF6A-3072-E748-90C7-821BA4C95D69}" type="presParOf" srcId="{2E2AA989-B9C8-48F3-A994-6E9EB94E4FFA}" destId="{CFEE7E4D-C1F6-4817-AFE3-7F6A5B728E87}" srcOrd="1" destOrd="0" presId="urn:microsoft.com/office/officeart/2018/5/layout/IconLeafLabelList"/>
+    <dgm:cxn modelId="{84578412-885E-984E-BFD0-93E687C2049E}" type="presParOf" srcId="{2E2AA989-B9C8-48F3-A994-6E9EB94E4FFA}" destId="{EC1716AC-4EDD-4C3C-A83F-9383BE2A2037}" srcOrd="2" destOrd="0" presId="urn:microsoft.com/office/officeart/2018/5/layout/IconLeafLabelList"/>
+    <dgm:cxn modelId="{030CD4A6-CB5D-104D-9AFA-EB008131789D}" type="presParOf" srcId="{2E2AA989-B9C8-48F3-A994-6E9EB94E4FFA}" destId="{8DC210C1-A53C-4FEB-A70E-CFF2DD1F6058}" srcOrd="3" destOrd="0" presId="urn:microsoft.com/office/officeart/2018/5/layout/IconLeafLabelList"/>
+    <dgm:cxn modelId="{AE374756-C6D9-0749-A8FE-06345784EB77}" type="presParOf" srcId="{D69CB7DE-633C-49F2-955D-F68AD6192FEB}" destId="{CBB6DF32-BC5E-4BD7-97A8-967789CE46EC}" srcOrd="3" destOrd="0" presId="urn:microsoft.com/office/officeart/2018/5/layout/IconLeafLabelList"/>
+    <dgm:cxn modelId="{170AA615-D64D-8C4D-A1E0-3D24636AF4F3}" type="presParOf" srcId="{D69CB7DE-633C-49F2-955D-F68AD6192FEB}" destId="{6B2239AF-06B1-40DD-9E9C-6991F0D44362}" srcOrd="4" destOrd="0" presId="urn:microsoft.com/office/officeart/2018/5/layout/IconLeafLabelList"/>
+    <dgm:cxn modelId="{D02A30DA-59A7-1A41-B04B-7F413B623CEC}" type="presParOf" srcId="{6B2239AF-06B1-40DD-9E9C-6991F0D44362}" destId="{3043F317-AC8E-4D28-A91B-EB14354DEA68}" srcOrd="0" destOrd="0" presId="urn:microsoft.com/office/officeart/2018/5/layout/IconLeafLabelList"/>
+    <dgm:cxn modelId="{A72D49CC-8C85-FC46-8727-3E9025A5A527}" type="presParOf" srcId="{6B2239AF-06B1-40DD-9E9C-6991F0D44362}" destId="{C6083497-A4F2-4ACF-A706-D7EECEDCCEDF}" srcOrd="1" destOrd="0" presId="urn:microsoft.com/office/officeart/2018/5/layout/IconLeafLabelList"/>
+    <dgm:cxn modelId="{F150135E-9FB5-D947-B902-9077E35E5A4A}" type="presParOf" srcId="{6B2239AF-06B1-40DD-9E9C-6991F0D44362}" destId="{9929E890-C413-40A9-A119-FC51987F362C}" srcOrd="2" destOrd="0" presId="urn:microsoft.com/office/officeart/2018/5/layout/IconLeafLabelList"/>
+    <dgm:cxn modelId="{BA22DB72-208E-CC41-B66E-0C843CD7E7BF}" type="presParOf" srcId="{6B2239AF-06B1-40DD-9E9C-6991F0D44362}" destId="{872B811B-E48E-449B-81AA-54475BB22D3A}" srcOrd="3" destOrd="0" presId="urn:microsoft.com/office/officeart/2018/5/layout/IconLeafLabelList"/>
   </dgm:cxnLst>
   <dgm:bg/>
   <dgm:whole/>
@@ -1153,36 +1409,78 @@
       <dsp:cNvGrpSpPr/>
     </dsp:nvGrpSpPr>
     <dsp:grpSpPr/>
-    <dsp:sp modelId="{F4992080-7D4E-4F2B-B608-170DDBB6006A}">
+    <dsp:sp modelId="{AD19B792-7D1E-48DA-80D6-A3ED32F0553A}">
       <dsp:nvSpPr>
         <dsp:cNvPr id="0" name=""/>
         <dsp:cNvSpPr/>
       </dsp:nvSpPr>
       <dsp:spPr>
         <a:xfrm>
-          <a:off x="0" y="0"/>
-          <a:ext cx="3182540" cy="3725612"/>
+          <a:off x="638506" y="14218"/>
+          <a:ext cx="1647000" cy="1647000"/>
         </a:xfrm>
-        <a:prstGeom prst="rect">
-          <a:avLst/>
+        <a:prstGeom prst="round2DiagRect">
+          <a:avLst>
+            <a:gd name="adj1" fmla="val 29727"/>
+            <a:gd name="adj2" fmla="val 0"/>
+          </a:avLst>
         </a:prstGeom>
         <a:solidFill>
-          <a:schemeClr val="dk2">
+          <a:schemeClr val="accent2">
             <a:hueOff val="0"/>
             <a:satOff val="0"/>
             <a:lumOff val="0"/>
             <a:alphaOff val="0"/>
           </a:schemeClr>
         </a:solidFill>
+        <a:ln>
+          <a:noFill/>
+        </a:ln>
+        <a:effectLst/>
+      </dsp:spPr>
+      <dsp:style>
+        <a:lnRef idx="0">
+          <a:scrgbClr r="0" g="0" b="0"/>
+        </a:lnRef>
+        <a:fillRef idx="1">
+          <a:scrgbClr r="0" g="0" b="0"/>
+        </a:fillRef>
+        <a:effectRef idx="0">
+          <a:scrgbClr r="0" g="0" b="0"/>
+        </a:effectRef>
+        <a:fontRef idx="minor"/>
+      </dsp:style>
+    </dsp:sp>
+    <dsp:sp modelId="{F7AD53E1-E4C1-4135-B9F9-BDB4D9F84513}">
+      <dsp:nvSpPr>
+        <dsp:cNvPr id="0" name=""/>
+        <dsp:cNvSpPr/>
+      </dsp:nvSpPr>
+      <dsp:spPr>
+        <a:xfrm>
+          <a:off x="989506" y="365218"/>
+          <a:ext cx="945000" cy="945000"/>
+        </a:xfrm>
+        <a:prstGeom prst="rect">
+          <a:avLst/>
+        </a:prstGeom>
+        <a:blipFill>
+          <a:blip xmlns:r="http://schemas.openxmlformats.org/officeDocument/2006/relationships" r:embed="rId1">
+            <a:extLst>
+              <a:ext uri="{28A0092B-C50C-407E-A947-70E740481C1C}">
+                <a14:useLocalDpi xmlns:a14="http://schemas.microsoft.com/office/drawing/2010/main" val="0"/>
+              </a:ext>
+              <a:ext uri="{96DAC541-7B7A-43D3-8B79-37D633B846F1}">
+                <asvg:svgBlip xmlns:asvg="http://schemas.microsoft.com/office/drawing/2016/SVG/main" r:embed="rId2"/>
+              </a:ext>
+            </a:extLst>
+          </a:blip>
+          <a:stretch>
+            <a:fillRect/>
+          </a:stretch>
+        </a:blipFill>
         <a:ln w="12700" cap="flat" cmpd="sng" algn="ctr">
-          <a:solidFill>
-            <a:schemeClr val="dk2">
-              <a:hueOff val="0"/>
-              <a:satOff val="0"/>
-              <a:lumOff val="0"/>
-              <a:alphaOff val="0"/>
-            </a:schemeClr>
-          </a:solidFill>
+          <a:noFill/>
           <a:prstDash val="solid"/>
         </a:ln>
         <a:effectLst/>
@@ -1194,22 +1492,54 @@
         <a:fillRef idx="1">
           <a:scrgbClr r="0" g="0" b="0"/>
         </a:fillRef>
-        <a:effectRef idx="1">
+        <a:effectRef idx="0">
           <a:scrgbClr r="0" g="0" b="0"/>
         </a:effectRef>
         <a:fontRef idx="minor">
           <a:schemeClr val="lt1"/>
         </a:fontRef>
       </dsp:style>
+    </dsp:sp>
+    <dsp:sp modelId="{D8E18D2E-8BEE-4E83-9E0B-E4CA9977202C}">
+      <dsp:nvSpPr>
+        <dsp:cNvPr id="0" name=""/>
+        <dsp:cNvSpPr/>
+      </dsp:nvSpPr>
+      <dsp:spPr>
+        <a:xfrm>
+          <a:off x="112006" y="2174218"/>
+          <a:ext cx="2700000" cy="720000"/>
+        </a:xfrm>
+        <a:prstGeom prst="rect">
+          <a:avLst/>
+        </a:prstGeom>
+        <a:noFill/>
+        <a:ln>
+          <a:noFill/>
+        </a:ln>
+        <a:effectLst/>
+      </dsp:spPr>
+      <dsp:style>
+        <a:lnRef idx="0">
+          <a:scrgbClr r="0" g="0" b="0"/>
+        </a:lnRef>
+        <a:fillRef idx="0">
+          <a:scrgbClr r="0" g="0" b="0"/>
+        </a:fillRef>
+        <a:effectRef idx="0">
+          <a:scrgbClr r="0" g="0" b="0"/>
+        </a:effectRef>
+        <a:fontRef idx="minor"/>
+      </dsp:style>
       <dsp:txBody>
-        <a:bodyPr spcFirstLastPara="0" vert="horz" wrap="square" lIns="314364" tIns="0" rIns="314364" bIns="330200" numCol="1" spcCol="1270" anchor="t" anchorCtr="0">
+        <a:bodyPr spcFirstLastPara="0" vert="horz" wrap="square" lIns="0" tIns="0" rIns="0" bIns="0" numCol="1" spcCol="1270" anchor="t" anchorCtr="0">
           <a:noAutofit/>
         </a:bodyPr>
         <a:lstStyle/>
         <a:p>
-          <a:pPr marL="0" lvl="0" indent="0" algn="l" defTabSz="1155700">
+          <a:pPr marL="0" lvl="0" indent="0" algn="ctr" defTabSz="1778000">
             <a:lnSpc>
-              <a:spcPct val="90000"/>
+              <a:spcPct val="100000"/>
             </a:lnSpc>
             <a:spcBef>
               <a:spcPct val="0"/>
@@ -1218,113 +1548,91 @@
               <a:spcPct val="35000"/>
             </a:spcAft>
             <a:buNone/>
+            <a:defRPr cap="all"/>
           </a:pPr>
           <a:r>
-            <a:rPr lang="en-US" sz="2600" kern="1200" dirty="0"/>
+            <a:rPr lang="en-US" sz="4000" kern="1200"/>
             <a:t>Effect</a:t>
           </a:r>
         </a:p>
       </dsp:txBody>
       <dsp:txXfrm>
-        <a:off x="0" y="1490244"/>
-        <a:ext cx="3182540" cy="2235367"/>
+        <a:off x="112006" y="2174218"/>
+        <a:ext cx="2700000" cy="720000"/>
       </dsp:txXfrm>
     </dsp:sp>
-    <dsp:sp modelId="{15536E38-36FE-4A51-B620-2715BFAD5475}">
+    <dsp:sp modelId="{8246F7D0-6B2F-4A46-946B-05930EAEC129}">
       <dsp:nvSpPr>
         <dsp:cNvPr id="0" name=""/>
         <dsp:cNvSpPr/>
       </dsp:nvSpPr>
       <dsp:spPr>
         <a:xfrm>
-          <a:off x="785" y="0"/>
-          <a:ext cx="3182540" cy="1490244"/>
+          <a:off x="3811006" y="14218"/>
+          <a:ext cx="1647000" cy="1647000"/>
         </a:xfrm>
-        <a:prstGeom prst="rect">
-          <a:avLst/>
+        <a:prstGeom prst="round2DiagRect">
+          <a:avLst>
+            <a:gd name="adj1" fmla="val 29727"/>
+            <a:gd name="adj2" fmla="val 0"/>
+          </a:avLst>
         </a:prstGeom>
-        <a:noFill/>
-        <a:ln w="12700" cap="flat" cmpd="sng" algn="ctr">
+        <a:solidFill>
+          <a:schemeClr val="accent3">
+            <a:hueOff val="0"/>
+            <a:satOff val="0"/>
+            <a:lumOff val="0"/>
+            <a:alphaOff val="0"/>
+          </a:schemeClr>
+        </a:solidFill>
+        <a:ln>
           <a:noFill/>
-          <a:prstDash val="solid"/>
         </a:ln>
         <a:effectLst/>
-        <a:sp3d/>
       </dsp:spPr>
       <dsp:style>
-        <a:lnRef idx="2">
+        <a:lnRef idx="0">
           <a:scrgbClr r="0" g="0" b="0"/>
         </a:lnRef>
         <a:fillRef idx="1">
           <a:scrgbClr r="0" g="0" b="0"/>
         </a:fillRef>
-        <a:effectRef idx="1">
+        <a:effectRef idx="0">
           <a:scrgbClr r="0" g="0" b="0"/>
         </a:effectRef>
-        <a:fontRef idx="minor">
-          <a:schemeClr val="lt1"/>
-        </a:fontRef>
+        <a:fontRef idx="minor"/>
       </dsp:style>
-      <dsp:txBody>
-        <a:bodyPr spcFirstLastPara="0" vert="horz" wrap="square" lIns="314364" tIns="165100" rIns="314364" bIns="165100" numCol="1" spcCol="1270" anchor="ctr" anchorCtr="0">
-          <a:noAutofit/>
-        </a:bodyPr>
-        <a:lstStyle/>
-        <a:p>
-          <a:pPr marL="0" lvl="0" indent="0" algn="l" defTabSz="2933700">
-            <a:lnSpc>
-              <a:spcPct val="90000"/>
-            </a:lnSpc>
-            <a:spcBef>
-              <a:spcPct val="0"/>
-            </a:spcBef>
-            <a:spcAft>
-              <a:spcPct val="35000"/>
-            </a:spcAft>
-            <a:buNone/>
-          </a:pPr>
-          <a:r>
-            <a:rPr lang="en-US" sz="6600" kern="1200"/>
-            <a:t>01</a:t>
-          </a:r>
-          <a:endParaRPr lang="en-US" sz="6600" kern="1200" dirty="0"/>
-        </a:p>
-      </dsp:txBody>
-      <dsp:txXfrm>
-        <a:off x="785" y="0"/>
-        <a:ext cx="3182540" cy="1490244"/>
-      </dsp:txXfrm>
     </dsp:sp>
-    <dsp:sp modelId="{89A9B4CF-6439-46B1-B6A9-1D6CD5034774}">
+    <dsp:sp modelId="{CFEE7E4D-C1F6-4817-AFE3-7F6A5B728E87}">
       <dsp:nvSpPr>
         <dsp:cNvPr id="0" name=""/>
         <dsp:cNvSpPr/>
       </dsp:nvSpPr>
       <dsp:spPr>
         <a:xfrm>
-          <a:off x="3437929" y="0"/>
-          <a:ext cx="3182540" cy="3725612"/>
+          <a:off x="4162006" y="365218"/>
+          <a:ext cx="945000" cy="945000"/>
         </a:xfrm>
         <a:prstGeom prst="rect">
           <a:avLst/>
         </a:prstGeom>
-        <a:solidFill>
-          <a:schemeClr val="dk2">
-            <a:hueOff val="0"/>
-            <a:satOff val="0"/>
-            <a:lumOff val="0"/>
-            <a:alphaOff val="0"/>
-          </a:schemeClr>
-        </a:solidFill>
+        <a:blipFill>
+          <a:blip xmlns:r="http://schemas.openxmlformats.org/officeDocument/2006/relationships" r:embed="rId3">
+            <a:extLst>
+              <a:ext uri="{28A0092B-C50C-407E-A947-70E740481C1C}">
+                <a14:useLocalDpi xmlns:a14="http://schemas.microsoft.com/office/drawing/2010/main" val="0"/>
+              </a:ext>
+              <a:ext uri="{96DAC541-7B7A-43D3-8B79-37D633B846F1}">
+                <asvg:svgBlip xmlns:asvg="http://schemas.microsoft.com/office/drawing/2016/SVG/main" r:embed="rId4"/>
+              </a:ext>
+            </a:extLst>
+          </a:blip>
+          <a:stretch>
+            <a:fillRect/>
+          </a:stretch>
+        </a:blipFill>
         <a:ln w="12700" cap="flat" cmpd="sng" algn="ctr">
-          <a:solidFill>
-            <a:schemeClr val="dk2">
-              <a:hueOff val="0"/>
-              <a:satOff val="0"/>
-              <a:lumOff val="0"/>
-              <a:alphaOff val="0"/>
-            </a:schemeClr>
-          </a:solidFill>
+          <a:noFill/>
           <a:prstDash val="solid"/>
         </a:ln>
         <a:effectLst/>
@@ -1336,22 +1644,54 @@
         <a:fillRef idx="1">
           <a:scrgbClr r="0" g="0" b="0"/>
         </a:fillRef>
-        <a:effectRef idx="1">
+        <a:effectRef idx="0">
           <a:scrgbClr r="0" g="0" b="0"/>
         </a:effectRef>
         <a:fontRef idx="minor">
           <a:schemeClr val="lt1"/>
         </a:fontRef>
       </dsp:style>
+    </dsp:sp>
+    <dsp:sp modelId="{8DC210C1-A53C-4FEB-A70E-CFF2DD1F6058}">
+      <dsp:nvSpPr>
+        <dsp:cNvPr id="0" name=""/>
+        <dsp:cNvSpPr/>
+      </dsp:nvSpPr>
+      <dsp:spPr>
+        <a:xfrm>
+          <a:off x="3284506" y="2174218"/>
+          <a:ext cx="2700000" cy="720000"/>
+        </a:xfrm>
+        <a:prstGeom prst="rect">
+          <a:avLst/>
+        </a:prstGeom>
+        <a:noFill/>
+        <a:ln>
+          <a:noFill/>
+        </a:ln>
+        <a:effectLst/>
+      </dsp:spPr>
+      <dsp:style>
+        <a:lnRef idx="0">
+          <a:scrgbClr r="0" g="0" b="0"/>
+        </a:lnRef>
+        <a:fillRef idx="0">
+          <a:scrgbClr r="0" g="0" b="0"/>
+        </a:fillRef>
+        <a:effectRef idx="0">
+          <a:scrgbClr r="0" g="0" b="0"/>
+        </a:effectRef>
+        <a:fontRef idx="minor"/>
+      </dsp:style>
       <dsp:txBody>
-        <a:bodyPr spcFirstLastPara="0" vert="horz" wrap="square" lIns="314364" tIns="0" rIns="314364" bIns="330200" numCol="1" spcCol="1270" anchor="t" anchorCtr="0">
+        <a:bodyPr spcFirstLastPara="0" vert="horz" wrap="square" lIns="0" tIns="0" rIns="0" bIns="0" numCol="1" spcCol="1270" anchor="t" anchorCtr="0">
           <a:noAutofit/>
         </a:bodyPr>
         <a:lstStyle/>
         <a:p>
-          <a:pPr marL="0" lvl="0" indent="0" algn="l" defTabSz="1155700">
+          <a:pPr marL="0" lvl="0" indent="0" algn="ctr" defTabSz="1778000">
             <a:lnSpc>
-              <a:spcPct val="90000"/>
+              <a:spcPct val="100000"/>
             </a:lnSpc>
             <a:spcBef>
               <a:spcPct val="0"/>
@@ -1360,113 +1700,91 @@
               <a:spcPct val="35000"/>
             </a:spcAft>
             <a:buNone/>
+            <a:defRPr cap="all"/>
           </a:pPr>
           <a:r>
-            <a:rPr lang="en-US" sz="2600" kern="1200" dirty="0"/>
+            <a:rPr lang="en-US" sz="4000" kern="1200"/>
             <a:t>Bind</a:t>
           </a:r>
         </a:p>
       </dsp:txBody>
       <dsp:txXfrm>
-        <a:off x="3437929" y="1490244"/>
-        <a:ext cx="3182540" cy="2235367"/>
+        <a:off x="3284506" y="2174218"/>
+        <a:ext cx="2700000" cy="720000"/>
       </dsp:txXfrm>
     </dsp:sp>
-    <dsp:sp modelId="{379B8CE4-8135-4F2C-A5A0-E55EBE328E9A}">
+    <dsp:sp modelId="{3043F317-AC8E-4D28-A91B-EB14354DEA68}">
       <dsp:nvSpPr>
         <dsp:cNvPr id="0" name=""/>
         <dsp:cNvSpPr/>
       </dsp:nvSpPr>
       <dsp:spPr>
         <a:xfrm>
-          <a:off x="3437929" y="0"/>
-          <a:ext cx="3182540" cy="1490244"/>
+          <a:off x="6983506" y="14218"/>
+          <a:ext cx="1647000" cy="1647000"/>
         </a:xfrm>
-        <a:prstGeom prst="rect">
-          <a:avLst/>
+        <a:prstGeom prst="round2DiagRect">
+          <a:avLst>
+            <a:gd name="adj1" fmla="val 29727"/>
+            <a:gd name="adj2" fmla="val 0"/>
+          </a:avLst>
         </a:prstGeom>
-        <a:noFill/>
-        <a:ln w="12700" cap="flat" cmpd="sng" algn="ctr">
+        <a:solidFill>
+          <a:schemeClr val="accent4">
+            <a:hueOff val="0"/>
+            <a:satOff val="0"/>
+            <a:lumOff val="0"/>
+            <a:alphaOff val="0"/>
+          </a:schemeClr>
+        </a:solidFill>
+        <a:ln>
           <a:noFill/>
-          <a:prstDash val="solid"/>
         </a:ln>
         <a:effectLst/>
-        <a:sp3d/>
       </dsp:spPr>
       <dsp:style>
-        <a:lnRef idx="2">
+        <a:lnRef idx="0">
           <a:scrgbClr r="0" g="0" b="0"/>
         </a:lnRef>
         <a:fillRef idx="1">
           <a:scrgbClr r="0" g="0" b="0"/>
         </a:fillRef>
-        <a:effectRef idx="1">
+        <a:effectRef idx="0">
           <a:scrgbClr r="0" g="0" b="0"/>
         </a:effectRef>
-        <a:fontRef idx="minor">
-          <a:schemeClr val="lt1"/>
-        </a:fontRef>
+        <a:fontRef idx="minor"/>
       </dsp:style>
-      <dsp:txBody>
-        <a:bodyPr spcFirstLastPara="0" vert="horz" wrap="square" lIns="314364" tIns="165100" rIns="314364" bIns="165100" numCol="1" spcCol="1270" anchor="ctr" anchorCtr="0">
-          <a:noAutofit/>
-        </a:bodyPr>
-        <a:lstStyle/>
-        <a:p>
-          <a:pPr marL="0" lvl="0" indent="0" algn="l" defTabSz="2933700">
-            <a:lnSpc>
-              <a:spcPct val="90000"/>
-            </a:lnSpc>
-            <a:spcBef>
-              <a:spcPct val="0"/>
-            </a:spcBef>
-            <a:spcAft>
-              <a:spcPct val="35000"/>
-            </a:spcAft>
-            <a:buNone/>
-          </a:pPr>
-          <a:r>
-            <a:rPr lang="en-US" sz="6600" kern="1200"/>
-            <a:t>02</a:t>
-          </a:r>
-          <a:endParaRPr lang="en-US" sz="6600" kern="1200" dirty="0"/>
-        </a:p>
-      </dsp:txBody>
-      <dsp:txXfrm>
-        <a:off x="3437929" y="0"/>
-        <a:ext cx="3182540" cy="1490244"/>
-      </dsp:txXfrm>
     </dsp:sp>
-    <dsp:sp modelId="{0802B4A8-7224-4B0A-95B7-D17AEB2B2AFF}">
+    <dsp:sp modelId="{C6083497-A4F2-4ACF-A706-D7EECEDCCEDF}">
       <dsp:nvSpPr>
         <dsp:cNvPr id="0" name=""/>
         <dsp:cNvSpPr/>
       </dsp:nvSpPr>
       <dsp:spPr>
         <a:xfrm>
-          <a:off x="6875073" y="0"/>
-          <a:ext cx="3182540" cy="3725612"/>
+          <a:off x="7334506" y="365218"/>
+          <a:ext cx="945000" cy="945000"/>
         </a:xfrm>
         <a:prstGeom prst="rect">
           <a:avLst/>
         </a:prstGeom>
-        <a:solidFill>
-          <a:schemeClr val="dk2">
-            <a:hueOff val="0"/>
-            <a:satOff val="0"/>
-            <a:lumOff val="0"/>
-            <a:alphaOff val="0"/>
-          </a:schemeClr>
-        </a:solidFill>
+        <a:blipFill>
+          <a:blip xmlns:r="http://schemas.openxmlformats.org/officeDocument/2006/relationships" r:embed="rId5">
+            <a:extLst>
+              <a:ext uri="{28A0092B-C50C-407E-A947-70E740481C1C}">
+                <a14:useLocalDpi xmlns:a14="http://schemas.microsoft.com/office/drawing/2010/main" val="0"/>
+              </a:ext>
+              <a:ext uri="{96DAC541-7B7A-43D3-8B79-37D633B846F1}">
+                <asvg:svgBlip xmlns:asvg="http://schemas.microsoft.com/office/drawing/2016/SVG/main" r:embed="rId6"/>
+              </a:ext>
+            </a:extLst>
+          </a:blip>
+          <a:stretch>
+            <a:fillRect/>
+          </a:stretch>
+        </a:blipFill>
         <a:ln w="12700" cap="flat" cmpd="sng" algn="ctr">
-          <a:solidFill>
-            <a:schemeClr val="dk2">
-              <a:hueOff val="0"/>
-              <a:satOff val="0"/>
-              <a:lumOff val="0"/>
-              <a:alphaOff val="0"/>
-            </a:schemeClr>
-          </a:solidFill>
+          <a:noFill/>
           <a:prstDash val="solid"/>
         </a:ln>
         <a:effectLst/>
@@ -1478,22 +1796,54 @@
         <a:fillRef idx="1">
           <a:scrgbClr r="0" g="0" b="0"/>
         </a:fillRef>
-        <a:effectRef idx="1">
+        <a:effectRef idx="0">
           <a:scrgbClr r="0" g="0" b="0"/>
         </a:effectRef>
         <a:fontRef idx="minor">
           <a:schemeClr val="lt1"/>
         </a:fontRef>
       </dsp:style>
+    </dsp:sp>
+    <dsp:sp modelId="{872B811B-E48E-449B-81AA-54475BB22D3A}">
+      <dsp:nvSpPr>
+        <dsp:cNvPr id="0" name=""/>
+        <dsp:cNvSpPr/>
+      </dsp:nvSpPr>
+      <dsp:spPr>
+        <a:xfrm>
+          <a:off x="6457006" y="2174218"/>
+          <a:ext cx="2700000" cy="720000"/>
+        </a:xfrm>
+        <a:prstGeom prst="rect">
+          <a:avLst/>
+        </a:prstGeom>
+        <a:noFill/>
+        <a:ln>
+          <a:noFill/>
+        </a:ln>
+        <a:effectLst/>
+      </dsp:spPr>
+      <dsp:style>
+        <a:lnRef idx="0">
+          <a:scrgbClr r="0" g="0" b="0"/>
+        </a:lnRef>
+        <a:fillRef idx="0">
+          <a:scrgbClr r="0" g="0" b="0"/>
+        </a:fillRef>
+        <a:effectRef idx="0">
+          <a:scrgbClr r="0" g="0" b="0"/>
+        </a:effectRef>
+        <a:fontRef idx="minor"/>
+      </dsp:style>
       <dsp:txBody>
-        <a:bodyPr spcFirstLastPara="0" vert="horz" wrap="square" lIns="314364" tIns="0" rIns="314364" bIns="330200" numCol="1" spcCol="1270" anchor="t" anchorCtr="0">
+        <a:bodyPr spcFirstLastPara="0" vert="horz" wrap="square" lIns="0" tIns="0" rIns="0" bIns="0" numCol="1" spcCol="1270" anchor="t" anchorCtr="0">
           <a:noAutofit/>
         </a:bodyPr>
         <a:lstStyle/>
         <a:p>
-          <a:pPr marL="0" lvl="0" indent="0" algn="l" defTabSz="1155700">
+          <a:pPr marL="0" lvl="0" indent="0" algn="ctr" defTabSz="1778000">
             <a:lnSpc>
-              <a:spcPct val="90000"/>
+              <a:spcPct val="100000"/>
             </a:lnSpc>
             <a:spcBef>
               <a:spcPct val="0"/>
@@ -1502,81 +1852,17 @@
               <a:spcPct val="35000"/>
             </a:spcAft>
             <a:buNone/>
+            <a:defRPr cap="all"/>
           </a:pPr>
           <a:r>
-            <a:rPr lang="en-US" sz="2600" kern="1200" dirty="0"/>
+            <a:rPr lang="en-US" sz="4000" kern="1200"/>
             <a:t>Unit</a:t>
           </a:r>
         </a:p>
       </dsp:txBody>
       <dsp:txXfrm>
-        <a:off x="6875073" y="1490244"/>
-        <a:ext cx="3182540" cy="2235367"/>
-      </dsp:txXfrm>
-    </dsp:sp>
-    <dsp:sp modelId="{68AC9669-DC11-473A-AA2E-579A44E78C37}">
-      <dsp:nvSpPr>
-        <dsp:cNvPr id="0" name=""/>
-        <dsp:cNvSpPr/>
-      </dsp:nvSpPr>
-      <dsp:spPr>
-        <a:xfrm>
-          <a:off x="6875073" y="0"/>
-          <a:ext cx="3182540" cy="1490244"/>
-        </a:xfrm>
-        <a:prstGeom prst="rect">
-          <a:avLst/>
-        </a:prstGeom>
-        <a:noFill/>
-        <a:ln w="12700" cap="flat" cmpd="sng" algn="ctr">
-          <a:noFill/>
-          <a:prstDash val="solid"/>
-        </a:ln>
-        <a:effectLst/>
-        <a:sp3d/>
-      </dsp:spPr>
-      <dsp:style>
-        <a:lnRef idx="2">
-          <a:scrgbClr r="0" g="0" b="0"/>
-        </a:lnRef>
-        <a:fillRef idx="1">
-          <a:scrgbClr r="0" g="0" b="0"/>
-        </a:fillRef>
-        <a:effectRef idx="1">
-          <a:scrgbClr r="0" g="0" b="0"/>
-        </a:effectRef>
-        <a:fontRef idx="minor">
-          <a:schemeClr val="lt1"/>
-        </a:fontRef>
-      </dsp:style>
-      <dsp:txBody>
-        <a:bodyPr spcFirstLastPara="0" vert="horz" wrap="square" lIns="314364" tIns="165100" rIns="314364" bIns="165100" numCol="1" spcCol="1270" anchor="ctr" anchorCtr="0">
-          <a:noAutofit/>
-        </a:bodyPr>
-        <a:lstStyle/>
-        <a:p>
-          <a:pPr marL="0" lvl="0" indent="0" algn="l" defTabSz="2933700">
-            <a:lnSpc>
-              <a:spcPct val="90000"/>
-            </a:lnSpc>
-            <a:spcBef>
-              <a:spcPct val="0"/>
-            </a:spcBef>
-            <a:spcAft>
-              <a:spcPct val="35000"/>
-            </a:spcAft>
-            <a:buNone/>
-          </a:pPr>
-          <a:r>
-            <a:rPr lang="en-US" sz="6600" kern="1200"/>
-            <a:t>03</a:t>
-          </a:r>
-          <a:endParaRPr lang="en-US" sz="6600" kern="1200" dirty="0"/>
-        </a:p>
-      </dsp:txBody>
-      <dsp:txXfrm>
-        <a:off x="6875073" y="0"/>
-        <a:ext cx="3182540" cy="1490244"/>
+        <a:off x="6457006" y="2174218"/>
+        <a:ext cx="2700000" cy="720000"/>
       </dsp:txXfrm>
     </dsp:sp>
   </dsp:spTree>
@@ -1584,246 +1870,172 @@
 </file>
 
 <file path=ppt/diagrams/layout1.xml><?xml version="1.0" encoding="utf-8"?>
-<dgm:layoutDef xmlns:dgm="http://schemas.openxmlformats.org/drawingml/2006/diagram" xmlns:a="http://schemas.openxmlformats.org/drawingml/2006/main" uniqueId="urn:microsoft.com/office/officeart/2016/7/layout/LinearBlockProcessNumbered#1">
-  <dgm:title val="Linear Block Process Numbered"/>
-  <dgm:desc val="Used to show a progression; a timeline; sequential steps in a task, process, or workflow; or to emphasize movement or direction. Automatic numbers have been introduced to show the steps of the process. Level 1 text and Level 2 text both appears in a rectangle."/>
+<dgm:layoutDef xmlns:dgm="http://schemas.openxmlformats.org/drawingml/2006/diagram" xmlns:a="http://schemas.openxmlformats.org/drawingml/2006/main" uniqueId="urn:microsoft.com/office/officeart/2018/5/layout/IconLeafLabelList">
+  <dgm:title val="Icon Leaf Label List"/>
+  <dgm:desc val="Use to show non-sequential or grouped chunks of information accompanied by a related visuals. Works best with icons or small pictures with short text captions."/>
   <dgm:catLst>
-    <dgm:cat type="process" pri="500"/>
+    <dgm:cat type="icon" pri="500"/>
   </dgm:catLst>
-  <dgm:sampData>
+  <dgm:sampData useDef="1">
     <dgm:dataModel>
-      <dgm:ptLst>
-        <dgm:pt modelId="0" type="doc"/>
-        <dgm:pt modelId="1">
-          <dgm:prSet phldr="1"/>
-        </dgm:pt>
-        <dgm:pt modelId="11">
-          <dgm:prSet phldr="1"/>
-        </dgm:pt>
-        <dgm:pt modelId="2">
-          <dgm:prSet phldr="1"/>
-        </dgm:pt>
-        <dgm:pt modelId="21">
-          <dgm:prSet phldr="1"/>
-        </dgm:pt>
-        <dgm:pt modelId="3">
-          <dgm:prSet phldr="1"/>
-        </dgm:pt>
-        <dgm:pt modelId="31">
-          <dgm:prSet phldr="1"/>
-        </dgm:pt>
-        <dgm:pt modelId="101" type="sibTrans" cxnId="{97D4F0E7-A380-4E8A-A5E6-02A2C57BE889}">
-          <dgm:prSet phldrT="1"/>
-          <dgm:t>
-            <a:bodyPr/>
-            <a:lstStyle/>
-            <a:p>
-              <a:r>
-                <a:t>01</a:t>
-              </a:r>
-            </a:p>
-          </dgm:t>
-        </dgm:pt>
-        <dgm:pt modelId="201" type="sibTrans" cxnId="{5712BDC4-329B-45B2-9194-A148ABB6560A}">
-          <dgm:prSet phldrT="2"/>
-          <dgm:t>
-            <a:bodyPr/>
-            <a:lstStyle/>
-            <a:p>
-              <a:r>
-                <a:t>02</a:t>
-              </a:r>
-            </a:p>
-          </dgm:t>
-        </dgm:pt>
-        <dgm:pt modelId="301" type="sibTrans" cxnId="{8984278A-33F0-4B08-ABC0-F48449CE37F3}">
-          <dgm:prSet phldrT="3"/>
-          <dgm:t>
-            <a:bodyPr/>
-            <a:lstStyle/>
-            <a:p>
-              <a:r>
-                <a:t>03</a:t>
-              </a:r>
-            </a:p>
-          </dgm:t>
-        </dgm:pt>
-      </dgm:ptLst>
-      <dgm:cxnLst>
-        <dgm:cxn modelId="4" srcId="0" destId="1" srcOrd="0" destOrd="0" sibTransId="101"/>
-        <dgm:cxn modelId="5" srcId="0" destId="2" srcOrd="1" destOrd="0" sibTransId="201"/>
-        <dgm:cxn modelId="6" srcId="0" destId="3" srcOrd="2" destOrd="0" sibTransId="301"/>
-        <dgm:cxn modelId="13" srcId="1" destId="11" srcOrd="0" destOrd="0"/>
-        <dgm:cxn modelId="23" srcId="2" destId="21" srcOrd="0" destOrd="0"/>
-        <dgm:cxn modelId="33" srcId="3" destId="31" srcOrd="0" destOrd="0"/>
-      </dgm:cxnLst>
+      <dgm:ptLst/>
       <dgm:bg/>
       <dgm:whole/>
     </dgm:dataModel>
   </dgm:sampData>
-  <dgm:styleData>
+  <dgm:styleData useDef="1">
     <dgm:dataModel>
-      <dgm:ptLst>
-        <dgm:pt modelId="0" type="doc"/>
-        <dgm:pt modelId="1"/>
-        <dgm:pt modelId="11"/>
-        <dgm:pt modelId="2"/>
-        <dgm:pt modelId="21"/>
-      </dgm:ptLst>
-      <dgm:cxnLst>
-        <dgm:cxn modelId="4" srcId="0" destId="1" srcOrd="0" destOrd="0"/>
-        <dgm:cxn modelId="5" srcId="0" destId="2" srcOrd="1" destOrd="0"/>
-        <dgm:cxn modelId="13" srcId="1" destId="11" srcOrd="0" destOrd="0"/>
-        <dgm:cxn modelId="23" srcId="2" destId="21" srcOrd="0" destOrd="0"/>
-      </dgm:cxnLst>
+      <dgm:ptLst/>
       <dgm:bg/>
       <dgm:whole/>
     </dgm:dataModel>
   </dgm:styleData>
-  <dgm:clrData>
+  <dgm:clrData useDef="1">
     <dgm:dataModel>
-      <dgm:ptLst>
-        <dgm:pt modelId="0" type="doc"/>
-        <dgm:pt modelId="1"/>
-        <dgm:pt modelId="11"/>
-        <dgm:pt modelId="2"/>
-        <dgm:pt modelId="21"/>
-        <dgm:pt modelId="3"/>
-        <dgm:pt modelId="31"/>
-        <dgm:pt modelId="4"/>
-        <dgm:pt modelId="41"/>
-      </dgm:ptLst>
-      <dgm:cxnLst>
-        <dgm:cxn modelId="5" srcId="0" destId="1" srcOrd="0" destOrd="0"/>
-        <dgm:cxn modelId="6" srcId="0" destId="2" srcOrd="1" destOrd="0"/>
-        <dgm:cxn modelId="7" srcId="0" destId="3" srcOrd="2" destOrd="0"/>
-        <dgm:cxn modelId="8" srcId="0" destId="4" srcOrd="3" destOrd="0"/>
-        <dgm:cxn modelId="13" srcId="1" destId="11" srcOrd="0" destOrd="0"/>
-        <dgm:cxn modelId="23" srcId="2" destId="21" srcOrd="0" destOrd="0"/>
-        <dgm:cxn modelId="33" srcId="3" destId="31" srcOrd="0" destOrd="0"/>
-        <dgm:cxn modelId="43" srcId="4" destId="41" srcOrd="0" destOrd="0"/>
-      </dgm:cxnLst>
+      <dgm:ptLst/>
       <dgm:bg/>
       <dgm:whole/>
     </dgm:dataModel>
   </dgm:clrData>
-  <dgm:layoutNode name="Name0">
+  <dgm:layoutNode name="root">
     <dgm:varLst>
-      <dgm:animLvl val="lvl"/>
+      <dgm:dir/>
       <dgm:resizeHandles val="exact"/>
     </dgm:varLst>
-    <dgm:alg type="lin">
-      <dgm:param type="linDir" val="fromL"/>
-      <dgm:param type="nodeVertAlign" val="t"/>
-    </dgm:alg>
+    <dgm:choose name="Name0">
+      <dgm:if name="Name1" axis="self" func="var" arg="dir" op="equ" val="norm">
+        <dgm:alg type="snake">
+          <dgm:param type="grDir" val="tL"/>
+          <dgm:param type="flowDir" val="row"/>
+          <dgm:param type="contDir" val="sameDir"/>
+          <dgm:param type="off" val="ctr"/>
+          <dgm:param type="vertAlign" val="mid"/>
+          <dgm:param type="horzAlign" val="ctr"/>
+        </dgm:alg>
+      </dgm:if>
+      <dgm:else name="Name2">
+        <dgm:alg type="snake">
+          <dgm:param type="grDir" val="tR"/>
+          <dgm:param type="flowDir" val="row"/>
+          <dgm:param type="contDir" val="sameDir"/>
+          <dgm:param type="off" val="ctr"/>
+          <dgm:param type="vertAlign" val="mid"/>
+          <dgm:param type="horzAlign" val="ctr"/>
+        </dgm:alg>
+      </dgm:else>
+    </dgm:choose>
     <dgm:shape xmlns:r="http://schemas.openxmlformats.org/officeDocument/2006/relationships" r:blip="">
       <dgm:adjLst/>
     </dgm:shape>
     <dgm:presOf/>
-    <dgm:constrLst>
-      <dgm:constr type="h" for="ch" forName="compositeNode" refType="h"/>
-      <dgm:constr type="w" for="ch" forName="compositeNode" refType="w"/>
-      <dgm:constr type="w" for="des" forName="simulatedConn" refType="w" refFor="ch" refForName="compositeNode" fact="0.15"/>
-      <dgm:constr type="h" for="des" forName="simulatedConn" refType="w" refFor="des" refForName="simulatedConn"/>
-      <dgm:constr type="h" for="des" forName="vSp1" refType="w" refFor="ch" refForName="compositeNode" fact="0.8"/>
-      <dgm:constr type="h" for="des" forName="vSp2" refType="w" refFor="ch" refForName="compositeNode" fact="0.07"/>
-      <dgm:constr type="w" for="ch" forName="vProcSp" refType="w" refFor="des" refForName="simulatedConn" op="equ"/>
-      <dgm:constr type="h" for="ch" forName="vProcSp" refType="h" refFor="ch" refForName="compositeNode" op="equ"/>
-      <dgm:constr type="w" for="ch" forName="sibTrans" refType="w" refFor="ch" refForName="compositeNode" fact="0.08"/>
-      <dgm:constr type="primFontSz" for="des" forName="sibTransNodeRect" op="equ"/>
-      <dgm:constr type="primFontSz" for="des" forName="nodeRect" op="equ"/>
-    </dgm:constrLst>
-    <dgm:ruleLst/>
-    <dgm:forEach name="Name4" axis="ch" ptType="node">
-      <dgm:layoutNode name="compositeNode">
-        <dgm:varLst>
-          <dgm:bulletEnabled val="1"/>
-        </dgm:varLst>
+    <dgm:choose name="Name3">
+      <dgm:if name="Name4" axis="ch" ptType="node" func="cnt" op="lte" val="2">
+        <dgm:constrLst>
+          <dgm:constr type="h" for="ch" forName="compNode" refType="h" fact="0.4"/>
+          <dgm:constr type="w" for="ch" forName="compNode" val="100"/>
+          <dgm:constr type="w" for="ch" forName="sibTrans" refType="w" refFor="ch" refForName="compNode" fact="0.175"/>
+          <dgm:constr type="sp" refType="w" refFor="ch" refForName="compNode" op="equ" fact="0.25"/>
+          <dgm:constr type="primFontSz" for="des" ptType="node" op="equ" val="44"/>
+          <dgm:constr type="h" for="des" forName="compNode" op="equ"/>
+          <dgm:constr type="h" for="des" forName="textRect" op="equ"/>
+        </dgm:constrLst>
+      </dgm:if>
+      <dgm:if name="Name5" axis="ch" ptType="node" func="cnt" op="lte" val="3">
+        <dgm:constrLst>
+          <dgm:constr type="h" for="ch" forName="compNode" refType="h" fact="0.4"/>
+          <dgm:constr type="w" for="ch" forName="compNode" val="100"/>
+          <dgm:constr type="w" for="ch" forName="sibTrans" refType="w" refFor="ch" refForName="compNode" fact="0.175"/>
+          <dgm:constr type="sp" refType="w" refFor="ch" refForName="compNode" op="equ" fact="0.25"/>
+          <dgm:constr type="primFontSz" for="des" ptType="node" op="equ" val="40"/>
+          <dgm:constr type="h" for="des" forName="compNode" op="equ"/>
+          <dgm:constr type="h" for="des" forName="textRect" op="equ"/>
+        </dgm:constrLst>
+      </dgm:if>
+      <dgm:if name="Name6" axis="ch" ptType="node" func="cnt" op="lte" val="4">
+        <dgm:constrLst>
+          <dgm:constr type="h" for="ch" forName="compNode" refType="h" fact="0.4"/>
+          <dgm:constr type="w" for="ch" forName="compNode" refType="w"/>
+          <dgm:constr type="w" for="ch" forName="sibTrans" refType="w" refFor="ch" refForName="compNode" fact="0.175"/>
+          <dgm:constr type="sp" refType="w" refFor="ch" refForName="compNode" op="equ" fact="0.25"/>
+          <dgm:constr type="primFontSz" for="des" ptType="node" op="equ" val="32"/>
+          <dgm:constr type="h" for="des" forName="compNode" op="equ"/>
+          <dgm:constr type="h" for="des" forName="textRect" op="equ"/>
+        </dgm:constrLst>
+      </dgm:if>
+      <dgm:else name="Name7">
+        <dgm:constrLst>
+          <dgm:constr type="h" for="ch" forName="compNode" refType="h" fact="0.4"/>
+          <dgm:constr type="w" for="ch" forName="compNode" refType="w"/>
+          <dgm:constr type="w" for="ch" forName="sibTrans" refType="w" refFor="ch" refForName="compNode" fact="0.175"/>
+          <dgm:constr type="sp" refType="w" refFor="ch" refForName="compNode" op="equ" fact="0.25"/>
+          <dgm:constr type="primFontSz" for="des" ptType="node" op="equ" val="24"/>
+          <dgm:constr type="h" for="des" forName="compNode" op="equ"/>
+          <dgm:constr type="h" for="des" forName="textRect" op="equ"/>
+        </dgm:constrLst>
+      </dgm:else>
+    </dgm:choose>
+    <dgm:ruleLst>
+      <dgm:rule type="w" for="ch" forName="compNode" val="50" fact="NaN" max="NaN"/>
+    </dgm:ruleLst>
+    <dgm:forEach name="Name8" axis="ch" ptType="node">
+      <dgm:layoutNode name="compNode">
         <dgm:alg type="composite"/>
+        <dgm:shape xmlns:r="http://schemas.openxmlformats.org/officeDocument/2006/relationships" r:blip="">
+          <dgm:adjLst/>
+        </dgm:shape>
+        <dgm:presOf axis="self"/>
         <dgm:constrLst>
-          <dgm:constr type="h" refType="w" op="lte" fact="1.2"/>
-          <dgm:constr type="w" for="ch" forName="bgRect" refType="w"/>
-          <dgm:constr type="h" for="ch" forName="bgRect" refType="h"/>
-          <dgm:constr type="t" for="ch" forName="bgRect"/>
-          <dgm:constr type="l" for="ch" forName="bgRect"/>
-          <dgm:constr type="w" for="ch" forName="sibTransNodeRect" refType="w" refFor="ch" refForName="bgRect"/>
-          <dgm:constr type="h" for="ch" forName="sibTransNodeRect" refType="h" refFor="ch" refForName="bgRect" fact="0.4"/>
-          <dgm:constr type="t" for="ch" forName="sibTransNodeRect"/>
-          <dgm:constr type="l" for="ch" forName="sibTransNodeRect"/>
-          <dgm:constr type="r" for="ch" forName="nodeRect" refType="r" refFor="ch" refForName="bgRect"/>
-          <dgm:constr type="h" for="ch" forName="nodeRect" refType="h" refFor="ch" refForName="bgRect" fact="0.6"/>
-          <dgm:constr type="t" for="ch" forName="nodeRect" refType="b" refFor="ch" refForName="sibTransNodeRect"/>
-          <dgm:constr type="l" for="ch" forName="nodeRect" refType="l" refFor="ch" refForName="bgRect"/>
+          <dgm:constr type="w" for="ch" forName="iconBgRect" refType="w" fact="0.61"/>
+          <dgm:constr type="h" for="ch" forName="iconBgRect" refType="w" refFor="ch" refForName="iconBgRect"/>
+          <dgm:constr type="t" for="ch" forName="iconBgRect"/>
+          <dgm:constr type="ctrX" for="ch" forName="iconBgRect" refType="w" fact="0.5"/>
+          <dgm:constr type="w" for="ch" forName="iconRect" refType="w" fact="0.35"/>
+          <dgm:constr type="h" for="ch" forName="iconRect" refType="w" refFor="ch" refForName="iconRect"/>
+          <dgm:constr type="ctrX" for="ch" forName="iconRect" refType="ctrX" refFor="ch" refForName="iconBgRect"/>
+          <dgm:constr type="ctrY" for="ch" forName="iconRect" refType="ctrY" refFor="ch" refForName="iconBgRect"/>
+          <dgm:constr type="h" for="ch" forName="spaceRect" refType="w" fact="0.19"/>
+          <dgm:constr type="w" for="ch" forName="spaceRect" refType="w"/>
+          <dgm:constr type="l" for="ch" forName="spaceRect"/>
+          <dgm:constr type="t" for="ch" forName="spaceRect" refType="b" refFor="ch" refForName="iconBgRect"/>
+          <dgm:constr type="h" for="ch" forName="textRect" val="20"/>
+          <dgm:constr type="w" for="ch" forName="textRect" refType="w"/>
+          <dgm:constr type="l" for="ch" forName="textRect"/>
+          <dgm:constr type="t" for="ch" forName="textRect" refType="b" refFor="ch" refForName="spaceRect"/>
         </dgm:constrLst>
         <dgm:ruleLst>
-          <dgm:rule type="w" for="ch" forName="nodeRect" val="NaN" fact="NaN" max="30"/>
+          <dgm:rule type="h" val="INF" fact="NaN" max="NaN"/>
         </dgm:ruleLst>
-        <dgm:layoutNode name="bgRect" styleLbl="alignNode1">
+        <dgm:layoutNode name="iconBgRect" styleLbl="bgShp">
           <dgm:alg type="sp"/>
-          <dgm:shape xmlns:r="http://schemas.openxmlformats.org/officeDocument/2006/relationships" type="rect" r:blip="">
-            <dgm:adjLst>
-              <dgm:adj idx="1" val="0.05"/>
-            </dgm:adjLst>
+          <dgm:shape xmlns:r="http://schemas.openxmlformats.org/officeDocument/2006/relationships" type="round2DiagRect" r:blip="">
+            <dgm:adjLst/>
+            <dgm:extLst>
+              <a:ext uri="{B698B0E9-8C71-41B9-8309-B3DCBF30829C}">
+                <dgm1612:spPr xmlns:dgm1612="http://schemas.microsoft.com/office/drawing/2016/12/diagram">
+                  <a:prstGeom prst="round2DiagRect">
+                    <a:avLst>
+                      <a:gd name="adj1" fmla="val 29727"/>
+                      <a:gd name="adj2" fmla="val 0"/>
+                    </a:avLst>
+                  </a:prstGeom>
+                </dgm1612:spPr>
+              </a:ext>
+            </dgm:extLst>
           </dgm:shape>
-          <dgm:presOf axis="self"/>
+          <dgm:presOf/>
           <dgm:constrLst/>
           <dgm:ruleLst/>
         </dgm:layoutNode>
-        <dgm:forEach name="Name19" axis="followSib" ptType="sibTrans" hideLastTrans="0" cnt="1">
-          <dgm:layoutNode name="sibTransNodeRect" styleLbl="alignNode1">
-            <dgm:varLst>
-              <dgm:chMax val="0"/>
-              <dgm:bulletEnabled val="1"/>
-            </dgm:varLst>
-            <dgm:presOf axis="self"/>
-            <dgm:alg type="tx">
-              <dgm:param type="parTxLTRAlign" val="l"/>
-              <dgm:param type="parTxRTLAlign" val="l"/>
-            </dgm:alg>
-            <dgm:shape xmlns:r="http://schemas.openxmlformats.org/officeDocument/2006/relationships" type="rect" r:blip="" hideGeom="1">
-              <dgm:adjLst/>
-            </dgm:shape>
-            <dgm:constrLst>
-              <dgm:constr type="primFontSz" val="66"/>
-              <dgm:constr type="tMarg" val="13"/>
-              <dgm:constr type="lMarg" refType="w" fact="0.28"/>
-              <dgm:constr type="rMarg" refType="w" fact="0.28"/>
-              <dgm:constr type="bMarg" val="13"/>
-            </dgm:constrLst>
-            <dgm:ruleLst>
-              <dgm:rule type="primFontSz" val="14" fact="NaN" max="NaN"/>
-              <dgm:rule type="tMarg" val="13" fact="NaN" max="NaN"/>
-            </dgm:ruleLst>
-          </dgm:layoutNode>
-        </dgm:forEach>
-        <dgm:layoutNode name="nodeRect" styleLbl="alignNode1" moveWith="bgRect">
-          <dgm:varLst>
-            <dgm:bulletEnabled val="1"/>
-          </dgm:varLst>
-          <dgm:alg type="tx">
-            <dgm:param type="parTxLTRAlign" val="l"/>
-            <dgm:param type="parTxRTLAlign" val="r"/>
-            <dgm:param type="txAnchorVert" val="t"/>
-            <dgm:param type="stBulletLvl" val="2"/>
-          </dgm:alg>
-          <dgm:shape xmlns:r="http://schemas.openxmlformats.org/officeDocument/2006/relationships" type="rect" r:blip="" hideGeom="1">
+        <dgm:layoutNode name="iconRect" styleLbl="node1">
+          <dgm:alg type="sp"/>
+          <dgm:shape xmlns:r="http://schemas.openxmlformats.org/officeDocument/2006/relationships" type="rect" r:blip="" blipPhldr="1">
             <dgm:adjLst/>
           </dgm:shape>
-          <dgm:presOf axis="desOrSelf" ptType="node"/>
-          <dgm:constrLst>
-            <dgm:constr type="primFontSz" val="26"/>
-            <dgm:constr type="tMarg"/>
-            <dgm:constr type="lMarg" refType="w" fact="0.28"/>
-            <dgm:constr type="rMarg" refType="w" fact="0.28"/>
-            <dgm:constr type="bMarg" val="26"/>
-          </dgm:constrLst>
-          <dgm:ruleLst>
-            <dgm:rule type="primFontSz" val="11" fact="NaN" max="NaN"/>
-          </dgm:ruleLst>
+          <dgm:presOf/>
+          <dgm:constrLst/>
+          <dgm:ruleLst/>
         </dgm:layoutNode>
-      </dgm:layoutNode>
-      <dgm:forEach name="Name14" axis="followSib" ptType="sibTrans" cnt="1">
-        <dgm:layoutNode name="sibTrans">
+        <dgm:layoutNode name="spaceRect">
           <dgm:alg type="sp"/>
           <dgm:shape xmlns:r="http://schemas.openxmlformats.org/officeDocument/2006/relationships" r:blip="">
             <dgm:adjLst/>
@@ -1832,29 +2044,64 @@
           <dgm:constrLst/>
           <dgm:ruleLst/>
         </dgm:layoutNode>
+        <dgm:layoutNode name="textRect" styleLbl="revTx">
+          <dgm:varLst>
+            <dgm:chMax val="1"/>
+            <dgm:chPref val="1"/>
+          </dgm:varLst>
+          <dgm:alg type="tx">
+            <dgm:param type="txAnchorVert" val="t"/>
+          </dgm:alg>
+          <dgm:shape xmlns:r="http://schemas.openxmlformats.org/officeDocument/2006/relationships" type="rect" r:blip="">
+            <dgm:adjLst/>
+          </dgm:shape>
+          <dgm:presOf axis="self" ptType="node"/>
+          <dgm:constrLst>
+            <dgm:constr type="lMarg"/>
+            <dgm:constr type="rMarg"/>
+            <dgm:constr type="tMarg"/>
+            <dgm:constr type="bMarg"/>
+          </dgm:constrLst>
+          <dgm:ruleLst>
+            <dgm:rule type="primFontSz" val="11" fact="NaN" max="NaN"/>
+            <dgm:rule type="h" val="INF" fact="NaN" max="NaN"/>
+          </dgm:ruleLst>
+        </dgm:layoutNode>
+      </dgm:layoutNode>
+      <dgm:forEach name="Name9" axis="followSib" ptType="sibTrans" cnt="1">
+        <dgm:layoutNode name="sibTrans">
+          <dgm:alg type="sp"/>
+          <dgm:shape xmlns:r="http://schemas.openxmlformats.org/officeDocument/2006/relationships" r:blip="">
+            <dgm:adjLst/>
+          </dgm:shape>
+          <dgm:presOf axis="self"/>
+          <dgm:constrLst/>
+          <dgm:ruleLst/>
+        </dgm:layoutNode>
       </dgm:forEach>
     </dgm:forEach>
   </dgm:layoutNode>
   <dgm:extLst>
-    <a:ext uri="{4F341089-5ED1-44EC-B178-C955D00A3D55}">
-      <dgm1611:autoBuNodeInfoLst xmlns:dgm1611="http://schemas.microsoft.com/office/drawing/2016/11/diagram">
-        <dgm1611:autoBuNodeInfo lvl="1" ptType="sibTrans">
-          <dgm1611:buPr prefix="" leadZeros="1">
-            <a:buAutoNum type="arabicParenBoth"/>
-          </dgm1611:buPr>
-        </dgm1611:autoBuNodeInfo>
-      </dgm1611:autoBuNodeInfoLst>
+    <a:ext uri="{68A01E43-0DF5-4B5B-8FA6-DAF915123BFB}">
+      <dgm1612:lstStyle xmlns:dgm1612="http://schemas.microsoft.com/office/drawing/2016/12/diagram">
+        <a:lvl1pPr>
+          <a:lnSpc>
+            <a:spcPct val="100000"/>
+          </a:lnSpc>
+          <a:defRPr cap="all"/>
+        </a:lvl1pPr>
+      </dgm1612:lstStyle>
     </a:ext>
   </dgm:extLst>
 </dgm:layoutDef>
 </file>
 
 <file path=ppt/diagrams/quickStyle1.xml><?xml version="1.0" encoding="utf-8"?>
-<dgm:styleDef xmlns:dgm="http://schemas.openxmlformats.org/drawingml/2006/diagram" xmlns:a="http://schemas.openxmlformats.org/drawingml/2006/main" uniqueId="urn:microsoft.com/office/officeart/2005/8/quickstyle/simple2">
+<dgm:styleDef xmlns:dgm="http://schemas.openxmlformats.org/drawingml/2006/diagram" xmlns:a="http://schemas.openxmlformats.org/drawingml/2006/main" uniqueId="urn:microsoft.com/office/officeart/2005/8/quickstyle/simple1">
   <dgm:title val=""/>
   <dgm:desc val=""/>
   <dgm:catLst>
-    <dgm:cat type="simple" pri="10200"/>
+    <dgm:cat type="simple" pri="10100"/>
   </dgm:catLst>
   <dgm:scene3d>
     <a:camera prst="orthographicFront"/>
@@ -1868,13 +2115,13 @@
     <dgm:sp3d/>
     <dgm:txPr/>
     <dgm:style>
-      <a:lnRef idx="3">
+      <a:lnRef idx="2">
         <a:scrgbClr r="0" g="0" b="0"/>
       </a:lnRef>
       <a:fillRef idx="1">
         <a:scrgbClr r="0" g="0" b="0"/>
       </a:fillRef>
-      <a:effectRef idx="1">
+      <a:effectRef idx="0">
         <a:scrgbClr r="0" g="0" b="0"/>
       </a:effectRef>
       <a:fontRef idx="minor">
@@ -1890,13 +2137,13 @@
     <dgm:sp3d/>
     <dgm:txPr/>
     <dgm:style>
-      <a:lnRef idx="3">
+      <a:lnRef idx="2">
         <a:scrgbClr r="0" g="0" b="0"/>
       </a:lnRef>
       <a:fillRef idx="1">
         <a:scrgbClr r="0" g="0" b="0"/>
       </a:fillRef>
-      <a:effectRef idx="1">
+      <a:effectRef idx="0">
         <a:scrgbClr r="0" g="0" b="0"/>
       </a:effectRef>
       <a:fontRef idx="minor">
@@ -1912,7 +2159,7 @@
     <dgm:sp3d/>
     <dgm:txPr/>
     <dgm:style>
-      <a:lnRef idx="3">
+      <a:lnRef idx="2">
         <a:scrgbClr r="0" g="0" b="0"/>
       </a:lnRef>
       <a:fillRef idx="1">
@@ -1940,7 +2187,7 @@
       <a:fillRef idx="1">
         <a:scrgbClr r="0" g="0" b="0"/>
       </a:fillRef>
-      <a:effectRef idx="1">
+      <a:effectRef idx="0">
         <a:scrgbClr r="0" g="0" b="0"/>
       </a:effectRef>
       <a:fontRef idx="minor">
@@ -1956,13 +2203,13 @@
     <dgm:sp3d/>
     <dgm:txPr/>
     <dgm:style>
-      <a:lnRef idx="3">
+      <a:lnRef idx="2">
         <a:scrgbClr r="0" g="0" b="0"/>
       </a:lnRef>
       <a:fillRef idx="1">
         <a:scrgbClr r="0" g="0" b="0"/>
       </a:fillRef>
-      <a:effectRef idx="1">
+      <a:effectRef idx="0">
         <a:scrgbClr r="0" g="0" b="0"/>
       </a:effectRef>
       <a:fontRef idx="minor">
@@ -1978,13 +2225,13 @@
     <dgm:sp3d/>
     <dgm:txPr/>
     <dgm:style>
-      <a:lnRef idx="3">
+      <a:lnRef idx="2">
         <a:scrgbClr r="0" g="0" b="0"/>
       </a:lnRef>
       <a:fillRef idx="1">
         <a:scrgbClr r="0" g="0" b="0"/>
       </a:fillRef>
-      <a:effectRef idx="1">
+      <a:effectRef idx="0">
         <a:scrgbClr r="0" g="0" b="0"/>
       </a:effectRef>
       <a:fontRef idx="minor">
@@ -2000,13 +2247,13 @@
     <dgm:sp3d/>
     <dgm:txPr/>
     <dgm:style>
-      <a:lnRef idx="3">
+      <a:lnRef idx="2">
         <a:scrgbClr r="0" g="0" b="0"/>
       </a:lnRef>
       <a:fillRef idx="1">
         <a:scrgbClr r="0" g="0" b="0"/>
       </a:fillRef>
-      <a:effectRef idx="1">
+      <a:effectRef idx="0">
         <a:scrgbClr r="0" g="0" b="0"/>
       </a:effectRef>
       <a:fontRef idx="minor">
@@ -2022,13 +2269,13 @@
     <dgm:sp3d/>
     <dgm:txPr/>
     <dgm:style>
-      <a:lnRef idx="3">
+      <a:lnRef idx="2">
         <a:scrgbClr r="0" g="0" b="0"/>
       </a:lnRef>
       <a:fillRef idx="1">
         <a:scrgbClr r="0" g="0" b="0"/>
       </a:fillRef>
-      <a:effectRef idx="1">
+      <a:effectRef idx="0">
         <a:scrgbClr r="0" g="0" b="0"/>
       </a:effectRef>
       <a:fontRef idx="minor">
@@ -2044,13 +2291,13 @@
     <dgm:sp3d/>
     <dgm:txPr/>
     <dgm:style>
-      <a:lnRef idx="3">
+      <a:lnRef idx="2">
         <a:scrgbClr r="0" g="0" b="0"/>
       </a:lnRef>
       <a:fillRef idx="1">
         <a:scrgbClr r="0" g="0" b="0"/>
       </a:fillRef>
-      <a:effectRef idx="1">
+      <a:effectRef idx="0">
         <a:scrgbClr r="0" g="0" b="0"/>
       </a:effectRef>
       <a:fontRef idx="minor"/>
@@ -2064,13 +2311,13 @@
     <dgm:sp3d/>
     <dgm:txPr/>
     <dgm:style>
-      <a:lnRef idx="3">
+      <a:lnRef idx="2">
         <a:scrgbClr r="0" g="0" b="0"/>
       </a:lnRef>
       <a:fillRef idx="1">
         <a:scrgbClr r="0" g="0" b="0"/>
       </a:fillRef>
-      <a:effectRef idx="1">
+      <a:effectRef idx="0">
         <a:scrgbClr r="0" g="0" b="0"/>
       </a:effectRef>
       <a:fontRef idx="minor"/>
@@ -2084,13 +2331,13 @@
     <dgm:sp3d/>
     <dgm:txPr/>
     <dgm:style>
-      <a:lnRef idx="3">
+      <a:lnRef idx="2">
         <a:scrgbClr r="0" g="0" b="0"/>
       </a:lnRef>
       <a:fillRef idx="1">
         <a:scrgbClr r="0" g="0" b="0"/>
       </a:fillRef>
-      <a:effectRef idx="1">
+      <a:effectRef idx="0">
         <a:scrgbClr r="0" g="0" b="0"/>
       </a:effectRef>
       <a:fontRef idx="minor"/>
@@ -2110,7 +2357,7 @@
       <a:fillRef idx="1">
         <a:scrgbClr r="0" g="0" b="0"/>
       </a:fillRef>
-      <a:effectRef idx="1">
+      <a:effectRef idx="0">
         <a:scrgbClr r="0" g="0" b="0"/>
       </a:effectRef>
       <a:fontRef idx="minor">
@@ -2132,7 +2379,7 @@
       <a:fillRef idx="1">
         <a:scrgbClr r="0" g="0" b="0"/>
       </a:fillRef>
-      <a:effectRef idx="1">
+      <a:effectRef idx="0">
         <a:scrgbClr r="0" g="0" b="0"/>
       </a:effectRef>
       <a:fontRef idx="minor">
@@ -2154,7 +2401,7 @@
       <a:fillRef idx="1">
         <a:scrgbClr r="0" g="0" b="0"/>
       </a:fillRef>
-      <a:effectRef idx="1">
+      <a:effectRef idx="0">
         <a:scrgbClr r="0" g="0" b="0"/>
       </a:effectRef>
       <a:fontRef idx="minor">
@@ -2196,7 +2443,7 @@
       <a:fillRef idx="1">
         <a:scrgbClr r="0" g="0" b="0"/>
       </a:fillRef>
-      <a:effectRef idx="1">
+      <a:effectRef idx="0">
         <a:scrgbClr r="0" g="0" b="0"/>
       </a:effectRef>
       <a:fontRef idx="minor"/>
@@ -2210,13 +2457,13 @@
     <dgm:sp3d/>
     <dgm:txPr/>
     <dgm:style>
-      <a:lnRef idx="3">
+      <a:lnRef idx="2">
         <a:scrgbClr r="0" g="0" b="0"/>
       </a:lnRef>
       <a:fillRef idx="1">
         <a:scrgbClr r="0" g="0" b="0"/>
       </a:fillRef>
-      <a:effectRef idx="1">
+      <a:effectRef idx="0">
         <a:scrgbClr r="0" g="0" b="0"/>
       </a:effectRef>
       <a:fontRef idx="minor">
@@ -2232,13 +2479,13 @@
     <dgm:sp3d/>
     <dgm:txPr/>
     <dgm:style>
-      <a:lnRef idx="3">
+      <a:lnRef idx="2">
         <a:scrgbClr r="0" g="0" b="0"/>
       </a:lnRef>
       <a:fillRef idx="1">
         <a:scrgbClr r="0" g="0" b="0"/>
       </a:fillRef>
-      <a:effectRef idx="1">
+      <a:effectRef idx="0">
         <a:scrgbClr r="0" g="0" b="0"/>
       </a:effectRef>
       <a:fontRef idx="minor">
@@ -2254,13 +2501,13 @@
     <dgm:sp3d/>
     <dgm:txPr/>
     <dgm:style>
-      <a:lnRef idx="3">
+      <a:lnRef idx="2">
         <a:scrgbClr r="0" g="0" b="0"/>
       </a:lnRef>
       <a:fillRef idx="1">
         <a:scrgbClr r="0" g="0" b="0"/>
       </a:fillRef>
-      <a:effectRef idx="1">
+      <a:effectRef idx="0">
         <a:scrgbClr r="0" g="0" b="0"/>
       </a:effectRef>
       <a:fontRef idx="minor">
@@ -2276,13 +2523,13 @@
     <dgm:sp3d/>
     <dgm:txPr/>
     <dgm:style>
-      <a:lnRef idx="3">
+      <a:lnRef idx="2">
         <a:scrgbClr r="0" g="0" b="0"/>
       </a:lnRef>
       <a:fillRef idx="1">
         <a:scrgbClr r="0" g="0" b="0"/>
       </a:fillRef>
-      <a:effectRef idx="1">
+      <a:effectRef idx="0">
         <a:scrgbClr r="0" g="0" b="0"/>
       </a:effectRef>
       <a:fontRef idx="minor">
@@ -2298,13 +2545,13 @@
     <dgm:sp3d/>
     <dgm:txPr/>
     <dgm:style>
-      <a:lnRef idx="3">
+      <a:lnRef idx="2">
         <a:scrgbClr r="0" g="0" b="0"/>
       </a:lnRef>
       <a:fillRef idx="1">
         <a:scrgbClr r="0" g="0" b="0"/>
       </a:fillRef>
-      <a:effectRef idx="1">
+      <a:effectRef idx="0">
         <a:scrgbClr r="0" g="0" b="0"/>
       </a:effectRef>
       <a:fontRef idx="minor">
@@ -2320,13 +2567,13 @@
     <dgm:sp3d/>
     <dgm:txPr/>
     <dgm:style>
-      <a:lnRef idx="3">
+      <a:lnRef idx="2">
         <a:scrgbClr r="0" g="0" b="0"/>
       </a:lnRef>
       <a:fillRef idx="1">
         <a:scrgbClr r="0" g="0" b="0"/>
       </a:fillRef>
-      <a:effectRef idx="1">
+      <a:effectRef idx="0">
         <a:scrgbClr r="0" g="0" b="0"/>
       </a:effectRef>
       <a:fontRef idx="minor">
@@ -2342,13 +2589,13 @@
     <dgm:sp3d/>
     <dgm:txPr/>
     <dgm:style>
-      <a:lnRef idx="3">
+      <a:lnRef idx="2">
         <a:scrgbClr r="0" g="0" b="0"/>
       </a:lnRef>
       <a:fillRef idx="1">
         <a:scrgbClr r="0" g="0" b="0"/>
       </a:fillRef>
-      <a:effectRef idx="1">
+      <a:effectRef idx="0">
         <a:scrgbClr r="0" g="0" b="0"/>
       </a:effectRef>
       <a:fontRef idx="minor">
@@ -2364,13 +2611,13 @@
     <dgm:sp3d/>
     <dgm:txPr/>
     <dgm:style>
-      <a:lnRef idx="3">
+      <a:lnRef idx="2">
         <a:scrgbClr r="0" g="0" b="0"/>
       </a:lnRef>
       <a:fillRef idx="1">
         <a:scrgbClr r="0" g="0" b="0"/>
       </a:fillRef>
-      <a:effectRef idx="1">
+      <a:effectRef idx="0">
         <a:scrgbClr r="0" g="0" b="0"/>
       </a:effectRef>
       <a:fontRef idx="minor">
@@ -2386,13 +2633,13 @@
     <dgm:sp3d/>
     <dgm:txPr/>
     <dgm:style>
-      <a:lnRef idx="3">
+      <a:lnRef idx="2">
         <a:scrgbClr r="0" g="0" b="0"/>
       </a:lnRef>
       <a:fillRef idx="1">
         <a:scrgbClr r="0" g="0" b="0"/>
       </a:fillRef>
-      <a:effectRef idx="1">
+      <a:effectRef idx="0">
         <a:scrgbClr r="0" g="0" b="0"/>
       </a:effectRef>
       <a:fontRef idx="minor">
@@ -2848,13 +3095,13 @@
     <dgm:sp3d/>
     <dgm:txPr/>
     <dgm:style>
-      <a:lnRef idx="3">
+      <a:lnRef idx="2">
         <a:scrgbClr r="0" g="0" b="0"/>
       </a:lnRef>
       <a:fillRef idx="1">
         <a:scrgbClr r="0" g="0" b="0"/>
       </a:fillRef>
-      <a:effectRef idx="1">
+      <a:effectRef idx="0">
         <a:scrgbClr r="0" g="0" b="0"/>
       </a:effectRef>
       <a:fontRef idx="minor"/>
@@ -3352,7 +3599,7 @@
           <a:p>
             <a:fld id="{EA0C0817-A112-4847-8014-A94B7D2A4EA3}" type="datetime1">
               <a:rPr lang="en-US" smtClean="0"/>
-              <a:t>3/8/2021</a:t>
+              <a:t>3/11/21</a:t>
             </a:fld>
             <a:endParaRPr lang="en-US" dirty="0"/>
           </a:p>
@@ -3554,7 +3801,7 @@
           <a:p>
             <a:fld id="{7332B432-ACDA-4023-A761-2BAB76577B62}" type="datetime1">
               <a:rPr lang="en-US" smtClean="0"/>
-              <a:t>3/8/2021</a:t>
+              <a:t>3/11/21</a:t>
             </a:fld>
             <a:endParaRPr lang="en-US" dirty="0"/>
           </a:p>
@@ -4153,7 +4400,7 @@
           <a:p>
             <a:fld id="{D9C646AA-F36E-4540-911D-FFFC0A0EF24A}" type="datetime1">
               <a:rPr lang="en-US" smtClean="0"/>
-              <a:t>3/8/2021</a:t>
+              <a:t>3/11/21</a:t>
             </a:fld>
             <a:endParaRPr lang="en-US" dirty="0"/>
           </a:p>
@@ -4473,7 +4720,7 @@
           <a:p>
             <a:fld id="{69186D26-FA5F-4637-B602-B7C2DC34CFD4}" type="datetime1">
               <a:rPr lang="en-US" smtClean="0"/>
-              <a:t>3/8/2021</a:t>
+              <a:t>3/11/21</a:t>
             </a:fld>
             <a:endParaRPr lang="en-US" dirty="0"/>
           </a:p>
@@ -4910,7 +5157,7 @@
           <a:p>
             <a:fld id="{8A7F15D8-96D1-4781-BC50-CA8A088B2FE4}" type="datetime1">
               <a:rPr lang="en-US" smtClean="0"/>
-              <a:t>3/8/2021</a:t>
+              <a:t>3/11/21</a:t>
             </a:fld>
             <a:endParaRPr lang="en-US" dirty="0"/>
           </a:p>
@@ -5028,7 +5275,7 @@
           <a:p>
             <a:fld id="{F9A96C99-B8F8-4528-BD05-0E16E943DC09}" type="datetime1">
               <a:rPr lang="en-US" smtClean="0"/>
-              <a:t>3/8/2021</a:t>
+              <a:t>3/11/21</a:t>
             </a:fld>
             <a:endParaRPr lang="en-US" dirty="0"/>
           </a:p>
@@ -5123,7 +5370,7 @@
           <a:p>
             <a:fld id="{03636942-C211-4B28-8DBD-C953E00AF71B}" type="datetime1">
               <a:rPr lang="en-US" smtClean="0"/>
-              <a:t>3/8/2021</a:t>
+              <a:t>3/11/21</a:t>
             </a:fld>
             <a:endParaRPr lang="en-US" dirty="0"/>
           </a:p>
@@ -5540,7 +5787,7 @@
           <a:p>
             <a:fld id="{7E8D12A6-918A-48BD-8CB9-CA713993B0EA}" type="datetime1">
               <a:rPr lang="en-US" smtClean="0"/>
-              <a:t>3/8/2021</a:t>
+              <a:t>3/11/21</a:t>
             </a:fld>
             <a:endParaRPr lang="en-US" dirty="0"/>
           </a:p>
@@ -5802,7 +6049,7 @@
             <a:fld id="{E778CE86-875F-4587-BCF6-FA054AFC0D53}" type="datetime1">
               <a:rPr lang="en-US" smtClean="0"/>
               <a:pPr/>
-              <a:t>3/8/2021</a:t>
+              <a:t>3/11/21</a:t>
             </a:fld>
             <a:endParaRPr lang="en-US" dirty="0"/>
           </a:p>
@@ -6318,7 +6565,7 @@
           <a:p>
             <a:fld id="{F6FA2B21-3FCD-4721-B95C-427943F61125}" type="datetime1">
               <a:rPr lang="en-US" smtClean="0"/>
-              <a:t>3/8/2021</a:t>
+              <a:t>3/11/21</a:t>
             </a:fld>
             <a:endParaRPr lang="en-US" dirty="0"/>
           </a:p>
@@ -7105,6 +7352,14 @@
 <file path=ppt/slides/slide3.xml><?xml version="1.0" encoding="utf-8"?>
 <p:sld xmlns:a="http://schemas.openxmlformats.org/drawingml/2006/main" xmlns:r="http://schemas.openxmlformats.org/officeDocument/2006/relationships" xmlns:p="http://schemas.openxmlformats.org/presentationml/2006/main">
   <p:cSld>
+    <p:bg>
+      <p:bgPr>
+        <a:solidFill>
+          <a:schemeClr val="bg1"/>
+        </a:solidFill>
+        <a:effectLst/>
+      </p:bgPr>
+    </p:bg>
     <p:spTree>
       <p:nvGrpSpPr>
         <p:cNvPr id="1" name=""/>
@@ -7121,6 +7376,606 @@
       </p:grpSpPr>
       <p:sp>
         <p:nvSpPr>
+          <p:cNvPr id="11" name="Rectangle 10">
+            <a:extLst>
+              <a:ext uri="{FF2B5EF4-FFF2-40B4-BE49-F238E27FC236}">
+                <a16:creationId xmlns:a16="http://schemas.microsoft.com/office/drawing/2014/main" id="{904DB13E-F722-4ED6-BB00-556651E95281}"/>
+              </a:ext>
+              <a:ext uri="{C183D7F6-B498-43B3-948B-1728B52AA6E4}">
+                <adec:decorative xmlns:adec="http://schemas.microsoft.com/office/drawing/2017/decorative" val="1"/>
+              </a:ext>
+            </a:extLst>
+          </p:cNvPr>
+          <p:cNvSpPr>
+            <a:spLocks noGrp="1" noRot="1" noChangeAspect="1" noMove="1" noResize="1" noEditPoints="1" noAdjustHandles="1" noChangeArrowheads="1" noChangeShapeType="1" noTextEdit="1"/>
+          </p:cNvSpPr>
+          <p:nvPr>
+            <p:extLst>
+              <p:ext uri="{386F3935-93C4-4BCD-93E2-E3B085C9AB24}">
+                <p16:designElem xmlns:p16="http://schemas.microsoft.com/office/powerpoint/2015/main" val="1"/>
+              </p:ext>
+            </p:extLst>
+          </p:nvPr>
+        </p:nvSpPr>
+        <p:spPr>
+          <a:xfrm>
+            <a:off x="0" y="0"/>
+            <a:ext cx="12192000" cy="6858000"/>
+          </a:xfrm>
+          <a:prstGeom prst="rect">
+            <a:avLst/>
+          </a:prstGeom>
+          <a:solidFill>
+            <a:schemeClr val="tx1">
+              <a:lumMod val="65000"/>
+              <a:lumOff val="35000"/>
+            </a:schemeClr>
+          </a:solidFill>
+          <a:ln>
+            <a:noFill/>
+          </a:ln>
+        </p:spPr>
+        <p:style>
+          <a:lnRef idx="2">
+            <a:schemeClr val="accent1">
+              <a:shade val="50000"/>
+            </a:schemeClr>
+          </a:lnRef>
+          <a:fillRef idx="1">
+            <a:schemeClr val="accent1"/>
+          </a:fillRef>
+          <a:effectRef idx="0">
+            <a:schemeClr val="accent1"/>
+          </a:effectRef>
+          <a:fontRef idx="minor">
+            <a:schemeClr val="lt1"/>
+          </a:fontRef>
+        </p:style>
+        <p:txBody>
+          <a:bodyPr rtlCol="0" anchor="ctr"/>
+          <a:lstStyle/>
+          <a:p>
+            <a:pPr algn="ctr"/>
+            <a:endParaRPr lang="en-US"/>
+          </a:p>
+        </p:txBody>
+      </p:sp>
+      <p:sp useBgFill="1">
+        <p:nvSpPr>
+          <p:cNvPr id="13" name="Rectangle 12">
+            <a:extLst>
+              <a:ext uri="{FF2B5EF4-FFF2-40B4-BE49-F238E27FC236}">
+                <a16:creationId xmlns:a16="http://schemas.microsoft.com/office/drawing/2014/main" id="{1419E3D9-C5FB-41A9-B6D2-DFB210BB6211}"/>
+              </a:ext>
+              <a:ext uri="{C183D7F6-B498-43B3-948B-1728B52AA6E4}">
+                <adec:decorative xmlns:adec="http://schemas.microsoft.com/office/drawing/2017/decorative" val="1"/>
+              </a:ext>
+            </a:extLst>
+          </p:cNvPr>
+          <p:cNvSpPr>
+            <a:spLocks noGrp="1" noRot="1" noChangeAspect="1" noMove="1" noResize="1" noEditPoints="1" noAdjustHandles="1" noChangeArrowheads="1" noChangeShapeType="1" noTextEdit="1"/>
+          </p:cNvSpPr>
+          <p:nvPr>
+            <p:extLst>
+              <p:ext uri="{386F3935-93C4-4BCD-93E2-E3B085C9AB24}">
+                <p16:designElem xmlns:p16="http://schemas.microsoft.com/office/powerpoint/2015/main" val="1"/>
+              </p:ext>
+            </p:extLst>
+          </p:nvPr>
+        </p:nvSpPr>
+        <p:spPr>
+          <a:xfrm>
+            <a:off x="1307870" y="1267730"/>
+            <a:ext cx="9576262" cy="4307950"/>
+          </a:xfrm>
+          <a:prstGeom prst="rect">
+            <a:avLst/>
+          </a:prstGeom>
+          <a:ln w="6350" cap="flat" cmpd="sng" algn="ctr">
+            <a:noFill/>
+            <a:prstDash val="solid"/>
+          </a:ln>
+          <a:effectLst>
+            <a:outerShdw blurRad="50800" algn="ctr" rotWithShape="0">
+              <a:prstClr val="black">
+                <a:alpha val="66000"/>
+              </a:prstClr>
+            </a:outerShdw>
+            <a:softEdge rad="0"/>
+          </a:effectLst>
+        </p:spPr>
+      </p:sp>
+      <p:sp>
+        <p:nvSpPr>
+          <p:cNvPr id="15" name="Rectangle 14">
+            <a:extLst>
+              <a:ext uri="{FF2B5EF4-FFF2-40B4-BE49-F238E27FC236}">
+                <a16:creationId xmlns:a16="http://schemas.microsoft.com/office/drawing/2014/main" id="{367909BF-1DF7-4ACE-8F58-6CF719BB27E5}"/>
+              </a:ext>
+              <a:ext uri="{C183D7F6-B498-43B3-948B-1728B52AA6E4}">
+                <adec:decorative xmlns:adec="http://schemas.microsoft.com/office/drawing/2017/decorative" val="1"/>
+              </a:ext>
+            </a:extLst>
+          </p:cNvPr>
+          <p:cNvSpPr>
+            <a:spLocks noGrp="1" noRot="1" noChangeAspect="1" noMove="1" noResize="1" noEditPoints="1" noAdjustHandles="1" noChangeArrowheads="1" noChangeShapeType="1" noTextEdit="1"/>
+          </p:cNvSpPr>
+          <p:nvPr>
+            <p:extLst>
+              <p:ext uri="{386F3935-93C4-4BCD-93E2-E3B085C9AB24}">
+                <p16:designElem xmlns:p16="http://schemas.microsoft.com/office/powerpoint/2015/main" val="1"/>
+              </p:ext>
+            </p:extLst>
+          </p:nvPr>
+        </p:nvSpPr>
+        <p:spPr>
+          <a:xfrm>
+            <a:off x="1447801" y="1411615"/>
+            <a:ext cx="9296400" cy="4034770"/>
+          </a:xfrm>
+          <a:prstGeom prst="rect">
+            <a:avLst/>
+          </a:prstGeom>
+          <a:noFill/>
+          <a:ln w="6350" cap="sq" cmpd="sng" algn="ctr">
+            <a:solidFill>
+              <a:schemeClr val="tx1">
+                <a:lumMod val="75000"/>
+                <a:lumOff val="25000"/>
+              </a:schemeClr>
+            </a:solidFill>
+            <a:prstDash val="solid"/>
+            <a:miter lim="800000"/>
+          </a:ln>
+          <a:effectLst/>
+        </p:spPr>
+      </p:sp>
+      <p:sp>
+        <p:nvSpPr>
+          <p:cNvPr id="17" name="Rectangle 16">
+            <a:extLst>
+              <a:ext uri="{FF2B5EF4-FFF2-40B4-BE49-F238E27FC236}">
+                <a16:creationId xmlns:a16="http://schemas.microsoft.com/office/drawing/2014/main" id="{89E8BEDB-0BBC-4F21-9CFB-8530D664C343}"/>
+              </a:ext>
+              <a:ext uri="{C183D7F6-B498-43B3-948B-1728B52AA6E4}">
+                <adec:decorative xmlns:adec="http://schemas.microsoft.com/office/drawing/2017/decorative" val="1"/>
+              </a:ext>
+            </a:extLst>
+          </p:cNvPr>
+          <p:cNvSpPr>
+            <a:spLocks noGrp="1" noRot="1" noChangeAspect="1" noMove="1" noResize="1" noEditPoints="1" noAdjustHandles="1" noChangeArrowheads="1" noChangeShapeType="1" noTextEdit="1"/>
+          </p:cNvSpPr>
+          <p:nvPr>
+            <p:extLst>
+              <p:ext uri="{386F3935-93C4-4BCD-93E2-E3B085C9AB24}">
+                <p16:designElem xmlns:p16="http://schemas.microsoft.com/office/powerpoint/2015/main" val="1"/>
+              </p:ext>
+            </p:extLst>
+          </p:nvPr>
+        </p:nvSpPr>
+        <p:spPr>
+          <a:xfrm>
+            <a:off x="5135880" y="1267730"/>
+            <a:ext cx="1920240" cy="731520"/>
+          </a:xfrm>
+          <a:prstGeom prst="rect">
+            <a:avLst/>
+          </a:prstGeom>
+          <a:solidFill>
+            <a:schemeClr val="accent1"/>
+          </a:solidFill>
+          <a:ln>
+            <a:noFill/>
+          </a:ln>
+        </p:spPr>
+        <p:style>
+          <a:lnRef idx="2">
+            <a:schemeClr val="accent1">
+              <a:shade val="50000"/>
+            </a:schemeClr>
+          </a:lnRef>
+          <a:fillRef idx="1">
+            <a:schemeClr val="accent1"/>
+          </a:fillRef>
+          <a:effectRef idx="0">
+            <a:schemeClr val="accent1"/>
+          </a:effectRef>
+          <a:fontRef idx="minor">
+            <a:schemeClr val="lt1"/>
+          </a:fontRef>
+        </p:style>
+      </p:sp>
+      <p:grpSp>
+        <p:nvGrpSpPr>
+          <p:cNvPr id="19" name="Group 18">
+            <a:extLst>
+              <a:ext uri="{FF2B5EF4-FFF2-40B4-BE49-F238E27FC236}">
+                <a16:creationId xmlns:a16="http://schemas.microsoft.com/office/drawing/2014/main" id="{E26428D7-C6F3-473D-A360-A3F5C3E8728C}"/>
+              </a:ext>
+              <a:ext uri="{C183D7F6-B498-43B3-948B-1728B52AA6E4}">
+                <adec:decorative xmlns:adec="http://schemas.microsoft.com/office/drawing/2017/decorative" val="1"/>
+              </a:ext>
+            </a:extLst>
+          </p:cNvPr>
+          <p:cNvGrpSpPr>
+            <a:grpSpLocks noGrp="1" noUngrp="1" noRot="1" noChangeAspect="1" noMove="1" noResize="1"/>
+          </p:cNvGrpSpPr>
+          <p:nvPr>
+            <p:extLst>
+              <p:ext uri="{386F3935-93C4-4BCD-93E2-E3B085C9AB24}">
+                <p16:designElem xmlns:p16="http://schemas.microsoft.com/office/powerpoint/2015/main" val="1"/>
+              </p:ext>
+            </p:extLst>
+          </p:nvPr>
+        </p:nvGrpSpPr>
+        <p:grpSpPr>
+          <a:xfrm>
+            <a:off x="5250180" y="1267730"/>
+            <a:ext cx="1691640" cy="615934"/>
+            <a:chOff x="5250180" y="1267730"/>
+            <a:chExt cx="1691640" cy="615934"/>
+          </a:xfrm>
+        </p:grpSpPr>
+        <p:cxnSp>
+          <p:nvCxnSpPr>
+            <p:cNvPr id="20" name="Straight Connector 19">
+              <a:extLst>
+                <a:ext uri="{FF2B5EF4-FFF2-40B4-BE49-F238E27FC236}">
+                  <a16:creationId xmlns:a16="http://schemas.microsoft.com/office/drawing/2014/main" id="{51D6D676-6F2F-4446-9935-2D8D0382147E}"/>
+                </a:ext>
+                <a:ext uri="{C183D7F6-B498-43B3-948B-1728B52AA6E4}">
+                  <adec:decorative xmlns:adec="http://schemas.microsoft.com/office/drawing/2017/decorative" val="1"/>
+                </a:ext>
+              </a:extLst>
+            </p:cNvPr>
+            <p:cNvCxnSpPr/>
+            <p:nvPr>
+              <p:extLst>
+                <p:ext uri="{386F3935-93C4-4BCD-93E2-E3B085C9AB24}">
+                  <p16:designElem xmlns:p16="http://schemas.microsoft.com/office/powerpoint/2015/main" val="1"/>
+                </p:ext>
+              </p:extLst>
+            </p:nvPr>
+          </p:nvCxnSpPr>
+          <p:spPr>
+            <a:xfrm>
+              <a:off x="5250180" y="1267730"/>
+              <a:ext cx="0" cy="612648"/>
+            </a:xfrm>
+            <a:prstGeom prst="line">
+              <a:avLst/>
+            </a:prstGeom>
+            <a:solidFill>
+              <a:schemeClr val="tx1">
+                <a:lumMod val="85000"/>
+                <a:lumOff val="15000"/>
+              </a:schemeClr>
+            </a:solidFill>
+            <a:ln>
+              <a:solidFill>
+                <a:srgbClr val="FFFFFF"/>
+              </a:solidFill>
+              <a:miter lim="800000"/>
+            </a:ln>
+          </p:spPr>
+          <p:style>
+            <a:lnRef idx="1">
+              <a:schemeClr val="accent1"/>
+            </a:lnRef>
+            <a:fillRef idx="0">
+              <a:schemeClr val="accent1"/>
+            </a:fillRef>
+            <a:effectRef idx="0">
+              <a:schemeClr val="accent1"/>
+            </a:effectRef>
+            <a:fontRef idx="minor">
+              <a:schemeClr val="tx1"/>
+            </a:fontRef>
+          </p:style>
+        </p:cxnSp>
+        <p:cxnSp>
+          <p:nvCxnSpPr>
+            <p:cNvPr id="21" name="Straight Connector 20">
+              <a:extLst>
+                <a:ext uri="{FF2B5EF4-FFF2-40B4-BE49-F238E27FC236}">
+                  <a16:creationId xmlns:a16="http://schemas.microsoft.com/office/drawing/2014/main" id="{E9BAEA2B-9C25-4B43-8C9A-A9D0C3E9B15A}"/>
+                </a:ext>
+                <a:ext uri="{C183D7F6-B498-43B3-948B-1728B52AA6E4}">
+                  <adec:decorative xmlns:adec="http://schemas.microsoft.com/office/drawing/2017/decorative" val="1"/>
+                </a:ext>
+              </a:extLst>
+            </p:cNvPr>
+            <p:cNvCxnSpPr/>
+            <p:nvPr>
+              <p:extLst>
+                <p:ext uri="{386F3935-93C4-4BCD-93E2-E3B085C9AB24}">
+                  <p16:designElem xmlns:p16="http://schemas.microsoft.com/office/powerpoint/2015/main" val="1"/>
+                </p:ext>
+              </p:extLst>
+            </p:nvPr>
+          </p:nvCxnSpPr>
+          <p:spPr>
+            <a:xfrm>
+              <a:off x="6941820" y="1267730"/>
+              <a:ext cx="0" cy="612648"/>
+            </a:xfrm>
+            <a:prstGeom prst="line">
+              <a:avLst/>
+            </a:prstGeom>
+            <a:solidFill>
+              <a:schemeClr val="tx1">
+                <a:lumMod val="85000"/>
+                <a:lumOff val="15000"/>
+              </a:schemeClr>
+            </a:solidFill>
+            <a:ln>
+              <a:solidFill>
+                <a:srgbClr val="FFFFFF"/>
+              </a:solidFill>
+              <a:miter lim="800000"/>
+            </a:ln>
+          </p:spPr>
+          <p:style>
+            <a:lnRef idx="1">
+              <a:schemeClr val="accent1"/>
+            </a:lnRef>
+            <a:fillRef idx="0">
+              <a:schemeClr val="accent1"/>
+            </a:fillRef>
+            <a:effectRef idx="0">
+              <a:schemeClr val="accent1"/>
+            </a:effectRef>
+            <a:fontRef idx="minor">
+              <a:schemeClr val="tx1"/>
+            </a:fontRef>
+          </p:style>
+        </p:cxnSp>
+        <p:cxnSp>
+          <p:nvCxnSpPr>
+            <p:cNvPr id="22" name="Straight Connector 21">
+              <a:extLst>
+                <a:ext uri="{FF2B5EF4-FFF2-40B4-BE49-F238E27FC236}">
+                  <a16:creationId xmlns:a16="http://schemas.microsoft.com/office/drawing/2014/main" id="{21FC5F3A-7F1A-4EE8-A913-C8E96ACC3C5C}"/>
+                </a:ext>
+                <a:ext uri="{C183D7F6-B498-43B3-948B-1728B52AA6E4}">
+                  <adec:decorative xmlns:adec="http://schemas.microsoft.com/office/drawing/2017/decorative" val="1"/>
+                </a:ext>
+              </a:extLst>
+            </p:cNvPr>
+            <p:cNvCxnSpPr/>
+            <p:nvPr>
+              <p:extLst>
+                <p:ext uri="{386F3935-93C4-4BCD-93E2-E3B085C9AB24}">
+                  <p16:designElem xmlns:p16="http://schemas.microsoft.com/office/powerpoint/2015/main" val="1"/>
+                </p:ext>
+              </p:extLst>
+            </p:nvPr>
+          </p:nvCxnSpPr>
+          <p:spPr>
+            <a:xfrm>
+              <a:off x="5250180" y="1883664"/>
+              <a:ext cx="1691640" cy="0"/>
+            </a:xfrm>
+            <a:prstGeom prst="line">
+              <a:avLst/>
+            </a:prstGeom>
+            <a:solidFill>
+              <a:schemeClr val="tx1">
+                <a:lumMod val="85000"/>
+                <a:lumOff val="15000"/>
+              </a:schemeClr>
+            </a:solidFill>
+            <a:ln>
+              <a:solidFill>
+                <a:srgbClr val="FFFFFF"/>
+              </a:solidFill>
+              <a:miter lim="800000"/>
+            </a:ln>
+          </p:spPr>
+          <p:style>
+            <a:lnRef idx="1">
+              <a:schemeClr val="accent1"/>
+            </a:lnRef>
+            <a:fillRef idx="0">
+              <a:schemeClr val="accent1"/>
+            </a:fillRef>
+            <a:effectRef idx="0">
+              <a:schemeClr val="accent1"/>
+            </a:effectRef>
+            <a:fontRef idx="minor">
+              <a:schemeClr val="tx1"/>
+            </a:fontRef>
+          </p:style>
+        </p:cxnSp>
+      </p:grpSp>
+      <p:sp>
+        <p:nvSpPr>
+          <p:cNvPr id="24" name="Rectangle 23">
+            <a:extLst>
+              <a:ext uri="{FF2B5EF4-FFF2-40B4-BE49-F238E27FC236}">
+                <a16:creationId xmlns:a16="http://schemas.microsoft.com/office/drawing/2014/main" id="{420551B3-B4DA-48EE-988C-4FAEAEB5CE98}"/>
+              </a:ext>
+              <a:ext uri="{C183D7F6-B498-43B3-948B-1728B52AA6E4}">
+                <adec:decorative xmlns:adec="http://schemas.microsoft.com/office/drawing/2017/decorative" val="1"/>
+              </a:ext>
+            </a:extLst>
+          </p:cNvPr>
+          <p:cNvSpPr>
+            <a:spLocks noGrp="1" noRot="1" noChangeAspect="1" noMove="1" noResize="1" noEditPoints="1" noAdjustHandles="1" noChangeArrowheads="1" noChangeShapeType="1" noTextEdit="1"/>
+          </p:cNvSpPr>
+          <p:nvPr>
+            <p:extLst>
+              <p:ext uri="{386F3935-93C4-4BCD-93E2-E3B085C9AB24}">
+                <p16:designElem xmlns:p16="http://schemas.microsoft.com/office/powerpoint/2015/main" val="1"/>
+              </p:ext>
+            </p:extLst>
+          </p:nvPr>
+        </p:nvSpPr>
+        <p:spPr>
+          <a:xfrm>
+            <a:off x="0" y="0"/>
+            <a:ext cx="12192000" cy="6858000"/>
+          </a:xfrm>
+          <a:prstGeom prst="rect">
+            <a:avLst/>
+          </a:prstGeom>
+          <a:solidFill>
+            <a:schemeClr val="tx1">
+              <a:lumMod val="65000"/>
+              <a:lumOff val="35000"/>
+            </a:schemeClr>
+          </a:solidFill>
+          <a:ln>
+            <a:noFill/>
+          </a:ln>
+        </p:spPr>
+        <p:style>
+          <a:lnRef idx="2">
+            <a:schemeClr val="accent1">
+              <a:shade val="50000"/>
+            </a:schemeClr>
+          </a:lnRef>
+          <a:fillRef idx="1">
+            <a:schemeClr val="accent1"/>
+          </a:fillRef>
+          <a:effectRef idx="0">
+            <a:schemeClr val="accent1"/>
+          </a:effectRef>
+          <a:fontRef idx="minor">
+            <a:schemeClr val="lt1"/>
+          </a:fontRef>
+        </p:style>
+        <p:txBody>
+          <a:bodyPr rtlCol="0" anchor="ctr"/>
+          <a:lstStyle/>
+          <a:p>
+            <a:pPr algn="ctr"/>
+            <a:endParaRPr lang="en-US"/>
+          </a:p>
+        </p:txBody>
+      </p:sp>
+      <p:pic>
+        <p:nvPicPr>
+          <p:cNvPr id="6" name="Content Placeholder 5">
+            <a:extLst>
+              <a:ext uri="{FF2B5EF4-FFF2-40B4-BE49-F238E27FC236}">
+                <a16:creationId xmlns:a16="http://schemas.microsoft.com/office/drawing/2014/main" id="{AEB4871E-27C6-2240-A513-DA7CB6E4B83D}"/>
+              </a:ext>
+            </a:extLst>
+          </p:cNvPr>
+          <p:cNvPicPr>
+            <a:picLocks noGrp="1" noChangeAspect="1"/>
+          </p:cNvPicPr>
+          <p:nvPr>
+            <p:ph idx="1"/>
+          </p:nvPr>
+        </p:nvPicPr>
+        <p:blipFill rotWithShape="1">
+          <a:blip r:embed="rId2"/>
+          <a:srcRect r="1799" b="1"/>
+          <a:stretch/>
+        </p:blipFill>
+        <p:spPr>
+          <a:xfrm>
+            <a:off x="4646383" y="10"/>
+            <a:ext cx="7545616" cy="6857990"/>
+          </a:xfrm>
+          <a:prstGeom prst="rect">
+            <a:avLst/>
+          </a:prstGeom>
+        </p:spPr>
+      </p:pic>
+      <p:sp>
+        <p:nvSpPr>
+          <p:cNvPr id="26" name="Rectangle 25">
+            <a:extLst>
+              <a:ext uri="{FF2B5EF4-FFF2-40B4-BE49-F238E27FC236}">
+                <a16:creationId xmlns:a16="http://schemas.microsoft.com/office/drawing/2014/main" id="{2644B391-9BFE-445C-A9EC-F544BB85FBC7}"/>
+              </a:ext>
+              <a:ext uri="{C183D7F6-B498-43B3-948B-1728B52AA6E4}">
+                <adec:decorative xmlns:adec="http://schemas.microsoft.com/office/drawing/2017/decorative" val="1"/>
+              </a:ext>
+            </a:extLst>
+          </p:cNvPr>
+          <p:cNvSpPr>
+            <a:spLocks noGrp="1" noRot="1" noChangeAspect="1" noMove="1" noResize="1" noEditPoints="1" noAdjustHandles="1" noChangeArrowheads="1" noChangeShapeType="1" noTextEdit="1"/>
+          </p:cNvSpPr>
+          <p:nvPr>
+            <p:extLst>
+              <p:ext uri="{386F3935-93C4-4BCD-93E2-E3B085C9AB24}">
+                <p16:designElem xmlns:p16="http://schemas.microsoft.com/office/powerpoint/2015/main" val="1"/>
+              </p:ext>
+            </p:extLst>
+          </p:nvPr>
+        </p:nvSpPr>
+        <p:spPr>
+          <a:xfrm>
+            <a:off x="0" y="0"/>
+            <a:ext cx="4662210" cy="6858000"/>
+          </a:xfrm>
+          <a:prstGeom prst="rect">
+            <a:avLst/>
+          </a:prstGeom>
+          <a:solidFill>
+            <a:schemeClr val="bg1">
+              <a:lumMod val="75000"/>
+              <a:lumOff val="25000"/>
+            </a:schemeClr>
+          </a:solidFill>
+          <a:ln w="6350" cap="sq" cmpd="sng" algn="ctr">
+            <a:noFill/>
+            <a:prstDash val="solid"/>
+            <a:miter lim="800000"/>
+          </a:ln>
+          <a:effectLst/>
+        </p:spPr>
+      </p:sp>
+      <p:sp>
+        <p:nvSpPr>
+          <p:cNvPr id="28" name="Rectangle 27">
+            <a:extLst>
+              <a:ext uri="{FF2B5EF4-FFF2-40B4-BE49-F238E27FC236}">
+                <a16:creationId xmlns:a16="http://schemas.microsoft.com/office/drawing/2014/main" id="{80F26E69-87D9-4655-AE7B-280A87AA3CAD}"/>
+              </a:ext>
+              <a:ext uri="{C183D7F6-B498-43B3-948B-1728B52AA6E4}">
+                <adec:decorative xmlns:adec="http://schemas.microsoft.com/office/drawing/2017/decorative" val="1"/>
+              </a:ext>
+            </a:extLst>
+          </p:cNvPr>
+          <p:cNvSpPr>
+            <a:spLocks noGrp="1" noRot="1" noChangeAspect="1" noMove="1" noResize="1" noEditPoints="1" noAdjustHandles="1" noChangeArrowheads="1" noChangeShapeType="1" noTextEdit="1"/>
+          </p:cNvSpPr>
+          <p:nvPr>
+            <p:extLst>
+              <p:ext uri="{386F3935-93C4-4BCD-93E2-E3B085C9AB24}">
+                <p16:designElem xmlns:p16="http://schemas.microsoft.com/office/powerpoint/2015/main" val="1"/>
+              </p:ext>
+            </p:extLst>
+          </p:nvPr>
+        </p:nvSpPr>
+        <p:spPr>
+          <a:xfrm>
+            <a:off x="163977" y="164592"/>
+            <a:ext cx="4334256" cy="6528816"/>
+          </a:xfrm>
+          <a:prstGeom prst="rect">
+            <a:avLst/>
+          </a:prstGeom>
+          <a:noFill/>
+          <a:ln w="6350" cap="sq" cmpd="sng" algn="ctr">
+            <a:solidFill>
+              <a:schemeClr val="tx1"/>
+            </a:solidFill>
+            <a:prstDash val="solid"/>
+            <a:miter lim="800000"/>
+          </a:ln>
+          <a:effectLst>
+            <a:softEdge rad="0"/>
+          </a:effectLst>
+        </p:spPr>
+      </p:sp>
+      <p:sp>
+        <p:nvSpPr>
           <p:cNvPr id="2" name="Title 1">
             <a:extLst>
               <a:ext uri="{FF2B5EF4-FFF2-40B4-BE49-F238E27FC236}">
@@ -7135,114 +7990,31 @@
             <p:ph type="title"/>
           </p:nvPr>
         </p:nvSpPr>
-        <p:spPr/>
+        <p:spPr>
+          <a:xfrm>
+            <a:off x="466524" y="1340361"/>
+            <a:ext cx="3729162" cy="3341700"/>
+          </a:xfrm>
+        </p:spPr>
         <p:txBody>
-          <a:bodyPr/>
-          <a:lstStyle/>
-          <a:p>
-            <a:r>
-              <a:rPr lang="en-US" dirty="0"/>
-              <a:t>How many times do we right this?</a:t>
-            </a:r>
-          </a:p>
-        </p:txBody>
-      </p:sp>
-      <p:sp>
-        <p:nvSpPr>
-          <p:cNvPr id="3" name="Content Placeholder 2">
-            <a:extLst>
-              <a:ext uri="{FF2B5EF4-FFF2-40B4-BE49-F238E27FC236}">
-                <a16:creationId xmlns:a16="http://schemas.microsoft.com/office/drawing/2014/main" id="{D0DE9F54-9E13-49C1-A5A8-5129BAABB4BF}"/>
-              </a:ext>
-            </a:extLst>
-          </p:cNvPr>
-          <p:cNvSpPr>
-            <a:spLocks noGrp="1"/>
-          </p:cNvSpPr>
-          <p:nvPr>
-            <p:ph idx="1"/>
-          </p:nvPr>
-        </p:nvSpPr>
-        <p:spPr/>
-        <p:txBody>
-          <a:bodyPr>
+          <a:bodyPr vert="horz" lIns="91440" tIns="45720" rIns="91440" bIns="45720" rtlCol="0" anchor="ctr">
             <a:normAutofit/>
           </a:bodyPr>
           <a:lstStyle/>
           <a:p>
-            <a:pPr marL="0" indent="0">
-              <a:buNone/>
+            <a:pPr algn="ctr">
+              <a:lnSpc>
+                <a:spcPct val="83000"/>
+              </a:lnSpc>
             </a:pPr>
             <a:r>
-              <a:rPr lang="en-US" dirty="0"/>
-              <a:t>            try {</a:t>
+              <a:rPr lang="en-US" cap="all" spc="-100" dirty="0">
+                <a:solidFill>
+                  <a:schemeClr val="tx1"/>
+                </a:solidFill>
+              </a:rPr>
+              <a:t>How many times do we Write this?</a:t>
             </a:r>
-          </a:p>
-          <a:p>
-            <a:pPr marL="0" indent="0">
-              <a:buNone/>
-            </a:pPr>
-            <a:r>
-              <a:rPr lang="en-US" dirty="0"/>
-              <a:t>                ...Do Something</a:t>
-            </a:r>
-          </a:p>
-          <a:p>
-            <a:pPr marL="0" indent="0">
-              <a:buNone/>
-            </a:pPr>
-            <a:r>
-              <a:rPr lang="en-US" dirty="0"/>
-              <a:t>                return true;</a:t>
-            </a:r>
-          </a:p>
-          <a:p>
-            <a:pPr marL="0" indent="0">
-              <a:buNone/>
-            </a:pPr>
-            <a:r>
-              <a:rPr lang="en-US" dirty="0"/>
-              <a:t>            }</a:t>
-            </a:r>
-          </a:p>
-          <a:p>
-            <a:pPr marL="0" indent="0">
-              <a:buNone/>
-            </a:pPr>
-            <a:r>
-              <a:rPr lang="en-US" dirty="0"/>
-              <a:t>            catch {</a:t>
-            </a:r>
-          </a:p>
-          <a:p>
-            <a:pPr marL="0" indent="0">
-              <a:buNone/>
-            </a:pPr>
-            <a:r>
-              <a:rPr lang="en-US" dirty="0"/>
-              <a:t>                ...Uh OH!</a:t>
-            </a:r>
-          </a:p>
-          <a:p>
-            <a:pPr marL="0" indent="0">
-              <a:buNone/>
-            </a:pPr>
-            <a:r>
-              <a:rPr lang="en-US" dirty="0"/>
-              <a:t>                return false;</a:t>
-            </a:r>
-          </a:p>
-          <a:p>
-            <a:pPr marL="0" indent="0">
-              <a:buNone/>
-            </a:pPr>
-            <a:r>
-              <a:rPr lang="en-US" dirty="0"/>
-              <a:t>            }</a:t>
-            </a:r>
-          </a:p>
-          <a:p>
-            <a:endParaRPr lang="en-US" dirty="0"/>
           </a:p>
         </p:txBody>
       </p:sp>
@@ -7254,7 +8026,7 @@
     </p:extLst>
   </p:cSld>
   <p:clrMapOvr>
-    <a:masterClrMapping/>
+    <a:overrideClrMapping bg1="dk1" tx1="lt1" bg2="dk2" tx2="lt2" accent1="accent1" accent2="accent2" accent3="accent3" accent4="accent4" accent5="accent5" accent6="accent6" hlink="hlink" folHlink="folHlink"/>
   </p:clrMapOvr>
 </p:sld>
 </file>
@@ -7286,10 +8058,1038 @@
       </p:grpSpPr>
       <p:sp>
         <p:nvSpPr>
+          <p:cNvPr id="9" name="Rectangle 8">
+            <a:extLst>
+              <a:ext uri="{FF2B5EF4-FFF2-40B4-BE49-F238E27FC236}">
+                <a16:creationId xmlns:a16="http://schemas.microsoft.com/office/drawing/2014/main" id="{904DB13E-F722-4ED6-BB00-556651E95281}"/>
+              </a:ext>
+              <a:ext uri="{C183D7F6-B498-43B3-948B-1728B52AA6E4}">
+                <adec:decorative xmlns:adec="http://schemas.microsoft.com/office/drawing/2017/decorative" val="1"/>
+              </a:ext>
+            </a:extLst>
+          </p:cNvPr>
+          <p:cNvSpPr>
+            <a:spLocks noGrp="1" noRot="1" noChangeAspect="1" noMove="1" noResize="1" noEditPoints="1" noAdjustHandles="1" noChangeArrowheads="1" noChangeShapeType="1" noTextEdit="1"/>
+          </p:cNvSpPr>
+          <p:nvPr>
+            <p:extLst>
+              <p:ext uri="{386F3935-93C4-4BCD-93E2-E3B085C9AB24}">
+                <p16:designElem xmlns:p16="http://schemas.microsoft.com/office/powerpoint/2015/main" val="1"/>
+              </p:ext>
+            </p:extLst>
+          </p:nvPr>
+        </p:nvSpPr>
+        <p:spPr>
+          <a:xfrm>
+            <a:off x="0" y="0"/>
+            <a:ext cx="12192000" cy="6858000"/>
+          </a:xfrm>
+          <a:prstGeom prst="rect">
+            <a:avLst/>
+          </a:prstGeom>
+          <a:solidFill>
+            <a:schemeClr val="tx1">
+              <a:lumMod val="65000"/>
+              <a:lumOff val="35000"/>
+            </a:schemeClr>
+          </a:solidFill>
+          <a:ln>
+            <a:noFill/>
+          </a:ln>
+        </p:spPr>
+        <p:style>
+          <a:lnRef idx="2">
+            <a:schemeClr val="accent1">
+              <a:shade val="50000"/>
+            </a:schemeClr>
+          </a:lnRef>
+          <a:fillRef idx="1">
+            <a:schemeClr val="accent1"/>
+          </a:fillRef>
+          <a:effectRef idx="0">
+            <a:schemeClr val="accent1"/>
+          </a:effectRef>
+          <a:fontRef idx="minor">
+            <a:schemeClr val="lt1"/>
+          </a:fontRef>
+        </p:style>
+        <p:txBody>
+          <a:bodyPr rtlCol="0" anchor="ctr"/>
+          <a:lstStyle/>
+          <a:p>
+            <a:pPr algn="ctr"/>
+            <a:endParaRPr lang="en-US"/>
+          </a:p>
+        </p:txBody>
+      </p:sp>
+      <p:sp useBgFill="1">
+        <p:nvSpPr>
+          <p:cNvPr id="11" name="Rectangle 10">
+            <a:extLst>
+              <a:ext uri="{FF2B5EF4-FFF2-40B4-BE49-F238E27FC236}">
+                <a16:creationId xmlns:a16="http://schemas.microsoft.com/office/drawing/2014/main" id="{1E8D93C5-28EB-42D0-86CE-D804955653CC}"/>
+              </a:ext>
+              <a:ext uri="{C183D7F6-B498-43B3-948B-1728B52AA6E4}">
+                <adec:decorative xmlns:adec="http://schemas.microsoft.com/office/drawing/2017/decorative" val="1"/>
+              </a:ext>
+            </a:extLst>
+          </p:cNvPr>
+          <p:cNvSpPr>
+            <a:spLocks noGrp="1" noRot="1" noChangeAspect="1" noMove="1" noResize="1" noEditPoints="1" noAdjustHandles="1" noChangeArrowheads="1" noChangeShapeType="1" noTextEdit="1"/>
+          </p:cNvSpPr>
+          <p:nvPr>
+            <p:extLst>
+              <p:ext uri="{386F3935-93C4-4BCD-93E2-E3B085C9AB24}">
+                <p16:designElem xmlns:p16="http://schemas.microsoft.com/office/powerpoint/2015/main" val="1"/>
+              </p:ext>
+            </p:extLst>
+          </p:nvPr>
+        </p:nvSpPr>
+        <p:spPr>
+          <a:xfrm>
+            <a:off x="1307870" y="1267730"/>
+            <a:ext cx="9576262" cy="4307950"/>
+          </a:xfrm>
+          <a:prstGeom prst="rect">
+            <a:avLst/>
+          </a:prstGeom>
+          <a:ln w="6350" cap="flat" cmpd="sng" algn="ctr">
+            <a:noFill/>
+            <a:prstDash val="solid"/>
+          </a:ln>
+          <a:effectLst>
+            <a:outerShdw blurRad="50800" algn="ctr" rotWithShape="0">
+              <a:prstClr val="black">
+                <a:alpha val="66000"/>
+              </a:prstClr>
+            </a:outerShdw>
+            <a:softEdge rad="0"/>
+          </a:effectLst>
+        </p:spPr>
+      </p:sp>
+      <p:sp>
+        <p:nvSpPr>
+          <p:cNvPr id="13" name="Rectangle 12">
+            <a:extLst>
+              <a:ext uri="{FF2B5EF4-FFF2-40B4-BE49-F238E27FC236}">
+                <a16:creationId xmlns:a16="http://schemas.microsoft.com/office/drawing/2014/main" id="{AB1B1E7D-F76D-4744-AF85-239E6998A4C5}"/>
+              </a:ext>
+              <a:ext uri="{C183D7F6-B498-43B3-948B-1728B52AA6E4}">
+                <adec:decorative xmlns:adec="http://schemas.microsoft.com/office/drawing/2017/decorative" val="1"/>
+              </a:ext>
+            </a:extLst>
+          </p:cNvPr>
+          <p:cNvSpPr>
+            <a:spLocks noGrp="1" noRot="1" noChangeAspect="1" noMove="1" noResize="1" noEditPoints="1" noAdjustHandles="1" noChangeArrowheads="1" noChangeShapeType="1" noTextEdit="1"/>
+          </p:cNvSpPr>
+          <p:nvPr>
+            <p:extLst>
+              <p:ext uri="{386F3935-93C4-4BCD-93E2-E3B085C9AB24}">
+                <p16:designElem xmlns:p16="http://schemas.microsoft.com/office/powerpoint/2015/main" val="1"/>
+              </p:ext>
+            </p:extLst>
+          </p:nvPr>
+        </p:nvSpPr>
+        <p:spPr>
+          <a:xfrm>
+            <a:off x="1447801" y="1411615"/>
+            <a:ext cx="9296400" cy="4034770"/>
+          </a:xfrm>
+          <a:prstGeom prst="rect">
+            <a:avLst/>
+          </a:prstGeom>
+          <a:noFill/>
+          <a:ln w="6350" cap="sq" cmpd="sng" algn="ctr">
+            <a:solidFill>
+              <a:schemeClr val="tx1">
+                <a:lumMod val="75000"/>
+                <a:lumOff val="25000"/>
+              </a:schemeClr>
+            </a:solidFill>
+            <a:prstDash val="solid"/>
+            <a:miter lim="800000"/>
+          </a:ln>
+          <a:effectLst/>
+        </p:spPr>
+      </p:sp>
+      <p:sp>
+        <p:nvSpPr>
+          <p:cNvPr id="15" name="Rectangle 14">
+            <a:extLst>
+              <a:ext uri="{FF2B5EF4-FFF2-40B4-BE49-F238E27FC236}">
+                <a16:creationId xmlns:a16="http://schemas.microsoft.com/office/drawing/2014/main" id="{3BB65211-00DB-45B6-A223-033B2D19CBE8}"/>
+              </a:ext>
+              <a:ext uri="{C183D7F6-B498-43B3-948B-1728B52AA6E4}">
+                <adec:decorative xmlns:adec="http://schemas.microsoft.com/office/drawing/2017/decorative" val="1"/>
+              </a:ext>
+            </a:extLst>
+          </p:cNvPr>
+          <p:cNvSpPr>
+            <a:spLocks noGrp="1" noRot="1" noChangeAspect="1" noMove="1" noResize="1" noEditPoints="1" noAdjustHandles="1" noChangeArrowheads="1" noChangeShapeType="1" noTextEdit="1"/>
+          </p:cNvSpPr>
+          <p:nvPr>
+            <p:extLst>
+              <p:ext uri="{386F3935-93C4-4BCD-93E2-E3B085C9AB24}">
+                <p16:designElem xmlns:p16="http://schemas.microsoft.com/office/powerpoint/2015/main" val="1"/>
+              </p:ext>
+            </p:extLst>
+          </p:nvPr>
+        </p:nvSpPr>
+        <p:spPr>
+          <a:xfrm>
+            <a:off x="5135880" y="1267730"/>
+            <a:ext cx="1920240" cy="731520"/>
+          </a:xfrm>
+          <a:prstGeom prst="rect">
+            <a:avLst/>
+          </a:prstGeom>
+          <a:solidFill>
+            <a:schemeClr val="accent1"/>
+          </a:solidFill>
+          <a:ln>
+            <a:noFill/>
+          </a:ln>
+        </p:spPr>
+        <p:style>
+          <a:lnRef idx="2">
+            <a:schemeClr val="accent1">
+              <a:shade val="50000"/>
+            </a:schemeClr>
+          </a:lnRef>
+          <a:fillRef idx="1">
+            <a:schemeClr val="accent1"/>
+          </a:fillRef>
+          <a:effectRef idx="0">
+            <a:schemeClr val="accent1"/>
+          </a:effectRef>
+          <a:fontRef idx="minor">
+            <a:schemeClr val="lt1"/>
+          </a:fontRef>
+        </p:style>
+      </p:sp>
+      <p:grpSp>
+        <p:nvGrpSpPr>
+          <p:cNvPr id="17" name="Group 16">
+            <a:extLst>
+              <a:ext uri="{FF2B5EF4-FFF2-40B4-BE49-F238E27FC236}">
+                <a16:creationId xmlns:a16="http://schemas.microsoft.com/office/drawing/2014/main" id="{E26428D7-C6F3-473D-A360-A3F5C3E8728C}"/>
+              </a:ext>
+              <a:ext uri="{C183D7F6-B498-43B3-948B-1728B52AA6E4}">
+                <adec:decorative xmlns:adec="http://schemas.microsoft.com/office/drawing/2017/decorative" val="1"/>
+              </a:ext>
+            </a:extLst>
+          </p:cNvPr>
+          <p:cNvGrpSpPr>
+            <a:grpSpLocks noGrp="1" noUngrp="1" noRot="1" noChangeAspect="1" noMove="1" noResize="1"/>
+          </p:cNvGrpSpPr>
+          <p:nvPr>
+            <p:extLst>
+              <p:ext uri="{386F3935-93C4-4BCD-93E2-E3B085C9AB24}">
+                <p16:designElem xmlns:p16="http://schemas.microsoft.com/office/powerpoint/2015/main" val="1"/>
+              </p:ext>
+            </p:extLst>
+          </p:nvPr>
+        </p:nvGrpSpPr>
+        <p:grpSpPr>
+          <a:xfrm>
+            <a:off x="5250180" y="1267730"/>
+            <a:ext cx="1691640" cy="615934"/>
+            <a:chOff x="5250180" y="1267730"/>
+            <a:chExt cx="1691640" cy="615934"/>
+          </a:xfrm>
+        </p:grpSpPr>
+        <p:cxnSp>
+          <p:nvCxnSpPr>
+            <p:cNvPr id="18" name="Straight Connector 17">
+              <a:extLst>
+                <a:ext uri="{FF2B5EF4-FFF2-40B4-BE49-F238E27FC236}">
+                  <a16:creationId xmlns:a16="http://schemas.microsoft.com/office/drawing/2014/main" id="{14DF524F-3FEF-4236-90C6-820E876A94EE}"/>
+                </a:ext>
+                <a:ext uri="{C183D7F6-B498-43B3-948B-1728B52AA6E4}">
+                  <adec:decorative xmlns:adec="http://schemas.microsoft.com/office/drawing/2017/decorative" val="1"/>
+                </a:ext>
+              </a:extLst>
+            </p:cNvPr>
+            <p:cNvCxnSpPr/>
+            <p:nvPr>
+              <p:extLst>
+                <p:ext uri="{386F3935-93C4-4BCD-93E2-E3B085C9AB24}">
+                  <p16:designElem xmlns:p16="http://schemas.microsoft.com/office/powerpoint/2015/main" val="1"/>
+                </p:ext>
+              </p:extLst>
+            </p:nvPr>
+          </p:nvCxnSpPr>
+          <p:spPr>
+            <a:xfrm>
+              <a:off x="5250180" y="1267730"/>
+              <a:ext cx="0" cy="612648"/>
+            </a:xfrm>
+            <a:prstGeom prst="line">
+              <a:avLst/>
+            </a:prstGeom>
+            <a:solidFill>
+              <a:schemeClr val="tx1">
+                <a:lumMod val="85000"/>
+                <a:lumOff val="15000"/>
+              </a:schemeClr>
+            </a:solidFill>
+            <a:ln>
+              <a:solidFill>
+                <a:srgbClr val="FFFFFF"/>
+              </a:solidFill>
+              <a:miter lim="800000"/>
+            </a:ln>
+          </p:spPr>
+          <p:style>
+            <a:lnRef idx="1">
+              <a:schemeClr val="accent1"/>
+            </a:lnRef>
+            <a:fillRef idx="0">
+              <a:schemeClr val="accent1"/>
+            </a:fillRef>
+            <a:effectRef idx="0">
+              <a:schemeClr val="accent1"/>
+            </a:effectRef>
+            <a:fontRef idx="minor">
+              <a:schemeClr val="tx1"/>
+            </a:fontRef>
+          </p:style>
+        </p:cxnSp>
+        <p:cxnSp>
+          <p:nvCxnSpPr>
+            <p:cNvPr id="19" name="Straight Connector 18">
+              <a:extLst>
+                <a:ext uri="{FF2B5EF4-FFF2-40B4-BE49-F238E27FC236}">
+                  <a16:creationId xmlns:a16="http://schemas.microsoft.com/office/drawing/2014/main" id="{2400A003-1BE9-49C2-8E57-DCD9B870FC8A}"/>
+                </a:ext>
+                <a:ext uri="{C183D7F6-B498-43B3-948B-1728B52AA6E4}">
+                  <adec:decorative xmlns:adec="http://schemas.microsoft.com/office/drawing/2017/decorative" val="1"/>
+                </a:ext>
+              </a:extLst>
+            </p:cNvPr>
+            <p:cNvCxnSpPr/>
+            <p:nvPr>
+              <p:extLst>
+                <p:ext uri="{386F3935-93C4-4BCD-93E2-E3B085C9AB24}">
+                  <p16:designElem xmlns:p16="http://schemas.microsoft.com/office/powerpoint/2015/main" val="1"/>
+                </p:ext>
+              </p:extLst>
+            </p:nvPr>
+          </p:nvCxnSpPr>
+          <p:spPr>
+            <a:xfrm>
+              <a:off x="6941820" y="1267730"/>
+              <a:ext cx="0" cy="612648"/>
+            </a:xfrm>
+            <a:prstGeom prst="line">
+              <a:avLst/>
+            </a:prstGeom>
+            <a:solidFill>
+              <a:schemeClr val="tx1">
+                <a:lumMod val="85000"/>
+                <a:lumOff val="15000"/>
+              </a:schemeClr>
+            </a:solidFill>
+            <a:ln>
+              <a:solidFill>
+                <a:srgbClr val="FFFFFF"/>
+              </a:solidFill>
+              <a:miter lim="800000"/>
+            </a:ln>
+          </p:spPr>
+          <p:style>
+            <a:lnRef idx="1">
+              <a:schemeClr val="accent1"/>
+            </a:lnRef>
+            <a:fillRef idx="0">
+              <a:schemeClr val="accent1"/>
+            </a:fillRef>
+            <a:effectRef idx="0">
+              <a:schemeClr val="accent1"/>
+            </a:effectRef>
+            <a:fontRef idx="minor">
+              <a:schemeClr val="tx1"/>
+            </a:fontRef>
+          </p:style>
+        </p:cxnSp>
+        <p:cxnSp>
+          <p:nvCxnSpPr>
+            <p:cNvPr id="20" name="Straight Connector 19">
+              <a:extLst>
+                <a:ext uri="{FF2B5EF4-FFF2-40B4-BE49-F238E27FC236}">
+                  <a16:creationId xmlns:a16="http://schemas.microsoft.com/office/drawing/2014/main" id="{83BF0991-F9A1-4282-99DB-92D70239F6A9}"/>
+                </a:ext>
+                <a:ext uri="{C183D7F6-B498-43B3-948B-1728B52AA6E4}">
+                  <adec:decorative xmlns:adec="http://schemas.microsoft.com/office/drawing/2017/decorative" val="1"/>
+                </a:ext>
+              </a:extLst>
+            </p:cNvPr>
+            <p:cNvCxnSpPr/>
+            <p:nvPr>
+              <p:extLst>
+                <p:ext uri="{386F3935-93C4-4BCD-93E2-E3B085C9AB24}">
+                  <p16:designElem xmlns:p16="http://schemas.microsoft.com/office/powerpoint/2015/main" val="1"/>
+                </p:ext>
+              </p:extLst>
+            </p:nvPr>
+          </p:nvCxnSpPr>
+          <p:spPr>
+            <a:xfrm>
+              <a:off x="5250180" y="1883664"/>
+              <a:ext cx="1691640" cy="0"/>
+            </a:xfrm>
+            <a:prstGeom prst="line">
+              <a:avLst/>
+            </a:prstGeom>
+            <a:solidFill>
+              <a:schemeClr val="tx1">
+                <a:lumMod val="85000"/>
+                <a:lumOff val="15000"/>
+              </a:schemeClr>
+            </a:solidFill>
+            <a:ln>
+              <a:solidFill>
+                <a:srgbClr val="FFFFFF"/>
+              </a:solidFill>
+              <a:miter lim="800000"/>
+            </a:ln>
+          </p:spPr>
+          <p:style>
+            <a:lnRef idx="1">
+              <a:schemeClr val="accent1"/>
+            </a:lnRef>
+            <a:fillRef idx="0">
+              <a:schemeClr val="accent1"/>
+            </a:fillRef>
+            <a:effectRef idx="0">
+              <a:schemeClr val="accent1"/>
+            </a:effectRef>
+            <a:fontRef idx="minor">
+              <a:schemeClr val="tx1"/>
+            </a:fontRef>
+          </p:style>
+        </p:cxnSp>
+      </p:grpSp>
+      <p:sp>
+        <p:nvSpPr>
+          <p:cNvPr id="22" name="Rectangle 21">
+            <a:extLst>
+              <a:ext uri="{FF2B5EF4-FFF2-40B4-BE49-F238E27FC236}">
+                <a16:creationId xmlns:a16="http://schemas.microsoft.com/office/drawing/2014/main" id="{9891C27D-8C9D-415C-A639-23D76B7B1C1D}"/>
+              </a:ext>
+              <a:ext uri="{C183D7F6-B498-43B3-948B-1728B52AA6E4}">
+                <adec:decorative xmlns:adec="http://schemas.microsoft.com/office/drawing/2017/decorative" val="1"/>
+              </a:ext>
+            </a:extLst>
+          </p:cNvPr>
+          <p:cNvSpPr>
+            <a:spLocks noGrp="1" noRot="1" noChangeAspect="1" noMove="1" noResize="1" noEditPoints="1" noAdjustHandles="1" noChangeArrowheads="1" noChangeShapeType="1" noTextEdit="1"/>
+          </p:cNvSpPr>
+          <p:nvPr>
+            <p:extLst>
+              <p:ext uri="{386F3935-93C4-4BCD-93E2-E3B085C9AB24}">
+                <p16:designElem xmlns:p16="http://schemas.microsoft.com/office/powerpoint/2015/main" val="1"/>
+              </p:ext>
+            </p:extLst>
+          </p:nvPr>
+        </p:nvSpPr>
+        <p:spPr>
+          <a:xfrm>
+            <a:off x="0" y="0"/>
+            <a:ext cx="12192000" cy="6858000"/>
+          </a:xfrm>
+          <a:prstGeom prst="rect">
+            <a:avLst/>
+          </a:prstGeom>
+          <a:solidFill>
+            <a:schemeClr val="bg1"/>
+          </a:solidFill>
+          <a:ln>
+            <a:noFill/>
+          </a:ln>
+        </p:spPr>
+        <p:style>
+          <a:lnRef idx="2">
+            <a:schemeClr val="accent1">
+              <a:shade val="50000"/>
+            </a:schemeClr>
+          </a:lnRef>
+          <a:fillRef idx="1">
+            <a:schemeClr val="accent1"/>
+          </a:fillRef>
+          <a:effectRef idx="0">
+            <a:schemeClr val="accent1"/>
+          </a:effectRef>
+          <a:fontRef idx="minor">
+            <a:schemeClr val="lt1"/>
+          </a:fontRef>
+        </p:style>
+        <p:txBody>
+          <a:bodyPr rtlCol="0" anchor="ctr"/>
+          <a:lstStyle/>
+          <a:p>
+            <a:pPr algn="ctr"/>
+            <a:endParaRPr lang="en-US"/>
+          </a:p>
+        </p:txBody>
+      </p:sp>
+      <p:sp>
+        <p:nvSpPr>
+          <p:cNvPr id="24" name="Rectangle 23">
+            <a:extLst>
+              <a:ext uri="{FF2B5EF4-FFF2-40B4-BE49-F238E27FC236}">
+                <a16:creationId xmlns:a16="http://schemas.microsoft.com/office/drawing/2014/main" id="{E8F4C0D6-B7E0-42D0-A57F-6781017A2164}"/>
+              </a:ext>
+              <a:ext uri="{C183D7F6-B498-43B3-948B-1728B52AA6E4}">
+                <adec:decorative xmlns:adec="http://schemas.microsoft.com/office/drawing/2017/decorative" val="1"/>
+              </a:ext>
+            </a:extLst>
+          </p:cNvPr>
+          <p:cNvSpPr>
+            <a:spLocks noGrp="1" noRot="1" noChangeAspect="1" noMove="1" noResize="1" noEditPoints="1" noAdjustHandles="1" noChangeArrowheads="1" noChangeShapeType="1" noTextEdit="1"/>
+          </p:cNvSpPr>
+          <p:nvPr>
+            <p:extLst>
+              <p:ext uri="{386F3935-93C4-4BCD-93E2-E3B085C9AB24}">
+                <p16:designElem xmlns:p16="http://schemas.microsoft.com/office/powerpoint/2015/main" val="1"/>
+              </p:ext>
+            </p:extLst>
+          </p:nvPr>
+        </p:nvSpPr>
+        <p:spPr>
+          <a:xfrm>
+            <a:off x="0" y="0"/>
+            <a:ext cx="12192000" cy="6858000"/>
+          </a:xfrm>
+          <a:prstGeom prst="rect">
+            <a:avLst/>
+          </a:prstGeom>
+          <a:solidFill>
+            <a:schemeClr val="bg1">
+              <a:lumMod val="75000"/>
+              <a:lumOff val="25000"/>
+            </a:schemeClr>
+          </a:solidFill>
+          <a:ln>
+            <a:noFill/>
+          </a:ln>
+        </p:spPr>
+        <p:style>
+          <a:lnRef idx="2">
+            <a:schemeClr val="accent1">
+              <a:shade val="50000"/>
+            </a:schemeClr>
+          </a:lnRef>
+          <a:fillRef idx="1002">
+            <a:schemeClr val="lt2"/>
+          </a:fillRef>
+          <a:effectRef idx="0">
+            <a:schemeClr val="accent1"/>
+          </a:effectRef>
+          <a:fontRef idx="minor">
+            <a:schemeClr val="lt1"/>
+          </a:fontRef>
+        </p:style>
+        <p:txBody>
+          <a:bodyPr rtlCol="0" anchor="ctr"/>
+          <a:lstStyle/>
+          <a:p>
+            <a:pPr algn="ctr"/>
+            <a:endParaRPr lang="en-US" dirty="0"/>
+          </a:p>
+        </p:txBody>
+      </p:sp>
+      <p:sp>
+        <p:nvSpPr>
+          <p:cNvPr id="26" name="Rectangle 25">
+            <a:extLst>
+              <a:ext uri="{FF2B5EF4-FFF2-40B4-BE49-F238E27FC236}">
+                <a16:creationId xmlns:a16="http://schemas.microsoft.com/office/drawing/2014/main" id="{5B4D6D08-A7F1-4445-BA2E-E449562C04C1}"/>
+              </a:ext>
+              <a:ext uri="{C183D7F6-B498-43B3-948B-1728B52AA6E4}">
+                <adec:decorative xmlns:adec="http://schemas.microsoft.com/office/drawing/2017/decorative" val="1"/>
+              </a:ext>
+            </a:extLst>
+          </p:cNvPr>
+          <p:cNvSpPr>
+            <a:spLocks noGrp="1" noRot="1" noChangeAspect="1" noMove="1" noResize="1" noEditPoints="1" noAdjustHandles="1" noChangeArrowheads="1" noChangeShapeType="1" noTextEdit="1"/>
+          </p:cNvSpPr>
+          <p:nvPr>
+            <p:extLst>
+              <p:ext uri="{386F3935-93C4-4BCD-93E2-E3B085C9AB24}">
+                <p16:designElem xmlns:p16="http://schemas.microsoft.com/office/powerpoint/2015/main" val="1"/>
+              </p:ext>
+            </p:extLst>
+          </p:nvPr>
+        </p:nvSpPr>
+        <p:spPr>
+          <a:xfrm>
+            <a:off x="-1867" y="0"/>
+            <a:ext cx="8168743" cy="6858000"/>
+          </a:xfrm>
+          <a:prstGeom prst="rect">
+            <a:avLst/>
+          </a:prstGeom>
+          <a:solidFill>
+            <a:schemeClr val="tx1">
+              <a:lumMod val="85000"/>
+            </a:schemeClr>
+          </a:solidFill>
+          <a:ln>
+            <a:noFill/>
+          </a:ln>
+        </p:spPr>
+        <p:style>
+          <a:lnRef idx="2">
+            <a:schemeClr val="accent1">
+              <a:shade val="50000"/>
+            </a:schemeClr>
+          </a:lnRef>
+          <a:fillRef idx="1">
+            <a:schemeClr val="accent1"/>
+          </a:fillRef>
+          <a:effectRef idx="0">
+            <a:schemeClr val="accent1"/>
+          </a:effectRef>
+          <a:fontRef idx="minor">
+            <a:schemeClr val="lt1"/>
+          </a:fontRef>
+        </p:style>
+        <p:txBody>
+          <a:bodyPr rtlCol="0" anchor="ctr"/>
+          <a:lstStyle/>
+          <a:p>
+            <a:pPr algn="ctr"/>
+            <a:endParaRPr lang="en-US"/>
+          </a:p>
+        </p:txBody>
+      </p:sp>
+      <p:sp>
+        <p:nvSpPr>
+          <p:cNvPr id="28" name="Rectangle 27">
+            <a:extLst>
+              <a:ext uri="{FF2B5EF4-FFF2-40B4-BE49-F238E27FC236}">
+                <a16:creationId xmlns:a16="http://schemas.microsoft.com/office/drawing/2014/main" id="{3A7C1A41-D915-4D26-8D5E-C01B27160A80}"/>
+              </a:ext>
+              <a:ext uri="{C183D7F6-B498-43B3-948B-1728B52AA6E4}">
+                <adec:decorative xmlns:adec="http://schemas.microsoft.com/office/drawing/2017/decorative" val="1"/>
+              </a:ext>
+            </a:extLst>
+          </p:cNvPr>
+          <p:cNvSpPr>
+            <a:spLocks noGrp="1" noRot="1" noChangeAspect="1" noMove="1" noResize="1" noEditPoints="1" noAdjustHandles="1" noChangeArrowheads="1" noChangeShapeType="1" noTextEdit="1"/>
+          </p:cNvSpPr>
+          <p:nvPr>
+            <p:extLst>
+              <p:ext uri="{386F3935-93C4-4BCD-93E2-E3B085C9AB24}">
+                <p16:designElem xmlns:p16="http://schemas.microsoft.com/office/powerpoint/2015/main" val="1"/>
+              </p:ext>
+            </p:extLst>
+          </p:nvPr>
+        </p:nvSpPr>
+        <p:spPr>
+          <a:xfrm>
+            <a:off x="643337" y="643464"/>
+            <a:ext cx="6909241" cy="5571072"/>
+          </a:xfrm>
+          <a:prstGeom prst="rect">
+            <a:avLst/>
+          </a:prstGeom>
+          <a:solidFill>
+            <a:srgbClr val="FFFFFF"/>
+          </a:solidFill>
+          <a:ln w="6350" cap="flat" cmpd="sng" algn="ctr">
+            <a:noFill/>
+            <a:prstDash val="solid"/>
+          </a:ln>
+          <a:effectLst>
+            <a:outerShdw blurRad="50800" algn="ctr" rotWithShape="0">
+              <a:prstClr val="black">
+                <a:alpha val="66000"/>
+              </a:prstClr>
+            </a:outerShdw>
+            <a:softEdge rad="0"/>
+          </a:effectLst>
+        </p:spPr>
+      </p:sp>
+      <p:sp>
+        <p:nvSpPr>
+          <p:cNvPr id="30" name="Rectangle 29">
+            <a:extLst>
+              <a:ext uri="{FF2B5EF4-FFF2-40B4-BE49-F238E27FC236}">
+                <a16:creationId xmlns:a16="http://schemas.microsoft.com/office/drawing/2014/main" id="{A50B663E-F671-4504-99A8-4559554692B0}"/>
+              </a:ext>
+              <a:ext uri="{C183D7F6-B498-43B3-948B-1728B52AA6E4}">
+                <adec:decorative xmlns:adec="http://schemas.microsoft.com/office/drawing/2017/decorative" val="1"/>
+              </a:ext>
+            </a:extLst>
+          </p:cNvPr>
+          <p:cNvSpPr>
+            <a:spLocks noGrp="1" noRot="1" noChangeAspect="1" noMove="1" noResize="1" noEditPoints="1" noAdjustHandles="1" noChangeArrowheads="1" noChangeShapeType="1" noTextEdit="1"/>
+          </p:cNvSpPr>
+          <p:nvPr>
+            <p:extLst>
+              <p:ext uri="{386F3935-93C4-4BCD-93E2-E3B085C9AB24}">
+                <p16:designElem xmlns:p16="http://schemas.microsoft.com/office/powerpoint/2015/main" val="1"/>
+              </p:ext>
+            </p:extLst>
+          </p:nvPr>
+        </p:nvSpPr>
+        <p:spPr>
+          <a:xfrm>
+            <a:off x="811227" y="805446"/>
+            <a:ext cx="6570161" cy="5244497"/>
+          </a:xfrm>
+          <a:prstGeom prst="rect">
+            <a:avLst/>
+          </a:prstGeom>
+          <a:noFill/>
+          <a:ln w="6350" cap="sq" cmpd="sng" algn="ctr">
+            <a:solidFill>
+              <a:srgbClr val="404040"/>
+            </a:solidFill>
+            <a:prstDash val="solid"/>
+            <a:miter lim="800000"/>
+          </a:ln>
+          <a:effectLst/>
+        </p:spPr>
+      </p:sp>
+      <p:sp>
+        <p:nvSpPr>
+          <p:cNvPr id="32" name="Rectangle 31">
+            <a:extLst>
+              <a:ext uri="{FF2B5EF4-FFF2-40B4-BE49-F238E27FC236}">
+                <a16:creationId xmlns:a16="http://schemas.microsoft.com/office/drawing/2014/main" id="{2EF89585-ECD6-4B38-96B1-AD41A1BD4BE1}"/>
+              </a:ext>
+              <a:ext uri="{C183D7F6-B498-43B3-948B-1728B52AA6E4}">
+                <adec:decorative xmlns:adec="http://schemas.microsoft.com/office/drawing/2017/decorative" val="1"/>
+              </a:ext>
+            </a:extLst>
+          </p:cNvPr>
+          <p:cNvSpPr>
+            <a:spLocks noGrp="1" noRot="1" noChangeAspect="1" noMove="1" noResize="1" noEditPoints="1" noAdjustHandles="1" noChangeArrowheads="1" noChangeShapeType="1" noTextEdit="1"/>
+          </p:cNvSpPr>
+          <p:nvPr>
+            <p:extLst>
+              <p:ext uri="{386F3935-93C4-4BCD-93E2-E3B085C9AB24}">
+                <p16:designElem xmlns:p16="http://schemas.microsoft.com/office/powerpoint/2015/main" val="1"/>
+              </p:ext>
+            </p:extLst>
+          </p:nvPr>
+        </p:nvSpPr>
+        <p:spPr>
+          <a:xfrm>
+            <a:off x="3137837" y="640856"/>
+            <a:ext cx="1920240" cy="731520"/>
+          </a:xfrm>
+          <a:prstGeom prst="rect">
+            <a:avLst/>
+          </a:prstGeom>
+          <a:solidFill>
+            <a:schemeClr val="accent1"/>
+          </a:solidFill>
+          <a:ln>
+            <a:noFill/>
+          </a:ln>
+        </p:spPr>
+        <p:style>
+          <a:lnRef idx="2">
+            <a:schemeClr val="accent1">
+              <a:shade val="50000"/>
+            </a:schemeClr>
+          </a:lnRef>
+          <a:fillRef idx="1">
+            <a:schemeClr val="accent1"/>
+          </a:fillRef>
+          <a:effectRef idx="0">
+            <a:schemeClr val="accent1"/>
+          </a:effectRef>
+          <a:fontRef idx="minor">
+            <a:schemeClr val="lt1"/>
+          </a:fontRef>
+        </p:style>
+      </p:sp>
+      <p:cxnSp>
+        <p:nvCxnSpPr>
+          <p:cNvPr id="34" name="Straight Connector 33">
+            <a:extLst>
+              <a:ext uri="{FF2B5EF4-FFF2-40B4-BE49-F238E27FC236}">
+                <a16:creationId xmlns:a16="http://schemas.microsoft.com/office/drawing/2014/main" id="{1B6FCD50-3FE8-4AB2-B746-2CC0EA9D4074}"/>
+              </a:ext>
+              <a:ext uri="{C183D7F6-B498-43B3-948B-1728B52AA6E4}">
+                <adec:decorative xmlns:adec="http://schemas.microsoft.com/office/drawing/2017/decorative" val="1"/>
+              </a:ext>
+            </a:extLst>
+          </p:cNvPr>
+          <p:cNvCxnSpPr>
+            <a:cxnSpLocks noGrp="1" noRot="1" noChangeAspect="1" noMove="1" noResize="1" noEditPoints="1" noAdjustHandles="1" noChangeArrowheads="1" noChangeShapeType="1"/>
+          </p:cNvCxnSpPr>
+          <p:nvPr>
+            <p:extLst>
+              <p:ext uri="{386F3935-93C4-4BCD-93E2-E3B085C9AB24}">
+                <p16:designElem xmlns:p16="http://schemas.microsoft.com/office/powerpoint/2015/main" val="1"/>
+              </p:ext>
+            </p:extLst>
+          </p:nvPr>
+        </p:nvCxnSpPr>
+        <p:spPr>
+          <a:xfrm>
+            <a:off x="3252137" y="640855"/>
+            <a:ext cx="0" cy="640080"/>
+          </a:xfrm>
+          <a:prstGeom prst="line">
+            <a:avLst/>
+          </a:prstGeom>
+          <a:solidFill>
+            <a:schemeClr val="tx1">
+              <a:lumMod val="85000"/>
+              <a:lumOff val="15000"/>
+            </a:schemeClr>
+          </a:solidFill>
+          <a:ln>
+            <a:solidFill>
+              <a:srgbClr val="FFFFFF"/>
+            </a:solidFill>
+            <a:miter lim="800000"/>
+          </a:ln>
+        </p:spPr>
+        <p:style>
+          <a:lnRef idx="1">
+            <a:schemeClr val="accent1"/>
+          </a:lnRef>
+          <a:fillRef idx="0">
+            <a:schemeClr val="accent1"/>
+          </a:fillRef>
+          <a:effectRef idx="0">
+            <a:schemeClr val="accent1"/>
+          </a:effectRef>
+          <a:fontRef idx="minor">
+            <a:schemeClr val="tx1"/>
+          </a:fontRef>
+        </p:style>
+      </p:cxnSp>
+      <p:cxnSp>
+        <p:nvCxnSpPr>
+          <p:cNvPr id="36" name="Straight Connector 35">
+            <a:extLst>
+              <a:ext uri="{FF2B5EF4-FFF2-40B4-BE49-F238E27FC236}">
+                <a16:creationId xmlns:a16="http://schemas.microsoft.com/office/drawing/2014/main" id="{B3E90108-E441-4AF0-A059-613D076C7CDA}"/>
+              </a:ext>
+              <a:ext uri="{C183D7F6-B498-43B3-948B-1728B52AA6E4}">
+                <adec:decorative xmlns:adec="http://schemas.microsoft.com/office/drawing/2017/decorative" val="1"/>
+              </a:ext>
+            </a:extLst>
+          </p:cNvPr>
+          <p:cNvCxnSpPr>
+            <a:cxnSpLocks noGrp="1" noRot="1" noChangeAspect="1" noMove="1" noResize="1" noEditPoints="1" noAdjustHandles="1" noChangeArrowheads="1" noChangeShapeType="1"/>
+          </p:cNvCxnSpPr>
+          <p:nvPr>
+            <p:extLst>
+              <p:ext uri="{386F3935-93C4-4BCD-93E2-E3B085C9AB24}">
+                <p16:designElem xmlns:p16="http://schemas.microsoft.com/office/powerpoint/2015/main" val="1"/>
+              </p:ext>
+            </p:extLst>
+          </p:nvPr>
+        </p:nvCxnSpPr>
+        <p:spPr>
+          <a:xfrm>
+            <a:off x="4943777" y="640855"/>
+            <a:ext cx="0" cy="640080"/>
+          </a:xfrm>
+          <a:prstGeom prst="line">
+            <a:avLst/>
+          </a:prstGeom>
+          <a:solidFill>
+            <a:schemeClr val="tx1">
+              <a:lumMod val="85000"/>
+              <a:lumOff val="15000"/>
+            </a:schemeClr>
+          </a:solidFill>
+          <a:ln>
+            <a:solidFill>
+              <a:srgbClr val="FFFFFF"/>
+            </a:solidFill>
+            <a:miter lim="800000"/>
+          </a:ln>
+        </p:spPr>
+        <p:style>
+          <a:lnRef idx="1">
+            <a:schemeClr val="accent1"/>
+          </a:lnRef>
+          <a:fillRef idx="0">
+            <a:schemeClr val="accent1"/>
+          </a:fillRef>
+          <a:effectRef idx="0">
+            <a:schemeClr val="accent1"/>
+          </a:effectRef>
+          <a:fontRef idx="minor">
+            <a:schemeClr val="tx1"/>
+          </a:fontRef>
+        </p:style>
+      </p:cxnSp>
+      <p:cxnSp>
+        <p:nvCxnSpPr>
+          <p:cNvPr id="38" name="Straight Connector 37">
+            <a:extLst>
+              <a:ext uri="{FF2B5EF4-FFF2-40B4-BE49-F238E27FC236}">
+                <a16:creationId xmlns:a16="http://schemas.microsoft.com/office/drawing/2014/main" id="{0B422045-789A-442D-9E39-6FC4EC452C4C}"/>
+              </a:ext>
+              <a:ext uri="{C183D7F6-B498-43B3-948B-1728B52AA6E4}">
+                <adec:decorative xmlns:adec="http://schemas.microsoft.com/office/drawing/2017/decorative" val="1"/>
+              </a:ext>
+            </a:extLst>
+          </p:cNvPr>
+          <p:cNvCxnSpPr>
+            <a:cxnSpLocks noGrp="1" noRot="1" noChangeAspect="1" noMove="1" noResize="1" noEditPoints="1" noAdjustHandles="1" noChangeArrowheads="1" noChangeShapeType="1"/>
+          </p:cNvCxnSpPr>
+          <p:nvPr>
+            <p:extLst>
+              <p:ext uri="{386F3935-93C4-4BCD-93E2-E3B085C9AB24}">
+                <p16:designElem xmlns:p16="http://schemas.microsoft.com/office/powerpoint/2015/main" val="1"/>
+              </p:ext>
+            </p:extLst>
+          </p:nvPr>
+        </p:nvCxnSpPr>
+        <p:spPr>
+          <a:xfrm>
+            <a:off x="3252137" y="1286150"/>
+            <a:ext cx="1691640" cy="0"/>
+          </a:xfrm>
+          <a:prstGeom prst="line">
+            <a:avLst/>
+          </a:prstGeom>
+          <a:solidFill>
+            <a:schemeClr val="tx1">
+              <a:lumMod val="85000"/>
+              <a:lumOff val="15000"/>
+            </a:schemeClr>
+          </a:solidFill>
+          <a:ln>
+            <a:solidFill>
+              <a:srgbClr val="FFFFFF"/>
+            </a:solidFill>
+            <a:miter lim="800000"/>
+          </a:ln>
+        </p:spPr>
+        <p:style>
+          <a:lnRef idx="1">
+            <a:schemeClr val="accent1"/>
+          </a:lnRef>
+          <a:fillRef idx="0">
+            <a:schemeClr val="accent1"/>
+          </a:fillRef>
+          <a:effectRef idx="0">
+            <a:schemeClr val="accent1"/>
+          </a:effectRef>
+          <a:fontRef idx="minor">
+            <a:schemeClr val="tx1"/>
+          </a:fontRef>
+        </p:style>
+      </p:cxnSp>
+      <p:pic>
+        <p:nvPicPr>
+          <p:cNvPr id="4" name="Content Placeholder 3">
+            <a:extLst>
+              <a:ext uri="{FF2B5EF4-FFF2-40B4-BE49-F238E27FC236}">
+                <a16:creationId xmlns:a16="http://schemas.microsoft.com/office/drawing/2014/main" id="{8ACF3DD3-8F0C-2A42-AF2E-75D3948E00F0}"/>
+              </a:ext>
+            </a:extLst>
+          </p:cNvPr>
+          <p:cNvPicPr>
+            <a:picLocks noGrp="1" noChangeAspect="1"/>
+          </p:cNvPicPr>
+          <p:nvPr>
+            <p:ph idx="1"/>
+          </p:nvPr>
+        </p:nvPicPr>
+        <p:blipFill>
+          <a:blip r:embed="rId2"/>
+          <a:stretch>
+            <a:fillRect/>
+          </a:stretch>
+        </p:blipFill>
+        <p:spPr>
+          <a:xfrm>
+            <a:off x="1295859" y="1971370"/>
+            <a:ext cx="5600897" cy="3318530"/>
+          </a:xfrm>
+          <a:prstGeom prst="rect">
+            <a:avLst/>
+          </a:prstGeom>
+        </p:spPr>
+      </p:pic>
+      <p:sp>
+        <p:nvSpPr>
+          <p:cNvPr id="40" name="Rectangle 39">
+            <a:extLst>
+              <a:ext uri="{FF2B5EF4-FFF2-40B4-BE49-F238E27FC236}">
+                <a16:creationId xmlns:a16="http://schemas.microsoft.com/office/drawing/2014/main" id="{3F4C63FE-9526-4F8E-BCFD-954D2EF9475B}"/>
+              </a:ext>
+              <a:ext uri="{C183D7F6-B498-43B3-948B-1728B52AA6E4}">
+                <adec:decorative xmlns:adec="http://schemas.microsoft.com/office/drawing/2017/decorative" val="1"/>
+              </a:ext>
+            </a:extLst>
+          </p:cNvPr>
+          <p:cNvSpPr>
+            <a:spLocks noGrp="1" noRot="1" noChangeAspect="1" noMove="1" noResize="1" noEditPoints="1" noAdjustHandles="1" noChangeArrowheads="1" noChangeShapeType="1" noTextEdit="1"/>
+          </p:cNvSpPr>
+          <p:nvPr>
+            <p:extLst>
+              <p:ext uri="{386F3935-93C4-4BCD-93E2-E3B085C9AB24}">
+                <p16:designElem xmlns:p16="http://schemas.microsoft.com/office/powerpoint/2015/main" val="1"/>
+              </p:ext>
+            </p:extLst>
+          </p:nvPr>
+        </p:nvSpPr>
+        <p:spPr>
+          <a:xfrm>
+            <a:off x="8331468" y="164592"/>
+            <a:ext cx="3708894" cy="6540176"/>
+          </a:xfrm>
+          <a:prstGeom prst="rect">
+            <a:avLst/>
+          </a:prstGeom>
+          <a:noFill/>
+          <a:ln w="6350">
+            <a:solidFill>
+              <a:schemeClr val="tx1">
+                <a:lumMod val="75000"/>
+                <a:lumOff val="25000"/>
+              </a:schemeClr>
+            </a:solidFill>
+          </a:ln>
+        </p:spPr>
+        <p:style>
+          <a:lnRef idx="2">
+            <a:schemeClr val="accent1">
+              <a:shade val="50000"/>
+            </a:schemeClr>
+          </a:lnRef>
+          <a:fillRef idx="1">
+            <a:schemeClr val="accent1"/>
+          </a:fillRef>
+          <a:effectRef idx="0">
+            <a:schemeClr val="accent1"/>
+          </a:effectRef>
+          <a:fontRef idx="minor">
+            <a:schemeClr val="lt1"/>
+          </a:fontRef>
+        </p:style>
+        <p:txBody>
+          <a:bodyPr rtlCol="0" anchor="ctr"/>
+          <a:lstStyle/>
+          <a:p>
+            <a:pPr algn="ctr"/>
+            <a:endParaRPr lang="en-US"/>
+          </a:p>
+        </p:txBody>
+      </p:sp>
+      <p:sp>
+        <p:nvSpPr>
           <p:cNvPr id="2" name="Title 1">
             <a:extLst>
               <a:ext uri="{FF2B5EF4-FFF2-40B4-BE49-F238E27FC236}">
-                <a16:creationId xmlns:a16="http://schemas.microsoft.com/office/drawing/2014/main" id="{31BB8085-1FFF-44DD-A144-D794D923CF00}"/>
+                <a16:creationId xmlns:a16="http://schemas.microsoft.com/office/drawing/2014/main" id="{92BA71F0-87C5-4431-946A-51318AECDDF6}"/>
               </a:ext>
             </a:extLst>
           </p:cNvPr>
@@ -7302,7 +9102,1250 @@
         </p:nvSpPr>
         <p:spPr>
           <a:xfrm>
-            <a:off x="1066800" y="642594"/>
+            <a:off x="8560024" y="1182454"/>
+            <a:ext cx="3238829" cy="3480794"/>
+          </a:xfrm>
+        </p:spPr>
+        <p:txBody>
+          <a:bodyPr vert="horz" lIns="91440" tIns="45720" rIns="91440" bIns="45720" rtlCol="0" anchor="ctr">
+            <a:normAutofit fontScale="90000"/>
+          </a:bodyPr>
+          <a:lstStyle/>
+          <a:p>
+            <a:pPr algn="ctr">
+              <a:lnSpc>
+                <a:spcPct val="83000"/>
+              </a:lnSpc>
+            </a:pPr>
+            <a:r>
+              <a:rPr lang="en-US" sz="4800" cap="all" spc="-100" dirty="0"/>
+              <a:t>How many times do we Write this?</a:t>
+            </a:r>
+          </a:p>
+        </p:txBody>
+      </p:sp>
+    </p:spTree>
+    <p:extLst>
+      <p:ext uri="{BB962C8B-B14F-4D97-AF65-F5344CB8AC3E}">
+        <p14:creationId xmlns:p14="http://schemas.microsoft.com/office/powerpoint/2010/main" val="2132252301"/>
+      </p:ext>
+    </p:extLst>
+  </p:cSld>
+  <p:clrMapOvr>
+    <a:overrideClrMapping bg1="dk1" tx1="lt1" bg2="dk2" tx2="lt2" accent1="accent1" accent2="accent2" accent3="accent3" accent4="accent4" accent5="accent5" accent6="accent6" hlink="hlink" folHlink="folHlink"/>
+  </p:clrMapOvr>
+</p:sld>
+</file>
+
+<file path=ppt/slides/slide5.xml><?xml version="1.0" encoding="utf-8"?>
+<p:sld xmlns:a="http://schemas.openxmlformats.org/drawingml/2006/main" xmlns:r="http://schemas.openxmlformats.org/officeDocument/2006/relationships" xmlns:p="http://schemas.openxmlformats.org/presentationml/2006/main">
+  <p:cSld>
+    <p:bg>
+      <p:bgPr>
+        <a:solidFill>
+          <a:schemeClr val="bg1"/>
+        </a:solidFill>
+        <a:effectLst/>
+      </p:bgPr>
+    </p:bg>
+    <p:spTree>
+      <p:nvGrpSpPr>
+        <p:cNvPr id="1" name=""/>
+        <p:cNvGrpSpPr/>
+        <p:nvPr/>
+      </p:nvGrpSpPr>
+      <p:grpSpPr>
+        <a:xfrm>
+          <a:off x="0" y="0"/>
+          <a:ext cx="0" cy="0"/>
+          <a:chOff x="0" y="0"/>
+          <a:chExt cx="0" cy="0"/>
+        </a:xfrm>
+      </p:grpSpPr>
+      <p:sp>
+        <p:nvSpPr>
+          <p:cNvPr id="43" name="Rectangle 42">
+            <a:extLst>
+              <a:ext uri="{FF2B5EF4-FFF2-40B4-BE49-F238E27FC236}">
+                <a16:creationId xmlns:a16="http://schemas.microsoft.com/office/drawing/2014/main" id="{904DB13E-F722-4ED6-BB00-556651E95281}"/>
+              </a:ext>
+              <a:ext uri="{C183D7F6-B498-43B3-948B-1728B52AA6E4}">
+                <adec:decorative xmlns:adec="http://schemas.microsoft.com/office/drawing/2017/decorative" val="1"/>
+              </a:ext>
+            </a:extLst>
+          </p:cNvPr>
+          <p:cNvSpPr>
+            <a:spLocks noGrp="1" noRot="1" noChangeAspect="1" noMove="1" noResize="1" noEditPoints="1" noAdjustHandles="1" noChangeArrowheads="1" noChangeShapeType="1" noTextEdit="1"/>
+          </p:cNvSpPr>
+          <p:nvPr>
+            <p:extLst>
+              <p:ext uri="{386F3935-93C4-4BCD-93E2-E3B085C9AB24}">
+                <p16:designElem xmlns:p16="http://schemas.microsoft.com/office/powerpoint/2015/main" val="1"/>
+              </p:ext>
+            </p:extLst>
+          </p:nvPr>
+        </p:nvSpPr>
+        <p:spPr>
+          <a:xfrm>
+            <a:off x="0" y="0"/>
+            <a:ext cx="12192000" cy="6858000"/>
+          </a:xfrm>
+          <a:prstGeom prst="rect">
+            <a:avLst/>
+          </a:prstGeom>
+          <a:solidFill>
+            <a:schemeClr val="tx1">
+              <a:lumMod val="65000"/>
+              <a:lumOff val="35000"/>
+            </a:schemeClr>
+          </a:solidFill>
+          <a:ln>
+            <a:noFill/>
+          </a:ln>
+        </p:spPr>
+        <p:style>
+          <a:lnRef idx="2">
+            <a:schemeClr val="accent1">
+              <a:shade val="50000"/>
+            </a:schemeClr>
+          </a:lnRef>
+          <a:fillRef idx="1">
+            <a:schemeClr val="accent1"/>
+          </a:fillRef>
+          <a:effectRef idx="0">
+            <a:schemeClr val="accent1"/>
+          </a:effectRef>
+          <a:fontRef idx="minor">
+            <a:schemeClr val="lt1"/>
+          </a:fontRef>
+        </p:style>
+        <p:txBody>
+          <a:bodyPr rtlCol="0" anchor="ctr"/>
+          <a:lstStyle/>
+          <a:p>
+            <a:pPr algn="ctr"/>
+            <a:endParaRPr lang="en-US"/>
+          </a:p>
+        </p:txBody>
+      </p:sp>
+      <p:sp useBgFill="1">
+        <p:nvSpPr>
+          <p:cNvPr id="45" name="Rectangle 44">
+            <a:extLst>
+              <a:ext uri="{FF2B5EF4-FFF2-40B4-BE49-F238E27FC236}">
+                <a16:creationId xmlns:a16="http://schemas.microsoft.com/office/drawing/2014/main" id="{1E8D93C5-28EB-42D0-86CE-D804955653CC}"/>
+              </a:ext>
+              <a:ext uri="{C183D7F6-B498-43B3-948B-1728B52AA6E4}">
+                <adec:decorative xmlns:adec="http://schemas.microsoft.com/office/drawing/2017/decorative" val="1"/>
+              </a:ext>
+            </a:extLst>
+          </p:cNvPr>
+          <p:cNvSpPr>
+            <a:spLocks noGrp="1" noRot="1" noChangeAspect="1" noMove="1" noResize="1" noEditPoints="1" noAdjustHandles="1" noChangeArrowheads="1" noChangeShapeType="1" noTextEdit="1"/>
+          </p:cNvSpPr>
+          <p:nvPr>
+            <p:extLst>
+              <p:ext uri="{386F3935-93C4-4BCD-93E2-E3B085C9AB24}">
+                <p16:designElem xmlns:p16="http://schemas.microsoft.com/office/powerpoint/2015/main" val="1"/>
+              </p:ext>
+            </p:extLst>
+          </p:nvPr>
+        </p:nvSpPr>
+        <p:spPr>
+          <a:xfrm>
+            <a:off x="1307870" y="1267730"/>
+            <a:ext cx="9576262" cy="4307950"/>
+          </a:xfrm>
+          <a:prstGeom prst="rect">
+            <a:avLst/>
+          </a:prstGeom>
+          <a:ln w="6350" cap="flat" cmpd="sng" algn="ctr">
+            <a:noFill/>
+            <a:prstDash val="solid"/>
+          </a:ln>
+          <a:effectLst>
+            <a:outerShdw blurRad="50800" algn="ctr" rotWithShape="0">
+              <a:prstClr val="black">
+                <a:alpha val="66000"/>
+              </a:prstClr>
+            </a:outerShdw>
+            <a:softEdge rad="0"/>
+          </a:effectLst>
+        </p:spPr>
+      </p:sp>
+      <p:sp>
+        <p:nvSpPr>
+          <p:cNvPr id="47" name="Rectangle 46">
+            <a:extLst>
+              <a:ext uri="{FF2B5EF4-FFF2-40B4-BE49-F238E27FC236}">
+                <a16:creationId xmlns:a16="http://schemas.microsoft.com/office/drawing/2014/main" id="{AB1B1E7D-F76D-4744-AF85-239E6998A4C5}"/>
+              </a:ext>
+              <a:ext uri="{C183D7F6-B498-43B3-948B-1728B52AA6E4}">
+                <adec:decorative xmlns:adec="http://schemas.microsoft.com/office/drawing/2017/decorative" val="1"/>
+              </a:ext>
+            </a:extLst>
+          </p:cNvPr>
+          <p:cNvSpPr>
+            <a:spLocks noGrp="1" noRot="1" noChangeAspect="1" noMove="1" noResize="1" noEditPoints="1" noAdjustHandles="1" noChangeArrowheads="1" noChangeShapeType="1" noTextEdit="1"/>
+          </p:cNvSpPr>
+          <p:nvPr>
+            <p:extLst>
+              <p:ext uri="{386F3935-93C4-4BCD-93E2-E3B085C9AB24}">
+                <p16:designElem xmlns:p16="http://schemas.microsoft.com/office/powerpoint/2015/main" val="1"/>
+              </p:ext>
+            </p:extLst>
+          </p:nvPr>
+        </p:nvSpPr>
+        <p:spPr>
+          <a:xfrm>
+            <a:off x="1447801" y="1411615"/>
+            <a:ext cx="9296400" cy="4034770"/>
+          </a:xfrm>
+          <a:prstGeom prst="rect">
+            <a:avLst/>
+          </a:prstGeom>
+          <a:noFill/>
+          <a:ln w="6350" cap="sq" cmpd="sng" algn="ctr">
+            <a:solidFill>
+              <a:schemeClr val="tx1">
+                <a:lumMod val="75000"/>
+                <a:lumOff val="25000"/>
+              </a:schemeClr>
+            </a:solidFill>
+            <a:prstDash val="solid"/>
+            <a:miter lim="800000"/>
+          </a:ln>
+          <a:effectLst/>
+        </p:spPr>
+      </p:sp>
+      <p:sp>
+        <p:nvSpPr>
+          <p:cNvPr id="49" name="Rectangle 48">
+            <a:extLst>
+              <a:ext uri="{FF2B5EF4-FFF2-40B4-BE49-F238E27FC236}">
+                <a16:creationId xmlns:a16="http://schemas.microsoft.com/office/drawing/2014/main" id="{3BB65211-00DB-45B6-A223-033B2D19CBE8}"/>
+              </a:ext>
+              <a:ext uri="{C183D7F6-B498-43B3-948B-1728B52AA6E4}">
+                <adec:decorative xmlns:adec="http://schemas.microsoft.com/office/drawing/2017/decorative" val="1"/>
+              </a:ext>
+            </a:extLst>
+          </p:cNvPr>
+          <p:cNvSpPr>
+            <a:spLocks noGrp="1" noRot="1" noChangeAspect="1" noMove="1" noResize="1" noEditPoints="1" noAdjustHandles="1" noChangeArrowheads="1" noChangeShapeType="1" noTextEdit="1"/>
+          </p:cNvSpPr>
+          <p:nvPr>
+            <p:extLst>
+              <p:ext uri="{386F3935-93C4-4BCD-93E2-E3B085C9AB24}">
+                <p16:designElem xmlns:p16="http://schemas.microsoft.com/office/powerpoint/2015/main" val="1"/>
+              </p:ext>
+            </p:extLst>
+          </p:nvPr>
+        </p:nvSpPr>
+        <p:spPr>
+          <a:xfrm>
+            <a:off x="5135880" y="1267730"/>
+            <a:ext cx="1920240" cy="731520"/>
+          </a:xfrm>
+          <a:prstGeom prst="rect">
+            <a:avLst/>
+          </a:prstGeom>
+          <a:solidFill>
+            <a:schemeClr val="accent1"/>
+          </a:solidFill>
+          <a:ln>
+            <a:noFill/>
+          </a:ln>
+        </p:spPr>
+        <p:style>
+          <a:lnRef idx="2">
+            <a:schemeClr val="accent1">
+              <a:shade val="50000"/>
+            </a:schemeClr>
+          </a:lnRef>
+          <a:fillRef idx="1">
+            <a:schemeClr val="accent1"/>
+          </a:fillRef>
+          <a:effectRef idx="0">
+            <a:schemeClr val="accent1"/>
+          </a:effectRef>
+          <a:fontRef idx="minor">
+            <a:schemeClr val="lt1"/>
+          </a:fontRef>
+        </p:style>
+      </p:sp>
+      <p:grpSp>
+        <p:nvGrpSpPr>
+          <p:cNvPr id="51" name="Group 50">
+            <a:extLst>
+              <a:ext uri="{FF2B5EF4-FFF2-40B4-BE49-F238E27FC236}">
+                <a16:creationId xmlns:a16="http://schemas.microsoft.com/office/drawing/2014/main" id="{E26428D7-C6F3-473D-A360-A3F5C3E8728C}"/>
+              </a:ext>
+              <a:ext uri="{C183D7F6-B498-43B3-948B-1728B52AA6E4}">
+                <adec:decorative xmlns:adec="http://schemas.microsoft.com/office/drawing/2017/decorative" val="1"/>
+              </a:ext>
+            </a:extLst>
+          </p:cNvPr>
+          <p:cNvGrpSpPr>
+            <a:grpSpLocks noGrp="1" noUngrp="1" noRot="1" noChangeAspect="1" noMove="1" noResize="1"/>
+          </p:cNvGrpSpPr>
+          <p:nvPr>
+            <p:extLst>
+              <p:ext uri="{386F3935-93C4-4BCD-93E2-E3B085C9AB24}">
+                <p16:designElem xmlns:p16="http://schemas.microsoft.com/office/powerpoint/2015/main" val="1"/>
+              </p:ext>
+            </p:extLst>
+          </p:nvPr>
+        </p:nvGrpSpPr>
+        <p:grpSpPr>
+          <a:xfrm>
+            <a:off x="5250180" y="1267730"/>
+            <a:ext cx="1691640" cy="615934"/>
+            <a:chOff x="5250180" y="1267730"/>
+            <a:chExt cx="1691640" cy="615934"/>
+          </a:xfrm>
+        </p:grpSpPr>
+        <p:cxnSp>
+          <p:nvCxnSpPr>
+            <p:cNvPr id="52" name="Straight Connector 51">
+              <a:extLst>
+                <a:ext uri="{FF2B5EF4-FFF2-40B4-BE49-F238E27FC236}">
+                  <a16:creationId xmlns:a16="http://schemas.microsoft.com/office/drawing/2014/main" id="{14DF524F-3FEF-4236-90C6-820E876A94EE}"/>
+                </a:ext>
+                <a:ext uri="{C183D7F6-B498-43B3-948B-1728B52AA6E4}">
+                  <adec:decorative xmlns:adec="http://schemas.microsoft.com/office/drawing/2017/decorative" val="1"/>
+                </a:ext>
+              </a:extLst>
+            </p:cNvPr>
+            <p:cNvCxnSpPr/>
+            <p:nvPr>
+              <p:extLst>
+                <p:ext uri="{386F3935-93C4-4BCD-93E2-E3B085C9AB24}">
+                  <p16:designElem xmlns:p16="http://schemas.microsoft.com/office/powerpoint/2015/main" val="1"/>
+                </p:ext>
+              </p:extLst>
+            </p:nvPr>
+          </p:nvCxnSpPr>
+          <p:spPr>
+            <a:xfrm>
+              <a:off x="5250180" y="1267730"/>
+              <a:ext cx="0" cy="612648"/>
+            </a:xfrm>
+            <a:prstGeom prst="line">
+              <a:avLst/>
+            </a:prstGeom>
+            <a:solidFill>
+              <a:schemeClr val="tx1">
+                <a:lumMod val="85000"/>
+                <a:lumOff val="15000"/>
+              </a:schemeClr>
+            </a:solidFill>
+            <a:ln>
+              <a:solidFill>
+                <a:srgbClr val="FFFFFF"/>
+              </a:solidFill>
+              <a:miter lim="800000"/>
+            </a:ln>
+          </p:spPr>
+          <p:style>
+            <a:lnRef idx="1">
+              <a:schemeClr val="accent1"/>
+            </a:lnRef>
+            <a:fillRef idx="0">
+              <a:schemeClr val="accent1"/>
+            </a:fillRef>
+            <a:effectRef idx="0">
+              <a:schemeClr val="accent1"/>
+            </a:effectRef>
+            <a:fontRef idx="minor">
+              <a:schemeClr val="tx1"/>
+            </a:fontRef>
+          </p:style>
+        </p:cxnSp>
+        <p:cxnSp>
+          <p:nvCxnSpPr>
+            <p:cNvPr id="53" name="Straight Connector 52">
+              <a:extLst>
+                <a:ext uri="{FF2B5EF4-FFF2-40B4-BE49-F238E27FC236}">
+                  <a16:creationId xmlns:a16="http://schemas.microsoft.com/office/drawing/2014/main" id="{2400A003-1BE9-49C2-8E57-DCD9B870FC8A}"/>
+                </a:ext>
+                <a:ext uri="{C183D7F6-B498-43B3-948B-1728B52AA6E4}">
+                  <adec:decorative xmlns:adec="http://schemas.microsoft.com/office/drawing/2017/decorative" val="1"/>
+                </a:ext>
+              </a:extLst>
+            </p:cNvPr>
+            <p:cNvCxnSpPr/>
+            <p:nvPr>
+              <p:extLst>
+                <p:ext uri="{386F3935-93C4-4BCD-93E2-E3B085C9AB24}">
+                  <p16:designElem xmlns:p16="http://schemas.microsoft.com/office/powerpoint/2015/main" val="1"/>
+                </p:ext>
+              </p:extLst>
+            </p:nvPr>
+          </p:nvCxnSpPr>
+          <p:spPr>
+            <a:xfrm>
+              <a:off x="6941820" y="1267730"/>
+              <a:ext cx="0" cy="612648"/>
+            </a:xfrm>
+            <a:prstGeom prst="line">
+              <a:avLst/>
+            </a:prstGeom>
+            <a:solidFill>
+              <a:schemeClr val="tx1">
+                <a:lumMod val="85000"/>
+                <a:lumOff val="15000"/>
+              </a:schemeClr>
+            </a:solidFill>
+            <a:ln>
+              <a:solidFill>
+                <a:srgbClr val="FFFFFF"/>
+              </a:solidFill>
+              <a:miter lim="800000"/>
+            </a:ln>
+          </p:spPr>
+          <p:style>
+            <a:lnRef idx="1">
+              <a:schemeClr val="accent1"/>
+            </a:lnRef>
+            <a:fillRef idx="0">
+              <a:schemeClr val="accent1"/>
+            </a:fillRef>
+            <a:effectRef idx="0">
+              <a:schemeClr val="accent1"/>
+            </a:effectRef>
+            <a:fontRef idx="minor">
+              <a:schemeClr val="tx1"/>
+            </a:fontRef>
+          </p:style>
+        </p:cxnSp>
+        <p:cxnSp>
+          <p:nvCxnSpPr>
+            <p:cNvPr id="54" name="Straight Connector 53">
+              <a:extLst>
+                <a:ext uri="{FF2B5EF4-FFF2-40B4-BE49-F238E27FC236}">
+                  <a16:creationId xmlns:a16="http://schemas.microsoft.com/office/drawing/2014/main" id="{83BF0991-F9A1-4282-99DB-92D70239F6A9}"/>
+                </a:ext>
+                <a:ext uri="{C183D7F6-B498-43B3-948B-1728B52AA6E4}">
+                  <adec:decorative xmlns:adec="http://schemas.microsoft.com/office/drawing/2017/decorative" val="1"/>
+                </a:ext>
+              </a:extLst>
+            </p:cNvPr>
+            <p:cNvCxnSpPr/>
+            <p:nvPr>
+              <p:extLst>
+                <p:ext uri="{386F3935-93C4-4BCD-93E2-E3B085C9AB24}">
+                  <p16:designElem xmlns:p16="http://schemas.microsoft.com/office/powerpoint/2015/main" val="1"/>
+                </p:ext>
+              </p:extLst>
+            </p:nvPr>
+          </p:nvCxnSpPr>
+          <p:spPr>
+            <a:xfrm>
+              <a:off x="5250180" y="1883664"/>
+              <a:ext cx="1691640" cy="0"/>
+            </a:xfrm>
+            <a:prstGeom prst="line">
+              <a:avLst/>
+            </a:prstGeom>
+            <a:solidFill>
+              <a:schemeClr val="tx1">
+                <a:lumMod val="85000"/>
+                <a:lumOff val="15000"/>
+              </a:schemeClr>
+            </a:solidFill>
+            <a:ln>
+              <a:solidFill>
+                <a:srgbClr val="FFFFFF"/>
+              </a:solidFill>
+              <a:miter lim="800000"/>
+            </a:ln>
+          </p:spPr>
+          <p:style>
+            <a:lnRef idx="1">
+              <a:schemeClr val="accent1"/>
+            </a:lnRef>
+            <a:fillRef idx="0">
+              <a:schemeClr val="accent1"/>
+            </a:fillRef>
+            <a:effectRef idx="0">
+              <a:schemeClr val="accent1"/>
+            </a:effectRef>
+            <a:fontRef idx="minor">
+              <a:schemeClr val="tx1"/>
+            </a:fontRef>
+          </p:style>
+        </p:cxnSp>
+      </p:grpSp>
+      <p:sp>
+        <p:nvSpPr>
+          <p:cNvPr id="56" name="Rectangle 55">
+            <a:extLst>
+              <a:ext uri="{FF2B5EF4-FFF2-40B4-BE49-F238E27FC236}">
+                <a16:creationId xmlns:a16="http://schemas.microsoft.com/office/drawing/2014/main" id="{1C3E817E-E139-426E-89E5-9DD346EC7514}"/>
+              </a:ext>
+              <a:ext uri="{C183D7F6-B498-43B3-948B-1728B52AA6E4}">
+                <adec:decorative xmlns:adec="http://schemas.microsoft.com/office/drawing/2017/decorative" val="1"/>
+              </a:ext>
+            </a:extLst>
+          </p:cNvPr>
+          <p:cNvSpPr>
+            <a:spLocks noGrp="1" noRot="1" noChangeAspect="1" noMove="1" noResize="1" noEditPoints="1" noAdjustHandles="1" noChangeArrowheads="1" noChangeShapeType="1" noTextEdit="1"/>
+          </p:cNvSpPr>
+          <p:nvPr>
+            <p:extLst>
+              <p:ext uri="{386F3935-93C4-4BCD-93E2-E3B085C9AB24}">
+                <p16:designElem xmlns:p16="http://schemas.microsoft.com/office/powerpoint/2015/main" val="1"/>
+              </p:ext>
+            </p:extLst>
+          </p:nvPr>
+        </p:nvSpPr>
+        <p:spPr>
+          <a:xfrm>
+            <a:off x="0" y="0"/>
+            <a:ext cx="12192000" cy="6858000"/>
+          </a:xfrm>
+          <a:prstGeom prst="rect">
+            <a:avLst/>
+          </a:prstGeom>
+          <a:solidFill>
+            <a:schemeClr val="bg1"/>
+          </a:solidFill>
+          <a:ln>
+            <a:noFill/>
+          </a:ln>
+        </p:spPr>
+        <p:style>
+          <a:lnRef idx="2">
+            <a:schemeClr val="accent1">
+              <a:shade val="50000"/>
+            </a:schemeClr>
+          </a:lnRef>
+          <a:fillRef idx="1">
+            <a:schemeClr val="accent1"/>
+          </a:fillRef>
+          <a:effectRef idx="0">
+            <a:schemeClr val="accent1"/>
+          </a:effectRef>
+          <a:fontRef idx="minor">
+            <a:schemeClr val="lt1"/>
+          </a:fontRef>
+        </p:style>
+        <p:txBody>
+          <a:bodyPr rtlCol="0" anchor="ctr"/>
+          <a:lstStyle/>
+          <a:p>
+            <a:pPr algn="ctr"/>
+            <a:endParaRPr lang="en-US"/>
+          </a:p>
+        </p:txBody>
+      </p:sp>
+      <p:sp>
+        <p:nvSpPr>
+          <p:cNvPr id="58" name="Rectangle 57">
+            <a:extLst>
+              <a:ext uri="{FF2B5EF4-FFF2-40B4-BE49-F238E27FC236}">
+                <a16:creationId xmlns:a16="http://schemas.microsoft.com/office/drawing/2014/main" id="{E2ADD2F6-F7FC-464F-8F18-5BDBD27A732F}"/>
+              </a:ext>
+              <a:ext uri="{C183D7F6-B498-43B3-948B-1728B52AA6E4}">
+                <adec:decorative xmlns:adec="http://schemas.microsoft.com/office/drawing/2017/decorative" val="1"/>
+              </a:ext>
+            </a:extLst>
+          </p:cNvPr>
+          <p:cNvSpPr>
+            <a:spLocks noGrp="1" noRot="1" noChangeAspect="1" noMove="1" noResize="1" noEditPoints="1" noAdjustHandles="1" noChangeArrowheads="1" noChangeShapeType="1" noTextEdit="1"/>
+          </p:cNvSpPr>
+          <p:nvPr>
+            <p:extLst>
+              <p:ext uri="{386F3935-93C4-4BCD-93E2-E3B085C9AB24}">
+                <p16:designElem xmlns:p16="http://schemas.microsoft.com/office/powerpoint/2015/main" val="1"/>
+              </p:ext>
+            </p:extLst>
+          </p:nvPr>
+        </p:nvSpPr>
+        <p:spPr>
+          <a:xfrm>
+            <a:off x="0" y="0"/>
+            <a:ext cx="12192000" cy="6858000"/>
+          </a:xfrm>
+          <a:prstGeom prst="rect">
+            <a:avLst/>
+          </a:prstGeom>
+          <a:solidFill>
+            <a:schemeClr val="bg1">
+              <a:lumMod val="75000"/>
+              <a:alpha val="60000"/>
+            </a:schemeClr>
+          </a:solidFill>
+          <a:ln>
+            <a:noFill/>
+          </a:ln>
+        </p:spPr>
+        <p:style>
+          <a:lnRef idx="2">
+            <a:schemeClr val="accent1">
+              <a:shade val="50000"/>
+            </a:schemeClr>
+          </a:lnRef>
+          <a:fillRef idx="1002">
+            <a:schemeClr val="lt2"/>
+          </a:fillRef>
+          <a:effectRef idx="0">
+            <a:schemeClr val="accent1"/>
+          </a:effectRef>
+          <a:fontRef idx="minor">
+            <a:schemeClr val="lt1"/>
+          </a:fontRef>
+        </p:style>
+        <p:txBody>
+          <a:bodyPr rtlCol="0" anchor="ctr"/>
+          <a:lstStyle/>
+          <a:p>
+            <a:pPr algn="ctr"/>
+            <a:endParaRPr lang="en-US"/>
+          </a:p>
+        </p:txBody>
+      </p:sp>
+      <p:sp>
+        <p:nvSpPr>
+          <p:cNvPr id="60" name="Rectangle 59">
+            <a:extLst>
+              <a:ext uri="{FF2B5EF4-FFF2-40B4-BE49-F238E27FC236}">
+                <a16:creationId xmlns:a16="http://schemas.microsoft.com/office/drawing/2014/main" id="{5A3A31F1-FA83-497F-98FF-9A5621DC5560}"/>
+              </a:ext>
+              <a:ext uri="{C183D7F6-B498-43B3-948B-1728B52AA6E4}">
+                <adec:decorative xmlns:adec="http://schemas.microsoft.com/office/drawing/2017/decorative" val="1"/>
+              </a:ext>
+            </a:extLst>
+          </p:cNvPr>
+          <p:cNvSpPr>
+            <a:spLocks noGrp="1" noRot="1" noChangeAspect="1" noMove="1" noResize="1" noEditPoints="1" noAdjustHandles="1" noChangeArrowheads="1" noChangeShapeType="1" noTextEdit="1"/>
+          </p:cNvSpPr>
+          <p:nvPr>
+            <p:extLst>
+              <p:ext uri="{386F3935-93C4-4BCD-93E2-E3B085C9AB24}">
+                <p16:designElem xmlns:p16="http://schemas.microsoft.com/office/powerpoint/2015/main" val="1"/>
+              </p:ext>
+            </p:extLst>
+          </p:nvPr>
+        </p:nvSpPr>
+        <p:spPr>
+          <a:xfrm>
+            <a:off x="-1867" y="0"/>
+            <a:ext cx="8168743" cy="6858000"/>
+          </a:xfrm>
+          <a:prstGeom prst="rect">
+            <a:avLst/>
+          </a:prstGeom>
+          <a:solidFill>
+            <a:srgbClr val="FFFFFF"/>
+          </a:solidFill>
+          <a:ln>
+            <a:noFill/>
+          </a:ln>
+        </p:spPr>
+        <p:style>
+          <a:lnRef idx="2">
+            <a:schemeClr val="accent1">
+              <a:shade val="50000"/>
+            </a:schemeClr>
+          </a:lnRef>
+          <a:fillRef idx="1">
+            <a:schemeClr val="accent1"/>
+          </a:fillRef>
+          <a:effectRef idx="0">
+            <a:schemeClr val="accent1"/>
+          </a:effectRef>
+          <a:fontRef idx="minor">
+            <a:schemeClr val="lt1"/>
+          </a:fontRef>
+        </p:style>
+        <p:txBody>
+          <a:bodyPr rtlCol="0" anchor="ctr"/>
+          <a:lstStyle/>
+          <a:p>
+            <a:pPr algn="ctr"/>
+            <a:endParaRPr lang="en-US"/>
+          </a:p>
+        </p:txBody>
+      </p:sp>
+      <p:pic>
+        <p:nvPicPr>
+          <p:cNvPr id="4" name="Picture 3">
+            <a:extLst>
+              <a:ext uri="{FF2B5EF4-FFF2-40B4-BE49-F238E27FC236}">
+                <a16:creationId xmlns:a16="http://schemas.microsoft.com/office/drawing/2014/main" id="{8204C514-896A-9D4C-A3A9-35B2356FCF36}"/>
+              </a:ext>
+            </a:extLst>
+          </p:cNvPr>
+          <p:cNvPicPr>
+            <a:picLocks noChangeAspect="1"/>
+          </p:cNvPicPr>
+          <p:nvPr/>
+        </p:nvPicPr>
+        <p:blipFill>
+          <a:blip r:embed="rId2"/>
+          <a:stretch>
+            <a:fillRect/>
+          </a:stretch>
+        </p:blipFill>
+        <p:spPr>
+          <a:xfrm>
+            <a:off x="2158872" y="645106"/>
+            <a:ext cx="3878026" cy="5559896"/>
+          </a:xfrm>
+          <a:prstGeom prst="rect">
+            <a:avLst/>
+          </a:prstGeom>
+        </p:spPr>
+      </p:pic>
+      <p:sp>
+        <p:nvSpPr>
+          <p:cNvPr id="62" name="Rectangle 61">
+            <a:extLst>
+              <a:ext uri="{FF2B5EF4-FFF2-40B4-BE49-F238E27FC236}">
+                <a16:creationId xmlns:a16="http://schemas.microsoft.com/office/drawing/2014/main" id="{343FF9E2-8F7E-4BCC-9A50-C41AD8A56DD9}"/>
+              </a:ext>
+              <a:ext uri="{C183D7F6-B498-43B3-948B-1728B52AA6E4}">
+                <adec:decorative xmlns:adec="http://schemas.microsoft.com/office/drawing/2017/decorative" val="1"/>
+              </a:ext>
+            </a:extLst>
+          </p:cNvPr>
+          <p:cNvSpPr>
+            <a:spLocks noGrp="1" noRot="1" noChangeAspect="1" noMove="1" noResize="1" noEditPoints="1" noAdjustHandles="1" noChangeArrowheads="1" noChangeShapeType="1" noTextEdit="1"/>
+          </p:cNvSpPr>
+          <p:nvPr>
+            <p:extLst>
+              <p:ext uri="{386F3935-93C4-4BCD-93E2-E3B085C9AB24}">
+                <p16:designElem xmlns:p16="http://schemas.microsoft.com/office/powerpoint/2015/main" val="1"/>
+              </p:ext>
+            </p:extLst>
+          </p:nvPr>
+        </p:nvSpPr>
+        <p:spPr>
+          <a:xfrm>
+            <a:off x="8331468" y="164592"/>
+            <a:ext cx="3708894" cy="6540176"/>
+          </a:xfrm>
+          <a:prstGeom prst="rect">
+            <a:avLst/>
+          </a:prstGeom>
+          <a:noFill/>
+          <a:ln w="6350">
+            <a:solidFill>
+              <a:schemeClr val="tx1">
+                <a:lumMod val="75000"/>
+                <a:lumOff val="25000"/>
+              </a:schemeClr>
+            </a:solidFill>
+          </a:ln>
+        </p:spPr>
+        <p:style>
+          <a:lnRef idx="2">
+            <a:schemeClr val="accent1">
+              <a:shade val="50000"/>
+            </a:schemeClr>
+          </a:lnRef>
+          <a:fillRef idx="1">
+            <a:schemeClr val="accent1"/>
+          </a:fillRef>
+          <a:effectRef idx="0">
+            <a:schemeClr val="accent1"/>
+          </a:effectRef>
+          <a:fontRef idx="minor">
+            <a:schemeClr val="lt1"/>
+          </a:fontRef>
+        </p:style>
+        <p:txBody>
+          <a:bodyPr rtlCol="0" anchor="ctr"/>
+          <a:lstStyle/>
+          <a:p>
+            <a:pPr algn="ctr"/>
+            <a:endParaRPr lang="en-US"/>
+          </a:p>
+        </p:txBody>
+      </p:sp>
+      <p:sp>
+        <p:nvSpPr>
+          <p:cNvPr id="2" name="Title 1">
+            <a:extLst>
+              <a:ext uri="{FF2B5EF4-FFF2-40B4-BE49-F238E27FC236}">
+                <a16:creationId xmlns:a16="http://schemas.microsoft.com/office/drawing/2014/main" id="{54466529-4B42-8F44-BD2A-D16F922F0276}"/>
+              </a:ext>
+            </a:extLst>
+          </p:cNvPr>
+          <p:cNvSpPr>
+            <a:spLocks noGrp="1"/>
+          </p:cNvSpPr>
+          <p:nvPr>
+            <p:ph type="title"/>
+          </p:nvPr>
+        </p:nvSpPr>
+        <p:spPr>
+          <a:xfrm>
+            <a:off x="8560024" y="1559768"/>
+            <a:ext cx="3238829" cy="3135379"/>
+          </a:xfrm>
+        </p:spPr>
+        <p:txBody>
+          <a:bodyPr vert="horz" lIns="91440" tIns="45720" rIns="91440" bIns="45720" rtlCol="0" anchor="ctr">
+            <a:normAutofit/>
+          </a:bodyPr>
+          <a:lstStyle/>
+          <a:p>
+            <a:pPr algn="ctr">
+              <a:lnSpc>
+                <a:spcPct val="83000"/>
+              </a:lnSpc>
+            </a:pPr>
+            <a:r>
+              <a:rPr lang="en-US" sz="3700" cap="all" spc="-100" dirty="0"/>
+              <a:t>We end up with something like this</a:t>
+            </a:r>
+          </a:p>
+        </p:txBody>
+      </p:sp>
+      <p:sp>
+        <p:nvSpPr>
+          <p:cNvPr id="64" name="Rectangle 63">
+            <a:extLst>
+              <a:ext uri="{FF2B5EF4-FFF2-40B4-BE49-F238E27FC236}">
+                <a16:creationId xmlns:a16="http://schemas.microsoft.com/office/drawing/2014/main" id="{47751BC8-250F-493B-BDF9-D45BA5991D8A}"/>
+              </a:ext>
+              <a:ext uri="{C183D7F6-B498-43B3-948B-1728B52AA6E4}">
+                <adec:decorative xmlns:adec="http://schemas.microsoft.com/office/drawing/2017/decorative" val="1"/>
+              </a:ext>
+            </a:extLst>
+          </p:cNvPr>
+          <p:cNvSpPr>
+            <a:spLocks noGrp="1" noRot="1" noChangeAspect="1" noMove="1" noResize="1" noEditPoints="1" noAdjustHandles="1" noChangeArrowheads="1" noChangeShapeType="1" noTextEdit="1"/>
+          </p:cNvSpPr>
+          <p:nvPr>
+            <p:extLst>
+              <p:ext uri="{386F3935-93C4-4BCD-93E2-E3B085C9AB24}">
+                <p16:designElem xmlns:p16="http://schemas.microsoft.com/office/powerpoint/2015/main" val="1"/>
+              </p:ext>
+            </p:extLst>
+          </p:nvPr>
+        </p:nvSpPr>
+        <p:spPr>
+          <a:xfrm>
+            <a:off x="9219318" y="0"/>
+            <a:ext cx="1920240" cy="731520"/>
+          </a:xfrm>
+          <a:prstGeom prst="rect">
+            <a:avLst/>
+          </a:prstGeom>
+          <a:solidFill>
+            <a:schemeClr val="accent1"/>
+          </a:solidFill>
+          <a:ln>
+            <a:noFill/>
+          </a:ln>
+        </p:spPr>
+        <p:style>
+          <a:lnRef idx="2">
+            <a:schemeClr val="accent1">
+              <a:shade val="50000"/>
+            </a:schemeClr>
+          </a:lnRef>
+          <a:fillRef idx="1">
+            <a:schemeClr val="accent1"/>
+          </a:fillRef>
+          <a:effectRef idx="0">
+            <a:schemeClr val="accent1"/>
+          </a:effectRef>
+          <a:fontRef idx="minor">
+            <a:schemeClr val="lt1"/>
+          </a:fontRef>
+        </p:style>
+      </p:sp>
+      <p:cxnSp>
+        <p:nvCxnSpPr>
+          <p:cNvPr id="66" name="Straight Connector 65">
+            <a:extLst>
+              <a:ext uri="{FF2B5EF4-FFF2-40B4-BE49-F238E27FC236}">
+                <a16:creationId xmlns:a16="http://schemas.microsoft.com/office/drawing/2014/main" id="{BF0F044C-8394-47CB-8E3D-FA56B0693961}"/>
+              </a:ext>
+              <a:ext uri="{C183D7F6-B498-43B3-948B-1728B52AA6E4}">
+                <adec:decorative xmlns:adec="http://schemas.microsoft.com/office/drawing/2017/decorative" val="1"/>
+              </a:ext>
+            </a:extLst>
+          </p:cNvPr>
+          <p:cNvCxnSpPr>
+            <a:cxnSpLocks noGrp="1" noRot="1" noChangeAspect="1" noMove="1" noResize="1" noEditPoints="1" noAdjustHandles="1" noChangeArrowheads="1" noChangeShapeType="1"/>
+          </p:cNvCxnSpPr>
+          <p:nvPr>
+            <p:extLst>
+              <p:ext uri="{386F3935-93C4-4BCD-93E2-E3B085C9AB24}">
+                <p16:designElem xmlns:p16="http://schemas.microsoft.com/office/powerpoint/2015/main" val="1"/>
+              </p:ext>
+            </p:extLst>
+          </p:nvPr>
+        </p:nvCxnSpPr>
+        <p:spPr>
+          <a:xfrm>
+            <a:off x="9333618" y="-1172"/>
+            <a:ext cx="0" cy="640080"/>
+          </a:xfrm>
+          <a:prstGeom prst="line">
+            <a:avLst/>
+          </a:prstGeom>
+          <a:solidFill>
+            <a:schemeClr val="tx1">
+              <a:lumMod val="85000"/>
+              <a:lumOff val="15000"/>
+            </a:schemeClr>
+          </a:solidFill>
+          <a:ln>
+            <a:solidFill>
+              <a:srgbClr val="FFFFFF"/>
+            </a:solidFill>
+            <a:miter lim="800000"/>
+          </a:ln>
+        </p:spPr>
+        <p:style>
+          <a:lnRef idx="1">
+            <a:schemeClr val="accent1"/>
+          </a:lnRef>
+          <a:fillRef idx="0">
+            <a:schemeClr val="accent1"/>
+          </a:fillRef>
+          <a:effectRef idx="0">
+            <a:schemeClr val="accent1"/>
+          </a:effectRef>
+          <a:fontRef idx="minor">
+            <a:schemeClr val="tx1"/>
+          </a:fontRef>
+        </p:style>
+      </p:cxnSp>
+      <p:cxnSp>
+        <p:nvCxnSpPr>
+          <p:cNvPr id="68" name="Straight Connector 67">
+            <a:extLst>
+              <a:ext uri="{FF2B5EF4-FFF2-40B4-BE49-F238E27FC236}">
+                <a16:creationId xmlns:a16="http://schemas.microsoft.com/office/drawing/2014/main" id="{6B2DCD75-B707-4C51-8ADC-813834C09A87}"/>
+              </a:ext>
+              <a:ext uri="{C183D7F6-B498-43B3-948B-1728B52AA6E4}">
+                <adec:decorative xmlns:adec="http://schemas.microsoft.com/office/drawing/2017/decorative" val="1"/>
+              </a:ext>
+            </a:extLst>
+          </p:cNvPr>
+          <p:cNvCxnSpPr>
+            <a:cxnSpLocks noGrp="1" noRot="1" noChangeAspect="1" noMove="1" noResize="1" noEditPoints="1" noAdjustHandles="1" noChangeArrowheads="1" noChangeShapeType="1"/>
+          </p:cNvCxnSpPr>
+          <p:nvPr>
+            <p:extLst>
+              <p:ext uri="{386F3935-93C4-4BCD-93E2-E3B085C9AB24}">
+                <p16:designElem xmlns:p16="http://schemas.microsoft.com/office/powerpoint/2015/main" val="1"/>
+              </p:ext>
+            </p:extLst>
+          </p:nvPr>
+        </p:nvCxnSpPr>
+        <p:spPr>
+          <a:xfrm>
+            <a:off x="11025258" y="-1172"/>
+            <a:ext cx="0" cy="640080"/>
+          </a:xfrm>
+          <a:prstGeom prst="line">
+            <a:avLst/>
+          </a:prstGeom>
+          <a:solidFill>
+            <a:schemeClr val="tx1">
+              <a:lumMod val="85000"/>
+              <a:lumOff val="15000"/>
+            </a:schemeClr>
+          </a:solidFill>
+          <a:ln>
+            <a:solidFill>
+              <a:srgbClr val="FFFFFF"/>
+            </a:solidFill>
+            <a:miter lim="800000"/>
+          </a:ln>
+        </p:spPr>
+        <p:style>
+          <a:lnRef idx="1">
+            <a:schemeClr val="accent1"/>
+          </a:lnRef>
+          <a:fillRef idx="0">
+            <a:schemeClr val="accent1"/>
+          </a:fillRef>
+          <a:effectRef idx="0">
+            <a:schemeClr val="accent1"/>
+          </a:effectRef>
+          <a:fontRef idx="minor">
+            <a:schemeClr val="tx1"/>
+          </a:fontRef>
+        </p:style>
+      </p:cxnSp>
+      <p:cxnSp>
+        <p:nvCxnSpPr>
+          <p:cNvPr id="70" name="Straight Connector 69">
+            <a:extLst>
+              <a:ext uri="{FF2B5EF4-FFF2-40B4-BE49-F238E27FC236}">
+                <a16:creationId xmlns:a16="http://schemas.microsoft.com/office/drawing/2014/main" id="{F4851414-8BB1-42EF-912B-608FCE07B247}"/>
+              </a:ext>
+              <a:ext uri="{C183D7F6-B498-43B3-948B-1728B52AA6E4}">
+                <adec:decorative xmlns:adec="http://schemas.microsoft.com/office/drawing/2017/decorative" val="1"/>
+              </a:ext>
+            </a:extLst>
+          </p:cNvPr>
+          <p:cNvCxnSpPr>
+            <a:cxnSpLocks noGrp="1" noRot="1" noChangeAspect="1" noMove="1" noResize="1" noEditPoints="1" noAdjustHandles="1" noChangeArrowheads="1" noChangeShapeType="1"/>
+          </p:cNvCxnSpPr>
+          <p:nvPr>
+            <p:extLst>
+              <p:ext uri="{386F3935-93C4-4BCD-93E2-E3B085C9AB24}">
+                <p16:designElem xmlns:p16="http://schemas.microsoft.com/office/powerpoint/2015/main" val="1"/>
+              </p:ext>
+            </p:extLst>
+          </p:nvPr>
+        </p:nvCxnSpPr>
+        <p:spPr>
+          <a:xfrm>
+            <a:off x="9333618" y="644123"/>
+            <a:ext cx="1691640" cy="0"/>
+          </a:xfrm>
+          <a:prstGeom prst="line">
+            <a:avLst/>
+          </a:prstGeom>
+          <a:solidFill>
+            <a:schemeClr val="tx1">
+              <a:lumMod val="85000"/>
+              <a:lumOff val="15000"/>
+            </a:schemeClr>
+          </a:solidFill>
+          <a:ln>
+            <a:solidFill>
+              <a:srgbClr val="FFFFFF"/>
+            </a:solidFill>
+            <a:miter lim="800000"/>
+          </a:ln>
+        </p:spPr>
+        <p:style>
+          <a:lnRef idx="1">
+            <a:schemeClr val="accent1"/>
+          </a:lnRef>
+          <a:fillRef idx="0">
+            <a:schemeClr val="accent1"/>
+          </a:fillRef>
+          <a:effectRef idx="0">
+            <a:schemeClr val="accent1"/>
+          </a:effectRef>
+          <a:fontRef idx="minor">
+            <a:schemeClr val="tx1"/>
+          </a:fontRef>
+        </p:style>
+      </p:cxnSp>
+    </p:spTree>
+    <p:extLst>
+      <p:ext uri="{BB962C8B-B14F-4D97-AF65-F5344CB8AC3E}">
+        <p14:creationId xmlns:p14="http://schemas.microsoft.com/office/powerpoint/2010/main" val="2569754911"/>
+      </p:ext>
+    </p:extLst>
+  </p:cSld>
+  <p:clrMapOvr>
+    <a:masterClrMapping/>
+  </p:clrMapOvr>
+</p:sld>
+</file>
+
+<file path=ppt/slides/slide6.xml><?xml version="1.0" encoding="utf-8"?>
+<p:sld xmlns:a="http://schemas.openxmlformats.org/drawingml/2006/main" xmlns:r="http://schemas.openxmlformats.org/officeDocument/2006/relationships" xmlns:p="http://schemas.openxmlformats.org/presentationml/2006/main">
+  <p:cSld>
+    <p:bg>
+      <p:bgPr>
+        <a:solidFill>
+          <a:schemeClr val="bg1"/>
+        </a:solidFill>
+        <a:effectLst/>
+      </p:bgPr>
+    </p:bg>
+    <p:spTree>
+      <p:nvGrpSpPr>
+        <p:cNvPr id="1" name=""/>
+        <p:cNvGrpSpPr/>
+        <p:nvPr/>
+      </p:nvGrpSpPr>
+      <p:grpSpPr>
+        <a:xfrm>
+          <a:off x="0" y="0"/>
+          <a:ext cx="0" cy="0"/>
+          <a:chOff x="0" y="0"/>
+          <a:chExt cx="0" cy="0"/>
+        </a:xfrm>
+      </p:grpSpPr>
+      <p:sp useBgFill="1">
+        <p:nvSpPr>
+          <p:cNvPr id="10" name="Rectangle 9">
+            <a:extLst>
+              <a:ext uri="{FF2B5EF4-FFF2-40B4-BE49-F238E27FC236}">
+                <a16:creationId xmlns:a16="http://schemas.microsoft.com/office/drawing/2014/main" id="{09D6CD28-D147-4DC0-A5FF-335351C7D0C9}"/>
+              </a:ext>
+              <a:ext uri="{C183D7F6-B498-43B3-948B-1728B52AA6E4}">
+                <adec:decorative xmlns:adec="http://schemas.microsoft.com/office/drawing/2017/decorative" val="1"/>
+              </a:ext>
+            </a:extLst>
+          </p:cNvPr>
+          <p:cNvSpPr>
+            <a:spLocks noGrp="1" noRot="1" noChangeAspect="1" noMove="1" noResize="1" noEditPoints="1" noAdjustHandles="1" noChangeArrowheads="1" noChangeShapeType="1" noTextEdit="1"/>
+          </p:cNvSpPr>
+          <p:nvPr>
+            <p:extLst>
+              <p:ext uri="{386F3935-93C4-4BCD-93E2-E3B085C9AB24}">
+                <p16:designElem xmlns:p16="http://schemas.microsoft.com/office/powerpoint/2015/main" val="1"/>
+              </p:ext>
+            </p:extLst>
+          </p:nvPr>
+        </p:nvSpPr>
+        <p:spPr>
+          <a:xfrm>
+            <a:off x="0" y="0"/>
+            <a:ext cx="12192000" cy="6858000"/>
+          </a:xfrm>
+          <a:prstGeom prst="rect">
+            <a:avLst/>
+          </a:prstGeom>
+          <a:ln>
+            <a:noFill/>
+          </a:ln>
+        </p:spPr>
+        <p:style>
+          <a:lnRef idx="2">
+            <a:schemeClr val="accent1">
+              <a:shade val="50000"/>
+            </a:schemeClr>
+          </a:lnRef>
+          <a:fillRef idx="1">
+            <a:schemeClr val="accent1"/>
+          </a:fillRef>
+          <a:effectRef idx="0">
+            <a:schemeClr val="accent1"/>
+          </a:effectRef>
+          <a:fontRef idx="minor">
+            <a:schemeClr val="lt1"/>
+          </a:fontRef>
+        </p:style>
+        <p:txBody>
+          <a:bodyPr rtlCol="0" anchor="ctr"/>
+          <a:lstStyle/>
+          <a:p>
+            <a:pPr algn="ctr"/>
+            <a:endParaRPr lang="en-US"/>
+          </a:p>
+        </p:txBody>
+      </p:sp>
+      <p:sp>
+        <p:nvSpPr>
+          <p:cNvPr id="12" name="Rectangle 11">
+            <a:extLst>
+              <a:ext uri="{FF2B5EF4-FFF2-40B4-BE49-F238E27FC236}">
+                <a16:creationId xmlns:a16="http://schemas.microsoft.com/office/drawing/2014/main" id="{47CDDF69-9963-4CB8-8441-2D6CA2C66673}"/>
+              </a:ext>
+              <a:ext uri="{C183D7F6-B498-43B3-948B-1728B52AA6E4}">
+                <adec:decorative xmlns:adec="http://schemas.microsoft.com/office/drawing/2017/decorative" val="1"/>
+              </a:ext>
+            </a:extLst>
+          </p:cNvPr>
+          <p:cNvSpPr>
+            <a:spLocks noGrp="1" noRot="1" noChangeAspect="1" noMove="1" noResize="1" noEditPoints="1" noAdjustHandles="1" noChangeArrowheads="1" noChangeShapeType="1" noTextEdit="1"/>
+          </p:cNvSpPr>
+          <p:nvPr>
+            <p:extLst>
+              <p:ext uri="{386F3935-93C4-4BCD-93E2-E3B085C9AB24}">
+                <p16:designElem xmlns:p16="http://schemas.microsoft.com/office/powerpoint/2015/main" val="1"/>
+              </p:ext>
+            </p:extLst>
+          </p:nvPr>
+        </p:nvSpPr>
+        <p:spPr>
+          <a:xfrm>
+            <a:off x="453190" y="457199"/>
+            <a:ext cx="11281609" cy="2146164"/>
+          </a:xfrm>
+          <a:prstGeom prst="rect">
+            <a:avLst/>
+          </a:prstGeom>
+          <a:solidFill>
+            <a:schemeClr val="tx1">
+              <a:lumMod val="75000"/>
+              <a:lumOff val="25000"/>
+            </a:schemeClr>
+          </a:solidFill>
+          <a:ln w="6350" cap="flat" cmpd="sng" algn="ctr">
+            <a:noFill/>
+            <a:prstDash val="solid"/>
+          </a:ln>
+          <a:effectLst>
+            <a:outerShdw blurRad="50800" algn="ctr" rotWithShape="0">
+              <a:prstClr val="black">
+                <a:alpha val="66000"/>
+              </a:prstClr>
+            </a:outerShdw>
+            <a:softEdge rad="0"/>
+          </a:effectLst>
+        </p:spPr>
+      </p:sp>
+      <p:sp>
+        <p:nvSpPr>
+          <p:cNvPr id="14" name="Rectangle 13">
+            <a:extLst>
+              <a:ext uri="{FF2B5EF4-FFF2-40B4-BE49-F238E27FC236}">
+                <a16:creationId xmlns:a16="http://schemas.microsoft.com/office/drawing/2014/main" id="{58B53A5F-63B3-4E86-93F7-275390D707F1}"/>
+              </a:ext>
+              <a:ext uri="{C183D7F6-B498-43B3-948B-1728B52AA6E4}">
+                <adec:decorative xmlns:adec="http://schemas.microsoft.com/office/drawing/2017/decorative" val="1"/>
+              </a:ext>
+            </a:extLst>
+          </p:cNvPr>
+          <p:cNvSpPr>
+            <a:spLocks noGrp="1" noRot="1" noChangeAspect="1" noMove="1" noResize="1" noEditPoints="1" noAdjustHandles="1" noChangeArrowheads="1" noChangeShapeType="1" noTextEdit="1"/>
+          </p:cNvSpPr>
+          <p:nvPr>
+            <p:extLst>
+              <p:ext uri="{386F3935-93C4-4BCD-93E2-E3B085C9AB24}">
+                <p16:designElem xmlns:p16="http://schemas.microsoft.com/office/powerpoint/2015/main" val="1"/>
+              </p:ext>
+            </p:extLst>
+          </p:nvPr>
+        </p:nvSpPr>
+        <p:spPr>
+          <a:xfrm>
+            <a:off x="616738" y="620453"/>
+            <a:ext cx="10954512" cy="1819656"/>
+          </a:xfrm>
+          <a:prstGeom prst="rect">
+            <a:avLst/>
+          </a:prstGeom>
+          <a:noFill/>
+          <a:ln w="6350" cap="sq" cmpd="sng" algn="ctr">
+            <a:solidFill>
+              <a:schemeClr val="bg1"/>
+            </a:solidFill>
+            <a:prstDash val="solid"/>
+            <a:miter lim="800000"/>
+          </a:ln>
+          <a:effectLst/>
+        </p:spPr>
+      </p:sp>
+      <p:sp>
+        <p:nvSpPr>
+          <p:cNvPr id="2" name="Title 1">
+            <a:extLst>
+              <a:ext uri="{FF2B5EF4-FFF2-40B4-BE49-F238E27FC236}">
+                <a16:creationId xmlns:a16="http://schemas.microsoft.com/office/drawing/2014/main" id="{31BB8085-1FFF-44DD-A144-D794D923CF00}"/>
+              </a:ext>
+            </a:extLst>
+          </p:cNvPr>
+          <p:cNvSpPr>
+            <a:spLocks noGrp="1"/>
+          </p:cNvSpPr>
+          <p:nvPr>
+            <p:ph type="title"/>
+          </p:nvPr>
+        </p:nvSpPr>
+        <p:spPr>
+          <a:xfrm>
+            <a:off x="1064794" y="844481"/>
             <a:ext cx="10058400" cy="1371600"/>
           </a:xfrm>
         </p:spPr>
@@ -7314,7 +10357,11 @@
           <a:p>
             <a:pPr algn="ctr"/>
             <a:r>
-              <a:rPr lang="en-US" dirty="0"/>
+              <a:rPr lang="en-US">
+                <a:solidFill>
+                  <a:schemeClr val="bg1"/>
+                </a:solidFill>
+              </a:rPr>
               <a:t>What is a Monad</a:t>
             </a:r>
           </a:p>
@@ -7336,14 +10383,14 @@
             <p:ph idx="1"/>
             <p:extLst>
               <p:ext uri="{D42A27DB-BD31-4B8C-83A1-F6EECF244321}">
-                <p14:modId xmlns:p14="http://schemas.microsoft.com/office/powerpoint/2010/main" val="1198220168"/>
+                <p14:modId xmlns:p14="http://schemas.microsoft.com/office/powerpoint/2010/main" val="384395909"/>
               </p:ext>
             </p:extLst>
           </p:nvPr>
         </p:nvGraphicFramePr>
         <p:xfrm>
-          <a:off x="1066800" y="2310063"/>
-          <a:ext cx="10058400" cy="3725612"/>
+          <a:off x="1473200" y="3060562"/>
+          <a:ext cx="9269012" cy="2908437"/>
         </p:xfrm>
         <a:graphic>
           <a:graphicData uri="http://schemas.openxmlformats.org/drawingml/2006/diagram">
@@ -7364,7 +10411,7 @@
 </p:sld>
 </file>
 
-<file path=ppt/slides/slide5.xml><?xml version="1.0" encoding="utf-8"?>
+<file path=ppt/slides/slide7.xml><?xml version="1.0" encoding="utf-8"?>
 <p:sld xmlns:a="http://schemas.openxmlformats.org/drawingml/2006/main" xmlns:r="http://schemas.openxmlformats.org/officeDocument/2006/relationships" xmlns:p="http://schemas.openxmlformats.org/presentationml/2006/main">
   <p:cSld>
     <p:spTree>
@@ -7813,24 +10860,6 @@
 </file>
 
 <file path=customXml/item1.xml><?xml version="1.0" encoding="utf-8"?>
-<?mso-contentType ?>
-<FormTemplates xmlns="http://schemas.microsoft.com/sharepoint/v3/contenttype/forms">
-  <Display>DocumentLibraryForm</Display>
-  <Edit>DocumentLibraryForm</Edit>
-  <New>DocumentLibraryForm</New>
-</FormTemplates>
-</file>
-
-<file path=customXml/item2.xml><?xml version="1.0" encoding="utf-8"?>
-<p:properties xmlns:p="http://schemas.microsoft.com/office/2006/metadata/properties" xmlns:xsi="http://www.w3.org/2001/XMLSchema-instance" xmlns:pc="http://schemas.microsoft.com/office/infopath/2007/PartnerControls">
-  <documentManagement>
-    <Status xmlns="71af3243-3dd4-4a8d-8c0d-dd76da1f02a5">Not started</Status>
-    <MediaServiceKeyPoints xmlns="71af3243-3dd4-4a8d-8c0d-dd76da1f02a5" xsi:nil="true"/>
-  </documentManagement>
-</p:properties>
-</file>
-
-<file path=customXml/item3.xml><?xml version="1.0" encoding="utf-8"?>
 <ct:contentTypeSchema xmlns:ct="http://schemas.microsoft.com/office/2006/metadata/contentType" xmlns:ma="http://schemas.microsoft.com/office/2006/metadata/properties/metaAttributes" ct:_="" ma:_="" ma:contentTypeName="Document" ma:contentTypeID="0x01010079F111ED35F8CC479449609E8A0923A6" ma:contentTypeVersion="12" ma:contentTypeDescription="Create a new document." ma:contentTypeScope="" ma:versionID="a410dd7f93c95333ffa1b60ed6adedd1">
   <xsd:schema xmlns:xsd="http://www.w3.org/2001/XMLSchema" xmlns:xs="http://www.w3.org/2001/XMLSchema" xmlns:p="http://schemas.microsoft.com/office/2006/metadata/properties" xmlns:ns2="71af3243-3dd4-4a8d-8c0d-dd76da1f02a5" xmlns:ns3="16c05727-aa75-4e4a-9b5f-8a80a1165891" targetNamespace="http://schemas.microsoft.com/office/2006/metadata/properties" ma:root="true" ma:fieldsID="a936d9baba76aa3866493feff160faab" ns2:_="" ns3:_="">
     <xsd:import namespace="71af3243-3dd4-4a8d-8c0d-dd76da1f02a5"/>
@@ -8051,25 +11080,25 @@
 </ct:contentTypeSchema>
 </file>
 
-<file path=customXml/itemProps1.xml><?xml version="1.0" encoding="utf-8"?>
-<ds:datastoreItem xmlns:ds="http://schemas.openxmlformats.org/officeDocument/2006/customXml" ds:itemID="{AE2713E1-6312-427E-BFCB-C5A5DA301373}">
-  <ds:schemaRefs>
-    <ds:schemaRef ds:uri="http://schemas.microsoft.com/sharepoint/v3/contenttype/forms"/>
-  </ds:schemaRefs>
-</ds:datastoreItem>
+<file path=customXml/item2.xml><?xml version="1.0" encoding="utf-8"?>
+<p:properties xmlns:p="http://schemas.microsoft.com/office/2006/metadata/properties" xmlns:xsi="http://www.w3.org/2001/XMLSchema-instance" xmlns:pc="http://schemas.microsoft.com/office/infopath/2007/PartnerControls">
+  <documentManagement>
+    <Status xmlns="71af3243-3dd4-4a8d-8c0d-dd76da1f02a5">Not started</Status>
+    <MediaServiceKeyPoints xmlns="71af3243-3dd4-4a8d-8c0d-dd76da1f02a5" xsi:nil="true"/>
+  </documentManagement>
+</p:properties>
 </file>
 
-<file path=customXml/itemProps2.xml><?xml version="1.0" encoding="utf-8"?>
-<ds:datastoreItem xmlns:ds="http://schemas.openxmlformats.org/officeDocument/2006/customXml" ds:itemID="{52F3B215-496E-4790-A364-7C1C46DEC771}">
-  <ds:schemaRefs>
-    <ds:schemaRef ds:uri="http://schemas.microsoft.com/office/2006/metadata/properties"/>
-    <ds:schemaRef ds:uri="http://schemas.microsoft.com/office/infopath/2007/PartnerControls"/>
-    <ds:schemaRef ds:uri="71af3243-3dd4-4a8d-8c0d-dd76da1f02a5"/>
-  </ds:schemaRefs>
-</ds:datastoreItem>
+<file path=customXml/item3.xml><?xml version="1.0" encoding="utf-8"?>
+<?mso-contentType ?>
+<FormTemplates xmlns="http://schemas.microsoft.com/sharepoint/v3/contenttype/forms">
+  <Display>DocumentLibraryForm</Display>
+  <Edit>DocumentLibraryForm</Edit>
+  <New>DocumentLibraryForm</New>
+</FormTemplates>
 </file>
 
-<file path=customXml/itemProps3.xml><?xml version="1.0" encoding="utf-8"?>
+<file path=customXml/itemProps1.xml><?xml version="1.0" encoding="utf-8"?>
 <ds:datastoreItem xmlns:ds="http://schemas.openxmlformats.org/officeDocument/2006/customXml" ds:itemID="{50DB95DD-0319-4EE5-8C5C-9CEDF75E024B}">
   <ds:schemaRefs>
     <ds:schemaRef ds:uri="http://schemas.microsoft.com/office/2006/metadata/contentType"/>
@@ -8086,4 +11115,22 @@
     <ds:schemaRef ds:uri="http://schemas.microsoft.com/internal/obd"/>
   </ds:schemaRefs>
 </ds:datastoreItem>
+</file>
+
+<file path=customXml/itemProps2.xml><?xml version="1.0" encoding="utf-8"?>
+<ds:datastoreItem xmlns:ds="http://schemas.openxmlformats.org/officeDocument/2006/customXml" ds:itemID="{52F3B215-496E-4790-A364-7C1C46DEC771}">
+  <ds:schemaRefs>
+    <ds:schemaRef ds:uri="http://schemas.microsoft.com/office/2006/metadata/properties"/>
+    <ds:schemaRef ds:uri="http://schemas.microsoft.com/office/infopath/2007/PartnerControls"/>
+    <ds:schemaRef ds:uri="71af3243-3dd4-4a8d-8c0d-dd76da1f02a5"/>
+  </ds:schemaRefs>
+</ds:datastoreItem>
+</file>
+
+<file path=customXml/itemProps3.xml><?xml version="1.0" encoding="utf-8"?>
+<ds:datastoreItem xmlns:ds="http://schemas.openxmlformats.org/officeDocument/2006/customXml" ds:itemID="{AE2713E1-6312-427E-BFCB-C5A5DA301373}">
+  <ds:schemaRefs>
+    <ds:schemaRef ds:uri="http://schemas.microsoft.com/sharepoint/v3/contenttype/forms"/>
+  </ds:schemaRefs>
+</ds:datastoreItem>
 </file>
--- a/presentation/monads.pptx
+++ b/presentation/monads.pptx
@@ -7,11 +7,13 @@
   <p:sldIdLst>
     <p:sldId id="292" r:id="rId5"/>
     <p:sldId id="311" r:id="rId6"/>
-    <p:sldId id="312" r:id="rId7"/>
-    <p:sldId id="313" r:id="rId8"/>
+    <p:sldId id="313" r:id="rId7"/>
+    <p:sldId id="312" r:id="rId8"/>
     <p:sldId id="314" r:id="rId9"/>
-    <p:sldId id="309" r:id="rId10"/>
-    <p:sldId id="310" r:id="rId11"/>
+    <p:sldId id="315" r:id="rId10"/>
+    <p:sldId id="316" r:id="rId11"/>
+    <p:sldId id="309" r:id="rId12"/>
+    <p:sldId id="310" r:id="rId13"/>
   </p:sldIdLst>
   <p:sldSz cx="12192000" cy="6858000"/>
   <p:notesSz cx="6858000" cy="9144000"/>
@@ -3599,7 +3601,7 @@
           <a:p>
             <a:fld id="{EA0C0817-A112-4847-8014-A94B7D2A4EA3}" type="datetime1">
               <a:rPr lang="en-US" smtClean="0"/>
-              <a:t>3/11/21</a:t>
+              <a:t>3/15/2021</a:t>
             </a:fld>
             <a:endParaRPr lang="en-US" dirty="0"/>
           </a:p>
@@ -3801,7 +3803,7 @@
           <a:p>
             <a:fld id="{7332B432-ACDA-4023-A761-2BAB76577B62}" type="datetime1">
               <a:rPr lang="en-US" smtClean="0"/>
-              <a:t>3/11/21</a:t>
+              <a:t>3/15/2021</a:t>
             </a:fld>
             <a:endParaRPr lang="en-US" dirty="0"/>
           </a:p>
@@ -4400,7 +4402,7 @@
           <a:p>
             <a:fld id="{D9C646AA-F36E-4540-911D-FFFC0A0EF24A}" type="datetime1">
               <a:rPr lang="en-US" smtClean="0"/>
-              <a:t>3/11/21</a:t>
+              <a:t>3/15/2021</a:t>
             </a:fld>
             <a:endParaRPr lang="en-US" dirty="0"/>
           </a:p>
@@ -4720,7 +4722,7 @@
           <a:p>
             <a:fld id="{69186D26-FA5F-4637-B602-B7C2DC34CFD4}" type="datetime1">
               <a:rPr lang="en-US" smtClean="0"/>
-              <a:t>3/11/21</a:t>
+              <a:t>3/15/2021</a:t>
             </a:fld>
             <a:endParaRPr lang="en-US" dirty="0"/>
           </a:p>
@@ -5157,7 +5159,7 @@
           <a:p>
             <a:fld id="{8A7F15D8-96D1-4781-BC50-CA8A088B2FE4}" type="datetime1">
               <a:rPr lang="en-US" smtClean="0"/>
-              <a:t>3/11/21</a:t>
+              <a:t>3/15/2021</a:t>
             </a:fld>
             <a:endParaRPr lang="en-US" dirty="0"/>
           </a:p>
@@ -5275,7 +5277,7 @@
           <a:p>
             <a:fld id="{F9A96C99-B8F8-4528-BD05-0E16E943DC09}" type="datetime1">
               <a:rPr lang="en-US" smtClean="0"/>
-              <a:t>3/11/21</a:t>
+              <a:t>3/15/2021</a:t>
             </a:fld>
             <a:endParaRPr lang="en-US" dirty="0"/>
           </a:p>
@@ -5370,7 +5372,7 @@
           <a:p>
             <a:fld id="{03636942-C211-4B28-8DBD-C953E00AF71B}" type="datetime1">
               <a:rPr lang="en-US" smtClean="0"/>
-              <a:t>3/11/21</a:t>
+              <a:t>3/15/2021</a:t>
             </a:fld>
             <a:endParaRPr lang="en-US" dirty="0"/>
           </a:p>
@@ -5787,7 +5789,7 @@
           <a:p>
             <a:fld id="{7E8D12A6-918A-48BD-8CB9-CA713993B0EA}" type="datetime1">
               <a:rPr lang="en-US" smtClean="0"/>
-              <a:t>3/11/21</a:t>
+              <a:t>3/15/2021</a:t>
             </a:fld>
             <a:endParaRPr lang="en-US" dirty="0"/>
           </a:p>
@@ -6049,7 +6051,7 @@
             <a:fld id="{E778CE86-875F-4587-BCF6-FA054AFC0D53}" type="datetime1">
               <a:rPr lang="en-US" smtClean="0"/>
               <a:pPr/>
-              <a:t>3/11/21</a:t>
+              <a:t>3/15/2021</a:t>
             </a:fld>
             <a:endParaRPr lang="en-US" dirty="0"/>
           </a:p>
@@ -6565,7 +6567,7 @@
           <a:p>
             <a:fld id="{F6FA2B21-3FCD-4721-B95C-427943F61125}" type="datetime1">
               <a:rPr lang="en-US" smtClean="0"/>
-              <a:t>3/11/21</a:t>
+              <a:t>3/15/2021</a:t>
             </a:fld>
             <a:endParaRPr lang="en-US" dirty="0"/>
           </a:p>
@@ -7376,6 +7378,1112 @@
       </p:grpSpPr>
       <p:sp>
         <p:nvSpPr>
+          <p:cNvPr id="9" name="Rectangle 8">
+            <a:extLst>
+              <a:ext uri="{FF2B5EF4-FFF2-40B4-BE49-F238E27FC236}">
+                <a16:creationId xmlns:a16="http://schemas.microsoft.com/office/drawing/2014/main" id="{904DB13E-F722-4ED6-BB00-556651E95281}"/>
+              </a:ext>
+              <a:ext uri="{C183D7F6-B498-43B3-948B-1728B52AA6E4}">
+                <adec:decorative xmlns:adec="http://schemas.microsoft.com/office/drawing/2017/decorative" val="1"/>
+              </a:ext>
+            </a:extLst>
+          </p:cNvPr>
+          <p:cNvSpPr>
+            <a:spLocks noGrp="1" noRot="1" noChangeAspect="1" noMove="1" noResize="1" noEditPoints="1" noAdjustHandles="1" noChangeArrowheads="1" noChangeShapeType="1" noTextEdit="1"/>
+          </p:cNvSpPr>
+          <p:nvPr>
+            <p:extLst>
+              <p:ext uri="{386F3935-93C4-4BCD-93E2-E3B085C9AB24}">
+                <p16:designElem xmlns:p16="http://schemas.microsoft.com/office/powerpoint/2015/main" val="1"/>
+              </p:ext>
+            </p:extLst>
+          </p:nvPr>
+        </p:nvSpPr>
+        <p:spPr>
+          <a:xfrm>
+            <a:off x="0" y="0"/>
+            <a:ext cx="12192000" cy="6858000"/>
+          </a:xfrm>
+          <a:prstGeom prst="rect">
+            <a:avLst/>
+          </a:prstGeom>
+          <a:solidFill>
+            <a:schemeClr val="tx1">
+              <a:lumMod val="65000"/>
+              <a:lumOff val="35000"/>
+            </a:schemeClr>
+          </a:solidFill>
+          <a:ln>
+            <a:noFill/>
+          </a:ln>
+        </p:spPr>
+        <p:style>
+          <a:lnRef idx="2">
+            <a:schemeClr val="accent1">
+              <a:shade val="50000"/>
+            </a:schemeClr>
+          </a:lnRef>
+          <a:fillRef idx="1">
+            <a:schemeClr val="accent1"/>
+          </a:fillRef>
+          <a:effectRef idx="0">
+            <a:schemeClr val="accent1"/>
+          </a:effectRef>
+          <a:fontRef idx="minor">
+            <a:schemeClr val="lt1"/>
+          </a:fontRef>
+        </p:style>
+        <p:txBody>
+          <a:bodyPr rtlCol="0" anchor="ctr"/>
+          <a:lstStyle/>
+          <a:p>
+            <a:pPr algn="ctr"/>
+            <a:endParaRPr lang="en-US"/>
+          </a:p>
+        </p:txBody>
+      </p:sp>
+      <p:sp useBgFill="1">
+        <p:nvSpPr>
+          <p:cNvPr id="11" name="Rectangle 10">
+            <a:extLst>
+              <a:ext uri="{FF2B5EF4-FFF2-40B4-BE49-F238E27FC236}">
+                <a16:creationId xmlns:a16="http://schemas.microsoft.com/office/drawing/2014/main" id="{1E8D93C5-28EB-42D0-86CE-D804955653CC}"/>
+              </a:ext>
+              <a:ext uri="{C183D7F6-B498-43B3-948B-1728B52AA6E4}">
+                <adec:decorative xmlns:adec="http://schemas.microsoft.com/office/drawing/2017/decorative" val="1"/>
+              </a:ext>
+            </a:extLst>
+          </p:cNvPr>
+          <p:cNvSpPr>
+            <a:spLocks noGrp="1" noRot="1" noChangeAspect="1" noMove="1" noResize="1" noEditPoints="1" noAdjustHandles="1" noChangeArrowheads="1" noChangeShapeType="1" noTextEdit="1"/>
+          </p:cNvSpPr>
+          <p:nvPr>
+            <p:extLst>
+              <p:ext uri="{386F3935-93C4-4BCD-93E2-E3B085C9AB24}">
+                <p16:designElem xmlns:p16="http://schemas.microsoft.com/office/powerpoint/2015/main" val="1"/>
+              </p:ext>
+            </p:extLst>
+          </p:nvPr>
+        </p:nvSpPr>
+        <p:spPr>
+          <a:xfrm>
+            <a:off x="1307870" y="1267730"/>
+            <a:ext cx="9576262" cy="4307950"/>
+          </a:xfrm>
+          <a:prstGeom prst="rect">
+            <a:avLst/>
+          </a:prstGeom>
+          <a:ln w="6350" cap="flat" cmpd="sng" algn="ctr">
+            <a:noFill/>
+            <a:prstDash val="solid"/>
+          </a:ln>
+          <a:effectLst>
+            <a:outerShdw blurRad="50800" algn="ctr" rotWithShape="0">
+              <a:prstClr val="black">
+                <a:alpha val="66000"/>
+              </a:prstClr>
+            </a:outerShdw>
+            <a:softEdge rad="0"/>
+          </a:effectLst>
+        </p:spPr>
+      </p:sp>
+      <p:sp>
+        <p:nvSpPr>
+          <p:cNvPr id="13" name="Rectangle 12">
+            <a:extLst>
+              <a:ext uri="{FF2B5EF4-FFF2-40B4-BE49-F238E27FC236}">
+                <a16:creationId xmlns:a16="http://schemas.microsoft.com/office/drawing/2014/main" id="{AB1B1E7D-F76D-4744-AF85-239E6998A4C5}"/>
+              </a:ext>
+              <a:ext uri="{C183D7F6-B498-43B3-948B-1728B52AA6E4}">
+                <adec:decorative xmlns:adec="http://schemas.microsoft.com/office/drawing/2017/decorative" val="1"/>
+              </a:ext>
+            </a:extLst>
+          </p:cNvPr>
+          <p:cNvSpPr>
+            <a:spLocks noGrp="1" noRot="1" noChangeAspect="1" noMove="1" noResize="1" noEditPoints="1" noAdjustHandles="1" noChangeArrowheads="1" noChangeShapeType="1" noTextEdit="1"/>
+          </p:cNvSpPr>
+          <p:nvPr>
+            <p:extLst>
+              <p:ext uri="{386F3935-93C4-4BCD-93E2-E3B085C9AB24}">
+                <p16:designElem xmlns:p16="http://schemas.microsoft.com/office/powerpoint/2015/main" val="1"/>
+              </p:ext>
+            </p:extLst>
+          </p:nvPr>
+        </p:nvSpPr>
+        <p:spPr>
+          <a:xfrm>
+            <a:off x="1447801" y="1411615"/>
+            <a:ext cx="9296400" cy="4034770"/>
+          </a:xfrm>
+          <a:prstGeom prst="rect">
+            <a:avLst/>
+          </a:prstGeom>
+          <a:noFill/>
+          <a:ln w="6350" cap="sq" cmpd="sng" algn="ctr">
+            <a:solidFill>
+              <a:schemeClr val="tx1">
+                <a:lumMod val="75000"/>
+                <a:lumOff val="25000"/>
+              </a:schemeClr>
+            </a:solidFill>
+            <a:prstDash val="solid"/>
+            <a:miter lim="800000"/>
+          </a:ln>
+          <a:effectLst/>
+        </p:spPr>
+      </p:sp>
+      <p:sp>
+        <p:nvSpPr>
+          <p:cNvPr id="15" name="Rectangle 14">
+            <a:extLst>
+              <a:ext uri="{FF2B5EF4-FFF2-40B4-BE49-F238E27FC236}">
+                <a16:creationId xmlns:a16="http://schemas.microsoft.com/office/drawing/2014/main" id="{3BB65211-00DB-45B6-A223-033B2D19CBE8}"/>
+              </a:ext>
+              <a:ext uri="{C183D7F6-B498-43B3-948B-1728B52AA6E4}">
+                <adec:decorative xmlns:adec="http://schemas.microsoft.com/office/drawing/2017/decorative" val="1"/>
+              </a:ext>
+            </a:extLst>
+          </p:cNvPr>
+          <p:cNvSpPr>
+            <a:spLocks noGrp="1" noRot="1" noChangeAspect="1" noMove="1" noResize="1" noEditPoints="1" noAdjustHandles="1" noChangeArrowheads="1" noChangeShapeType="1" noTextEdit="1"/>
+          </p:cNvSpPr>
+          <p:nvPr>
+            <p:extLst>
+              <p:ext uri="{386F3935-93C4-4BCD-93E2-E3B085C9AB24}">
+                <p16:designElem xmlns:p16="http://schemas.microsoft.com/office/powerpoint/2015/main" val="1"/>
+              </p:ext>
+            </p:extLst>
+          </p:nvPr>
+        </p:nvSpPr>
+        <p:spPr>
+          <a:xfrm>
+            <a:off x="5135880" y="1267730"/>
+            <a:ext cx="1920240" cy="731520"/>
+          </a:xfrm>
+          <a:prstGeom prst="rect">
+            <a:avLst/>
+          </a:prstGeom>
+          <a:solidFill>
+            <a:schemeClr val="accent1"/>
+          </a:solidFill>
+          <a:ln>
+            <a:noFill/>
+          </a:ln>
+        </p:spPr>
+        <p:style>
+          <a:lnRef idx="2">
+            <a:schemeClr val="accent1">
+              <a:shade val="50000"/>
+            </a:schemeClr>
+          </a:lnRef>
+          <a:fillRef idx="1">
+            <a:schemeClr val="accent1"/>
+          </a:fillRef>
+          <a:effectRef idx="0">
+            <a:schemeClr val="accent1"/>
+          </a:effectRef>
+          <a:fontRef idx="minor">
+            <a:schemeClr val="lt1"/>
+          </a:fontRef>
+        </p:style>
+      </p:sp>
+      <p:grpSp>
+        <p:nvGrpSpPr>
+          <p:cNvPr id="17" name="Group 16">
+            <a:extLst>
+              <a:ext uri="{FF2B5EF4-FFF2-40B4-BE49-F238E27FC236}">
+                <a16:creationId xmlns:a16="http://schemas.microsoft.com/office/drawing/2014/main" id="{E26428D7-C6F3-473D-A360-A3F5C3E8728C}"/>
+              </a:ext>
+              <a:ext uri="{C183D7F6-B498-43B3-948B-1728B52AA6E4}">
+                <adec:decorative xmlns:adec="http://schemas.microsoft.com/office/drawing/2017/decorative" val="1"/>
+              </a:ext>
+            </a:extLst>
+          </p:cNvPr>
+          <p:cNvGrpSpPr>
+            <a:grpSpLocks noGrp="1" noUngrp="1" noRot="1" noChangeAspect="1" noMove="1" noResize="1"/>
+          </p:cNvGrpSpPr>
+          <p:nvPr>
+            <p:extLst>
+              <p:ext uri="{386F3935-93C4-4BCD-93E2-E3B085C9AB24}">
+                <p16:designElem xmlns:p16="http://schemas.microsoft.com/office/powerpoint/2015/main" val="1"/>
+              </p:ext>
+            </p:extLst>
+          </p:nvPr>
+        </p:nvGrpSpPr>
+        <p:grpSpPr>
+          <a:xfrm>
+            <a:off x="5250180" y="1267730"/>
+            <a:ext cx="1691640" cy="615934"/>
+            <a:chOff x="5250180" y="1267730"/>
+            <a:chExt cx="1691640" cy="615934"/>
+          </a:xfrm>
+        </p:grpSpPr>
+        <p:cxnSp>
+          <p:nvCxnSpPr>
+            <p:cNvPr id="18" name="Straight Connector 17">
+              <a:extLst>
+                <a:ext uri="{FF2B5EF4-FFF2-40B4-BE49-F238E27FC236}">
+                  <a16:creationId xmlns:a16="http://schemas.microsoft.com/office/drawing/2014/main" id="{14DF524F-3FEF-4236-90C6-820E876A94EE}"/>
+                </a:ext>
+                <a:ext uri="{C183D7F6-B498-43B3-948B-1728B52AA6E4}">
+                  <adec:decorative xmlns:adec="http://schemas.microsoft.com/office/drawing/2017/decorative" val="1"/>
+                </a:ext>
+              </a:extLst>
+            </p:cNvPr>
+            <p:cNvCxnSpPr/>
+            <p:nvPr>
+              <p:extLst>
+                <p:ext uri="{386F3935-93C4-4BCD-93E2-E3B085C9AB24}">
+                  <p16:designElem xmlns:p16="http://schemas.microsoft.com/office/powerpoint/2015/main" val="1"/>
+                </p:ext>
+              </p:extLst>
+            </p:nvPr>
+          </p:nvCxnSpPr>
+          <p:spPr>
+            <a:xfrm>
+              <a:off x="5250180" y="1267730"/>
+              <a:ext cx="0" cy="612648"/>
+            </a:xfrm>
+            <a:prstGeom prst="line">
+              <a:avLst/>
+            </a:prstGeom>
+            <a:solidFill>
+              <a:schemeClr val="tx1">
+                <a:lumMod val="85000"/>
+                <a:lumOff val="15000"/>
+              </a:schemeClr>
+            </a:solidFill>
+            <a:ln>
+              <a:solidFill>
+                <a:srgbClr val="FFFFFF"/>
+              </a:solidFill>
+              <a:miter lim="800000"/>
+            </a:ln>
+          </p:spPr>
+          <p:style>
+            <a:lnRef idx="1">
+              <a:schemeClr val="accent1"/>
+            </a:lnRef>
+            <a:fillRef idx="0">
+              <a:schemeClr val="accent1"/>
+            </a:fillRef>
+            <a:effectRef idx="0">
+              <a:schemeClr val="accent1"/>
+            </a:effectRef>
+            <a:fontRef idx="minor">
+              <a:schemeClr val="tx1"/>
+            </a:fontRef>
+          </p:style>
+        </p:cxnSp>
+        <p:cxnSp>
+          <p:nvCxnSpPr>
+            <p:cNvPr id="19" name="Straight Connector 18">
+              <a:extLst>
+                <a:ext uri="{FF2B5EF4-FFF2-40B4-BE49-F238E27FC236}">
+                  <a16:creationId xmlns:a16="http://schemas.microsoft.com/office/drawing/2014/main" id="{2400A003-1BE9-49C2-8E57-DCD9B870FC8A}"/>
+                </a:ext>
+                <a:ext uri="{C183D7F6-B498-43B3-948B-1728B52AA6E4}">
+                  <adec:decorative xmlns:adec="http://schemas.microsoft.com/office/drawing/2017/decorative" val="1"/>
+                </a:ext>
+              </a:extLst>
+            </p:cNvPr>
+            <p:cNvCxnSpPr/>
+            <p:nvPr>
+              <p:extLst>
+                <p:ext uri="{386F3935-93C4-4BCD-93E2-E3B085C9AB24}">
+                  <p16:designElem xmlns:p16="http://schemas.microsoft.com/office/powerpoint/2015/main" val="1"/>
+                </p:ext>
+              </p:extLst>
+            </p:nvPr>
+          </p:nvCxnSpPr>
+          <p:spPr>
+            <a:xfrm>
+              <a:off x="6941820" y="1267730"/>
+              <a:ext cx="0" cy="612648"/>
+            </a:xfrm>
+            <a:prstGeom prst="line">
+              <a:avLst/>
+            </a:prstGeom>
+            <a:solidFill>
+              <a:schemeClr val="tx1">
+                <a:lumMod val="85000"/>
+                <a:lumOff val="15000"/>
+              </a:schemeClr>
+            </a:solidFill>
+            <a:ln>
+              <a:solidFill>
+                <a:srgbClr val="FFFFFF"/>
+              </a:solidFill>
+              <a:miter lim="800000"/>
+            </a:ln>
+          </p:spPr>
+          <p:style>
+            <a:lnRef idx="1">
+              <a:schemeClr val="accent1"/>
+            </a:lnRef>
+            <a:fillRef idx="0">
+              <a:schemeClr val="accent1"/>
+            </a:fillRef>
+            <a:effectRef idx="0">
+              <a:schemeClr val="accent1"/>
+            </a:effectRef>
+            <a:fontRef idx="minor">
+              <a:schemeClr val="tx1"/>
+            </a:fontRef>
+          </p:style>
+        </p:cxnSp>
+        <p:cxnSp>
+          <p:nvCxnSpPr>
+            <p:cNvPr id="20" name="Straight Connector 19">
+              <a:extLst>
+                <a:ext uri="{FF2B5EF4-FFF2-40B4-BE49-F238E27FC236}">
+                  <a16:creationId xmlns:a16="http://schemas.microsoft.com/office/drawing/2014/main" id="{83BF0991-F9A1-4282-99DB-92D70239F6A9}"/>
+                </a:ext>
+                <a:ext uri="{C183D7F6-B498-43B3-948B-1728B52AA6E4}">
+                  <adec:decorative xmlns:adec="http://schemas.microsoft.com/office/drawing/2017/decorative" val="1"/>
+                </a:ext>
+              </a:extLst>
+            </p:cNvPr>
+            <p:cNvCxnSpPr/>
+            <p:nvPr>
+              <p:extLst>
+                <p:ext uri="{386F3935-93C4-4BCD-93E2-E3B085C9AB24}">
+                  <p16:designElem xmlns:p16="http://schemas.microsoft.com/office/powerpoint/2015/main" val="1"/>
+                </p:ext>
+              </p:extLst>
+            </p:nvPr>
+          </p:nvCxnSpPr>
+          <p:spPr>
+            <a:xfrm>
+              <a:off x="5250180" y="1883664"/>
+              <a:ext cx="1691640" cy="0"/>
+            </a:xfrm>
+            <a:prstGeom prst="line">
+              <a:avLst/>
+            </a:prstGeom>
+            <a:solidFill>
+              <a:schemeClr val="tx1">
+                <a:lumMod val="85000"/>
+                <a:lumOff val="15000"/>
+              </a:schemeClr>
+            </a:solidFill>
+            <a:ln>
+              <a:solidFill>
+                <a:srgbClr val="FFFFFF"/>
+              </a:solidFill>
+              <a:miter lim="800000"/>
+            </a:ln>
+          </p:spPr>
+          <p:style>
+            <a:lnRef idx="1">
+              <a:schemeClr val="accent1"/>
+            </a:lnRef>
+            <a:fillRef idx="0">
+              <a:schemeClr val="accent1"/>
+            </a:fillRef>
+            <a:effectRef idx="0">
+              <a:schemeClr val="accent1"/>
+            </a:effectRef>
+            <a:fontRef idx="minor">
+              <a:schemeClr val="tx1"/>
+            </a:fontRef>
+          </p:style>
+        </p:cxnSp>
+      </p:grpSp>
+      <p:sp>
+        <p:nvSpPr>
+          <p:cNvPr id="22" name="Rectangle 21">
+            <a:extLst>
+              <a:ext uri="{FF2B5EF4-FFF2-40B4-BE49-F238E27FC236}">
+                <a16:creationId xmlns:a16="http://schemas.microsoft.com/office/drawing/2014/main" id="{9891C27D-8C9D-415C-A639-23D76B7B1C1D}"/>
+              </a:ext>
+              <a:ext uri="{C183D7F6-B498-43B3-948B-1728B52AA6E4}">
+                <adec:decorative xmlns:adec="http://schemas.microsoft.com/office/drawing/2017/decorative" val="1"/>
+              </a:ext>
+            </a:extLst>
+          </p:cNvPr>
+          <p:cNvSpPr>
+            <a:spLocks noGrp="1" noRot="1" noChangeAspect="1" noMove="1" noResize="1" noEditPoints="1" noAdjustHandles="1" noChangeArrowheads="1" noChangeShapeType="1" noTextEdit="1"/>
+          </p:cNvSpPr>
+          <p:nvPr>
+            <p:extLst>
+              <p:ext uri="{386F3935-93C4-4BCD-93E2-E3B085C9AB24}">
+                <p16:designElem xmlns:p16="http://schemas.microsoft.com/office/powerpoint/2015/main" val="1"/>
+              </p:ext>
+            </p:extLst>
+          </p:nvPr>
+        </p:nvSpPr>
+        <p:spPr>
+          <a:xfrm>
+            <a:off x="0" y="0"/>
+            <a:ext cx="12192000" cy="6858000"/>
+          </a:xfrm>
+          <a:prstGeom prst="rect">
+            <a:avLst/>
+          </a:prstGeom>
+          <a:solidFill>
+            <a:schemeClr val="bg1"/>
+          </a:solidFill>
+          <a:ln>
+            <a:noFill/>
+          </a:ln>
+        </p:spPr>
+        <p:style>
+          <a:lnRef idx="2">
+            <a:schemeClr val="accent1">
+              <a:shade val="50000"/>
+            </a:schemeClr>
+          </a:lnRef>
+          <a:fillRef idx="1">
+            <a:schemeClr val="accent1"/>
+          </a:fillRef>
+          <a:effectRef idx="0">
+            <a:schemeClr val="accent1"/>
+          </a:effectRef>
+          <a:fontRef idx="minor">
+            <a:schemeClr val="lt1"/>
+          </a:fontRef>
+        </p:style>
+        <p:txBody>
+          <a:bodyPr rtlCol="0" anchor="ctr"/>
+          <a:lstStyle/>
+          <a:p>
+            <a:pPr algn="ctr"/>
+            <a:endParaRPr lang="en-US"/>
+          </a:p>
+        </p:txBody>
+      </p:sp>
+      <p:sp>
+        <p:nvSpPr>
+          <p:cNvPr id="24" name="Rectangle 23">
+            <a:extLst>
+              <a:ext uri="{FF2B5EF4-FFF2-40B4-BE49-F238E27FC236}">
+                <a16:creationId xmlns:a16="http://schemas.microsoft.com/office/drawing/2014/main" id="{E8F4C0D6-B7E0-42D0-A57F-6781017A2164}"/>
+              </a:ext>
+              <a:ext uri="{C183D7F6-B498-43B3-948B-1728B52AA6E4}">
+                <adec:decorative xmlns:adec="http://schemas.microsoft.com/office/drawing/2017/decorative" val="1"/>
+              </a:ext>
+            </a:extLst>
+          </p:cNvPr>
+          <p:cNvSpPr>
+            <a:spLocks noGrp="1" noRot="1" noChangeAspect="1" noMove="1" noResize="1" noEditPoints="1" noAdjustHandles="1" noChangeArrowheads="1" noChangeShapeType="1" noTextEdit="1"/>
+          </p:cNvSpPr>
+          <p:nvPr>
+            <p:extLst>
+              <p:ext uri="{386F3935-93C4-4BCD-93E2-E3B085C9AB24}">
+                <p16:designElem xmlns:p16="http://schemas.microsoft.com/office/powerpoint/2015/main" val="1"/>
+              </p:ext>
+            </p:extLst>
+          </p:nvPr>
+        </p:nvSpPr>
+        <p:spPr>
+          <a:xfrm>
+            <a:off x="0" y="0"/>
+            <a:ext cx="12192000" cy="6858000"/>
+          </a:xfrm>
+          <a:prstGeom prst="rect">
+            <a:avLst/>
+          </a:prstGeom>
+          <a:solidFill>
+            <a:schemeClr val="bg1">
+              <a:lumMod val="75000"/>
+              <a:lumOff val="25000"/>
+            </a:schemeClr>
+          </a:solidFill>
+          <a:ln>
+            <a:noFill/>
+          </a:ln>
+        </p:spPr>
+        <p:style>
+          <a:lnRef idx="2">
+            <a:schemeClr val="accent1">
+              <a:shade val="50000"/>
+            </a:schemeClr>
+          </a:lnRef>
+          <a:fillRef idx="1002">
+            <a:schemeClr val="lt2"/>
+          </a:fillRef>
+          <a:effectRef idx="0">
+            <a:schemeClr val="accent1"/>
+          </a:effectRef>
+          <a:fontRef idx="minor">
+            <a:schemeClr val="lt1"/>
+          </a:fontRef>
+        </p:style>
+        <p:txBody>
+          <a:bodyPr rtlCol="0" anchor="ctr"/>
+          <a:lstStyle/>
+          <a:p>
+            <a:pPr algn="ctr"/>
+            <a:endParaRPr lang="en-US" dirty="0"/>
+          </a:p>
+        </p:txBody>
+      </p:sp>
+      <p:sp>
+        <p:nvSpPr>
+          <p:cNvPr id="26" name="Rectangle 25">
+            <a:extLst>
+              <a:ext uri="{FF2B5EF4-FFF2-40B4-BE49-F238E27FC236}">
+                <a16:creationId xmlns:a16="http://schemas.microsoft.com/office/drawing/2014/main" id="{5B4D6D08-A7F1-4445-BA2E-E449562C04C1}"/>
+              </a:ext>
+              <a:ext uri="{C183D7F6-B498-43B3-948B-1728B52AA6E4}">
+                <adec:decorative xmlns:adec="http://schemas.microsoft.com/office/drawing/2017/decorative" val="1"/>
+              </a:ext>
+            </a:extLst>
+          </p:cNvPr>
+          <p:cNvSpPr>
+            <a:spLocks noGrp="1" noRot="1" noChangeAspect="1" noMove="1" noResize="1" noEditPoints="1" noAdjustHandles="1" noChangeArrowheads="1" noChangeShapeType="1" noTextEdit="1"/>
+          </p:cNvSpPr>
+          <p:nvPr>
+            <p:extLst>
+              <p:ext uri="{386F3935-93C4-4BCD-93E2-E3B085C9AB24}">
+                <p16:designElem xmlns:p16="http://schemas.microsoft.com/office/powerpoint/2015/main" val="1"/>
+              </p:ext>
+            </p:extLst>
+          </p:nvPr>
+        </p:nvSpPr>
+        <p:spPr>
+          <a:xfrm>
+            <a:off x="-1867" y="0"/>
+            <a:ext cx="8168743" cy="6858000"/>
+          </a:xfrm>
+          <a:prstGeom prst="rect">
+            <a:avLst/>
+          </a:prstGeom>
+          <a:solidFill>
+            <a:schemeClr val="tx1">
+              <a:lumMod val="85000"/>
+            </a:schemeClr>
+          </a:solidFill>
+          <a:ln>
+            <a:noFill/>
+          </a:ln>
+        </p:spPr>
+        <p:style>
+          <a:lnRef idx="2">
+            <a:schemeClr val="accent1">
+              <a:shade val="50000"/>
+            </a:schemeClr>
+          </a:lnRef>
+          <a:fillRef idx="1">
+            <a:schemeClr val="accent1"/>
+          </a:fillRef>
+          <a:effectRef idx="0">
+            <a:schemeClr val="accent1"/>
+          </a:effectRef>
+          <a:fontRef idx="minor">
+            <a:schemeClr val="lt1"/>
+          </a:fontRef>
+        </p:style>
+        <p:txBody>
+          <a:bodyPr rtlCol="0" anchor="ctr"/>
+          <a:lstStyle/>
+          <a:p>
+            <a:pPr algn="ctr"/>
+            <a:endParaRPr lang="en-US"/>
+          </a:p>
+        </p:txBody>
+      </p:sp>
+      <p:sp>
+        <p:nvSpPr>
+          <p:cNvPr id="28" name="Rectangle 27">
+            <a:extLst>
+              <a:ext uri="{FF2B5EF4-FFF2-40B4-BE49-F238E27FC236}">
+                <a16:creationId xmlns:a16="http://schemas.microsoft.com/office/drawing/2014/main" id="{3A7C1A41-D915-4D26-8D5E-C01B27160A80}"/>
+              </a:ext>
+              <a:ext uri="{C183D7F6-B498-43B3-948B-1728B52AA6E4}">
+                <adec:decorative xmlns:adec="http://schemas.microsoft.com/office/drawing/2017/decorative" val="1"/>
+              </a:ext>
+            </a:extLst>
+          </p:cNvPr>
+          <p:cNvSpPr>
+            <a:spLocks noGrp="1" noRot="1" noChangeAspect="1" noMove="1" noResize="1" noEditPoints="1" noAdjustHandles="1" noChangeArrowheads="1" noChangeShapeType="1" noTextEdit="1"/>
+          </p:cNvSpPr>
+          <p:nvPr>
+            <p:extLst>
+              <p:ext uri="{386F3935-93C4-4BCD-93E2-E3B085C9AB24}">
+                <p16:designElem xmlns:p16="http://schemas.microsoft.com/office/powerpoint/2015/main" val="1"/>
+              </p:ext>
+            </p:extLst>
+          </p:nvPr>
+        </p:nvSpPr>
+        <p:spPr>
+          <a:xfrm>
+            <a:off x="643337" y="643464"/>
+            <a:ext cx="6909241" cy="5571072"/>
+          </a:xfrm>
+          <a:prstGeom prst="rect">
+            <a:avLst/>
+          </a:prstGeom>
+          <a:solidFill>
+            <a:srgbClr val="FFFFFF"/>
+          </a:solidFill>
+          <a:ln w="6350" cap="flat" cmpd="sng" algn="ctr">
+            <a:noFill/>
+            <a:prstDash val="solid"/>
+          </a:ln>
+          <a:effectLst>
+            <a:outerShdw blurRad="50800" algn="ctr" rotWithShape="0">
+              <a:prstClr val="black">
+                <a:alpha val="66000"/>
+              </a:prstClr>
+            </a:outerShdw>
+            <a:softEdge rad="0"/>
+          </a:effectLst>
+        </p:spPr>
+      </p:sp>
+      <p:sp>
+        <p:nvSpPr>
+          <p:cNvPr id="30" name="Rectangle 29">
+            <a:extLst>
+              <a:ext uri="{FF2B5EF4-FFF2-40B4-BE49-F238E27FC236}">
+                <a16:creationId xmlns:a16="http://schemas.microsoft.com/office/drawing/2014/main" id="{A50B663E-F671-4504-99A8-4559554692B0}"/>
+              </a:ext>
+              <a:ext uri="{C183D7F6-B498-43B3-948B-1728B52AA6E4}">
+                <adec:decorative xmlns:adec="http://schemas.microsoft.com/office/drawing/2017/decorative" val="1"/>
+              </a:ext>
+            </a:extLst>
+          </p:cNvPr>
+          <p:cNvSpPr>
+            <a:spLocks noGrp="1" noRot="1" noChangeAspect="1" noMove="1" noResize="1" noEditPoints="1" noAdjustHandles="1" noChangeArrowheads="1" noChangeShapeType="1" noTextEdit="1"/>
+          </p:cNvSpPr>
+          <p:nvPr>
+            <p:extLst>
+              <p:ext uri="{386F3935-93C4-4BCD-93E2-E3B085C9AB24}">
+                <p16:designElem xmlns:p16="http://schemas.microsoft.com/office/powerpoint/2015/main" val="1"/>
+              </p:ext>
+            </p:extLst>
+          </p:nvPr>
+        </p:nvSpPr>
+        <p:spPr>
+          <a:xfrm>
+            <a:off x="811227" y="805446"/>
+            <a:ext cx="6570161" cy="5244497"/>
+          </a:xfrm>
+          <a:prstGeom prst="rect">
+            <a:avLst/>
+          </a:prstGeom>
+          <a:noFill/>
+          <a:ln w="6350" cap="sq" cmpd="sng" algn="ctr">
+            <a:solidFill>
+              <a:srgbClr val="404040"/>
+            </a:solidFill>
+            <a:prstDash val="solid"/>
+            <a:miter lim="800000"/>
+          </a:ln>
+          <a:effectLst/>
+        </p:spPr>
+      </p:sp>
+      <p:sp>
+        <p:nvSpPr>
+          <p:cNvPr id="32" name="Rectangle 31">
+            <a:extLst>
+              <a:ext uri="{FF2B5EF4-FFF2-40B4-BE49-F238E27FC236}">
+                <a16:creationId xmlns:a16="http://schemas.microsoft.com/office/drawing/2014/main" id="{2EF89585-ECD6-4B38-96B1-AD41A1BD4BE1}"/>
+              </a:ext>
+              <a:ext uri="{C183D7F6-B498-43B3-948B-1728B52AA6E4}">
+                <adec:decorative xmlns:adec="http://schemas.microsoft.com/office/drawing/2017/decorative" val="1"/>
+              </a:ext>
+            </a:extLst>
+          </p:cNvPr>
+          <p:cNvSpPr>
+            <a:spLocks noGrp="1" noRot="1" noChangeAspect="1" noMove="1" noResize="1" noEditPoints="1" noAdjustHandles="1" noChangeArrowheads="1" noChangeShapeType="1" noTextEdit="1"/>
+          </p:cNvSpPr>
+          <p:nvPr>
+            <p:extLst>
+              <p:ext uri="{386F3935-93C4-4BCD-93E2-E3B085C9AB24}">
+                <p16:designElem xmlns:p16="http://schemas.microsoft.com/office/powerpoint/2015/main" val="1"/>
+              </p:ext>
+            </p:extLst>
+          </p:nvPr>
+        </p:nvSpPr>
+        <p:spPr>
+          <a:xfrm>
+            <a:off x="3137837" y="640856"/>
+            <a:ext cx="1920240" cy="731520"/>
+          </a:xfrm>
+          <a:prstGeom prst="rect">
+            <a:avLst/>
+          </a:prstGeom>
+          <a:solidFill>
+            <a:schemeClr val="accent1"/>
+          </a:solidFill>
+          <a:ln>
+            <a:noFill/>
+          </a:ln>
+        </p:spPr>
+        <p:style>
+          <a:lnRef idx="2">
+            <a:schemeClr val="accent1">
+              <a:shade val="50000"/>
+            </a:schemeClr>
+          </a:lnRef>
+          <a:fillRef idx="1">
+            <a:schemeClr val="accent1"/>
+          </a:fillRef>
+          <a:effectRef idx="0">
+            <a:schemeClr val="accent1"/>
+          </a:effectRef>
+          <a:fontRef idx="minor">
+            <a:schemeClr val="lt1"/>
+          </a:fontRef>
+        </p:style>
+      </p:sp>
+      <p:cxnSp>
+        <p:nvCxnSpPr>
+          <p:cNvPr id="34" name="Straight Connector 33">
+            <a:extLst>
+              <a:ext uri="{FF2B5EF4-FFF2-40B4-BE49-F238E27FC236}">
+                <a16:creationId xmlns:a16="http://schemas.microsoft.com/office/drawing/2014/main" id="{1B6FCD50-3FE8-4AB2-B746-2CC0EA9D4074}"/>
+              </a:ext>
+              <a:ext uri="{C183D7F6-B498-43B3-948B-1728B52AA6E4}">
+                <adec:decorative xmlns:adec="http://schemas.microsoft.com/office/drawing/2017/decorative" val="1"/>
+              </a:ext>
+            </a:extLst>
+          </p:cNvPr>
+          <p:cNvCxnSpPr>
+            <a:cxnSpLocks noGrp="1" noRot="1" noChangeAspect="1" noMove="1" noResize="1" noEditPoints="1" noAdjustHandles="1" noChangeArrowheads="1" noChangeShapeType="1"/>
+          </p:cNvCxnSpPr>
+          <p:nvPr>
+            <p:extLst>
+              <p:ext uri="{386F3935-93C4-4BCD-93E2-E3B085C9AB24}">
+                <p16:designElem xmlns:p16="http://schemas.microsoft.com/office/powerpoint/2015/main" val="1"/>
+              </p:ext>
+            </p:extLst>
+          </p:nvPr>
+        </p:nvCxnSpPr>
+        <p:spPr>
+          <a:xfrm>
+            <a:off x="3252137" y="640855"/>
+            <a:ext cx="0" cy="640080"/>
+          </a:xfrm>
+          <a:prstGeom prst="line">
+            <a:avLst/>
+          </a:prstGeom>
+          <a:solidFill>
+            <a:schemeClr val="tx1">
+              <a:lumMod val="85000"/>
+              <a:lumOff val="15000"/>
+            </a:schemeClr>
+          </a:solidFill>
+          <a:ln>
+            <a:solidFill>
+              <a:srgbClr val="FFFFFF"/>
+            </a:solidFill>
+            <a:miter lim="800000"/>
+          </a:ln>
+        </p:spPr>
+        <p:style>
+          <a:lnRef idx="1">
+            <a:schemeClr val="accent1"/>
+          </a:lnRef>
+          <a:fillRef idx="0">
+            <a:schemeClr val="accent1"/>
+          </a:fillRef>
+          <a:effectRef idx="0">
+            <a:schemeClr val="accent1"/>
+          </a:effectRef>
+          <a:fontRef idx="minor">
+            <a:schemeClr val="tx1"/>
+          </a:fontRef>
+        </p:style>
+      </p:cxnSp>
+      <p:cxnSp>
+        <p:nvCxnSpPr>
+          <p:cNvPr id="36" name="Straight Connector 35">
+            <a:extLst>
+              <a:ext uri="{FF2B5EF4-FFF2-40B4-BE49-F238E27FC236}">
+                <a16:creationId xmlns:a16="http://schemas.microsoft.com/office/drawing/2014/main" id="{B3E90108-E441-4AF0-A059-613D076C7CDA}"/>
+              </a:ext>
+              <a:ext uri="{C183D7F6-B498-43B3-948B-1728B52AA6E4}">
+                <adec:decorative xmlns:adec="http://schemas.microsoft.com/office/drawing/2017/decorative" val="1"/>
+              </a:ext>
+            </a:extLst>
+          </p:cNvPr>
+          <p:cNvCxnSpPr>
+            <a:cxnSpLocks noGrp="1" noRot="1" noChangeAspect="1" noMove="1" noResize="1" noEditPoints="1" noAdjustHandles="1" noChangeArrowheads="1" noChangeShapeType="1"/>
+          </p:cNvCxnSpPr>
+          <p:nvPr>
+            <p:extLst>
+              <p:ext uri="{386F3935-93C4-4BCD-93E2-E3B085C9AB24}">
+                <p16:designElem xmlns:p16="http://schemas.microsoft.com/office/powerpoint/2015/main" val="1"/>
+              </p:ext>
+            </p:extLst>
+          </p:nvPr>
+        </p:nvCxnSpPr>
+        <p:spPr>
+          <a:xfrm>
+            <a:off x="4943777" y="640855"/>
+            <a:ext cx="0" cy="640080"/>
+          </a:xfrm>
+          <a:prstGeom prst="line">
+            <a:avLst/>
+          </a:prstGeom>
+          <a:solidFill>
+            <a:schemeClr val="tx1">
+              <a:lumMod val="85000"/>
+              <a:lumOff val="15000"/>
+            </a:schemeClr>
+          </a:solidFill>
+          <a:ln>
+            <a:solidFill>
+              <a:srgbClr val="FFFFFF"/>
+            </a:solidFill>
+            <a:miter lim="800000"/>
+          </a:ln>
+        </p:spPr>
+        <p:style>
+          <a:lnRef idx="1">
+            <a:schemeClr val="accent1"/>
+          </a:lnRef>
+          <a:fillRef idx="0">
+            <a:schemeClr val="accent1"/>
+          </a:fillRef>
+          <a:effectRef idx="0">
+            <a:schemeClr val="accent1"/>
+          </a:effectRef>
+          <a:fontRef idx="minor">
+            <a:schemeClr val="tx1"/>
+          </a:fontRef>
+        </p:style>
+      </p:cxnSp>
+      <p:cxnSp>
+        <p:nvCxnSpPr>
+          <p:cNvPr id="38" name="Straight Connector 37">
+            <a:extLst>
+              <a:ext uri="{FF2B5EF4-FFF2-40B4-BE49-F238E27FC236}">
+                <a16:creationId xmlns:a16="http://schemas.microsoft.com/office/drawing/2014/main" id="{0B422045-789A-442D-9E39-6FC4EC452C4C}"/>
+              </a:ext>
+              <a:ext uri="{C183D7F6-B498-43B3-948B-1728B52AA6E4}">
+                <adec:decorative xmlns:adec="http://schemas.microsoft.com/office/drawing/2017/decorative" val="1"/>
+              </a:ext>
+            </a:extLst>
+          </p:cNvPr>
+          <p:cNvCxnSpPr>
+            <a:cxnSpLocks noGrp="1" noRot="1" noChangeAspect="1" noMove="1" noResize="1" noEditPoints="1" noAdjustHandles="1" noChangeArrowheads="1" noChangeShapeType="1"/>
+          </p:cNvCxnSpPr>
+          <p:nvPr>
+            <p:extLst>
+              <p:ext uri="{386F3935-93C4-4BCD-93E2-E3B085C9AB24}">
+                <p16:designElem xmlns:p16="http://schemas.microsoft.com/office/powerpoint/2015/main" val="1"/>
+              </p:ext>
+            </p:extLst>
+          </p:nvPr>
+        </p:nvCxnSpPr>
+        <p:spPr>
+          <a:xfrm>
+            <a:off x="3252137" y="1286150"/>
+            <a:ext cx="1691640" cy="0"/>
+          </a:xfrm>
+          <a:prstGeom prst="line">
+            <a:avLst/>
+          </a:prstGeom>
+          <a:solidFill>
+            <a:schemeClr val="tx1">
+              <a:lumMod val="85000"/>
+              <a:lumOff val="15000"/>
+            </a:schemeClr>
+          </a:solidFill>
+          <a:ln>
+            <a:solidFill>
+              <a:srgbClr val="FFFFFF"/>
+            </a:solidFill>
+            <a:miter lim="800000"/>
+          </a:ln>
+        </p:spPr>
+        <p:style>
+          <a:lnRef idx="1">
+            <a:schemeClr val="accent1"/>
+          </a:lnRef>
+          <a:fillRef idx="0">
+            <a:schemeClr val="accent1"/>
+          </a:fillRef>
+          <a:effectRef idx="0">
+            <a:schemeClr val="accent1"/>
+          </a:effectRef>
+          <a:fontRef idx="minor">
+            <a:schemeClr val="tx1"/>
+          </a:fontRef>
+        </p:style>
+      </p:cxnSp>
+      <p:pic>
+        <p:nvPicPr>
+          <p:cNvPr id="4" name="Content Placeholder 3">
+            <a:extLst>
+              <a:ext uri="{FF2B5EF4-FFF2-40B4-BE49-F238E27FC236}">
+                <a16:creationId xmlns:a16="http://schemas.microsoft.com/office/drawing/2014/main" id="{8ACF3DD3-8F0C-2A42-AF2E-75D3948E00F0}"/>
+              </a:ext>
+            </a:extLst>
+          </p:cNvPr>
+          <p:cNvPicPr>
+            <a:picLocks noGrp="1" noChangeAspect="1"/>
+          </p:cNvPicPr>
+          <p:nvPr>
+            <p:ph idx="1"/>
+          </p:nvPr>
+        </p:nvPicPr>
+        <p:blipFill>
+          <a:blip r:embed="rId2"/>
+          <a:stretch>
+            <a:fillRect/>
+          </a:stretch>
+        </p:blipFill>
+        <p:spPr>
+          <a:xfrm>
+            <a:off x="1295859" y="1971370"/>
+            <a:ext cx="5600897" cy="3318530"/>
+          </a:xfrm>
+          <a:prstGeom prst="rect">
+            <a:avLst/>
+          </a:prstGeom>
+        </p:spPr>
+      </p:pic>
+      <p:sp>
+        <p:nvSpPr>
+          <p:cNvPr id="40" name="Rectangle 39">
+            <a:extLst>
+              <a:ext uri="{FF2B5EF4-FFF2-40B4-BE49-F238E27FC236}">
+                <a16:creationId xmlns:a16="http://schemas.microsoft.com/office/drawing/2014/main" id="{3F4C63FE-9526-4F8E-BCFD-954D2EF9475B}"/>
+              </a:ext>
+              <a:ext uri="{C183D7F6-B498-43B3-948B-1728B52AA6E4}">
+                <adec:decorative xmlns:adec="http://schemas.microsoft.com/office/drawing/2017/decorative" val="1"/>
+              </a:ext>
+            </a:extLst>
+          </p:cNvPr>
+          <p:cNvSpPr>
+            <a:spLocks noGrp="1" noRot="1" noChangeAspect="1" noMove="1" noResize="1" noEditPoints="1" noAdjustHandles="1" noChangeArrowheads="1" noChangeShapeType="1" noTextEdit="1"/>
+          </p:cNvSpPr>
+          <p:nvPr>
+            <p:extLst>
+              <p:ext uri="{386F3935-93C4-4BCD-93E2-E3B085C9AB24}">
+                <p16:designElem xmlns:p16="http://schemas.microsoft.com/office/powerpoint/2015/main" val="1"/>
+              </p:ext>
+            </p:extLst>
+          </p:nvPr>
+        </p:nvSpPr>
+        <p:spPr>
+          <a:xfrm>
+            <a:off x="8331468" y="164592"/>
+            <a:ext cx="3708894" cy="6540176"/>
+          </a:xfrm>
+          <a:prstGeom prst="rect">
+            <a:avLst/>
+          </a:prstGeom>
+          <a:noFill/>
+          <a:ln w="6350">
+            <a:solidFill>
+              <a:schemeClr val="tx1">
+                <a:lumMod val="75000"/>
+                <a:lumOff val="25000"/>
+              </a:schemeClr>
+            </a:solidFill>
+          </a:ln>
+        </p:spPr>
+        <p:style>
+          <a:lnRef idx="2">
+            <a:schemeClr val="accent1">
+              <a:shade val="50000"/>
+            </a:schemeClr>
+          </a:lnRef>
+          <a:fillRef idx="1">
+            <a:schemeClr val="accent1"/>
+          </a:fillRef>
+          <a:effectRef idx="0">
+            <a:schemeClr val="accent1"/>
+          </a:effectRef>
+          <a:fontRef idx="minor">
+            <a:schemeClr val="lt1"/>
+          </a:fontRef>
+        </p:style>
+        <p:txBody>
+          <a:bodyPr rtlCol="0" anchor="ctr"/>
+          <a:lstStyle/>
+          <a:p>
+            <a:pPr algn="ctr"/>
+            <a:endParaRPr lang="en-US"/>
+          </a:p>
+        </p:txBody>
+      </p:sp>
+      <p:sp>
+        <p:nvSpPr>
+          <p:cNvPr id="2" name="Title 1">
+            <a:extLst>
+              <a:ext uri="{FF2B5EF4-FFF2-40B4-BE49-F238E27FC236}">
+                <a16:creationId xmlns:a16="http://schemas.microsoft.com/office/drawing/2014/main" id="{92BA71F0-87C5-4431-946A-51318AECDDF6}"/>
+              </a:ext>
+            </a:extLst>
+          </p:cNvPr>
+          <p:cNvSpPr>
+            <a:spLocks noGrp="1"/>
+          </p:cNvSpPr>
+          <p:nvPr>
+            <p:ph type="title"/>
+          </p:nvPr>
+        </p:nvSpPr>
+        <p:spPr>
+          <a:xfrm>
+            <a:off x="8560024" y="1182454"/>
+            <a:ext cx="3238829" cy="3480794"/>
+          </a:xfrm>
+        </p:spPr>
+        <p:txBody>
+          <a:bodyPr vert="horz" lIns="91440" tIns="45720" rIns="91440" bIns="45720" rtlCol="0" anchor="ctr">
+            <a:normAutofit fontScale="90000"/>
+          </a:bodyPr>
+          <a:lstStyle/>
+          <a:p>
+            <a:pPr algn="ctr">
+              <a:lnSpc>
+                <a:spcPct val="83000"/>
+              </a:lnSpc>
+            </a:pPr>
+            <a:r>
+              <a:rPr lang="en-US" sz="4800" cap="all" spc="-100" dirty="0"/>
+              <a:t>How many times do we Write this?</a:t>
+            </a:r>
+          </a:p>
+        </p:txBody>
+      </p:sp>
+    </p:spTree>
+    <p:extLst>
+      <p:ext uri="{BB962C8B-B14F-4D97-AF65-F5344CB8AC3E}">
+        <p14:creationId xmlns:p14="http://schemas.microsoft.com/office/powerpoint/2010/main" val="2132252301"/>
+      </p:ext>
+    </p:extLst>
+  </p:cSld>
+  <p:clrMapOvr>
+    <a:overrideClrMapping bg1="dk1" tx1="lt1" bg2="dk2" tx2="lt2" accent1="accent1" accent2="accent2" accent3="accent3" accent4="accent4" accent5="accent5" accent6="accent6" hlink="hlink" folHlink="folHlink"/>
+  </p:clrMapOvr>
+</p:sld>
+</file>
+
+<file path=ppt/slides/slide4.xml><?xml version="1.0" encoding="utf-8"?>
+<p:sld xmlns:a="http://schemas.openxmlformats.org/drawingml/2006/main" xmlns:r="http://schemas.openxmlformats.org/officeDocument/2006/relationships" xmlns:p="http://schemas.openxmlformats.org/presentationml/2006/main">
+  <p:cSld>
+    <p:bg>
+      <p:bgPr>
+        <a:solidFill>
+          <a:schemeClr val="bg1"/>
+        </a:solidFill>
+        <a:effectLst/>
+      </p:bgPr>
+    </p:bg>
+    <p:spTree>
+      <p:nvGrpSpPr>
+        <p:cNvPr id="1" name=""/>
+        <p:cNvGrpSpPr/>
+        <p:nvPr/>
+      </p:nvGrpSpPr>
+      <p:grpSpPr>
+        <a:xfrm>
+          <a:off x="0" y="0"/>
+          <a:ext cx="0" cy="0"/>
+          <a:chOff x="0" y="0"/>
+          <a:chExt cx="0" cy="0"/>
+        </a:xfrm>
+      </p:grpSpPr>
+      <p:sp>
+        <p:nvSpPr>
           <p:cNvPr id="11" name="Rectangle 10">
             <a:extLst>
               <a:ext uri="{FF2B5EF4-FFF2-40B4-BE49-F238E27FC236}">
@@ -8031,1112 +9139,6 @@
 </p:sld>
 </file>
 
-<file path=ppt/slides/slide4.xml><?xml version="1.0" encoding="utf-8"?>
-<p:sld xmlns:a="http://schemas.openxmlformats.org/drawingml/2006/main" xmlns:r="http://schemas.openxmlformats.org/officeDocument/2006/relationships" xmlns:p="http://schemas.openxmlformats.org/presentationml/2006/main">
-  <p:cSld>
-    <p:bg>
-      <p:bgPr>
-        <a:solidFill>
-          <a:schemeClr val="bg1"/>
-        </a:solidFill>
-        <a:effectLst/>
-      </p:bgPr>
-    </p:bg>
-    <p:spTree>
-      <p:nvGrpSpPr>
-        <p:cNvPr id="1" name=""/>
-        <p:cNvGrpSpPr/>
-        <p:nvPr/>
-      </p:nvGrpSpPr>
-      <p:grpSpPr>
-        <a:xfrm>
-          <a:off x="0" y="0"/>
-          <a:ext cx="0" cy="0"/>
-          <a:chOff x="0" y="0"/>
-          <a:chExt cx="0" cy="0"/>
-        </a:xfrm>
-      </p:grpSpPr>
-      <p:sp>
-        <p:nvSpPr>
-          <p:cNvPr id="9" name="Rectangle 8">
-            <a:extLst>
-              <a:ext uri="{FF2B5EF4-FFF2-40B4-BE49-F238E27FC236}">
-                <a16:creationId xmlns:a16="http://schemas.microsoft.com/office/drawing/2014/main" id="{904DB13E-F722-4ED6-BB00-556651E95281}"/>
-              </a:ext>
-              <a:ext uri="{C183D7F6-B498-43B3-948B-1728B52AA6E4}">
-                <adec:decorative xmlns:adec="http://schemas.microsoft.com/office/drawing/2017/decorative" val="1"/>
-              </a:ext>
-            </a:extLst>
-          </p:cNvPr>
-          <p:cNvSpPr>
-            <a:spLocks noGrp="1" noRot="1" noChangeAspect="1" noMove="1" noResize="1" noEditPoints="1" noAdjustHandles="1" noChangeArrowheads="1" noChangeShapeType="1" noTextEdit="1"/>
-          </p:cNvSpPr>
-          <p:nvPr>
-            <p:extLst>
-              <p:ext uri="{386F3935-93C4-4BCD-93E2-E3B085C9AB24}">
-                <p16:designElem xmlns:p16="http://schemas.microsoft.com/office/powerpoint/2015/main" val="1"/>
-              </p:ext>
-            </p:extLst>
-          </p:nvPr>
-        </p:nvSpPr>
-        <p:spPr>
-          <a:xfrm>
-            <a:off x="0" y="0"/>
-            <a:ext cx="12192000" cy="6858000"/>
-          </a:xfrm>
-          <a:prstGeom prst="rect">
-            <a:avLst/>
-          </a:prstGeom>
-          <a:solidFill>
-            <a:schemeClr val="tx1">
-              <a:lumMod val="65000"/>
-              <a:lumOff val="35000"/>
-            </a:schemeClr>
-          </a:solidFill>
-          <a:ln>
-            <a:noFill/>
-          </a:ln>
-        </p:spPr>
-        <p:style>
-          <a:lnRef idx="2">
-            <a:schemeClr val="accent1">
-              <a:shade val="50000"/>
-            </a:schemeClr>
-          </a:lnRef>
-          <a:fillRef idx="1">
-            <a:schemeClr val="accent1"/>
-          </a:fillRef>
-          <a:effectRef idx="0">
-            <a:schemeClr val="accent1"/>
-          </a:effectRef>
-          <a:fontRef idx="minor">
-            <a:schemeClr val="lt1"/>
-          </a:fontRef>
-        </p:style>
-        <p:txBody>
-          <a:bodyPr rtlCol="0" anchor="ctr"/>
-          <a:lstStyle/>
-          <a:p>
-            <a:pPr algn="ctr"/>
-            <a:endParaRPr lang="en-US"/>
-          </a:p>
-        </p:txBody>
-      </p:sp>
-      <p:sp useBgFill="1">
-        <p:nvSpPr>
-          <p:cNvPr id="11" name="Rectangle 10">
-            <a:extLst>
-              <a:ext uri="{FF2B5EF4-FFF2-40B4-BE49-F238E27FC236}">
-                <a16:creationId xmlns:a16="http://schemas.microsoft.com/office/drawing/2014/main" id="{1E8D93C5-28EB-42D0-86CE-D804955653CC}"/>
-              </a:ext>
-              <a:ext uri="{C183D7F6-B498-43B3-948B-1728B52AA6E4}">
-                <adec:decorative xmlns:adec="http://schemas.microsoft.com/office/drawing/2017/decorative" val="1"/>
-              </a:ext>
-            </a:extLst>
-          </p:cNvPr>
-          <p:cNvSpPr>
-            <a:spLocks noGrp="1" noRot="1" noChangeAspect="1" noMove="1" noResize="1" noEditPoints="1" noAdjustHandles="1" noChangeArrowheads="1" noChangeShapeType="1" noTextEdit="1"/>
-          </p:cNvSpPr>
-          <p:nvPr>
-            <p:extLst>
-              <p:ext uri="{386F3935-93C4-4BCD-93E2-E3B085C9AB24}">
-                <p16:designElem xmlns:p16="http://schemas.microsoft.com/office/powerpoint/2015/main" val="1"/>
-              </p:ext>
-            </p:extLst>
-          </p:nvPr>
-        </p:nvSpPr>
-        <p:spPr>
-          <a:xfrm>
-            <a:off x="1307870" y="1267730"/>
-            <a:ext cx="9576262" cy="4307950"/>
-          </a:xfrm>
-          <a:prstGeom prst="rect">
-            <a:avLst/>
-          </a:prstGeom>
-          <a:ln w="6350" cap="flat" cmpd="sng" algn="ctr">
-            <a:noFill/>
-            <a:prstDash val="solid"/>
-          </a:ln>
-          <a:effectLst>
-            <a:outerShdw blurRad="50800" algn="ctr" rotWithShape="0">
-              <a:prstClr val="black">
-                <a:alpha val="66000"/>
-              </a:prstClr>
-            </a:outerShdw>
-            <a:softEdge rad="0"/>
-          </a:effectLst>
-        </p:spPr>
-      </p:sp>
-      <p:sp>
-        <p:nvSpPr>
-          <p:cNvPr id="13" name="Rectangle 12">
-            <a:extLst>
-              <a:ext uri="{FF2B5EF4-FFF2-40B4-BE49-F238E27FC236}">
-                <a16:creationId xmlns:a16="http://schemas.microsoft.com/office/drawing/2014/main" id="{AB1B1E7D-F76D-4744-AF85-239E6998A4C5}"/>
-              </a:ext>
-              <a:ext uri="{C183D7F6-B498-43B3-948B-1728B52AA6E4}">
-                <adec:decorative xmlns:adec="http://schemas.microsoft.com/office/drawing/2017/decorative" val="1"/>
-              </a:ext>
-            </a:extLst>
-          </p:cNvPr>
-          <p:cNvSpPr>
-            <a:spLocks noGrp="1" noRot="1" noChangeAspect="1" noMove="1" noResize="1" noEditPoints="1" noAdjustHandles="1" noChangeArrowheads="1" noChangeShapeType="1" noTextEdit="1"/>
-          </p:cNvSpPr>
-          <p:nvPr>
-            <p:extLst>
-              <p:ext uri="{386F3935-93C4-4BCD-93E2-E3B085C9AB24}">
-                <p16:designElem xmlns:p16="http://schemas.microsoft.com/office/powerpoint/2015/main" val="1"/>
-              </p:ext>
-            </p:extLst>
-          </p:nvPr>
-        </p:nvSpPr>
-        <p:spPr>
-          <a:xfrm>
-            <a:off x="1447801" y="1411615"/>
-            <a:ext cx="9296400" cy="4034770"/>
-          </a:xfrm>
-          <a:prstGeom prst="rect">
-            <a:avLst/>
-          </a:prstGeom>
-          <a:noFill/>
-          <a:ln w="6350" cap="sq" cmpd="sng" algn="ctr">
-            <a:solidFill>
-              <a:schemeClr val="tx1">
-                <a:lumMod val="75000"/>
-                <a:lumOff val="25000"/>
-              </a:schemeClr>
-            </a:solidFill>
-            <a:prstDash val="solid"/>
-            <a:miter lim="800000"/>
-          </a:ln>
-          <a:effectLst/>
-        </p:spPr>
-      </p:sp>
-      <p:sp>
-        <p:nvSpPr>
-          <p:cNvPr id="15" name="Rectangle 14">
-            <a:extLst>
-              <a:ext uri="{FF2B5EF4-FFF2-40B4-BE49-F238E27FC236}">
-                <a16:creationId xmlns:a16="http://schemas.microsoft.com/office/drawing/2014/main" id="{3BB65211-00DB-45B6-A223-033B2D19CBE8}"/>
-              </a:ext>
-              <a:ext uri="{C183D7F6-B498-43B3-948B-1728B52AA6E4}">
-                <adec:decorative xmlns:adec="http://schemas.microsoft.com/office/drawing/2017/decorative" val="1"/>
-              </a:ext>
-            </a:extLst>
-          </p:cNvPr>
-          <p:cNvSpPr>
-            <a:spLocks noGrp="1" noRot="1" noChangeAspect="1" noMove="1" noResize="1" noEditPoints="1" noAdjustHandles="1" noChangeArrowheads="1" noChangeShapeType="1" noTextEdit="1"/>
-          </p:cNvSpPr>
-          <p:nvPr>
-            <p:extLst>
-              <p:ext uri="{386F3935-93C4-4BCD-93E2-E3B085C9AB24}">
-                <p16:designElem xmlns:p16="http://schemas.microsoft.com/office/powerpoint/2015/main" val="1"/>
-              </p:ext>
-            </p:extLst>
-          </p:nvPr>
-        </p:nvSpPr>
-        <p:spPr>
-          <a:xfrm>
-            <a:off x="5135880" y="1267730"/>
-            <a:ext cx="1920240" cy="731520"/>
-          </a:xfrm>
-          <a:prstGeom prst="rect">
-            <a:avLst/>
-          </a:prstGeom>
-          <a:solidFill>
-            <a:schemeClr val="accent1"/>
-          </a:solidFill>
-          <a:ln>
-            <a:noFill/>
-          </a:ln>
-        </p:spPr>
-        <p:style>
-          <a:lnRef idx="2">
-            <a:schemeClr val="accent1">
-              <a:shade val="50000"/>
-            </a:schemeClr>
-          </a:lnRef>
-          <a:fillRef idx="1">
-            <a:schemeClr val="accent1"/>
-          </a:fillRef>
-          <a:effectRef idx="0">
-            <a:schemeClr val="accent1"/>
-          </a:effectRef>
-          <a:fontRef idx="minor">
-            <a:schemeClr val="lt1"/>
-          </a:fontRef>
-        </p:style>
-      </p:sp>
-      <p:grpSp>
-        <p:nvGrpSpPr>
-          <p:cNvPr id="17" name="Group 16">
-            <a:extLst>
-              <a:ext uri="{FF2B5EF4-FFF2-40B4-BE49-F238E27FC236}">
-                <a16:creationId xmlns:a16="http://schemas.microsoft.com/office/drawing/2014/main" id="{E26428D7-C6F3-473D-A360-A3F5C3E8728C}"/>
-              </a:ext>
-              <a:ext uri="{C183D7F6-B498-43B3-948B-1728B52AA6E4}">
-                <adec:decorative xmlns:adec="http://schemas.microsoft.com/office/drawing/2017/decorative" val="1"/>
-              </a:ext>
-            </a:extLst>
-          </p:cNvPr>
-          <p:cNvGrpSpPr>
-            <a:grpSpLocks noGrp="1" noUngrp="1" noRot="1" noChangeAspect="1" noMove="1" noResize="1"/>
-          </p:cNvGrpSpPr>
-          <p:nvPr>
-            <p:extLst>
-              <p:ext uri="{386F3935-93C4-4BCD-93E2-E3B085C9AB24}">
-                <p16:designElem xmlns:p16="http://schemas.microsoft.com/office/powerpoint/2015/main" val="1"/>
-              </p:ext>
-            </p:extLst>
-          </p:nvPr>
-        </p:nvGrpSpPr>
-        <p:grpSpPr>
-          <a:xfrm>
-            <a:off x="5250180" y="1267730"/>
-            <a:ext cx="1691640" cy="615934"/>
-            <a:chOff x="5250180" y="1267730"/>
-            <a:chExt cx="1691640" cy="615934"/>
-          </a:xfrm>
-        </p:grpSpPr>
-        <p:cxnSp>
-          <p:nvCxnSpPr>
-            <p:cNvPr id="18" name="Straight Connector 17">
-              <a:extLst>
-                <a:ext uri="{FF2B5EF4-FFF2-40B4-BE49-F238E27FC236}">
-                  <a16:creationId xmlns:a16="http://schemas.microsoft.com/office/drawing/2014/main" id="{14DF524F-3FEF-4236-90C6-820E876A94EE}"/>
-                </a:ext>
-                <a:ext uri="{C183D7F6-B498-43B3-948B-1728B52AA6E4}">
-                  <adec:decorative xmlns:adec="http://schemas.microsoft.com/office/drawing/2017/decorative" val="1"/>
-                </a:ext>
-              </a:extLst>
-            </p:cNvPr>
-            <p:cNvCxnSpPr/>
-            <p:nvPr>
-              <p:extLst>
-                <p:ext uri="{386F3935-93C4-4BCD-93E2-E3B085C9AB24}">
-                  <p16:designElem xmlns:p16="http://schemas.microsoft.com/office/powerpoint/2015/main" val="1"/>
-                </p:ext>
-              </p:extLst>
-            </p:nvPr>
-          </p:nvCxnSpPr>
-          <p:spPr>
-            <a:xfrm>
-              <a:off x="5250180" y="1267730"/>
-              <a:ext cx="0" cy="612648"/>
-            </a:xfrm>
-            <a:prstGeom prst="line">
-              <a:avLst/>
-            </a:prstGeom>
-            <a:solidFill>
-              <a:schemeClr val="tx1">
-                <a:lumMod val="85000"/>
-                <a:lumOff val="15000"/>
-              </a:schemeClr>
-            </a:solidFill>
-            <a:ln>
-              <a:solidFill>
-                <a:srgbClr val="FFFFFF"/>
-              </a:solidFill>
-              <a:miter lim="800000"/>
-            </a:ln>
-          </p:spPr>
-          <p:style>
-            <a:lnRef idx="1">
-              <a:schemeClr val="accent1"/>
-            </a:lnRef>
-            <a:fillRef idx="0">
-              <a:schemeClr val="accent1"/>
-            </a:fillRef>
-            <a:effectRef idx="0">
-              <a:schemeClr val="accent1"/>
-            </a:effectRef>
-            <a:fontRef idx="minor">
-              <a:schemeClr val="tx1"/>
-            </a:fontRef>
-          </p:style>
-        </p:cxnSp>
-        <p:cxnSp>
-          <p:nvCxnSpPr>
-            <p:cNvPr id="19" name="Straight Connector 18">
-              <a:extLst>
-                <a:ext uri="{FF2B5EF4-FFF2-40B4-BE49-F238E27FC236}">
-                  <a16:creationId xmlns:a16="http://schemas.microsoft.com/office/drawing/2014/main" id="{2400A003-1BE9-49C2-8E57-DCD9B870FC8A}"/>
-                </a:ext>
-                <a:ext uri="{C183D7F6-B498-43B3-948B-1728B52AA6E4}">
-                  <adec:decorative xmlns:adec="http://schemas.microsoft.com/office/drawing/2017/decorative" val="1"/>
-                </a:ext>
-              </a:extLst>
-            </p:cNvPr>
-            <p:cNvCxnSpPr/>
-            <p:nvPr>
-              <p:extLst>
-                <p:ext uri="{386F3935-93C4-4BCD-93E2-E3B085C9AB24}">
-                  <p16:designElem xmlns:p16="http://schemas.microsoft.com/office/powerpoint/2015/main" val="1"/>
-                </p:ext>
-              </p:extLst>
-            </p:nvPr>
-          </p:nvCxnSpPr>
-          <p:spPr>
-            <a:xfrm>
-              <a:off x="6941820" y="1267730"/>
-              <a:ext cx="0" cy="612648"/>
-            </a:xfrm>
-            <a:prstGeom prst="line">
-              <a:avLst/>
-            </a:prstGeom>
-            <a:solidFill>
-              <a:schemeClr val="tx1">
-                <a:lumMod val="85000"/>
-                <a:lumOff val="15000"/>
-              </a:schemeClr>
-            </a:solidFill>
-            <a:ln>
-              <a:solidFill>
-                <a:srgbClr val="FFFFFF"/>
-              </a:solidFill>
-              <a:miter lim="800000"/>
-            </a:ln>
-          </p:spPr>
-          <p:style>
-            <a:lnRef idx="1">
-              <a:schemeClr val="accent1"/>
-            </a:lnRef>
-            <a:fillRef idx="0">
-              <a:schemeClr val="accent1"/>
-            </a:fillRef>
-            <a:effectRef idx="0">
-              <a:schemeClr val="accent1"/>
-            </a:effectRef>
-            <a:fontRef idx="minor">
-              <a:schemeClr val="tx1"/>
-            </a:fontRef>
-          </p:style>
-        </p:cxnSp>
-        <p:cxnSp>
-          <p:nvCxnSpPr>
-            <p:cNvPr id="20" name="Straight Connector 19">
-              <a:extLst>
-                <a:ext uri="{FF2B5EF4-FFF2-40B4-BE49-F238E27FC236}">
-                  <a16:creationId xmlns:a16="http://schemas.microsoft.com/office/drawing/2014/main" id="{83BF0991-F9A1-4282-99DB-92D70239F6A9}"/>
-                </a:ext>
-                <a:ext uri="{C183D7F6-B498-43B3-948B-1728B52AA6E4}">
-                  <adec:decorative xmlns:adec="http://schemas.microsoft.com/office/drawing/2017/decorative" val="1"/>
-                </a:ext>
-              </a:extLst>
-            </p:cNvPr>
-            <p:cNvCxnSpPr/>
-            <p:nvPr>
-              <p:extLst>
-                <p:ext uri="{386F3935-93C4-4BCD-93E2-E3B085C9AB24}">
-                  <p16:designElem xmlns:p16="http://schemas.microsoft.com/office/powerpoint/2015/main" val="1"/>
-                </p:ext>
-              </p:extLst>
-            </p:nvPr>
-          </p:nvCxnSpPr>
-          <p:spPr>
-            <a:xfrm>
-              <a:off x="5250180" y="1883664"/>
-              <a:ext cx="1691640" cy="0"/>
-            </a:xfrm>
-            <a:prstGeom prst="line">
-              <a:avLst/>
-            </a:prstGeom>
-            <a:solidFill>
-              <a:schemeClr val="tx1">
-                <a:lumMod val="85000"/>
-                <a:lumOff val="15000"/>
-              </a:schemeClr>
-            </a:solidFill>
-            <a:ln>
-              <a:solidFill>
-                <a:srgbClr val="FFFFFF"/>
-              </a:solidFill>
-              <a:miter lim="800000"/>
-            </a:ln>
-          </p:spPr>
-          <p:style>
-            <a:lnRef idx="1">
-              <a:schemeClr val="accent1"/>
-            </a:lnRef>
-            <a:fillRef idx="0">
-              <a:schemeClr val="accent1"/>
-            </a:fillRef>
-            <a:effectRef idx="0">
-              <a:schemeClr val="accent1"/>
-            </a:effectRef>
-            <a:fontRef idx="minor">
-              <a:schemeClr val="tx1"/>
-            </a:fontRef>
-          </p:style>
-        </p:cxnSp>
-      </p:grpSp>
-      <p:sp>
-        <p:nvSpPr>
-          <p:cNvPr id="22" name="Rectangle 21">
-            <a:extLst>
-              <a:ext uri="{FF2B5EF4-FFF2-40B4-BE49-F238E27FC236}">
-                <a16:creationId xmlns:a16="http://schemas.microsoft.com/office/drawing/2014/main" id="{9891C27D-8C9D-415C-A639-23D76B7B1C1D}"/>
-              </a:ext>
-              <a:ext uri="{C183D7F6-B498-43B3-948B-1728B52AA6E4}">
-                <adec:decorative xmlns:adec="http://schemas.microsoft.com/office/drawing/2017/decorative" val="1"/>
-              </a:ext>
-            </a:extLst>
-          </p:cNvPr>
-          <p:cNvSpPr>
-            <a:spLocks noGrp="1" noRot="1" noChangeAspect="1" noMove="1" noResize="1" noEditPoints="1" noAdjustHandles="1" noChangeArrowheads="1" noChangeShapeType="1" noTextEdit="1"/>
-          </p:cNvSpPr>
-          <p:nvPr>
-            <p:extLst>
-              <p:ext uri="{386F3935-93C4-4BCD-93E2-E3B085C9AB24}">
-                <p16:designElem xmlns:p16="http://schemas.microsoft.com/office/powerpoint/2015/main" val="1"/>
-              </p:ext>
-            </p:extLst>
-          </p:nvPr>
-        </p:nvSpPr>
-        <p:spPr>
-          <a:xfrm>
-            <a:off x="0" y="0"/>
-            <a:ext cx="12192000" cy="6858000"/>
-          </a:xfrm>
-          <a:prstGeom prst="rect">
-            <a:avLst/>
-          </a:prstGeom>
-          <a:solidFill>
-            <a:schemeClr val="bg1"/>
-          </a:solidFill>
-          <a:ln>
-            <a:noFill/>
-          </a:ln>
-        </p:spPr>
-        <p:style>
-          <a:lnRef idx="2">
-            <a:schemeClr val="accent1">
-              <a:shade val="50000"/>
-            </a:schemeClr>
-          </a:lnRef>
-          <a:fillRef idx="1">
-            <a:schemeClr val="accent1"/>
-          </a:fillRef>
-          <a:effectRef idx="0">
-            <a:schemeClr val="accent1"/>
-          </a:effectRef>
-          <a:fontRef idx="minor">
-            <a:schemeClr val="lt1"/>
-          </a:fontRef>
-        </p:style>
-        <p:txBody>
-          <a:bodyPr rtlCol="0" anchor="ctr"/>
-          <a:lstStyle/>
-          <a:p>
-            <a:pPr algn="ctr"/>
-            <a:endParaRPr lang="en-US"/>
-          </a:p>
-        </p:txBody>
-      </p:sp>
-      <p:sp>
-        <p:nvSpPr>
-          <p:cNvPr id="24" name="Rectangle 23">
-            <a:extLst>
-              <a:ext uri="{FF2B5EF4-FFF2-40B4-BE49-F238E27FC236}">
-                <a16:creationId xmlns:a16="http://schemas.microsoft.com/office/drawing/2014/main" id="{E8F4C0D6-B7E0-42D0-A57F-6781017A2164}"/>
-              </a:ext>
-              <a:ext uri="{C183D7F6-B498-43B3-948B-1728B52AA6E4}">
-                <adec:decorative xmlns:adec="http://schemas.microsoft.com/office/drawing/2017/decorative" val="1"/>
-              </a:ext>
-            </a:extLst>
-          </p:cNvPr>
-          <p:cNvSpPr>
-            <a:spLocks noGrp="1" noRot="1" noChangeAspect="1" noMove="1" noResize="1" noEditPoints="1" noAdjustHandles="1" noChangeArrowheads="1" noChangeShapeType="1" noTextEdit="1"/>
-          </p:cNvSpPr>
-          <p:nvPr>
-            <p:extLst>
-              <p:ext uri="{386F3935-93C4-4BCD-93E2-E3B085C9AB24}">
-                <p16:designElem xmlns:p16="http://schemas.microsoft.com/office/powerpoint/2015/main" val="1"/>
-              </p:ext>
-            </p:extLst>
-          </p:nvPr>
-        </p:nvSpPr>
-        <p:spPr>
-          <a:xfrm>
-            <a:off x="0" y="0"/>
-            <a:ext cx="12192000" cy="6858000"/>
-          </a:xfrm>
-          <a:prstGeom prst="rect">
-            <a:avLst/>
-          </a:prstGeom>
-          <a:solidFill>
-            <a:schemeClr val="bg1">
-              <a:lumMod val="75000"/>
-              <a:lumOff val="25000"/>
-            </a:schemeClr>
-          </a:solidFill>
-          <a:ln>
-            <a:noFill/>
-          </a:ln>
-        </p:spPr>
-        <p:style>
-          <a:lnRef idx="2">
-            <a:schemeClr val="accent1">
-              <a:shade val="50000"/>
-            </a:schemeClr>
-          </a:lnRef>
-          <a:fillRef idx="1002">
-            <a:schemeClr val="lt2"/>
-          </a:fillRef>
-          <a:effectRef idx="0">
-            <a:schemeClr val="accent1"/>
-          </a:effectRef>
-          <a:fontRef idx="minor">
-            <a:schemeClr val="lt1"/>
-          </a:fontRef>
-        </p:style>
-        <p:txBody>
-          <a:bodyPr rtlCol="0" anchor="ctr"/>
-          <a:lstStyle/>
-          <a:p>
-            <a:pPr algn="ctr"/>
-            <a:endParaRPr lang="en-US" dirty="0"/>
-          </a:p>
-        </p:txBody>
-      </p:sp>
-      <p:sp>
-        <p:nvSpPr>
-          <p:cNvPr id="26" name="Rectangle 25">
-            <a:extLst>
-              <a:ext uri="{FF2B5EF4-FFF2-40B4-BE49-F238E27FC236}">
-                <a16:creationId xmlns:a16="http://schemas.microsoft.com/office/drawing/2014/main" id="{5B4D6D08-A7F1-4445-BA2E-E449562C04C1}"/>
-              </a:ext>
-              <a:ext uri="{C183D7F6-B498-43B3-948B-1728B52AA6E4}">
-                <adec:decorative xmlns:adec="http://schemas.microsoft.com/office/drawing/2017/decorative" val="1"/>
-              </a:ext>
-            </a:extLst>
-          </p:cNvPr>
-          <p:cNvSpPr>
-            <a:spLocks noGrp="1" noRot="1" noChangeAspect="1" noMove="1" noResize="1" noEditPoints="1" noAdjustHandles="1" noChangeArrowheads="1" noChangeShapeType="1" noTextEdit="1"/>
-          </p:cNvSpPr>
-          <p:nvPr>
-            <p:extLst>
-              <p:ext uri="{386F3935-93C4-4BCD-93E2-E3B085C9AB24}">
-                <p16:designElem xmlns:p16="http://schemas.microsoft.com/office/powerpoint/2015/main" val="1"/>
-              </p:ext>
-            </p:extLst>
-          </p:nvPr>
-        </p:nvSpPr>
-        <p:spPr>
-          <a:xfrm>
-            <a:off x="-1867" y="0"/>
-            <a:ext cx="8168743" cy="6858000"/>
-          </a:xfrm>
-          <a:prstGeom prst="rect">
-            <a:avLst/>
-          </a:prstGeom>
-          <a:solidFill>
-            <a:schemeClr val="tx1">
-              <a:lumMod val="85000"/>
-            </a:schemeClr>
-          </a:solidFill>
-          <a:ln>
-            <a:noFill/>
-          </a:ln>
-        </p:spPr>
-        <p:style>
-          <a:lnRef idx="2">
-            <a:schemeClr val="accent1">
-              <a:shade val="50000"/>
-            </a:schemeClr>
-          </a:lnRef>
-          <a:fillRef idx="1">
-            <a:schemeClr val="accent1"/>
-          </a:fillRef>
-          <a:effectRef idx="0">
-            <a:schemeClr val="accent1"/>
-          </a:effectRef>
-          <a:fontRef idx="minor">
-            <a:schemeClr val="lt1"/>
-          </a:fontRef>
-        </p:style>
-        <p:txBody>
-          <a:bodyPr rtlCol="0" anchor="ctr"/>
-          <a:lstStyle/>
-          <a:p>
-            <a:pPr algn="ctr"/>
-            <a:endParaRPr lang="en-US"/>
-          </a:p>
-        </p:txBody>
-      </p:sp>
-      <p:sp>
-        <p:nvSpPr>
-          <p:cNvPr id="28" name="Rectangle 27">
-            <a:extLst>
-              <a:ext uri="{FF2B5EF4-FFF2-40B4-BE49-F238E27FC236}">
-                <a16:creationId xmlns:a16="http://schemas.microsoft.com/office/drawing/2014/main" id="{3A7C1A41-D915-4D26-8D5E-C01B27160A80}"/>
-              </a:ext>
-              <a:ext uri="{C183D7F6-B498-43B3-948B-1728B52AA6E4}">
-                <adec:decorative xmlns:adec="http://schemas.microsoft.com/office/drawing/2017/decorative" val="1"/>
-              </a:ext>
-            </a:extLst>
-          </p:cNvPr>
-          <p:cNvSpPr>
-            <a:spLocks noGrp="1" noRot="1" noChangeAspect="1" noMove="1" noResize="1" noEditPoints="1" noAdjustHandles="1" noChangeArrowheads="1" noChangeShapeType="1" noTextEdit="1"/>
-          </p:cNvSpPr>
-          <p:nvPr>
-            <p:extLst>
-              <p:ext uri="{386F3935-93C4-4BCD-93E2-E3B085C9AB24}">
-                <p16:designElem xmlns:p16="http://schemas.microsoft.com/office/powerpoint/2015/main" val="1"/>
-              </p:ext>
-            </p:extLst>
-          </p:nvPr>
-        </p:nvSpPr>
-        <p:spPr>
-          <a:xfrm>
-            <a:off x="643337" y="643464"/>
-            <a:ext cx="6909241" cy="5571072"/>
-          </a:xfrm>
-          <a:prstGeom prst="rect">
-            <a:avLst/>
-          </a:prstGeom>
-          <a:solidFill>
-            <a:srgbClr val="FFFFFF"/>
-          </a:solidFill>
-          <a:ln w="6350" cap="flat" cmpd="sng" algn="ctr">
-            <a:noFill/>
-            <a:prstDash val="solid"/>
-          </a:ln>
-          <a:effectLst>
-            <a:outerShdw blurRad="50800" algn="ctr" rotWithShape="0">
-              <a:prstClr val="black">
-                <a:alpha val="66000"/>
-              </a:prstClr>
-            </a:outerShdw>
-            <a:softEdge rad="0"/>
-          </a:effectLst>
-        </p:spPr>
-      </p:sp>
-      <p:sp>
-        <p:nvSpPr>
-          <p:cNvPr id="30" name="Rectangle 29">
-            <a:extLst>
-              <a:ext uri="{FF2B5EF4-FFF2-40B4-BE49-F238E27FC236}">
-                <a16:creationId xmlns:a16="http://schemas.microsoft.com/office/drawing/2014/main" id="{A50B663E-F671-4504-99A8-4559554692B0}"/>
-              </a:ext>
-              <a:ext uri="{C183D7F6-B498-43B3-948B-1728B52AA6E4}">
-                <adec:decorative xmlns:adec="http://schemas.microsoft.com/office/drawing/2017/decorative" val="1"/>
-              </a:ext>
-            </a:extLst>
-          </p:cNvPr>
-          <p:cNvSpPr>
-            <a:spLocks noGrp="1" noRot="1" noChangeAspect="1" noMove="1" noResize="1" noEditPoints="1" noAdjustHandles="1" noChangeArrowheads="1" noChangeShapeType="1" noTextEdit="1"/>
-          </p:cNvSpPr>
-          <p:nvPr>
-            <p:extLst>
-              <p:ext uri="{386F3935-93C4-4BCD-93E2-E3B085C9AB24}">
-                <p16:designElem xmlns:p16="http://schemas.microsoft.com/office/powerpoint/2015/main" val="1"/>
-              </p:ext>
-            </p:extLst>
-          </p:nvPr>
-        </p:nvSpPr>
-        <p:spPr>
-          <a:xfrm>
-            <a:off x="811227" y="805446"/>
-            <a:ext cx="6570161" cy="5244497"/>
-          </a:xfrm>
-          <a:prstGeom prst="rect">
-            <a:avLst/>
-          </a:prstGeom>
-          <a:noFill/>
-          <a:ln w="6350" cap="sq" cmpd="sng" algn="ctr">
-            <a:solidFill>
-              <a:srgbClr val="404040"/>
-            </a:solidFill>
-            <a:prstDash val="solid"/>
-            <a:miter lim="800000"/>
-          </a:ln>
-          <a:effectLst/>
-        </p:spPr>
-      </p:sp>
-      <p:sp>
-        <p:nvSpPr>
-          <p:cNvPr id="32" name="Rectangle 31">
-            <a:extLst>
-              <a:ext uri="{FF2B5EF4-FFF2-40B4-BE49-F238E27FC236}">
-                <a16:creationId xmlns:a16="http://schemas.microsoft.com/office/drawing/2014/main" id="{2EF89585-ECD6-4B38-96B1-AD41A1BD4BE1}"/>
-              </a:ext>
-              <a:ext uri="{C183D7F6-B498-43B3-948B-1728B52AA6E4}">
-                <adec:decorative xmlns:adec="http://schemas.microsoft.com/office/drawing/2017/decorative" val="1"/>
-              </a:ext>
-            </a:extLst>
-          </p:cNvPr>
-          <p:cNvSpPr>
-            <a:spLocks noGrp="1" noRot="1" noChangeAspect="1" noMove="1" noResize="1" noEditPoints="1" noAdjustHandles="1" noChangeArrowheads="1" noChangeShapeType="1" noTextEdit="1"/>
-          </p:cNvSpPr>
-          <p:nvPr>
-            <p:extLst>
-              <p:ext uri="{386F3935-93C4-4BCD-93E2-E3B085C9AB24}">
-                <p16:designElem xmlns:p16="http://schemas.microsoft.com/office/powerpoint/2015/main" val="1"/>
-              </p:ext>
-            </p:extLst>
-          </p:nvPr>
-        </p:nvSpPr>
-        <p:spPr>
-          <a:xfrm>
-            <a:off x="3137837" y="640856"/>
-            <a:ext cx="1920240" cy="731520"/>
-          </a:xfrm>
-          <a:prstGeom prst="rect">
-            <a:avLst/>
-          </a:prstGeom>
-          <a:solidFill>
-            <a:schemeClr val="accent1"/>
-          </a:solidFill>
-          <a:ln>
-            <a:noFill/>
-          </a:ln>
-        </p:spPr>
-        <p:style>
-          <a:lnRef idx="2">
-            <a:schemeClr val="accent1">
-              <a:shade val="50000"/>
-            </a:schemeClr>
-          </a:lnRef>
-          <a:fillRef idx="1">
-            <a:schemeClr val="accent1"/>
-          </a:fillRef>
-          <a:effectRef idx="0">
-            <a:schemeClr val="accent1"/>
-          </a:effectRef>
-          <a:fontRef idx="minor">
-            <a:schemeClr val="lt1"/>
-          </a:fontRef>
-        </p:style>
-      </p:sp>
-      <p:cxnSp>
-        <p:nvCxnSpPr>
-          <p:cNvPr id="34" name="Straight Connector 33">
-            <a:extLst>
-              <a:ext uri="{FF2B5EF4-FFF2-40B4-BE49-F238E27FC236}">
-                <a16:creationId xmlns:a16="http://schemas.microsoft.com/office/drawing/2014/main" id="{1B6FCD50-3FE8-4AB2-B746-2CC0EA9D4074}"/>
-              </a:ext>
-              <a:ext uri="{C183D7F6-B498-43B3-948B-1728B52AA6E4}">
-                <adec:decorative xmlns:adec="http://schemas.microsoft.com/office/drawing/2017/decorative" val="1"/>
-              </a:ext>
-            </a:extLst>
-          </p:cNvPr>
-          <p:cNvCxnSpPr>
-            <a:cxnSpLocks noGrp="1" noRot="1" noChangeAspect="1" noMove="1" noResize="1" noEditPoints="1" noAdjustHandles="1" noChangeArrowheads="1" noChangeShapeType="1"/>
-          </p:cNvCxnSpPr>
-          <p:nvPr>
-            <p:extLst>
-              <p:ext uri="{386F3935-93C4-4BCD-93E2-E3B085C9AB24}">
-                <p16:designElem xmlns:p16="http://schemas.microsoft.com/office/powerpoint/2015/main" val="1"/>
-              </p:ext>
-            </p:extLst>
-          </p:nvPr>
-        </p:nvCxnSpPr>
-        <p:spPr>
-          <a:xfrm>
-            <a:off x="3252137" y="640855"/>
-            <a:ext cx="0" cy="640080"/>
-          </a:xfrm>
-          <a:prstGeom prst="line">
-            <a:avLst/>
-          </a:prstGeom>
-          <a:solidFill>
-            <a:schemeClr val="tx1">
-              <a:lumMod val="85000"/>
-              <a:lumOff val="15000"/>
-            </a:schemeClr>
-          </a:solidFill>
-          <a:ln>
-            <a:solidFill>
-              <a:srgbClr val="FFFFFF"/>
-            </a:solidFill>
-            <a:miter lim="800000"/>
-          </a:ln>
-        </p:spPr>
-        <p:style>
-          <a:lnRef idx="1">
-            <a:schemeClr val="accent1"/>
-          </a:lnRef>
-          <a:fillRef idx="0">
-            <a:schemeClr val="accent1"/>
-          </a:fillRef>
-          <a:effectRef idx="0">
-            <a:schemeClr val="accent1"/>
-          </a:effectRef>
-          <a:fontRef idx="minor">
-            <a:schemeClr val="tx1"/>
-          </a:fontRef>
-        </p:style>
-      </p:cxnSp>
-      <p:cxnSp>
-        <p:nvCxnSpPr>
-          <p:cNvPr id="36" name="Straight Connector 35">
-            <a:extLst>
-              <a:ext uri="{FF2B5EF4-FFF2-40B4-BE49-F238E27FC236}">
-                <a16:creationId xmlns:a16="http://schemas.microsoft.com/office/drawing/2014/main" id="{B3E90108-E441-4AF0-A059-613D076C7CDA}"/>
-              </a:ext>
-              <a:ext uri="{C183D7F6-B498-43B3-948B-1728B52AA6E4}">
-                <adec:decorative xmlns:adec="http://schemas.microsoft.com/office/drawing/2017/decorative" val="1"/>
-              </a:ext>
-            </a:extLst>
-          </p:cNvPr>
-          <p:cNvCxnSpPr>
-            <a:cxnSpLocks noGrp="1" noRot="1" noChangeAspect="1" noMove="1" noResize="1" noEditPoints="1" noAdjustHandles="1" noChangeArrowheads="1" noChangeShapeType="1"/>
-          </p:cNvCxnSpPr>
-          <p:nvPr>
-            <p:extLst>
-              <p:ext uri="{386F3935-93C4-4BCD-93E2-E3B085C9AB24}">
-                <p16:designElem xmlns:p16="http://schemas.microsoft.com/office/powerpoint/2015/main" val="1"/>
-              </p:ext>
-            </p:extLst>
-          </p:nvPr>
-        </p:nvCxnSpPr>
-        <p:spPr>
-          <a:xfrm>
-            <a:off x="4943777" y="640855"/>
-            <a:ext cx="0" cy="640080"/>
-          </a:xfrm>
-          <a:prstGeom prst="line">
-            <a:avLst/>
-          </a:prstGeom>
-          <a:solidFill>
-            <a:schemeClr val="tx1">
-              <a:lumMod val="85000"/>
-              <a:lumOff val="15000"/>
-            </a:schemeClr>
-          </a:solidFill>
-          <a:ln>
-            <a:solidFill>
-              <a:srgbClr val="FFFFFF"/>
-            </a:solidFill>
-            <a:miter lim="800000"/>
-          </a:ln>
-        </p:spPr>
-        <p:style>
-          <a:lnRef idx="1">
-            <a:schemeClr val="accent1"/>
-          </a:lnRef>
-          <a:fillRef idx="0">
-            <a:schemeClr val="accent1"/>
-          </a:fillRef>
-          <a:effectRef idx="0">
-            <a:schemeClr val="accent1"/>
-          </a:effectRef>
-          <a:fontRef idx="minor">
-            <a:schemeClr val="tx1"/>
-          </a:fontRef>
-        </p:style>
-      </p:cxnSp>
-      <p:cxnSp>
-        <p:nvCxnSpPr>
-          <p:cNvPr id="38" name="Straight Connector 37">
-            <a:extLst>
-              <a:ext uri="{FF2B5EF4-FFF2-40B4-BE49-F238E27FC236}">
-                <a16:creationId xmlns:a16="http://schemas.microsoft.com/office/drawing/2014/main" id="{0B422045-789A-442D-9E39-6FC4EC452C4C}"/>
-              </a:ext>
-              <a:ext uri="{C183D7F6-B498-43B3-948B-1728B52AA6E4}">
-                <adec:decorative xmlns:adec="http://schemas.microsoft.com/office/drawing/2017/decorative" val="1"/>
-              </a:ext>
-            </a:extLst>
-          </p:cNvPr>
-          <p:cNvCxnSpPr>
-            <a:cxnSpLocks noGrp="1" noRot="1" noChangeAspect="1" noMove="1" noResize="1" noEditPoints="1" noAdjustHandles="1" noChangeArrowheads="1" noChangeShapeType="1"/>
-          </p:cNvCxnSpPr>
-          <p:nvPr>
-            <p:extLst>
-              <p:ext uri="{386F3935-93C4-4BCD-93E2-E3B085C9AB24}">
-                <p16:designElem xmlns:p16="http://schemas.microsoft.com/office/powerpoint/2015/main" val="1"/>
-              </p:ext>
-            </p:extLst>
-          </p:nvPr>
-        </p:nvCxnSpPr>
-        <p:spPr>
-          <a:xfrm>
-            <a:off x="3252137" y="1286150"/>
-            <a:ext cx="1691640" cy="0"/>
-          </a:xfrm>
-          <a:prstGeom prst="line">
-            <a:avLst/>
-          </a:prstGeom>
-          <a:solidFill>
-            <a:schemeClr val="tx1">
-              <a:lumMod val="85000"/>
-              <a:lumOff val="15000"/>
-            </a:schemeClr>
-          </a:solidFill>
-          <a:ln>
-            <a:solidFill>
-              <a:srgbClr val="FFFFFF"/>
-            </a:solidFill>
-            <a:miter lim="800000"/>
-          </a:ln>
-        </p:spPr>
-        <p:style>
-          <a:lnRef idx="1">
-            <a:schemeClr val="accent1"/>
-          </a:lnRef>
-          <a:fillRef idx="0">
-            <a:schemeClr val="accent1"/>
-          </a:fillRef>
-          <a:effectRef idx="0">
-            <a:schemeClr val="accent1"/>
-          </a:effectRef>
-          <a:fontRef idx="minor">
-            <a:schemeClr val="tx1"/>
-          </a:fontRef>
-        </p:style>
-      </p:cxnSp>
-      <p:pic>
-        <p:nvPicPr>
-          <p:cNvPr id="4" name="Content Placeholder 3">
-            <a:extLst>
-              <a:ext uri="{FF2B5EF4-FFF2-40B4-BE49-F238E27FC236}">
-                <a16:creationId xmlns:a16="http://schemas.microsoft.com/office/drawing/2014/main" id="{8ACF3DD3-8F0C-2A42-AF2E-75D3948E00F0}"/>
-              </a:ext>
-            </a:extLst>
-          </p:cNvPr>
-          <p:cNvPicPr>
-            <a:picLocks noGrp="1" noChangeAspect="1"/>
-          </p:cNvPicPr>
-          <p:nvPr>
-            <p:ph idx="1"/>
-          </p:nvPr>
-        </p:nvPicPr>
-        <p:blipFill>
-          <a:blip r:embed="rId2"/>
-          <a:stretch>
-            <a:fillRect/>
-          </a:stretch>
-        </p:blipFill>
-        <p:spPr>
-          <a:xfrm>
-            <a:off x="1295859" y="1971370"/>
-            <a:ext cx="5600897" cy="3318530"/>
-          </a:xfrm>
-          <a:prstGeom prst="rect">
-            <a:avLst/>
-          </a:prstGeom>
-        </p:spPr>
-      </p:pic>
-      <p:sp>
-        <p:nvSpPr>
-          <p:cNvPr id="40" name="Rectangle 39">
-            <a:extLst>
-              <a:ext uri="{FF2B5EF4-FFF2-40B4-BE49-F238E27FC236}">
-                <a16:creationId xmlns:a16="http://schemas.microsoft.com/office/drawing/2014/main" id="{3F4C63FE-9526-4F8E-BCFD-954D2EF9475B}"/>
-              </a:ext>
-              <a:ext uri="{C183D7F6-B498-43B3-948B-1728B52AA6E4}">
-                <adec:decorative xmlns:adec="http://schemas.microsoft.com/office/drawing/2017/decorative" val="1"/>
-              </a:ext>
-            </a:extLst>
-          </p:cNvPr>
-          <p:cNvSpPr>
-            <a:spLocks noGrp="1" noRot="1" noChangeAspect="1" noMove="1" noResize="1" noEditPoints="1" noAdjustHandles="1" noChangeArrowheads="1" noChangeShapeType="1" noTextEdit="1"/>
-          </p:cNvSpPr>
-          <p:nvPr>
-            <p:extLst>
-              <p:ext uri="{386F3935-93C4-4BCD-93E2-E3B085C9AB24}">
-                <p16:designElem xmlns:p16="http://schemas.microsoft.com/office/powerpoint/2015/main" val="1"/>
-              </p:ext>
-            </p:extLst>
-          </p:nvPr>
-        </p:nvSpPr>
-        <p:spPr>
-          <a:xfrm>
-            <a:off x="8331468" y="164592"/>
-            <a:ext cx="3708894" cy="6540176"/>
-          </a:xfrm>
-          <a:prstGeom prst="rect">
-            <a:avLst/>
-          </a:prstGeom>
-          <a:noFill/>
-          <a:ln w="6350">
-            <a:solidFill>
-              <a:schemeClr val="tx1">
-                <a:lumMod val="75000"/>
-                <a:lumOff val="25000"/>
-              </a:schemeClr>
-            </a:solidFill>
-          </a:ln>
-        </p:spPr>
-        <p:style>
-          <a:lnRef idx="2">
-            <a:schemeClr val="accent1">
-              <a:shade val="50000"/>
-            </a:schemeClr>
-          </a:lnRef>
-          <a:fillRef idx="1">
-            <a:schemeClr val="accent1"/>
-          </a:fillRef>
-          <a:effectRef idx="0">
-            <a:schemeClr val="accent1"/>
-          </a:effectRef>
-          <a:fontRef idx="minor">
-            <a:schemeClr val="lt1"/>
-          </a:fontRef>
-        </p:style>
-        <p:txBody>
-          <a:bodyPr rtlCol="0" anchor="ctr"/>
-          <a:lstStyle/>
-          <a:p>
-            <a:pPr algn="ctr"/>
-            <a:endParaRPr lang="en-US"/>
-          </a:p>
-        </p:txBody>
-      </p:sp>
-      <p:sp>
-        <p:nvSpPr>
-          <p:cNvPr id="2" name="Title 1">
-            <a:extLst>
-              <a:ext uri="{FF2B5EF4-FFF2-40B4-BE49-F238E27FC236}">
-                <a16:creationId xmlns:a16="http://schemas.microsoft.com/office/drawing/2014/main" id="{92BA71F0-87C5-4431-946A-51318AECDDF6}"/>
-              </a:ext>
-            </a:extLst>
-          </p:cNvPr>
-          <p:cNvSpPr>
-            <a:spLocks noGrp="1"/>
-          </p:cNvSpPr>
-          <p:nvPr>
-            <p:ph type="title"/>
-          </p:nvPr>
-        </p:nvSpPr>
-        <p:spPr>
-          <a:xfrm>
-            <a:off x="8560024" y="1182454"/>
-            <a:ext cx="3238829" cy="3480794"/>
-          </a:xfrm>
-        </p:spPr>
-        <p:txBody>
-          <a:bodyPr vert="horz" lIns="91440" tIns="45720" rIns="91440" bIns="45720" rtlCol="0" anchor="ctr">
-            <a:normAutofit fontScale="90000"/>
-          </a:bodyPr>
-          <a:lstStyle/>
-          <a:p>
-            <a:pPr algn="ctr">
-              <a:lnSpc>
-                <a:spcPct val="83000"/>
-              </a:lnSpc>
-            </a:pPr>
-            <a:r>
-              <a:rPr lang="en-US" sz="4800" cap="all" spc="-100" dirty="0"/>
-              <a:t>How many times do we Write this?</a:t>
-            </a:r>
-          </a:p>
-        </p:txBody>
-      </p:sp>
-    </p:spTree>
-    <p:extLst>
-      <p:ext uri="{BB962C8B-B14F-4D97-AF65-F5344CB8AC3E}">
-        <p14:creationId xmlns:p14="http://schemas.microsoft.com/office/powerpoint/2010/main" val="2132252301"/>
-      </p:ext>
-    </p:extLst>
-  </p:cSld>
-  <p:clrMapOvr>
-    <a:overrideClrMapping bg1="dk1" tx1="lt1" bg2="dk2" tx2="lt2" accent1="accent1" accent2="accent2" accent3="accent3" accent4="accent4" accent5="accent5" accent6="accent6" hlink="hlink" folHlink="folHlink"/>
-  </p:clrMapOvr>
-</p:sld>
-</file>
-
 <file path=ppt/slides/slide5.xml><?xml version="1.0" encoding="utf-8"?>
 <p:sld xmlns:a="http://schemas.openxmlformats.org/drawingml/2006/main" xmlns:r="http://schemas.openxmlformats.org/officeDocument/2006/relationships" xmlns:p="http://schemas.openxmlformats.org/presentationml/2006/main">
   <p:cSld>
@@ -10152,6 +10154,241 @@
 <file path=ppt/slides/slide6.xml><?xml version="1.0" encoding="utf-8"?>
 <p:sld xmlns:a="http://schemas.openxmlformats.org/drawingml/2006/main" xmlns:r="http://schemas.openxmlformats.org/officeDocument/2006/relationships" xmlns:p="http://schemas.openxmlformats.org/presentationml/2006/main">
   <p:cSld>
+    <p:spTree>
+      <p:nvGrpSpPr>
+        <p:cNvPr id="1" name=""/>
+        <p:cNvGrpSpPr/>
+        <p:nvPr/>
+      </p:nvGrpSpPr>
+      <p:grpSpPr>
+        <a:xfrm>
+          <a:off x="0" y="0"/>
+          <a:ext cx="0" cy="0"/>
+          <a:chOff x="0" y="0"/>
+          <a:chExt cx="0" cy="0"/>
+        </a:xfrm>
+      </p:grpSpPr>
+      <p:sp>
+        <p:nvSpPr>
+          <p:cNvPr id="2" name="Title 1">
+            <a:extLst>
+              <a:ext uri="{FF2B5EF4-FFF2-40B4-BE49-F238E27FC236}">
+                <a16:creationId xmlns:a16="http://schemas.microsoft.com/office/drawing/2014/main" id="{87C208EA-BE5D-42BB-864E-B1E40FE80F22}"/>
+              </a:ext>
+            </a:extLst>
+          </p:cNvPr>
+          <p:cNvSpPr>
+            <a:spLocks noGrp="1"/>
+          </p:cNvSpPr>
+          <p:nvPr>
+            <p:ph type="title"/>
+          </p:nvPr>
+        </p:nvSpPr>
+        <p:spPr/>
+        <p:txBody>
+          <a:bodyPr/>
+          <a:lstStyle/>
+          <a:p>
+            <a:r>
+              <a:rPr lang="en-US" dirty="0"/>
+              <a:t>We can change it to something like this</a:t>
+            </a:r>
+          </a:p>
+        </p:txBody>
+      </p:sp>
+      <p:pic>
+        <p:nvPicPr>
+          <p:cNvPr id="5" name="Content Placeholder 4">
+            <a:extLst>
+              <a:ext uri="{FF2B5EF4-FFF2-40B4-BE49-F238E27FC236}">
+                <a16:creationId xmlns:a16="http://schemas.microsoft.com/office/drawing/2014/main" id="{618C2750-0BD4-4FA5-8125-239D6C5CCAF1}"/>
+              </a:ext>
+            </a:extLst>
+          </p:cNvPr>
+          <p:cNvPicPr>
+            <a:picLocks noGrp="1" noChangeAspect="1"/>
+          </p:cNvPicPr>
+          <p:nvPr>
+            <p:ph idx="1"/>
+          </p:nvPr>
+        </p:nvPicPr>
+        <p:blipFill>
+          <a:blip r:embed="rId2"/>
+          <a:stretch>
+            <a:fillRect/>
+          </a:stretch>
+        </p:blipFill>
+        <p:spPr>
+          <a:xfrm>
+            <a:off x="1287841" y="2330075"/>
+            <a:ext cx="4978656" cy="1238314"/>
+          </a:xfrm>
+        </p:spPr>
+      </p:pic>
+      <p:pic>
+        <p:nvPicPr>
+          <p:cNvPr id="7" name="Picture 6">
+            <a:extLst>
+              <a:ext uri="{FF2B5EF4-FFF2-40B4-BE49-F238E27FC236}">
+                <a16:creationId xmlns:a16="http://schemas.microsoft.com/office/drawing/2014/main" id="{AAA085BE-47E2-4BAD-AE03-6219E1BC1AAF}"/>
+              </a:ext>
+            </a:extLst>
+          </p:cNvPr>
+          <p:cNvPicPr>
+            <a:picLocks noChangeAspect="1"/>
+          </p:cNvPicPr>
+          <p:nvPr/>
+        </p:nvPicPr>
+        <p:blipFill>
+          <a:blip r:embed="rId3"/>
+          <a:stretch>
+            <a:fillRect/>
+          </a:stretch>
+        </p:blipFill>
+        <p:spPr>
+          <a:xfrm>
+            <a:off x="1532545" y="4748453"/>
+            <a:ext cx="2540131" cy="1174810"/>
+          </a:xfrm>
+          <a:prstGeom prst="rect">
+            <a:avLst/>
+          </a:prstGeom>
+        </p:spPr>
+      </p:pic>
+    </p:spTree>
+    <p:extLst>
+      <p:ext uri="{BB962C8B-B14F-4D97-AF65-F5344CB8AC3E}">
+        <p14:creationId xmlns:p14="http://schemas.microsoft.com/office/powerpoint/2010/main" val="1446801790"/>
+      </p:ext>
+    </p:extLst>
+  </p:cSld>
+  <p:clrMapOvr>
+    <a:masterClrMapping/>
+  </p:clrMapOvr>
+</p:sld>
+</file>
+
+<file path=ppt/slides/slide7.xml><?xml version="1.0" encoding="utf-8"?>
+<p:sld xmlns:a="http://schemas.openxmlformats.org/drawingml/2006/main" xmlns:r="http://schemas.openxmlformats.org/officeDocument/2006/relationships" xmlns:p="http://schemas.openxmlformats.org/presentationml/2006/main">
+  <p:cSld>
+    <p:spTree>
+      <p:nvGrpSpPr>
+        <p:cNvPr id="1" name=""/>
+        <p:cNvGrpSpPr/>
+        <p:nvPr/>
+      </p:nvGrpSpPr>
+      <p:grpSpPr>
+        <a:xfrm>
+          <a:off x="0" y="0"/>
+          <a:ext cx="0" cy="0"/>
+          <a:chOff x="0" y="0"/>
+          <a:chExt cx="0" cy="0"/>
+        </a:xfrm>
+      </p:grpSpPr>
+      <p:sp>
+        <p:nvSpPr>
+          <p:cNvPr id="2" name="Title 1">
+            <a:extLst>
+              <a:ext uri="{FF2B5EF4-FFF2-40B4-BE49-F238E27FC236}">
+                <a16:creationId xmlns:a16="http://schemas.microsoft.com/office/drawing/2014/main" id="{05B3AC4C-E938-4173-AC56-077EE7F49A56}"/>
+              </a:ext>
+            </a:extLst>
+          </p:cNvPr>
+          <p:cNvSpPr>
+            <a:spLocks noGrp="1"/>
+          </p:cNvSpPr>
+          <p:nvPr>
+            <p:ph type="title"/>
+          </p:nvPr>
+        </p:nvSpPr>
+        <p:spPr/>
+        <p:txBody>
+          <a:bodyPr/>
+          <a:lstStyle/>
+          <a:p>
+            <a:r>
+              <a:rPr lang="en-US" dirty="0"/>
+              <a:t>Or in a more reusable fashion</a:t>
+            </a:r>
+          </a:p>
+        </p:txBody>
+      </p:sp>
+      <p:pic>
+        <p:nvPicPr>
+          <p:cNvPr id="7" name="Picture 6">
+            <a:extLst>
+              <a:ext uri="{FF2B5EF4-FFF2-40B4-BE49-F238E27FC236}">
+                <a16:creationId xmlns:a16="http://schemas.microsoft.com/office/drawing/2014/main" id="{5E66C197-5F36-485D-9553-B7A35262F8BD}"/>
+              </a:ext>
+            </a:extLst>
+          </p:cNvPr>
+          <p:cNvPicPr>
+            <a:picLocks noChangeAspect="1"/>
+          </p:cNvPicPr>
+          <p:nvPr/>
+        </p:nvPicPr>
+        <p:blipFill>
+          <a:blip r:embed="rId2"/>
+          <a:stretch>
+            <a:fillRect/>
+          </a:stretch>
+        </p:blipFill>
+        <p:spPr>
+          <a:xfrm>
+            <a:off x="1256114" y="3806705"/>
+            <a:ext cx="9754550" cy="1178250"/>
+          </a:xfrm>
+          <a:prstGeom prst="rect">
+            <a:avLst/>
+          </a:prstGeom>
+        </p:spPr>
+      </p:pic>
+      <p:pic>
+        <p:nvPicPr>
+          <p:cNvPr id="11" name="Picture 10">
+            <a:extLst>
+              <a:ext uri="{FF2B5EF4-FFF2-40B4-BE49-F238E27FC236}">
+                <a16:creationId xmlns:a16="http://schemas.microsoft.com/office/drawing/2014/main" id="{D061C08C-9101-43AA-BED3-7C6A496333C1}"/>
+              </a:ext>
+            </a:extLst>
+          </p:cNvPr>
+          <p:cNvPicPr>
+            <a:picLocks noChangeAspect="1"/>
+          </p:cNvPicPr>
+          <p:nvPr/>
+        </p:nvPicPr>
+        <p:blipFill>
+          <a:blip r:embed="rId3"/>
+          <a:stretch>
+            <a:fillRect/>
+          </a:stretch>
+        </p:blipFill>
+        <p:spPr>
+          <a:xfrm>
+            <a:off x="1155290" y="1832690"/>
+            <a:ext cx="5941634" cy="1526669"/>
+          </a:xfrm>
+          <a:prstGeom prst="rect">
+            <a:avLst/>
+          </a:prstGeom>
+        </p:spPr>
+      </p:pic>
+    </p:spTree>
+    <p:extLst>
+      <p:ext uri="{BB962C8B-B14F-4D97-AF65-F5344CB8AC3E}">
+        <p14:creationId xmlns:p14="http://schemas.microsoft.com/office/powerpoint/2010/main" val="2305431762"/>
+      </p:ext>
+    </p:extLst>
+  </p:cSld>
+  <p:clrMapOvr>
+    <a:masterClrMapping/>
+  </p:clrMapOvr>
+</p:sld>
+</file>
+
+<file path=ppt/slides/slide8.xml><?xml version="1.0" encoding="utf-8"?>
+<p:sld xmlns:a="http://schemas.openxmlformats.org/drawingml/2006/main" xmlns:r="http://schemas.openxmlformats.org/officeDocument/2006/relationships" xmlns:p="http://schemas.openxmlformats.org/presentationml/2006/main">
+  <p:cSld>
     <p:bg>
       <p:bgPr>
         <a:solidFill>
@@ -10411,7 +10648,7 @@
 </p:sld>
 </file>
 
-<file path=ppt/slides/slide7.xml><?xml version="1.0" encoding="utf-8"?>
+<file path=ppt/slides/slide9.xml><?xml version="1.0" encoding="utf-8"?>
 <p:sld xmlns:a="http://schemas.openxmlformats.org/drawingml/2006/main" xmlns:r="http://schemas.openxmlformats.org/officeDocument/2006/relationships" xmlns:p="http://schemas.openxmlformats.org/presentationml/2006/main">
   <p:cSld>
     <p:spTree>
@@ -10860,6 +11097,24 @@
 </file>
 
 <file path=customXml/item1.xml><?xml version="1.0" encoding="utf-8"?>
+<?mso-contentType ?>
+<FormTemplates xmlns="http://schemas.microsoft.com/sharepoint/v3/contenttype/forms">
+  <Display>DocumentLibraryForm</Display>
+  <Edit>DocumentLibraryForm</Edit>
+  <New>DocumentLibraryForm</New>
+</FormTemplates>
+</file>
+
+<file path=customXml/item2.xml><?xml version="1.0" encoding="utf-8"?>
+<p:properties xmlns:p="http://schemas.microsoft.com/office/2006/metadata/properties" xmlns:xsi="http://www.w3.org/2001/XMLSchema-instance" xmlns:pc="http://schemas.microsoft.com/office/infopath/2007/PartnerControls">
+  <documentManagement>
+    <Status xmlns="71af3243-3dd4-4a8d-8c0d-dd76da1f02a5">Not started</Status>
+    <MediaServiceKeyPoints xmlns="71af3243-3dd4-4a8d-8c0d-dd76da1f02a5" xsi:nil="true"/>
+  </documentManagement>
+</p:properties>
+</file>
+
+<file path=customXml/item3.xml><?xml version="1.0" encoding="utf-8"?>
 <ct:contentTypeSchema xmlns:ct="http://schemas.microsoft.com/office/2006/metadata/contentType" xmlns:ma="http://schemas.microsoft.com/office/2006/metadata/properties/metaAttributes" ct:_="" ma:_="" ma:contentTypeName="Document" ma:contentTypeID="0x01010079F111ED35F8CC479449609E8A0923A6" ma:contentTypeVersion="12" ma:contentTypeDescription="Create a new document." ma:contentTypeScope="" ma:versionID="a410dd7f93c95333ffa1b60ed6adedd1">
   <xsd:schema xmlns:xsd="http://www.w3.org/2001/XMLSchema" xmlns:xs="http://www.w3.org/2001/XMLSchema" xmlns:p="http://schemas.microsoft.com/office/2006/metadata/properties" xmlns:ns2="71af3243-3dd4-4a8d-8c0d-dd76da1f02a5" xmlns:ns3="16c05727-aa75-4e4a-9b5f-8a80a1165891" targetNamespace="http://schemas.microsoft.com/office/2006/metadata/properties" ma:root="true" ma:fieldsID="a936d9baba76aa3866493feff160faab" ns2:_="" ns3:_="">
     <xsd:import namespace="71af3243-3dd4-4a8d-8c0d-dd76da1f02a5"/>
@@ -11080,25 +11335,25 @@
 </ct:contentTypeSchema>
 </file>
 
-<file path=customXml/item2.xml><?xml version="1.0" encoding="utf-8"?>
-<p:properties xmlns:p="http://schemas.microsoft.com/office/2006/metadata/properties" xmlns:xsi="http://www.w3.org/2001/XMLSchema-instance" xmlns:pc="http://schemas.microsoft.com/office/infopath/2007/PartnerControls">
-  <documentManagement>
-    <Status xmlns="71af3243-3dd4-4a8d-8c0d-dd76da1f02a5">Not started</Status>
-    <MediaServiceKeyPoints xmlns="71af3243-3dd4-4a8d-8c0d-dd76da1f02a5" xsi:nil="true"/>
-  </documentManagement>
-</p:properties>
+<file path=customXml/itemProps1.xml><?xml version="1.0" encoding="utf-8"?>
+<ds:datastoreItem xmlns:ds="http://schemas.openxmlformats.org/officeDocument/2006/customXml" ds:itemID="{AE2713E1-6312-427E-BFCB-C5A5DA301373}">
+  <ds:schemaRefs>
+    <ds:schemaRef ds:uri="http://schemas.microsoft.com/sharepoint/v3/contenttype/forms"/>
+  </ds:schemaRefs>
+</ds:datastoreItem>
 </file>
 
-<file path=customXml/item3.xml><?xml version="1.0" encoding="utf-8"?>
-<?mso-contentType ?>
-<FormTemplates xmlns="http://schemas.microsoft.com/sharepoint/v3/contenttype/forms">
-  <Display>DocumentLibraryForm</Display>
-  <Edit>DocumentLibraryForm</Edit>
-  <New>DocumentLibraryForm</New>
-</FormTemplates>
+<file path=customXml/itemProps2.xml><?xml version="1.0" encoding="utf-8"?>
+<ds:datastoreItem xmlns:ds="http://schemas.openxmlformats.org/officeDocument/2006/customXml" ds:itemID="{52F3B215-496E-4790-A364-7C1C46DEC771}">
+  <ds:schemaRefs>
+    <ds:schemaRef ds:uri="http://schemas.microsoft.com/office/2006/metadata/properties"/>
+    <ds:schemaRef ds:uri="http://schemas.microsoft.com/office/infopath/2007/PartnerControls"/>
+    <ds:schemaRef ds:uri="71af3243-3dd4-4a8d-8c0d-dd76da1f02a5"/>
+  </ds:schemaRefs>
+</ds:datastoreItem>
 </file>
 
-<file path=customXml/itemProps1.xml><?xml version="1.0" encoding="utf-8"?>
+<file path=customXml/itemProps3.xml><?xml version="1.0" encoding="utf-8"?>
 <ds:datastoreItem xmlns:ds="http://schemas.openxmlformats.org/officeDocument/2006/customXml" ds:itemID="{50DB95DD-0319-4EE5-8C5C-9CEDF75E024B}">
   <ds:schemaRefs>
     <ds:schemaRef ds:uri="http://schemas.microsoft.com/office/2006/metadata/contentType"/>
@@ -11115,22 +11370,4 @@
     <ds:schemaRef ds:uri="http://schemas.microsoft.com/internal/obd"/>
   </ds:schemaRefs>
 </ds:datastoreItem>
-</file>
-
-<file path=customXml/itemProps2.xml><?xml version="1.0" encoding="utf-8"?>
-<ds:datastoreItem xmlns:ds="http://schemas.openxmlformats.org/officeDocument/2006/customXml" ds:itemID="{52F3B215-496E-4790-A364-7C1C46DEC771}">
-  <ds:schemaRefs>
-    <ds:schemaRef ds:uri="http://schemas.microsoft.com/office/2006/metadata/properties"/>
-    <ds:schemaRef ds:uri="http://schemas.microsoft.com/office/infopath/2007/PartnerControls"/>
-    <ds:schemaRef ds:uri="71af3243-3dd4-4a8d-8c0d-dd76da1f02a5"/>
-  </ds:schemaRefs>
-</ds:datastoreItem>
-</file>
-
-<file path=customXml/itemProps3.xml><?xml version="1.0" encoding="utf-8"?>
-<ds:datastoreItem xmlns:ds="http://schemas.openxmlformats.org/officeDocument/2006/customXml" ds:itemID="{AE2713E1-6312-427E-BFCB-C5A5DA301373}">
-  <ds:schemaRefs>
-    <ds:schemaRef ds:uri="http://schemas.microsoft.com/sharepoint/v3/contenttype/forms"/>
-  </ds:schemaRefs>
-</ds:datastoreItem>
 </file>
--- a/presentation/monads.pptx
+++ b/presentation/monads.pptx
@@ -6,21 +6,23 @@
   </p:sldMasterIdLst>
   <p:sldIdLst>
     <p:sldId id="292" r:id="rId5"/>
-    <p:sldId id="311" r:id="rId6"/>
-    <p:sldId id="313" r:id="rId7"/>
-    <p:sldId id="312" r:id="rId8"/>
-    <p:sldId id="314" r:id="rId9"/>
-    <p:sldId id="318" r:id="rId10"/>
-    <p:sldId id="315" r:id="rId11"/>
-    <p:sldId id="317" r:id="rId12"/>
-    <p:sldId id="316" r:id="rId13"/>
-    <p:sldId id="319" r:id="rId14"/>
-    <p:sldId id="322" r:id="rId15"/>
-    <p:sldId id="309" r:id="rId16"/>
-    <p:sldId id="320" r:id="rId17"/>
-    <p:sldId id="321" r:id="rId18"/>
-    <p:sldId id="323" r:id="rId19"/>
-    <p:sldId id="324" r:id="rId20"/>
+    <p:sldId id="325" r:id="rId6"/>
+    <p:sldId id="311" r:id="rId7"/>
+    <p:sldId id="313" r:id="rId8"/>
+    <p:sldId id="312" r:id="rId9"/>
+    <p:sldId id="314" r:id="rId10"/>
+    <p:sldId id="318" r:id="rId11"/>
+    <p:sldId id="315" r:id="rId12"/>
+    <p:sldId id="317" r:id="rId13"/>
+    <p:sldId id="316" r:id="rId14"/>
+    <p:sldId id="319" r:id="rId15"/>
+    <p:sldId id="322" r:id="rId16"/>
+    <p:sldId id="309" r:id="rId17"/>
+    <p:sldId id="320" r:id="rId18"/>
+    <p:sldId id="321" r:id="rId19"/>
+    <p:sldId id="323" r:id="rId20"/>
+    <p:sldId id="324" r:id="rId21"/>
+    <p:sldId id="326" r:id="rId22"/>
   </p:sldIdLst>
   <p:sldSz cx="12192000" cy="6858000"/>
   <p:notesSz cx="6858000" cy="9144000"/>
@@ -128,7 +130,754 @@
 </file>
 
 <file path=ppt/diagrams/colors1.xml><?xml version="1.0" encoding="utf-8"?>
-<dgm:colorsDef xmlns:dgm="http://schemas.openxmlformats.org/drawingml/2006/diagram" xmlns:a="http://schemas.openxmlformats.org/drawingml/2006/main" uniqueId="urn:microsoft.com/office/officeart/2018/5/colors/Iconchunking_neutralicon_colorful1">
+<dgm:colorsDef xmlns:dgm="http://schemas.openxmlformats.org/drawingml/2006/diagram" xmlns:a="http://schemas.openxmlformats.org/drawingml/2006/main" uniqueId="urn:microsoft.com/office/officeart/2005/8/colors/accent4_2">
+  <dgm:title val=""/>
+  <dgm:desc val=""/>
+  <dgm:catLst>
+    <dgm:cat type="accent4" pri="11200"/>
+  </dgm:catLst>
+  <dgm:styleLbl name="node0">
+    <dgm:fillClrLst meth="repeat">
+      <a:schemeClr val="accent4"/>
+    </dgm:fillClrLst>
+    <dgm:linClrLst meth="repeat">
+      <a:schemeClr val="lt1"/>
+    </dgm:linClrLst>
+    <dgm:effectClrLst/>
+    <dgm:txLinClrLst/>
+    <dgm:txFillClrLst/>
+    <dgm:txEffectClrLst/>
+  </dgm:styleLbl>
+  <dgm:styleLbl name="node1">
+    <dgm:fillClrLst meth="repeat">
+      <a:schemeClr val="accent4"/>
+    </dgm:fillClrLst>
+    <dgm:linClrLst meth="repeat">
+      <a:schemeClr val="lt1"/>
+    </dgm:linClrLst>
+    <dgm:effectClrLst/>
+    <dgm:txLinClrLst/>
+    <dgm:txFillClrLst/>
+    <dgm:txEffectClrLst/>
+  </dgm:styleLbl>
+  <dgm:styleLbl name="alignNode1">
+    <dgm:fillClrLst meth="repeat">
+      <a:schemeClr val="accent4"/>
+    </dgm:fillClrLst>
+    <dgm:linClrLst meth="repeat">
+      <a:schemeClr val="accent4"/>
+    </dgm:linClrLst>
+    <dgm:effectClrLst/>
+    <dgm:txLinClrLst/>
+    <dgm:txFillClrLst/>
+    <dgm:txEffectClrLst/>
+  </dgm:styleLbl>
+  <dgm:styleLbl name="lnNode1">
+    <dgm:fillClrLst meth="repeat">
+      <a:schemeClr val="accent4"/>
+    </dgm:fillClrLst>
+    <dgm:linClrLst meth="repeat">
+      <a:schemeClr val="lt1"/>
+    </dgm:linClrLst>
+    <dgm:effectClrLst/>
+    <dgm:txLinClrLst/>
+    <dgm:txFillClrLst/>
+    <dgm:txEffectClrLst/>
+  </dgm:styleLbl>
+  <dgm:styleLbl name="vennNode1">
+    <dgm:fillClrLst meth="repeat">
+      <a:schemeClr val="accent4">
+        <a:alpha val="50000"/>
+      </a:schemeClr>
+    </dgm:fillClrLst>
+    <dgm:linClrLst meth="repeat">
+      <a:schemeClr val="lt1"/>
+    </dgm:linClrLst>
+    <dgm:effectClrLst/>
+    <dgm:txLinClrLst/>
+    <dgm:txFillClrLst/>
+    <dgm:txEffectClrLst/>
+  </dgm:styleLbl>
+  <dgm:styleLbl name="node2">
+    <dgm:fillClrLst meth="repeat">
+      <a:schemeClr val="accent4"/>
+    </dgm:fillClrLst>
+    <dgm:linClrLst meth="repeat">
+      <a:schemeClr val="lt1"/>
+    </dgm:linClrLst>
+    <dgm:effectClrLst/>
+    <dgm:txLinClrLst/>
+    <dgm:txFillClrLst/>
+    <dgm:txEffectClrLst/>
+  </dgm:styleLbl>
+  <dgm:styleLbl name="node3">
+    <dgm:fillClrLst meth="repeat">
+      <a:schemeClr val="accent4"/>
+    </dgm:fillClrLst>
+    <dgm:linClrLst meth="repeat">
+      <a:schemeClr val="lt1"/>
+    </dgm:linClrLst>
+    <dgm:effectClrLst/>
+    <dgm:txLinClrLst/>
+    <dgm:txFillClrLst/>
+    <dgm:txEffectClrLst/>
+  </dgm:styleLbl>
+  <dgm:styleLbl name="node4">
+    <dgm:fillClrLst meth="repeat">
+      <a:schemeClr val="accent4"/>
+    </dgm:fillClrLst>
+    <dgm:linClrLst meth="repeat">
+      <a:schemeClr val="lt1"/>
+    </dgm:linClrLst>
+    <dgm:effectClrLst/>
+    <dgm:txLinClrLst/>
+    <dgm:txFillClrLst/>
+    <dgm:txEffectClrLst/>
+  </dgm:styleLbl>
+  <dgm:styleLbl name="fgImgPlace1">
+    <dgm:fillClrLst meth="repeat">
+      <a:schemeClr val="accent4">
+        <a:tint val="50000"/>
+      </a:schemeClr>
+    </dgm:fillClrLst>
+    <dgm:linClrLst meth="repeat">
+      <a:schemeClr val="lt1"/>
+    </dgm:linClrLst>
+    <dgm:effectClrLst/>
+    <dgm:txLinClrLst/>
+    <dgm:txFillClrLst meth="repeat">
+      <a:schemeClr val="lt1"/>
+    </dgm:txFillClrLst>
+    <dgm:txEffectClrLst/>
+  </dgm:styleLbl>
+  <dgm:styleLbl name="alignImgPlace1">
+    <dgm:fillClrLst meth="repeat">
+      <a:schemeClr val="accent4">
+        <a:tint val="50000"/>
+      </a:schemeClr>
+    </dgm:fillClrLst>
+    <dgm:linClrLst meth="repeat">
+      <a:schemeClr val="lt1"/>
+    </dgm:linClrLst>
+    <dgm:effectClrLst/>
+    <dgm:txLinClrLst/>
+    <dgm:txFillClrLst meth="repeat">
+      <a:schemeClr val="lt1"/>
+    </dgm:txFillClrLst>
+    <dgm:txEffectClrLst/>
+  </dgm:styleLbl>
+  <dgm:styleLbl name="bgImgPlace1">
+    <dgm:fillClrLst meth="repeat">
+      <a:schemeClr val="accent4">
+        <a:tint val="50000"/>
+      </a:schemeClr>
+    </dgm:fillClrLst>
+    <dgm:linClrLst meth="repeat">
+      <a:schemeClr val="lt1"/>
+    </dgm:linClrLst>
+    <dgm:effectClrLst/>
+    <dgm:txLinClrLst/>
+    <dgm:txFillClrLst meth="repeat">
+      <a:schemeClr val="lt1"/>
+    </dgm:txFillClrLst>
+    <dgm:txEffectClrLst/>
+  </dgm:styleLbl>
+  <dgm:styleLbl name="sibTrans2D1">
+    <dgm:fillClrLst meth="repeat">
+      <a:schemeClr val="accent4">
+        <a:tint val="60000"/>
+      </a:schemeClr>
+    </dgm:fillClrLst>
+    <dgm:linClrLst meth="repeat">
+      <a:schemeClr val="accent4">
+        <a:tint val="60000"/>
+      </a:schemeClr>
+    </dgm:linClrLst>
+    <dgm:effectClrLst/>
+    <dgm:txLinClrLst/>
+    <dgm:txFillClrLst/>
+    <dgm:txEffectClrLst/>
+  </dgm:styleLbl>
+  <dgm:styleLbl name="fgSibTrans2D1">
+    <dgm:fillClrLst meth="repeat">
+      <a:schemeClr val="accent4">
+        <a:tint val="60000"/>
+      </a:schemeClr>
+    </dgm:fillClrLst>
+    <dgm:linClrLst meth="repeat">
+      <a:schemeClr val="accent4">
+        <a:tint val="60000"/>
+      </a:schemeClr>
+    </dgm:linClrLst>
+    <dgm:effectClrLst/>
+    <dgm:txLinClrLst/>
+    <dgm:txFillClrLst/>
+    <dgm:txEffectClrLst/>
+  </dgm:styleLbl>
+  <dgm:styleLbl name="bgSibTrans2D1">
+    <dgm:fillClrLst meth="repeat">
+      <a:schemeClr val="accent4">
+        <a:tint val="60000"/>
+      </a:schemeClr>
+    </dgm:fillClrLst>
+    <dgm:linClrLst meth="repeat">
+      <a:schemeClr val="accent4">
+        <a:tint val="60000"/>
+      </a:schemeClr>
+    </dgm:linClrLst>
+    <dgm:effectClrLst/>
+    <dgm:txLinClrLst/>
+    <dgm:txFillClrLst/>
+    <dgm:txEffectClrLst/>
+  </dgm:styleLbl>
+  <dgm:styleLbl name="sibTrans1D1">
+    <dgm:fillClrLst meth="repeat">
+      <a:schemeClr val="accent4"/>
+    </dgm:fillClrLst>
+    <dgm:linClrLst meth="repeat">
+      <a:schemeClr val="accent4"/>
+    </dgm:linClrLst>
+    <dgm:effectClrLst/>
+    <dgm:txLinClrLst/>
+    <dgm:txFillClrLst meth="repeat">
+      <a:schemeClr val="tx1"/>
+    </dgm:txFillClrLst>
+    <dgm:txEffectClrLst/>
+  </dgm:styleLbl>
+  <dgm:styleLbl name="callout">
+    <dgm:fillClrLst meth="repeat">
+      <a:schemeClr val="accent4"/>
+    </dgm:fillClrLst>
+    <dgm:linClrLst meth="repeat">
+      <a:schemeClr val="accent4">
+        <a:tint val="50000"/>
+      </a:schemeClr>
+    </dgm:linClrLst>
+    <dgm:effectClrLst/>
+    <dgm:txLinClrLst/>
+    <dgm:txFillClrLst meth="repeat">
+      <a:schemeClr val="tx1"/>
+    </dgm:txFillClrLst>
+    <dgm:txEffectClrLst/>
+  </dgm:styleLbl>
+  <dgm:styleLbl name="asst0">
+    <dgm:fillClrLst meth="repeat">
+      <a:schemeClr val="accent4"/>
+    </dgm:fillClrLst>
+    <dgm:linClrLst meth="repeat">
+      <a:schemeClr val="lt1"/>
+    </dgm:linClrLst>
+    <dgm:effectClrLst/>
+    <dgm:txLinClrLst/>
+    <dgm:txFillClrLst/>
+    <dgm:txEffectClrLst/>
+  </dgm:styleLbl>
+  <dgm:styleLbl name="asst1">
+    <dgm:fillClrLst meth="repeat">
+      <a:schemeClr val="accent4"/>
+    </dgm:fillClrLst>
+    <dgm:linClrLst meth="repeat">
+      <a:schemeClr val="lt1"/>
+    </dgm:linClrLst>
+    <dgm:effectClrLst/>
+    <dgm:txLinClrLst/>
+    <dgm:txFillClrLst/>
+    <dgm:txEffectClrLst/>
+  </dgm:styleLbl>
+  <dgm:styleLbl name="asst2">
+    <dgm:fillClrLst meth="repeat">
+      <a:schemeClr val="accent4"/>
+    </dgm:fillClrLst>
+    <dgm:linClrLst meth="repeat">
+      <a:schemeClr val="lt1"/>
+    </dgm:linClrLst>
+    <dgm:effectClrLst/>
+    <dgm:txLinClrLst/>
+    <dgm:txFillClrLst/>
+    <dgm:txEffectClrLst/>
+  </dgm:styleLbl>
+  <dgm:styleLbl name="asst3">
+    <dgm:fillClrLst meth="repeat">
+      <a:schemeClr val="accent4"/>
+    </dgm:fillClrLst>
+    <dgm:linClrLst meth="repeat">
+      <a:schemeClr val="lt1"/>
+    </dgm:linClrLst>
+    <dgm:effectClrLst/>
+    <dgm:txLinClrLst/>
+    <dgm:txFillClrLst/>
+    <dgm:txEffectClrLst/>
+  </dgm:styleLbl>
+  <dgm:styleLbl name="asst4">
+    <dgm:fillClrLst meth="repeat">
+      <a:schemeClr val="accent4"/>
+    </dgm:fillClrLst>
+    <dgm:linClrLst meth="repeat">
+      <a:schemeClr val="lt1"/>
+    </dgm:linClrLst>
+    <dgm:effectClrLst/>
+    <dgm:txLinClrLst/>
+    <dgm:txFillClrLst/>
+    <dgm:txEffectClrLst/>
+  </dgm:styleLbl>
+  <dgm:styleLbl name="parChTrans2D1">
+    <dgm:fillClrLst meth="repeat">
+      <a:schemeClr val="accent4">
+        <a:tint val="60000"/>
+      </a:schemeClr>
+    </dgm:fillClrLst>
+    <dgm:linClrLst meth="repeat">
+      <a:schemeClr val="accent4">
+        <a:tint val="60000"/>
+      </a:schemeClr>
+    </dgm:linClrLst>
+    <dgm:effectClrLst/>
+    <dgm:txLinClrLst/>
+    <dgm:txFillClrLst meth="repeat">
+      <a:schemeClr val="lt1"/>
+    </dgm:txFillClrLst>
+    <dgm:txEffectClrLst/>
+  </dgm:styleLbl>
+  <dgm:styleLbl name="parChTrans2D2">
+    <dgm:fillClrLst meth="repeat">
+      <a:schemeClr val="accent4"/>
+    </dgm:fillClrLst>
+    <dgm:linClrLst meth="repeat">
+      <a:schemeClr val="accent4"/>
+    </dgm:linClrLst>
+    <dgm:effectClrLst/>
+    <dgm:txLinClrLst/>
+    <dgm:txFillClrLst meth="repeat">
+      <a:schemeClr val="lt1"/>
+    </dgm:txFillClrLst>
+    <dgm:txEffectClrLst/>
+  </dgm:styleLbl>
+  <dgm:styleLbl name="parChTrans2D3">
+    <dgm:fillClrLst meth="repeat">
+      <a:schemeClr val="accent4"/>
+    </dgm:fillClrLst>
+    <dgm:linClrLst meth="repeat">
+      <a:schemeClr val="accent4"/>
+    </dgm:linClrLst>
+    <dgm:effectClrLst/>
+    <dgm:txLinClrLst/>
+    <dgm:txFillClrLst meth="repeat">
+      <a:schemeClr val="lt1"/>
+    </dgm:txFillClrLst>
+    <dgm:txEffectClrLst/>
+  </dgm:styleLbl>
+  <dgm:styleLbl name="parChTrans2D4">
+    <dgm:fillClrLst meth="repeat">
+      <a:schemeClr val="accent4"/>
+    </dgm:fillClrLst>
+    <dgm:linClrLst meth="repeat">
+      <a:schemeClr val="accent4"/>
+    </dgm:linClrLst>
+    <dgm:effectClrLst/>
+    <dgm:txLinClrLst/>
+    <dgm:txFillClrLst meth="repeat">
+      <a:schemeClr val="lt1"/>
+    </dgm:txFillClrLst>
+    <dgm:txEffectClrLst/>
+  </dgm:styleLbl>
+  <dgm:styleLbl name="parChTrans1D1">
+    <dgm:fillClrLst meth="repeat">
+      <a:schemeClr val="accent4"/>
+    </dgm:fillClrLst>
+    <dgm:linClrLst meth="repeat">
+      <a:schemeClr val="accent4">
+        <a:shade val="60000"/>
+      </a:schemeClr>
+    </dgm:linClrLst>
+    <dgm:effectClrLst/>
+    <dgm:txLinClrLst/>
+    <dgm:txFillClrLst meth="repeat">
+      <a:schemeClr val="tx1"/>
+    </dgm:txFillClrLst>
+    <dgm:txEffectClrLst/>
+  </dgm:styleLbl>
+  <dgm:styleLbl name="parChTrans1D2">
+    <dgm:fillClrLst meth="repeat">
+      <a:schemeClr val="accent4"/>
+    </dgm:fillClrLst>
+    <dgm:linClrLst meth="repeat">
+      <a:schemeClr val="accent4">
+        <a:shade val="60000"/>
+      </a:schemeClr>
+    </dgm:linClrLst>
+    <dgm:effectClrLst/>
+    <dgm:txLinClrLst/>
+    <dgm:txFillClrLst meth="repeat">
+      <a:schemeClr val="tx1"/>
+    </dgm:txFillClrLst>
+    <dgm:txEffectClrLst/>
+  </dgm:styleLbl>
+  <dgm:styleLbl name="parChTrans1D3">
+    <dgm:fillClrLst meth="repeat">
+      <a:schemeClr val="accent4"/>
+    </dgm:fillClrLst>
+    <dgm:linClrLst meth="repeat">
+      <a:schemeClr val="accent4">
+        <a:shade val="80000"/>
+      </a:schemeClr>
+    </dgm:linClrLst>
+    <dgm:effectClrLst/>
+    <dgm:txLinClrLst/>
+    <dgm:txFillClrLst meth="repeat">
+      <a:schemeClr val="tx1"/>
+    </dgm:txFillClrLst>
+    <dgm:txEffectClrLst/>
+  </dgm:styleLbl>
+  <dgm:styleLbl name="parChTrans1D4">
+    <dgm:fillClrLst meth="repeat">
+      <a:schemeClr val="accent4"/>
+    </dgm:fillClrLst>
+    <dgm:linClrLst meth="repeat">
+      <a:schemeClr val="accent4">
+        <a:shade val="80000"/>
+      </a:schemeClr>
+    </dgm:linClrLst>
+    <dgm:effectClrLst/>
+    <dgm:txLinClrLst/>
+    <dgm:txFillClrLst meth="repeat">
+      <a:schemeClr val="tx1"/>
+    </dgm:txFillClrLst>
+    <dgm:txEffectClrLst/>
+  </dgm:styleLbl>
+  <dgm:styleLbl name="fgAcc1">
+    <dgm:fillClrLst meth="repeat">
+      <a:schemeClr val="lt1">
+        <a:alpha val="90000"/>
+      </a:schemeClr>
+    </dgm:fillClrLst>
+    <dgm:linClrLst meth="repeat">
+      <a:schemeClr val="accent4"/>
+    </dgm:linClrLst>
+    <dgm:effectClrLst/>
+    <dgm:txLinClrLst/>
+    <dgm:txFillClrLst meth="repeat">
+      <a:schemeClr val="dk1"/>
+    </dgm:txFillClrLst>
+    <dgm:txEffectClrLst/>
+  </dgm:styleLbl>
+  <dgm:styleLbl name="conFgAcc1">
+    <dgm:fillClrLst meth="repeat">
+      <a:schemeClr val="lt1">
+        <a:alpha val="90000"/>
+      </a:schemeClr>
+    </dgm:fillClrLst>
+    <dgm:linClrLst meth="repeat">
+      <a:schemeClr val="accent4"/>
+    </dgm:linClrLst>
+    <dgm:effectClrLst/>
+    <dgm:txLinClrLst/>
+    <dgm:txFillClrLst meth="repeat">
+      <a:schemeClr val="dk1"/>
+    </dgm:txFillClrLst>
+    <dgm:txEffectClrLst/>
+  </dgm:styleLbl>
+  <dgm:styleLbl name="alignAcc1">
+    <dgm:fillClrLst meth="repeat">
+      <a:schemeClr val="lt1">
+        <a:alpha val="90000"/>
+      </a:schemeClr>
+    </dgm:fillClrLst>
+    <dgm:linClrLst meth="repeat">
+      <a:schemeClr val="accent4"/>
+    </dgm:linClrLst>
+    <dgm:effectClrLst/>
+    <dgm:txLinClrLst/>
+    <dgm:txFillClrLst meth="repeat">
+      <a:schemeClr val="dk1"/>
+    </dgm:txFillClrLst>
+    <dgm:txEffectClrLst/>
+  </dgm:styleLbl>
+  <dgm:styleLbl name="trAlignAcc1">
+    <dgm:fillClrLst meth="repeat">
+      <a:schemeClr val="lt1">
+        <a:alpha val="40000"/>
+      </a:schemeClr>
+    </dgm:fillClrLst>
+    <dgm:linClrLst meth="repeat">
+      <a:schemeClr val="accent4"/>
+    </dgm:linClrLst>
+    <dgm:effectClrLst/>
+    <dgm:txLinClrLst/>
+    <dgm:txFillClrLst meth="repeat">
+      <a:schemeClr val="dk1"/>
+    </dgm:txFillClrLst>
+    <dgm:txEffectClrLst/>
+  </dgm:styleLbl>
+  <dgm:styleLbl name="bgAcc1">
+    <dgm:fillClrLst meth="repeat">
+      <a:schemeClr val="lt1">
+        <a:alpha val="90000"/>
+      </a:schemeClr>
+    </dgm:fillClrLst>
+    <dgm:linClrLst meth="repeat">
+      <a:schemeClr val="accent4"/>
+    </dgm:linClrLst>
+    <dgm:effectClrLst/>
+    <dgm:txLinClrLst/>
+    <dgm:txFillClrLst meth="repeat">
+      <a:schemeClr val="dk1"/>
+    </dgm:txFillClrLst>
+    <dgm:txEffectClrLst/>
+  </dgm:styleLbl>
+  <dgm:styleLbl name="solidFgAcc1">
+    <dgm:fillClrLst meth="repeat">
+      <a:schemeClr val="lt1"/>
+    </dgm:fillClrLst>
+    <dgm:linClrLst meth="repeat">
+      <a:schemeClr val="accent4"/>
+    </dgm:linClrLst>
+    <dgm:effectClrLst/>
+    <dgm:txLinClrLst/>
+    <dgm:txFillClrLst meth="repeat">
+      <a:schemeClr val="dk1"/>
+    </dgm:txFillClrLst>
+    <dgm:txEffectClrLst/>
+  </dgm:styleLbl>
+  <dgm:styleLbl name="solidAlignAcc1">
+    <dgm:fillClrLst meth="repeat">
+      <a:schemeClr val="lt1"/>
+    </dgm:fillClrLst>
+    <dgm:linClrLst meth="repeat">
+      <a:schemeClr val="accent4"/>
+    </dgm:linClrLst>
+    <dgm:effectClrLst/>
+    <dgm:txLinClrLst/>
+    <dgm:txFillClrLst meth="repeat">
+      <a:schemeClr val="dk1"/>
+    </dgm:txFillClrLst>
+    <dgm:txEffectClrLst/>
+  </dgm:styleLbl>
+  <dgm:styleLbl name="solidBgAcc1">
+    <dgm:fillClrLst meth="repeat">
+      <a:schemeClr val="lt1"/>
+    </dgm:fillClrLst>
+    <dgm:linClrLst meth="repeat">
+      <a:schemeClr val="accent4"/>
+    </dgm:linClrLst>
+    <dgm:effectClrLst/>
+    <dgm:txLinClrLst/>
+    <dgm:txFillClrLst meth="repeat">
+      <a:schemeClr val="dk1"/>
+    </dgm:txFillClrLst>
+    <dgm:txEffectClrLst/>
+  </dgm:styleLbl>
+  <dgm:styleLbl name="fgAccFollowNode1">
+    <dgm:fillClrLst meth="repeat">
+      <a:schemeClr val="accent4">
+        <a:alpha val="90000"/>
+        <a:tint val="40000"/>
+      </a:schemeClr>
+    </dgm:fillClrLst>
+    <dgm:linClrLst meth="repeat">
+      <a:schemeClr val="accent4">
+        <a:alpha val="90000"/>
+        <a:tint val="40000"/>
+      </a:schemeClr>
+    </dgm:linClrLst>
+    <dgm:effectClrLst/>
+    <dgm:txLinClrLst/>
+    <dgm:txFillClrLst meth="repeat">
+      <a:schemeClr val="dk1"/>
+    </dgm:txFillClrLst>
+    <dgm:txEffectClrLst/>
+  </dgm:styleLbl>
+  <dgm:styleLbl name="alignAccFollowNode1">
+    <dgm:fillClrLst meth="repeat">
+      <a:schemeClr val="accent4">
+        <a:alpha val="90000"/>
+        <a:tint val="40000"/>
+      </a:schemeClr>
+    </dgm:fillClrLst>
+    <dgm:linClrLst meth="repeat">
+      <a:schemeClr val="accent4">
+        <a:alpha val="90000"/>
+        <a:tint val="40000"/>
+      </a:schemeClr>
+    </dgm:linClrLst>
+    <dgm:effectClrLst/>
+    <dgm:txLinClrLst/>
+    <dgm:txFillClrLst meth="repeat">
+      <a:schemeClr val="dk1"/>
+    </dgm:txFillClrLst>
+    <dgm:txEffectClrLst/>
+  </dgm:styleLbl>
+  <dgm:styleLbl name="bgAccFollowNode1">
+    <dgm:fillClrLst meth="repeat">
+      <a:schemeClr val="accent4">
+        <a:alpha val="90000"/>
+        <a:tint val="40000"/>
+      </a:schemeClr>
+    </dgm:fillClrLst>
+    <dgm:linClrLst meth="repeat">
+      <a:schemeClr val="accent4">
+        <a:alpha val="90000"/>
+        <a:tint val="40000"/>
+      </a:schemeClr>
+    </dgm:linClrLst>
+    <dgm:effectClrLst/>
+    <dgm:txLinClrLst/>
+    <dgm:txFillClrLst meth="repeat">
+      <a:schemeClr val="dk1"/>
+    </dgm:txFillClrLst>
+    <dgm:txEffectClrLst/>
+  </dgm:styleLbl>
+  <dgm:styleLbl name="fgAcc0">
+    <dgm:fillClrLst meth="repeat">
+      <a:schemeClr val="lt1">
+        <a:alpha val="90000"/>
+      </a:schemeClr>
+    </dgm:fillClrLst>
+    <dgm:linClrLst meth="repeat">
+      <a:schemeClr val="accent4"/>
+    </dgm:linClrLst>
+    <dgm:effectClrLst/>
+    <dgm:txLinClrLst/>
+    <dgm:txFillClrLst meth="repeat">
+      <a:schemeClr val="dk1"/>
+    </dgm:txFillClrLst>
+    <dgm:txEffectClrLst/>
+  </dgm:styleLbl>
+  <dgm:styleLbl name="fgAcc2">
+    <dgm:fillClrLst meth="repeat">
+      <a:schemeClr val="lt1">
+        <a:alpha val="90000"/>
+      </a:schemeClr>
+    </dgm:fillClrLst>
+    <dgm:linClrLst meth="repeat">
+      <a:schemeClr val="accent4"/>
+    </dgm:linClrLst>
+    <dgm:effectClrLst/>
+    <dgm:txLinClrLst/>
+    <dgm:txFillClrLst meth="repeat">
+      <a:schemeClr val="dk1"/>
+    </dgm:txFillClrLst>
+    <dgm:txEffectClrLst/>
+  </dgm:styleLbl>
+  <dgm:styleLbl name="fgAcc3">
+    <dgm:fillClrLst meth="repeat">
+      <a:schemeClr val="lt1">
+        <a:alpha val="90000"/>
+      </a:schemeClr>
+    </dgm:fillClrLst>
+    <dgm:linClrLst meth="repeat">
+      <a:schemeClr val="accent4"/>
+    </dgm:linClrLst>
+    <dgm:effectClrLst/>
+    <dgm:txLinClrLst/>
+    <dgm:txFillClrLst meth="repeat">
+      <a:schemeClr val="dk1"/>
+    </dgm:txFillClrLst>
+    <dgm:txEffectClrLst/>
+  </dgm:styleLbl>
+  <dgm:styleLbl name="fgAcc4">
+    <dgm:fillClrLst meth="repeat">
+      <a:schemeClr val="lt1">
+        <a:alpha val="90000"/>
+      </a:schemeClr>
+    </dgm:fillClrLst>
+    <dgm:linClrLst meth="repeat">
+      <a:schemeClr val="accent4"/>
+    </dgm:linClrLst>
+    <dgm:effectClrLst/>
+    <dgm:txLinClrLst/>
+    <dgm:txFillClrLst meth="repeat">
+      <a:schemeClr val="dk1"/>
+    </dgm:txFillClrLst>
+    <dgm:txEffectClrLst/>
+  </dgm:styleLbl>
+  <dgm:styleLbl name="bgShp">
+    <dgm:fillClrLst meth="repeat">
+      <a:schemeClr val="accent4">
+        <a:tint val="40000"/>
+      </a:schemeClr>
+    </dgm:fillClrLst>
+    <dgm:linClrLst meth="repeat">
+      <a:schemeClr val="accent4"/>
+    </dgm:linClrLst>
+    <dgm:effectClrLst/>
+    <dgm:txLinClrLst/>
+    <dgm:txFillClrLst meth="repeat">
+      <a:schemeClr val="dk1"/>
+    </dgm:txFillClrLst>
+    <dgm:txEffectClrLst/>
+  </dgm:styleLbl>
+  <dgm:styleLbl name="dkBgShp">
+    <dgm:fillClrLst meth="repeat">
+      <a:schemeClr val="accent4">
+        <a:shade val="80000"/>
+      </a:schemeClr>
+    </dgm:fillClrLst>
+    <dgm:linClrLst meth="repeat">
+      <a:schemeClr val="accent4"/>
+    </dgm:linClrLst>
+    <dgm:effectClrLst/>
+    <dgm:txLinClrLst/>
+    <dgm:txFillClrLst meth="repeat">
+      <a:schemeClr val="lt1"/>
+    </dgm:txFillClrLst>
+    <dgm:txEffectClrLst/>
+  </dgm:styleLbl>
+  <dgm:styleLbl name="trBgShp">
+    <dgm:fillClrLst meth="repeat">
+      <a:schemeClr val="accent4">
+        <a:tint val="50000"/>
+        <a:alpha val="40000"/>
+      </a:schemeClr>
+    </dgm:fillClrLst>
+    <dgm:linClrLst meth="repeat">
+      <a:schemeClr val="accent4"/>
+    </dgm:linClrLst>
+    <dgm:effectClrLst/>
+    <dgm:txLinClrLst/>
+    <dgm:txFillClrLst meth="repeat">
+      <a:schemeClr val="lt1"/>
+    </dgm:txFillClrLst>
+    <dgm:txEffectClrLst/>
+  </dgm:styleLbl>
+  <dgm:styleLbl name="fgShp">
+    <dgm:fillClrLst meth="repeat">
+      <a:schemeClr val="accent4">
+        <a:tint val="60000"/>
+      </a:schemeClr>
+    </dgm:fillClrLst>
+    <dgm:linClrLst meth="repeat">
+      <a:schemeClr val="lt1"/>
+    </dgm:linClrLst>
+    <dgm:effectClrLst/>
+    <dgm:txLinClrLst/>
+    <dgm:txFillClrLst meth="repeat">
+      <a:schemeClr val="dk1"/>
+    </dgm:txFillClrLst>
+    <dgm:txEffectClrLst/>
+  </dgm:styleLbl>
+  <dgm:styleLbl name="revTx">
+    <dgm:fillClrLst meth="repeat">
+      <a:schemeClr val="lt1">
+        <a:alpha val="0"/>
+      </a:schemeClr>
+    </dgm:fillClrLst>
+    <dgm:linClrLst meth="repeat">
+      <a:schemeClr val="dk1">
+        <a:alpha val="0"/>
+      </a:schemeClr>
+    </dgm:linClrLst>
+    <dgm:effectClrLst/>
+    <dgm:txLinClrLst/>
+    <dgm:txFillClrLst meth="repeat">
+      <a:schemeClr val="tx1"/>
+    </dgm:txFillClrLst>
+    <dgm:txEffectClrLst/>
+  </dgm:styleLbl>
+</dgm:colorsDef>
+</file>
+
+<file path=ppt/diagrams/colors2.xml><?xml version="1.0" encoding="utf-8"?>
+<dgm:colorsDef xmlns:dgm="http://schemas.openxmlformats.org/drawingml/2006/diagram" xmlns:a="http://schemas.openxmlformats.org/drawingml/2006/main" uniqueId="urn:microsoft.com/office/officeart/2018/5/colors/Iconchunking_neutralbg_colorful1">
   <dgm:title val=""/>
   <dgm:desc val=""/>
   <dgm:catLst>
@@ -148,7 +897,11 @@
   </dgm:styleLbl>
   <dgm:styleLbl name="node1">
     <dgm:fillClrLst meth="repeat">
-      <a:schemeClr val="bg1"/>
+      <a:schemeClr val="accent2"/>
+      <a:schemeClr val="accent3"/>
+      <a:schemeClr val="accent4"/>
+      <a:schemeClr val="accent5"/>
+      <a:schemeClr val="accent6"/>
     </dgm:fillClrLst>
     <dgm:linClrLst meth="repeat">
       <a:schemeClr val="lt1">
@@ -157,9 +910,7 @@
     </dgm:linClrLst>
     <dgm:effectClrLst/>
     <dgm:txLinClrLst/>
-    <dgm:txFillClrLst meth="repeat">
-      <a:schemeClr val="dk1"/>
-    </dgm:txFillClrLst>
+    <dgm:txFillClrLst/>
     <dgm:txEffectClrLst/>
   </dgm:styleLbl>
   <dgm:styleLbl name="alignNode1">
@@ -962,20 +1713,18 @@
   </dgm:styleLbl>
   <dgm:styleLbl name="bgShp">
     <dgm:fillClrLst meth="repeat">
-      <a:schemeClr val="accent2"/>
-      <a:schemeClr val="accent3"/>
-      <a:schemeClr val="accent4"/>
-      <a:schemeClr val="accent5"/>
-      <a:schemeClr val="accent6"/>
+      <a:schemeClr val="bg1">
+        <a:lumMod val="95000"/>
+      </a:schemeClr>
     </dgm:fillClrLst>
     <dgm:linClrLst meth="repeat">
-      <a:schemeClr val="lt1">
-        <a:alpha val="0"/>
-      </a:schemeClr>
+      <a:schemeClr val="dk1"/>
     </dgm:linClrLst>
     <dgm:effectClrLst/>
     <dgm:txLinClrLst/>
-    <dgm:txFillClrLst/>
+    <dgm:txFillClrLst meth="repeat">
+      <a:schemeClr val="dk1"/>
+    </dgm:txFillClrLst>
     <dgm:txEffectClrLst/>
   </dgm:styleLbl>
   <dgm:styleLbl name="dkBgShp">
@@ -1048,7 +1797,928 @@
 </dgm:colorsDef>
 </file>
 
-<file path=ppt/diagrams/colors2.xml><?xml version="1.0" encoding="utf-8"?>
+<file path=ppt/diagrams/colors3.xml><?xml version="1.0" encoding="utf-8"?>
+<dgm:colorsDef xmlns:dgm="http://schemas.openxmlformats.org/drawingml/2006/diagram" xmlns:a="http://schemas.openxmlformats.org/drawingml/2006/main" uniqueId="urn:microsoft.com/office/officeart/2018/5/colors/Iconchunking_neutralicon_colorful1">
+  <dgm:title val=""/>
+  <dgm:desc val=""/>
+  <dgm:catLst>
+    <dgm:cat type="colorful" pri="10100"/>
+  </dgm:catLst>
+  <dgm:styleLbl name="node0">
+    <dgm:fillClrLst meth="repeat">
+      <a:schemeClr val="accent1"/>
+    </dgm:fillClrLst>
+    <dgm:linClrLst meth="repeat">
+      <a:schemeClr val="lt1"/>
+    </dgm:linClrLst>
+    <dgm:effectClrLst/>
+    <dgm:txLinClrLst/>
+    <dgm:txFillClrLst/>
+    <dgm:txEffectClrLst/>
+  </dgm:styleLbl>
+  <dgm:styleLbl name="node1">
+    <dgm:fillClrLst meth="repeat">
+      <a:schemeClr val="bg1"/>
+    </dgm:fillClrLst>
+    <dgm:linClrLst meth="repeat">
+      <a:schemeClr val="lt1">
+        <a:alpha val="0"/>
+      </a:schemeClr>
+    </dgm:linClrLst>
+    <dgm:effectClrLst/>
+    <dgm:txLinClrLst/>
+    <dgm:txFillClrLst meth="repeat">
+      <a:schemeClr val="dk1"/>
+    </dgm:txFillClrLst>
+    <dgm:txEffectClrLst/>
+  </dgm:styleLbl>
+  <dgm:styleLbl name="alignNode1">
+    <dgm:fillClrLst meth="repeat">
+      <a:schemeClr val="accent2"/>
+      <a:schemeClr val="accent3"/>
+      <a:schemeClr val="accent4"/>
+      <a:schemeClr val="accent5"/>
+      <a:schemeClr val="accent6"/>
+    </dgm:fillClrLst>
+    <dgm:linClrLst meth="repeat">
+      <a:schemeClr val="accent2"/>
+      <a:schemeClr val="accent3"/>
+      <a:schemeClr val="accent4"/>
+      <a:schemeClr val="accent5"/>
+      <a:schemeClr val="accent6"/>
+    </dgm:linClrLst>
+    <dgm:effectClrLst/>
+    <dgm:txLinClrLst/>
+    <dgm:txFillClrLst/>
+    <dgm:txEffectClrLst/>
+  </dgm:styleLbl>
+  <dgm:styleLbl name="lnNode1">
+    <dgm:fillClrLst meth="repeat">
+      <a:schemeClr val="accent2"/>
+      <a:schemeClr val="accent3"/>
+      <a:schemeClr val="accent4"/>
+      <a:schemeClr val="accent5"/>
+      <a:schemeClr val="accent6"/>
+    </dgm:fillClrLst>
+    <dgm:linClrLst meth="repeat">
+      <a:schemeClr val="lt1"/>
+    </dgm:linClrLst>
+    <dgm:effectClrLst/>
+    <dgm:txLinClrLst/>
+    <dgm:txFillClrLst/>
+    <dgm:txEffectClrLst/>
+  </dgm:styleLbl>
+  <dgm:styleLbl name="vennNode1">
+    <dgm:fillClrLst meth="repeat">
+      <a:schemeClr val="accent2">
+        <a:alpha val="50000"/>
+      </a:schemeClr>
+      <a:schemeClr val="accent3">
+        <a:alpha val="50000"/>
+      </a:schemeClr>
+      <a:schemeClr val="accent4">
+        <a:alpha val="50000"/>
+      </a:schemeClr>
+      <a:schemeClr val="accent5">
+        <a:alpha val="50000"/>
+      </a:schemeClr>
+      <a:schemeClr val="accent6">
+        <a:alpha val="50000"/>
+      </a:schemeClr>
+    </dgm:fillClrLst>
+    <dgm:linClrLst meth="repeat">
+      <a:schemeClr val="lt1"/>
+    </dgm:linClrLst>
+    <dgm:effectClrLst/>
+    <dgm:txLinClrLst/>
+    <dgm:txFillClrLst/>
+    <dgm:txEffectClrLst/>
+  </dgm:styleLbl>
+  <dgm:styleLbl name="node2">
+    <dgm:fillClrLst>
+      <a:schemeClr val="accent2"/>
+    </dgm:fillClrLst>
+    <dgm:linClrLst meth="repeat">
+      <a:schemeClr val="lt1"/>
+    </dgm:linClrLst>
+    <dgm:effectClrLst/>
+    <dgm:txLinClrLst/>
+    <dgm:txFillClrLst/>
+    <dgm:txEffectClrLst/>
+  </dgm:styleLbl>
+  <dgm:styleLbl name="node3">
+    <dgm:fillClrLst>
+      <a:schemeClr val="accent3"/>
+    </dgm:fillClrLst>
+    <dgm:linClrLst meth="repeat">
+      <a:schemeClr val="lt1"/>
+    </dgm:linClrLst>
+    <dgm:effectClrLst/>
+    <dgm:txLinClrLst/>
+    <dgm:txFillClrLst/>
+    <dgm:txEffectClrLst/>
+  </dgm:styleLbl>
+  <dgm:styleLbl name="node4">
+    <dgm:fillClrLst>
+      <a:schemeClr val="accent4"/>
+    </dgm:fillClrLst>
+    <dgm:linClrLst meth="repeat">
+      <a:schemeClr val="lt1"/>
+    </dgm:linClrLst>
+    <dgm:effectClrLst/>
+    <dgm:txLinClrLst/>
+    <dgm:txFillClrLst/>
+    <dgm:txEffectClrLst/>
+  </dgm:styleLbl>
+  <dgm:styleLbl name="fgImgPlace1">
+    <dgm:fillClrLst meth="repeat">
+      <a:schemeClr val="accent2">
+        <a:tint val="50000"/>
+      </a:schemeClr>
+      <a:schemeClr val="accent3">
+        <a:tint val="50000"/>
+      </a:schemeClr>
+      <a:schemeClr val="accent4">
+        <a:tint val="50000"/>
+      </a:schemeClr>
+      <a:schemeClr val="accent5">
+        <a:tint val="50000"/>
+      </a:schemeClr>
+      <a:schemeClr val="accent6">
+        <a:tint val="50000"/>
+      </a:schemeClr>
+    </dgm:fillClrLst>
+    <dgm:linClrLst meth="repeat">
+      <a:schemeClr val="lt1"/>
+    </dgm:linClrLst>
+    <dgm:effectClrLst/>
+    <dgm:txLinClrLst/>
+    <dgm:txFillClrLst meth="repeat">
+      <a:schemeClr val="lt1"/>
+    </dgm:txFillClrLst>
+    <dgm:txEffectClrLst/>
+  </dgm:styleLbl>
+  <dgm:styleLbl name="alignImgPlace1">
+    <dgm:fillClrLst>
+      <a:schemeClr val="accent1">
+        <a:tint val="50000"/>
+      </a:schemeClr>
+      <a:schemeClr val="accent2">
+        <a:tint val="20000"/>
+      </a:schemeClr>
+    </dgm:fillClrLst>
+    <dgm:linClrLst meth="repeat">
+      <a:schemeClr val="lt1"/>
+    </dgm:linClrLst>
+    <dgm:effectClrLst/>
+    <dgm:txLinClrLst/>
+    <dgm:txFillClrLst meth="repeat">
+      <a:schemeClr val="lt1"/>
+    </dgm:txFillClrLst>
+    <dgm:txEffectClrLst/>
+  </dgm:styleLbl>
+  <dgm:styleLbl name="bgImgPlace1">
+    <dgm:fillClrLst>
+      <a:schemeClr val="accent1">
+        <a:tint val="50000"/>
+      </a:schemeClr>
+      <a:schemeClr val="accent2">
+        <a:tint val="20000"/>
+      </a:schemeClr>
+    </dgm:fillClrLst>
+    <dgm:linClrLst meth="repeat">
+      <a:schemeClr val="lt1"/>
+    </dgm:linClrLst>
+    <dgm:effectClrLst/>
+    <dgm:txLinClrLst/>
+    <dgm:txFillClrLst meth="repeat">
+      <a:schemeClr val="lt1"/>
+    </dgm:txFillClrLst>
+    <dgm:txEffectClrLst/>
+  </dgm:styleLbl>
+  <dgm:styleLbl name="sibTrans2D1">
+    <dgm:fillClrLst meth="repeat">
+      <a:schemeClr val="accent2"/>
+      <a:schemeClr val="accent3"/>
+      <a:schemeClr val="accent4"/>
+      <a:schemeClr val="accent5"/>
+      <a:schemeClr val="accent6"/>
+    </dgm:fillClrLst>
+    <dgm:linClrLst meth="cycle">
+      <a:schemeClr val="lt1"/>
+    </dgm:linClrLst>
+    <dgm:effectClrLst/>
+    <dgm:txLinClrLst/>
+    <dgm:txFillClrLst/>
+    <dgm:txEffectClrLst/>
+  </dgm:styleLbl>
+  <dgm:styleLbl name="fgSibTrans2D1">
+    <dgm:fillClrLst meth="repeat">
+      <a:schemeClr val="accent2"/>
+      <a:schemeClr val="accent3"/>
+      <a:schemeClr val="accent4"/>
+      <a:schemeClr val="accent5"/>
+      <a:schemeClr val="accent6"/>
+    </dgm:fillClrLst>
+    <dgm:linClrLst meth="cycle">
+      <a:schemeClr val="lt1"/>
+    </dgm:linClrLst>
+    <dgm:effectClrLst/>
+    <dgm:txLinClrLst/>
+    <dgm:txFillClrLst meth="repeat">
+      <a:schemeClr val="lt1"/>
+    </dgm:txFillClrLst>
+    <dgm:txEffectClrLst/>
+  </dgm:styleLbl>
+  <dgm:styleLbl name="bgSibTrans2D1">
+    <dgm:fillClrLst meth="repeat">
+      <a:schemeClr val="accent2"/>
+      <a:schemeClr val="accent3"/>
+      <a:schemeClr val="accent4"/>
+      <a:schemeClr val="accent5"/>
+      <a:schemeClr val="accent6"/>
+    </dgm:fillClrLst>
+    <dgm:linClrLst meth="cycle">
+      <a:schemeClr val="lt1"/>
+    </dgm:linClrLst>
+    <dgm:effectClrLst/>
+    <dgm:txLinClrLst/>
+    <dgm:txFillClrLst meth="repeat">
+      <a:schemeClr val="lt1"/>
+    </dgm:txFillClrLst>
+    <dgm:txEffectClrLst/>
+  </dgm:styleLbl>
+  <dgm:styleLbl name="sibTrans1D1">
+    <dgm:fillClrLst meth="repeat">
+      <a:schemeClr val="accent2"/>
+      <a:schemeClr val="accent3"/>
+      <a:schemeClr val="accent4"/>
+      <a:schemeClr val="accent5"/>
+      <a:schemeClr val="accent6"/>
+    </dgm:fillClrLst>
+    <dgm:linClrLst meth="repeat">
+      <a:schemeClr val="accent2"/>
+      <a:schemeClr val="accent3"/>
+      <a:schemeClr val="accent4"/>
+      <a:schemeClr val="accent5"/>
+      <a:schemeClr val="accent6"/>
+    </dgm:linClrLst>
+    <dgm:effectClrLst/>
+    <dgm:txLinClrLst/>
+    <dgm:txFillClrLst meth="repeat">
+      <a:schemeClr val="tx1"/>
+    </dgm:txFillClrLst>
+    <dgm:txEffectClrLst/>
+  </dgm:styleLbl>
+  <dgm:styleLbl name="callout">
+    <dgm:fillClrLst meth="repeat">
+      <a:schemeClr val="accent2"/>
+    </dgm:fillClrLst>
+    <dgm:linClrLst meth="repeat">
+      <a:schemeClr val="accent2">
+        <a:tint val="50000"/>
+      </a:schemeClr>
+    </dgm:linClrLst>
+    <dgm:effectClrLst/>
+    <dgm:txLinClrLst/>
+    <dgm:txFillClrLst meth="repeat">
+      <a:schemeClr val="tx1"/>
+    </dgm:txFillClrLst>
+    <dgm:txEffectClrLst/>
+  </dgm:styleLbl>
+  <dgm:styleLbl name="asst0">
+    <dgm:fillClrLst meth="repeat">
+      <a:schemeClr val="accent1"/>
+    </dgm:fillClrLst>
+    <dgm:linClrLst meth="repeat">
+      <a:schemeClr val="lt1"/>
+    </dgm:linClrLst>
+    <dgm:effectClrLst/>
+    <dgm:txLinClrLst/>
+    <dgm:txFillClrLst/>
+    <dgm:txEffectClrLst/>
+  </dgm:styleLbl>
+  <dgm:styleLbl name="asst1">
+    <dgm:fillClrLst meth="repeat">
+      <a:schemeClr val="accent2"/>
+    </dgm:fillClrLst>
+    <dgm:linClrLst meth="repeat">
+      <a:schemeClr val="lt1"/>
+    </dgm:linClrLst>
+    <dgm:effectClrLst/>
+    <dgm:txLinClrLst/>
+    <dgm:txFillClrLst/>
+    <dgm:txEffectClrLst/>
+  </dgm:styleLbl>
+  <dgm:styleLbl name="asst2">
+    <dgm:fillClrLst>
+      <a:schemeClr val="accent3"/>
+    </dgm:fillClrLst>
+    <dgm:linClrLst meth="repeat">
+      <a:schemeClr val="lt1"/>
+    </dgm:linClrLst>
+    <dgm:effectClrLst/>
+    <dgm:txLinClrLst/>
+    <dgm:txFillClrLst/>
+    <dgm:txEffectClrLst/>
+  </dgm:styleLbl>
+  <dgm:styleLbl name="asst3">
+    <dgm:fillClrLst>
+      <a:schemeClr val="accent4"/>
+    </dgm:fillClrLst>
+    <dgm:linClrLst meth="repeat">
+      <a:schemeClr val="lt1"/>
+    </dgm:linClrLst>
+    <dgm:effectClrLst/>
+    <dgm:txLinClrLst/>
+    <dgm:txFillClrLst/>
+    <dgm:txEffectClrLst/>
+  </dgm:styleLbl>
+  <dgm:styleLbl name="asst4">
+    <dgm:fillClrLst>
+      <a:schemeClr val="accent5"/>
+    </dgm:fillClrLst>
+    <dgm:linClrLst meth="repeat">
+      <a:schemeClr val="lt1"/>
+    </dgm:linClrLst>
+    <dgm:effectClrLst/>
+    <dgm:txLinClrLst/>
+    <dgm:txFillClrLst/>
+    <dgm:txEffectClrLst/>
+  </dgm:styleLbl>
+  <dgm:styleLbl name="parChTrans2D1">
+    <dgm:fillClrLst meth="repeat">
+      <a:schemeClr val="accent2"/>
+    </dgm:fillClrLst>
+    <dgm:linClrLst meth="repeat">
+      <a:schemeClr val="lt1"/>
+    </dgm:linClrLst>
+    <dgm:effectClrLst/>
+    <dgm:txLinClrLst/>
+    <dgm:txFillClrLst meth="repeat">
+      <a:schemeClr val="lt1"/>
+    </dgm:txFillClrLst>
+    <dgm:txEffectClrLst/>
+  </dgm:styleLbl>
+  <dgm:styleLbl name="parChTrans2D2">
+    <dgm:fillClrLst meth="repeat">
+      <a:schemeClr val="accent3"/>
+    </dgm:fillClrLst>
+    <dgm:linClrLst meth="repeat">
+      <a:schemeClr val="lt1"/>
+    </dgm:linClrLst>
+    <dgm:effectClrLst/>
+    <dgm:txLinClrLst/>
+    <dgm:txFillClrLst/>
+    <dgm:txEffectClrLst/>
+  </dgm:styleLbl>
+  <dgm:styleLbl name="parChTrans2D3">
+    <dgm:fillClrLst meth="repeat">
+      <a:schemeClr val="accent4"/>
+    </dgm:fillClrLst>
+    <dgm:linClrLst meth="repeat">
+      <a:schemeClr val="lt1"/>
+    </dgm:linClrLst>
+    <dgm:effectClrLst/>
+    <dgm:txLinClrLst/>
+    <dgm:txFillClrLst/>
+    <dgm:txEffectClrLst/>
+  </dgm:styleLbl>
+  <dgm:styleLbl name="parChTrans2D4">
+    <dgm:fillClrLst meth="repeat">
+      <a:schemeClr val="accent5"/>
+    </dgm:fillClrLst>
+    <dgm:linClrLst meth="repeat">
+      <a:schemeClr val="lt1"/>
+    </dgm:linClrLst>
+    <dgm:effectClrLst/>
+    <dgm:txLinClrLst/>
+    <dgm:txFillClrLst meth="repeat">
+      <a:schemeClr val="lt1"/>
+    </dgm:txFillClrLst>
+    <dgm:txEffectClrLst/>
+  </dgm:styleLbl>
+  <dgm:styleLbl name="parChTrans1D1">
+    <dgm:fillClrLst meth="repeat">
+      <a:schemeClr val="accent2"/>
+    </dgm:fillClrLst>
+    <dgm:linClrLst meth="repeat">
+      <a:schemeClr val="accent1"/>
+    </dgm:linClrLst>
+    <dgm:effectClrLst/>
+    <dgm:txLinClrLst/>
+    <dgm:txFillClrLst meth="repeat">
+      <a:schemeClr val="tx1"/>
+    </dgm:txFillClrLst>
+    <dgm:txEffectClrLst/>
+  </dgm:styleLbl>
+  <dgm:styleLbl name="parChTrans1D2">
+    <dgm:fillClrLst meth="repeat">
+      <a:schemeClr val="accent3">
+        <a:tint val="90000"/>
+      </a:schemeClr>
+    </dgm:fillClrLst>
+    <dgm:linClrLst meth="repeat">
+      <a:schemeClr val="accent2"/>
+    </dgm:linClrLst>
+    <dgm:effectClrLst/>
+    <dgm:txLinClrLst/>
+    <dgm:txFillClrLst meth="repeat">
+      <a:schemeClr val="tx1"/>
+    </dgm:txFillClrLst>
+    <dgm:txEffectClrLst/>
+  </dgm:styleLbl>
+  <dgm:styleLbl name="parChTrans1D3">
+    <dgm:fillClrLst meth="repeat">
+      <a:schemeClr val="accent4">
+        <a:tint val="70000"/>
+      </a:schemeClr>
+    </dgm:fillClrLst>
+    <dgm:linClrLst meth="repeat">
+      <a:schemeClr val="accent3"/>
+    </dgm:linClrLst>
+    <dgm:effectClrLst/>
+    <dgm:txLinClrLst/>
+    <dgm:txFillClrLst meth="repeat">
+      <a:schemeClr val="tx1"/>
+    </dgm:txFillClrLst>
+    <dgm:txEffectClrLst/>
+  </dgm:styleLbl>
+  <dgm:styleLbl name="parChTrans1D4">
+    <dgm:fillClrLst meth="repeat">
+      <a:schemeClr val="accent5">
+        <a:tint val="50000"/>
+      </a:schemeClr>
+    </dgm:fillClrLst>
+    <dgm:linClrLst meth="repeat">
+      <a:schemeClr val="accent4"/>
+    </dgm:linClrLst>
+    <dgm:effectClrLst/>
+    <dgm:txLinClrLst/>
+    <dgm:txFillClrLst meth="repeat">
+      <a:schemeClr val="tx1"/>
+    </dgm:txFillClrLst>
+    <dgm:txEffectClrLst/>
+  </dgm:styleLbl>
+  <dgm:styleLbl name="fgAcc1">
+    <dgm:fillClrLst meth="repeat">
+      <a:schemeClr val="lt1">
+        <a:alpha val="90000"/>
+      </a:schemeClr>
+    </dgm:fillClrLst>
+    <dgm:linClrLst meth="repeat">
+      <a:schemeClr val="accent2"/>
+      <a:schemeClr val="accent3"/>
+      <a:schemeClr val="accent4"/>
+      <a:schemeClr val="accent5"/>
+      <a:schemeClr val="accent6"/>
+    </dgm:linClrLst>
+    <dgm:effectClrLst/>
+    <dgm:txLinClrLst/>
+    <dgm:txFillClrLst meth="repeat">
+      <a:schemeClr val="dk1"/>
+    </dgm:txFillClrLst>
+    <dgm:txEffectClrLst/>
+  </dgm:styleLbl>
+  <dgm:styleLbl name="conFgAcc1">
+    <dgm:fillClrLst meth="repeat">
+      <a:schemeClr val="lt1">
+        <a:alpha val="90000"/>
+      </a:schemeClr>
+    </dgm:fillClrLst>
+    <dgm:linClrLst meth="repeat">
+      <a:schemeClr val="accent2"/>
+      <a:schemeClr val="accent3"/>
+      <a:schemeClr val="accent4"/>
+      <a:schemeClr val="accent5"/>
+      <a:schemeClr val="accent6"/>
+    </dgm:linClrLst>
+    <dgm:effectClrLst/>
+    <dgm:txLinClrLst/>
+    <dgm:txFillClrLst meth="repeat">
+      <a:schemeClr val="dk1"/>
+    </dgm:txFillClrLst>
+    <dgm:txEffectClrLst/>
+  </dgm:styleLbl>
+  <dgm:styleLbl name="alignAcc1">
+    <dgm:fillClrLst meth="repeat">
+      <a:schemeClr val="lt1">
+        <a:alpha val="90000"/>
+      </a:schemeClr>
+    </dgm:fillClrLst>
+    <dgm:linClrLst meth="repeat">
+      <a:schemeClr val="accent2"/>
+      <a:schemeClr val="accent3"/>
+      <a:schemeClr val="accent4"/>
+      <a:schemeClr val="accent5"/>
+      <a:schemeClr val="accent6"/>
+    </dgm:linClrLst>
+    <dgm:effectClrLst/>
+    <dgm:txLinClrLst/>
+    <dgm:txFillClrLst meth="repeat">
+      <a:schemeClr val="dk1"/>
+    </dgm:txFillClrLst>
+    <dgm:txEffectClrLst/>
+  </dgm:styleLbl>
+  <dgm:styleLbl name="trAlignAcc1">
+    <dgm:fillClrLst meth="repeat">
+      <a:schemeClr val="lt1">
+        <a:alpha val="40000"/>
+      </a:schemeClr>
+    </dgm:fillClrLst>
+    <dgm:linClrLst meth="repeat">
+      <a:schemeClr val="accent1"/>
+    </dgm:linClrLst>
+    <dgm:effectClrLst/>
+    <dgm:txLinClrLst/>
+    <dgm:txFillClrLst meth="repeat">
+      <a:schemeClr val="dk1"/>
+    </dgm:txFillClrLst>
+    <dgm:txEffectClrLst/>
+  </dgm:styleLbl>
+  <dgm:styleLbl name="bgAcc1">
+    <dgm:fillClrLst meth="repeat">
+      <a:schemeClr val="lt1">
+        <a:alpha val="90000"/>
+      </a:schemeClr>
+    </dgm:fillClrLst>
+    <dgm:linClrLst meth="repeat">
+      <a:schemeClr val="accent2"/>
+      <a:schemeClr val="accent3"/>
+      <a:schemeClr val="accent4"/>
+      <a:schemeClr val="accent5"/>
+      <a:schemeClr val="accent6"/>
+    </dgm:linClrLst>
+    <dgm:effectClrLst/>
+    <dgm:txLinClrLst/>
+    <dgm:txFillClrLst meth="repeat">
+      <a:schemeClr val="dk1"/>
+    </dgm:txFillClrLst>
+    <dgm:txEffectClrLst/>
+  </dgm:styleLbl>
+  <dgm:styleLbl name="solidFgAcc1">
+    <dgm:fillClrLst meth="repeat">
+      <a:schemeClr val="lt1"/>
+    </dgm:fillClrLst>
+    <dgm:linClrLst meth="repeat">
+      <a:schemeClr val="accent2"/>
+      <a:schemeClr val="accent3"/>
+      <a:schemeClr val="accent4"/>
+      <a:schemeClr val="accent5"/>
+      <a:schemeClr val="accent6"/>
+    </dgm:linClrLst>
+    <dgm:effectClrLst/>
+    <dgm:txLinClrLst/>
+    <dgm:txFillClrLst meth="repeat">
+      <a:schemeClr val="dk1"/>
+    </dgm:txFillClrLst>
+    <dgm:txEffectClrLst/>
+  </dgm:styleLbl>
+  <dgm:styleLbl name="solidAlignAcc1">
+    <dgm:fillClrLst meth="repeat">
+      <a:schemeClr val="lt1"/>
+    </dgm:fillClrLst>
+    <dgm:linClrLst meth="repeat">
+      <a:schemeClr val="accent2"/>
+      <a:schemeClr val="accent3"/>
+      <a:schemeClr val="accent4"/>
+      <a:schemeClr val="accent5"/>
+      <a:schemeClr val="accent6"/>
+    </dgm:linClrLst>
+    <dgm:effectClrLst/>
+    <dgm:txLinClrLst/>
+    <dgm:txFillClrLst meth="repeat">
+      <a:schemeClr val="dk1"/>
+    </dgm:txFillClrLst>
+    <dgm:txEffectClrLst/>
+  </dgm:styleLbl>
+  <dgm:styleLbl name="solidBgAcc1">
+    <dgm:fillClrLst meth="repeat">
+      <a:schemeClr val="lt1"/>
+    </dgm:fillClrLst>
+    <dgm:linClrLst meth="repeat">
+      <a:schemeClr val="accent2"/>
+      <a:schemeClr val="accent3"/>
+      <a:schemeClr val="accent4"/>
+      <a:schemeClr val="accent5"/>
+      <a:schemeClr val="accent6"/>
+    </dgm:linClrLst>
+    <dgm:effectClrLst/>
+    <dgm:txLinClrLst/>
+    <dgm:txFillClrLst meth="repeat">
+      <a:schemeClr val="dk1"/>
+    </dgm:txFillClrLst>
+    <dgm:txEffectClrLst/>
+  </dgm:styleLbl>
+  <dgm:styleLbl name="fgAccFollowNode1">
+    <dgm:fillClrLst meth="repeat">
+      <a:schemeClr val="accent2">
+        <a:tint val="40000"/>
+        <a:alpha val="90000"/>
+      </a:schemeClr>
+      <a:schemeClr val="accent3">
+        <a:tint val="40000"/>
+        <a:alpha val="90000"/>
+      </a:schemeClr>
+      <a:schemeClr val="accent4">
+        <a:tint val="40000"/>
+        <a:alpha val="90000"/>
+      </a:schemeClr>
+      <a:schemeClr val="accent5">
+        <a:tint val="40000"/>
+        <a:alpha val="90000"/>
+      </a:schemeClr>
+      <a:schemeClr val="accent6">
+        <a:tint val="40000"/>
+        <a:alpha val="90000"/>
+      </a:schemeClr>
+    </dgm:fillClrLst>
+    <dgm:linClrLst meth="repeat">
+      <a:schemeClr val="accent2">
+        <a:tint val="40000"/>
+        <a:alpha val="90000"/>
+      </a:schemeClr>
+      <a:schemeClr val="accent3">
+        <a:tint val="40000"/>
+        <a:alpha val="90000"/>
+      </a:schemeClr>
+      <a:schemeClr val="accent4">
+        <a:tint val="40000"/>
+        <a:alpha val="90000"/>
+      </a:schemeClr>
+      <a:schemeClr val="accent5">
+        <a:tint val="40000"/>
+        <a:alpha val="90000"/>
+      </a:schemeClr>
+      <a:schemeClr val="accent6">
+        <a:tint val="40000"/>
+        <a:alpha val="90000"/>
+      </a:schemeClr>
+    </dgm:linClrLst>
+    <dgm:effectClrLst/>
+    <dgm:txLinClrLst/>
+    <dgm:txFillClrLst meth="repeat">
+      <a:schemeClr val="dk1"/>
+    </dgm:txFillClrLst>
+    <dgm:txEffectClrLst/>
+  </dgm:styleLbl>
+  <dgm:styleLbl name="alignAccFollowNode1">
+    <dgm:fillClrLst meth="repeat">
+      <a:schemeClr val="accent2">
+        <a:tint val="40000"/>
+        <a:alpha val="90000"/>
+      </a:schemeClr>
+      <a:schemeClr val="accent3">
+        <a:tint val="40000"/>
+        <a:alpha val="90000"/>
+      </a:schemeClr>
+      <a:schemeClr val="accent4">
+        <a:tint val="40000"/>
+        <a:alpha val="90000"/>
+      </a:schemeClr>
+      <a:schemeClr val="accent5">
+        <a:tint val="40000"/>
+        <a:alpha val="90000"/>
+      </a:schemeClr>
+      <a:schemeClr val="accent6">
+        <a:tint val="40000"/>
+        <a:alpha val="90000"/>
+      </a:schemeClr>
+    </dgm:fillClrLst>
+    <dgm:linClrLst meth="repeat">
+      <a:schemeClr val="accent2">
+        <a:tint val="40000"/>
+        <a:alpha val="90000"/>
+      </a:schemeClr>
+      <a:schemeClr val="accent3">
+        <a:tint val="40000"/>
+        <a:alpha val="90000"/>
+      </a:schemeClr>
+      <a:schemeClr val="accent4">
+        <a:tint val="40000"/>
+        <a:alpha val="90000"/>
+      </a:schemeClr>
+      <a:schemeClr val="accent5">
+        <a:tint val="40000"/>
+        <a:alpha val="90000"/>
+      </a:schemeClr>
+      <a:schemeClr val="accent6">
+        <a:tint val="40000"/>
+        <a:alpha val="90000"/>
+      </a:schemeClr>
+    </dgm:linClrLst>
+    <dgm:effectClrLst/>
+    <dgm:txLinClrLst/>
+    <dgm:txFillClrLst meth="repeat">
+      <a:schemeClr val="dk1"/>
+    </dgm:txFillClrLst>
+    <dgm:txEffectClrLst/>
+  </dgm:styleLbl>
+  <dgm:styleLbl name="bgAccFollowNode1">
+    <dgm:fillClrLst meth="repeat">
+      <a:schemeClr val="accent2">
+        <a:tint val="40000"/>
+        <a:alpha val="90000"/>
+      </a:schemeClr>
+      <a:schemeClr val="accent3">
+        <a:tint val="40000"/>
+        <a:alpha val="90000"/>
+      </a:schemeClr>
+      <a:schemeClr val="accent4">
+        <a:tint val="40000"/>
+        <a:alpha val="90000"/>
+      </a:schemeClr>
+      <a:schemeClr val="accent5">
+        <a:tint val="40000"/>
+        <a:alpha val="90000"/>
+      </a:schemeClr>
+      <a:schemeClr val="accent6">
+        <a:tint val="40000"/>
+        <a:alpha val="90000"/>
+      </a:schemeClr>
+    </dgm:fillClrLst>
+    <dgm:linClrLst meth="repeat">
+      <a:schemeClr val="accent2">
+        <a:tint val="40000"/>
+        <a:alpha val="90000"/>
+      </a:schemeClr>
+      <a:schemeClr val="accent3">
+        <a:tint val="40000"/>
+        <a:alpha val="90000"/>
+      </a:schemeClr>
+      <a:schemeClr val="accent4">
+        <a:tint val="40000"/>
+        <a:alpha val="90000"/>
+      </a:schemeClr>
+      <a:schemeClr val="accent5">
+        <a:tint val="40000"/>
+        <a:alpha val="90000"/>
+      </a:schemeClr>
+      <a:schemeClr val="accent6">
+        <a:tint val="40000"/>
+        <a:alpha val="90000"/>
+      </a:schemeClr>
+    </dgm:linClrLst>
+    <dgm:effectClrLst/>
+    <dgm:txLinClrLst/>
+    <dgm:txFillClrLst meth="repeat">
+      <a:schemeClr val="dk1"/>
+    </dgm:txFillClrLst>
+    <dgm:txEffectClrLst/>
+  </dgm:styleLbl>
+  <dgm:styleLbl name="fgAcc0">
+    <dgm:fillClrLst meth="repeat">
+      <a:schemeClr val="lt1">
+        <a:alpha val="90000"/>
+      </a:schemeClr>
+    </dgm:fillClrLst>
+    <dgm:linClrLst>
+      <a:schemeClr val="accent1"/>
+    </dgm:linClrLst>
+    <dgm:effectClrLst/>
+    <dgm:txLinClrLst/>
+    <dgm:txFillClrLst meth="repeat">
+      <a:schemeClr val="dk1"/>
+    </dgm:txFillClrLst>
+    <dgm:txEffectClrLst/>
+  </dgm:styleLbl>
+  <dgm:styleLbl name="fgAcc2">
+    <dgm:fillClrLst meth="repeat">
+      <a:schemeClr val="lt1">
+        <a:alpha val="90000"/>
+      </a:schemeClr>
+    </dgm:fillClrLst>
+    <dgm:linClrLst>
+      <a:schemeClr val="accent2"/>
+    </dgm:linClrLst>
+    <dgm:effectClrLst/>
+    <dgm:txLinClrLst/>
+    <dgm:txFillClrLst meth="repeat">
+      <a:schemeClr val="dk1"/>
+    </dgm:txFillClrLst>
+    <dgm:txEffectClrLst/>
+  </dgm:styleLbl>
+  <dgm:styleLbl name="fgAcc3">
+    <dgm:fillClrLst meth="repeat">
+      <a:schemeClr val="lt1">
+        <a:alpha val="90000"/>
+      </a:schemeClr>
+    </dgm:fillClrLst>
+    <dgm:linClrLst>
+      <a:schemeClr val="accent3"/>
+    </dgm:linClrLst>
+    <dgm:effectClrLst/>
+    <dgm:txLinClrLst/>
+    <dgm:txFillClrLst meth="repeat">
+      <a:schemeClr val="dk1"/>
+    </dgm:txFillClrLst>
+    <dgm:txEffectClrLst/>
+  </dgm:styleLbl>
+  <dgm:styleLbl name="fgAcc4">
+    <dgm:fillClrLst meth="repeat">
+      <a:schemeClr val="lt1">
+        <a:alpha val="90000"/>
+      </a:schemeClr>
+    </dgm:fillClrLst>
+    <dgm:linClrLst>
+      <a:schemeClr val="accent4"/>
+    </dgm:linClrLst>
+    <dgm:effectClrLst/>
+    <dgm:txLinClrLst/>
+    <dgm:txFillClrLst meth="repeat">
+      <a:schemeClr val="dk1"/>
+    </dgm:txFillClrLst>
+    <dgm:txEffectClrLst/>
+  </dgm:styleLbl>
+  <dgm:styleLbl name="bgShp">
+    <dgm:fillClrLst meth="repeat">
+      <a:schemeClr val="accent2"/>
+      <a:schemeClr val="accent3"/>
+      <a:schemeClr val="accent4"/>
+      <a:schemeClr val="accent5"/>
+      <a:schemeClr val="accent6"/>
+    </dgm:fillClrLst>
+    <dgm:linClrLst meth="repeat">
+      <a:schemeClr val="lt1">
+        <a:alpha val="0"/>
+      </a:schemeClr>
+    </dgm:linClrLst>
+    <dgm:effectClrLst/>
+    <dgm:txLinClrLst/>
+    <dgm:txFillClrLst/>
+    <dgm:txEffectClrLst/>
+  </dgm:styleLbl>
+  <dgm:styleLbl name="dkBgShp">
+    <dgm:fillClrLst meth="repeat">
+      <a:schemeClr val="accent2">
+        <a:shade val="90000"/>
+      </a:schemeClr>
+    </dgm:fillClrLst>
+    <dgm:linClrLst meth="repeat">
+      <a:schemeClr val="dk1"/>
+    </dgm:linClrLst>
+    <dgm:effectClrLst/>
+    <dgm:txLinClrLst/>
+    <dgm:txFillClrLst meth="repeat">
+      <a:schemeClr val="lt1"/>
+    </dgm:txFillClrLst>
+    <dgm:txEffectClrLst/>
+  </dgm:styleLbl>
+  <dgm:styleLbl name="trBgShp">
+    <dgm:fillClrLst meth="repeat">
+      <a:schemeClr val="accent1">
+        <a:tint val="50000"/>
+        <a:alpha val="40000"/>
+      </a:schemeClr>
+    </dgm:fillClrLst>
+    <dgm:linClrLst meth="repeat">
+      <a:schemeClr val="accent2"/>
+    </dgm:linClrLst>
+    <dgm:effectClrLst/>
+    <dgm:txLinClrLst/>
+    <dgm:txFillClrLst meth="repeat">
+      <a:schemeClr val="lt1"/>
+    </dgm:txFillClrLst>
+    <dgm:txEffectClrLst/>
+  </dgm:styleLbl>
+  <dgm:styleLbl name="fgShp">
+    <dgm:fillClrLst meth="repeat">
+      <a:schemeClr val="accent2">
+        <a:tint val="40000"/>
+      </a:schemeClr>
+    </dgm:fillClrLst>
+    <dgm:linClrLst meth="repeat">
+      <a:schemeClr val="lt1"/>
+    </dgm:linClrLst>
+    <dgm:effectClrLst/>
+    <dgm:txLinClrLst/>
+    <dgm:txFillClrLst meth="repeat">
+      <a:schemeClr val="dk1"/>
+    </dgm:txFillClrLst>
+    <dgm:txEffectClrLst/>
+  </dgm:styleLbl>
+  <dgm:styleLbl name="revTx">
+    <dgm:fillClrLst meth="repeat">
+      <a:schemeClr val="lt1">
+        <a:alpha val="0"/>
+      </a:schemeClr>
+    </dgm:fillClrLst>
+    <dgm:linClrLst meth="repeat">
+      <a:schemeClr val="dk1">
+        <a:alpha val="0"/>
+      </a:schemeClr>
+    </dgm:linClrLst>
+    <dgm:effectClrLst/>
+    <dgm:txLinClrLst/>
+    <dgm:txFillClrLst meth="repeat">
+      <a:schemeClr val="tx1"/>
+    </dgm:txFillClrLst>
+    <dgm:txEffectClrLst/>
+  </dgm:styleLbl>
+</dgm:colorsDef>
+</file>
+
+<file path=ppt/diagrams/colors4.xml><?xml version="1.0" encoding="utf-8"?>
 <dgm:colorsDef xmlns:dgm="http://schemas.openxmlformats.org/drawingml/2006/diagram" xmlns:a="http://schemas.openxmlformats.org/drawingml/2006/main" uniqueId="urn:microsoft.com/office/officeart/2005/8/colors/colorful5">
   <dgm:title val=""/>
   <dgm:desc val=""/>
@@ -1830,7 +3500,7 @@
 </dgm:colorsDef>
 </file>
 
-<file path=ppt/diagrams/colors3.xml><?xml version="1.0" encoding="utf-8"?>
+<file path=ppt/diagrams/colors5.xml><?xml version="1.0" encoding="utf-8"?>
 <dgm:colorsDef xmlns:dgm="http://schemas.openxmlformats.org/drawingml/2006/diagram" xmlns:a="http://schemas.openxmlformats.org/drawingml/2006/main" uniqueId="urn:microsoft.com/office/officeart/2005/8/colors/colorful2">
   <dgm:title val=""/>
   <dgm:desc val=""/>
@@ -2613,6 +4283,504 @@
 </file>
 
 <file path=ppt/diagrams/data1.xml><?xml version="1.0" encoding="utf-8"?>
+<dgm:dataModel xmlns:dgm="http://schemas.openxmlformats.org/drawingml/2006/diagram" xmlns:a="http://schemas.openxmlformats.org/drawingml/2006/main">
+  <dgm:ptLst>
+    <dgm:pt modelId="{E37D0690-46EC-410E-ABE3-4BC5EC2F6369}" type="doc">
+      <dgm:prSet loTypeId="urn:microsoft.com/office/officeart/2008/layout/LinedList" loCatId="list" qsTypeId="urn:microsoft.com/office/officeart/2005/8/quickstyle/simple1" qsCatId="simple" csTypeId="urn:microsoft.com/office/officeart/2005/8/colors/accent4_2" csCatId="accent4"/>
+      <dgm:spPr/>
+      <dgm:t>
+        <a:bodyPr/>
+        <a:lstStyle/>
+        <a:p>
+          <a:endParaRPr lang="en-US"/>
+        </a:p>
+      </dgm:t>
+    </dgm:pt>
+    <dgm:pt modelId="{D90EA10E-BECE-411A-9F6A-9DB6501223CE}">
+      <dgm:prSet/>
+      <dgm:spPr/>
+      <dgm:t>
+        <a:bodyPr/>
+        <a:lstStyle/>
+        <a:p>
+          <a:r>
+            <a:rPr lang="en-US"/>
+            <a:t>Created by  </a:t>
+          </a:r>
+          <a:r>
+            <a:rPr lang="en-US">
+              <a:hlinkClick xmlns:r="http://schemas.openxmlformats.org/officeDocument/2006/relationships" r:id="rId1"/>
+            </a:rPr>
+            <a:t>Roger Godement</a:t>
+          </a:r>
+          <a:r>
+            <a:rPr lang="en-US"/>
+            <a:t> in the 1950’s</a:t>
+          </a:r>
+        </a:p>
+      </dgm:t>
+    </dgm:pt>
+    <dgm:pt modelId="{789CEEB0-0306-4420-8CD9-8C1295FE950C}" type="parTrans" cxnId="{CA3FF813-C7C7-4910-B385-36608924E80A}">
+      <dgm:prSet/>
+      <dgm:spPr/>
+      <dgm:t>
+        <a:bodyPr/>
+        <a:lstStyle/>
+        <a:p>
+          <a:endParaRPr lang="en-US"/>
+        </a:p>
+      </dgm:t>
+    </dgm:pt>
+    <dgm:pt modelId="{FAF7ED17-5A9B-4832-BFC6-F46641A74AAF}" type="sibTrans" cxnId="{CA3FF813-C7C7-4910-B385-36608924E80A}">
+      <dgm:prSet/>
+      <dgm:spPr/>
+      <dgm:t>
+        <a:bodyPr/>
+        <a:lstStyle/>
+        <a:p>
+          <a:endParaRPr lang="en-US"/>
+        </a:p>
+      </dgm:t>
+    </dgm:pt>
+    <dgm:pt modelId="{35F27832-1D8A-42CB-A85E-32E4D23C91B5}">
+      <dgm:prSet/>
+      <dgm:spPr/>
+      <dgm:t>
+        <a:bodyPr/>
+        <a:lstStyle/>
+        <a:p>
+          <a:r>
+            <a:rPr lang="en-US">
+              <a:hlinkClick xmlns:r="http://schemas.openxmlformats.org/officeDocument/2006/relationships" r:id="rId2"/>
+            </a:rPr>
+            <a:t>Eugenio Moggi</a:t>
+          </a:r>
+          <a:r>
+            <a:rPr lang="en-US"/>
+            <a:t> first </a:t>
+          </a:r>
+          <a:r>
+            <a:rPr lang="en-US" b="0" i="0"/>
+            <a:t>to link category theory monad to functional programming</a:t>
+          </a:r>
+          <a:endParaRPr lang="en-US"/>
+        </a:p>
+      </dgm:t>
+    </dgm:pt>
+    <dgm:pt modelId="{0644F59D-1BA2-42AC-9BD4-F9223EC025A7}" type="parTrans" cxnId="{7F47937A-8B6F-475A-AB39-A8BAF97CB687}">
+      <dgm:prSet/>
+      <dgm:spPr/>
+      <dgm:t>
+        <a:bodyPr/>
+        <a:lstStyle/>
+        <a:p>
+          <a:endParaRPr lang="en-US"/>
+        </a:p>
+      </dgm:t>
+    </dgm:pt>
+    <dgm:pt modelId="{1E2EA41F-AD0B-45EB-96BF-1BFECB854CD8}" type="sibTrans" cxnId="{7F47937A-8B6F-475A-AB39-A8BAF97CB687}">
+      <dgm:prSet/>
+      <dgm:spPr/>
+      <dgm:t>
+        <a:bodyPr/>
+        <a:lstStyle/>
+        <a:p>
+          <a:endParaRPr lang="en-US"/>
+        </a:p>
+      </dgm:t>
+    </dgm:pt>
+    <dgm:pt modelId="{087C4104-51B1-43CC-90A7-903E2FF6416E}" type="pres">
+      <dgm:prSet presAssocID="{E37D0690-46EC-410E-ABE3-4BC5EC2F6369}" presName="vert0" presStyleCnt="0">
+        <dgm:presLayoutVars>
+          <dgm:dir/>
+          <dgm:animOne val="branch"/>
+          <dgm:animLvl val="lvl"/>
+        </dgm:presLayoutVars>
+      </dgm:prSet>
+      <dgm:spPr/>
+    </dgm:pt>
+    <dgm:pt modelId="{DDB1B11D-1F2E-4713-88C9-A98DB251D0E6}" type="pres">
+      <dgm:prSet presAssocID="{D90EA10E-BECE-411A-9F6A-9DB6501223CE}" presName="thickLine" presStyleLbl="alignNode1" presStyleIdx="0" presStyleCnt="2"/>
+      <dgm:spPr/>
+    </dgm:pt>
+    <dgm:pt modelId="{1C241CD6-BA87-41E7-9A61-EF2C00832288}" type="pres">
+      <dgm:prSet presAssocID="{D90EA10E-BECE-411A-9F6A-9DB6501223CE}" presName="horz1" presStyleCnt="0"/>
+      <dgm:spPr/>
+    </dgm:pt>
+    <dgm:pt modelId="{02E52BD9-C354-46D1-9538-98A6AA983654}" type="pres">
+      <dgm:prSet presAssocID="{D90EA10E-BECE-411A-9F6A-9DB6501223CE}" presName="tx1" presStyleLbl="revTx" presStyleIdx="0" presStyleCnt="2"/>
+      <dgm:spPr/>
+    </dgm:pt>
+    <dgm:pt modelId="{E8E45AB0-51FA-45D2-92F5-0A58FA157CA2}" type="pres">
+      <dgm:prSet presAssocID="{D90EA10E-BECE-411A-9F6A-9DB6501223CE}" presName="vert1" presStyleCnt="0"/>
+      <dgm:spPr/>
+    </dgm:pt>
+    <dgm:pt modelId="{DEBF848D-1ED5-4D27-8758-FDB64A5E532E}" type="pres">
+      <dgm:prSet presAssocID="{35F27832-1D8A-42CB-A85E-32E4D23C91B5}" presName="thickLine" presStyleLbl="alignNode1" presStyleIdx="1" presStyleCnt="2"/>
+      <dgm:spPr/>
+    </dgm:pt>
+    <dgm:pt modelId="{3D413D5A-6769-48EA-9E22-B4EB75C592B2}" type="pres">
+      <dgm:prSet presAssocID="{35F27832-1D8A-42CB-A85E-32E4D23C91B5}" presName="horz1" presStyleCnt="0"/>
+      <dgm:spPr/>
+    </dgm:pt>
+    <dgm:pt modelId="{F88D68E4-5AE5-49C9-A4AE-9F6C6F20F18A}" type="pres">
+      <dgm:prSet presAssocID="{35F27832-1D8A-42CB-A85E-32E4D23C91B5}" presName="tx1" presStyleLbl="revTx" presStyleIdx="1" presStyleCnt="2"/>
+      <dgm:spPr/>
+    </dgm:pt>
+    <dgm:pt modelId="{04131389-4B5D-4CEB-B739-2D0433C51FAA}" type="pres">
+      <dgm:prSet presAssocID="{35F27832-1D8A-42CB-A85E-32E4D23C91B5}" presName="vert1" presStyleCnt="0"/>
+      <dgm:spPr/>
+    </dgm:pt>
+  </dgm:ptLst>
+  <dgm:cxnLst>
+    <dgm:cxn modelId="{CA3FF813-C7C7-4910-B385-36608924E80A}" srcId="{E37D0690-46EC-410E-ABE3-4BC5EC2F6369}" destId="{D90EA10E-BECE-411A-9F6A-9DB6501223CE}" srcOrd="0" destOrd="0" parTransId="{789CEEB0-0306-4420-8CD9-8C1295FE950C}" sibTransId="{FAF7ED17-5A9B-4832-BFC6-F46641A74AAF}"/>
+    <dgm:cxn modelId="{1389EE74-5869-485E-8A97-168AA2A34D69}" type="presOf" srcId="{35F27832-1D8A-42CB-A85E-32E4D23C91B5}" destId="{F88D68E4-5AE5-49C9-A4AE-9F6C6F20F18A}" srcOrd="0" destOrd="0" presId="urn:microsoft.com/office/officeart/2008/layout/LinedList"/>
+    <dgm:cxn modelId="{7F47937A-8B6F-475A-AB39-A8BAF97CB687}" srcId="{E37D0690-46EC-410E-ABE3-4BC5EC2F6369}" destId="{35F27832-1D8A-42CB-A85E-32E4D23C91B5}" srcOrd="1" destOrd="0" parTransId="{0644F59D-1BA2-42AC-9BD4-F9223EC025A7}" sibTransId="{1E2EA41F-AD0B-45EB-96BF-1BFECB854CD8}"/>
+    <dgm:cxn modelId="{FDB7DEDA-317D-495E-92D0-91EAA4956C43}" type="presOf" srcId="{D90EA10E-BECE-411A-9F6A-9DB6501223CE}" destId="{02E52BD9-C354-46D1-9538-98A6AA983654}" srcOrd="0" destOrd="0" presId="urn:microsoft.com/office/officeart/2008/layout/LinedList"/>
+    <dgm:cxn modelId="{DD1F21DB-E307-44CC-A87B-0D5E400FEF74}" type="presOf" srcId="{E37D0690-46EC-410E-ABE3-4BC5EC2F6369}" destId="{087C4104-51B1-43CC-90A7-903E2FF6416E}" srcOrd="0" destOrd="0" presId="urn:microsoft.com/office/officeart/2008/layout/LinedList"/>
+    <dgm:cxn modelId="{2794C45F-1284-4B3B-916E-D1C572ACF22A}" type="presParOf" srcId="{087C4104-51B1-43CC-90A7-903E2FF6416E}" destId="{DDB1B11D-1F2E-4713-88C9-A98DB251D0E6}" srcOrd="0" destOrd="0" presId="urn:microsoft.com/office/officeart/2008/layout/LinedList"/>
+    <dgm:cxn modelId="{109D6E36-003F-4848-8B63-D5F405D7EDC5}" type="presParOf" srcId="{087C4104-51B1-43CC-90A7-903E2FF6416E}" destId="{1C241CD6-BA87-41E7-9A61-EF2C00832288}" srcOrd="1" destOrd="0" presId="urn:microsoft.com/office/officeart/2008/layout/LinedList"/>
+    <dgm:cxn modelId="{51D98F92-91C0-46EE-8812-EAC6B12F60E2}" type="presParOf" srcId="{1C241CD6-BA87-41E7-9A61-EF2C00832288}" destId="{02E52BD9-C354-46D1-9538-98A6AA983654}" srcOrd="0" destOrd="0" presId="urn:microsoft.com/office/officeart/2008/layout/LinedList"/>
+    <dgm:cxn modelId="{4F614E03-AFBE-4582-AF25-37CCF9AC8F02}" type="presParOf" srcId="{1C241CD6-BA87-41E7-9A61-EF2C00832288}" destId="{E8E45AB0-51FA-45D2-92F5-0A58FA157CA2}" srcOrd="1" destOrd="0" presId="urn:microsoft.com/office/officeart/2008/layout/LinedList"/>
+    <dgm:cxn modelId="{F3FD30EE-7FD0-4027-B106-127163E37447}" type="presParOf" srcId="{087C4104-51B1-43CC-90A7-903E2FF6416E}" destId="{DEBF848D-1ED5-4D27-8758-FDB64A5E532E}" srcOrd="2" destOrd="0" presId="urn:microsoft.com/office/officeart/2008/layout/LinedList"/>
+    <dgm:cxn modelId="{4ADC65AD-2D1B-48CE-B00C-C7B36E18F329}" type="presParOf" srcId="{087C4104-51B1-43CC-90A7-903E2FF6416E}" destId="{3D413D5A-6769-48EA-9E22-B4EB75C592B2}" srcOrd="3" destOrd="0" presId="urn:microsoft.com/office/officeart/2008/layout/LinedList"/>
+    <dgm:cxn modelId="{5D5E9CB6-B1D3-48FD-A97D-8D6B687750DC}" type="presParOf" srcId="{3D413D5A-6769-48EA-9E22-B4EB75C592B2}" destId="{F88D68E4-5AE5-49C9-A4AE-9F6C6F20F18A}" srcOrd="0" destOrd="0" presId="urn:microsoft.com/office/officeart/2008/layout/LinedList"/>
+    <dgm:cxn modelId="{3C367FA3-5450-46FC-9BCA-CE97F84843EB}" type="presParOf" srcId="{3D413D5A-6769-48EA-9E22-B4EB75C592B2}" destId="{04131389-4B5D-4CEB-B739-2D0433C51FAA}" srcOrd="1" destOrd="0" presId="urn:microsoft.com/office/officeart/2008/layout/LinedList"/>
+  </dgm:cxnLst>
+  <dgm:bg/>
+  <dgm:whole/>
+  <dgm:extLst>
+    <a:ext uri="http://schemas.microsoft.com/office/drawing/2008/diagram">
+      <dsp:dataModelExt xmlns:dsp="http://schemas.microsoft.com/office/drawing/2008/diagram" relId="rId6" minVer="http://schemas.openxmlformats.org/drawingml/2006/diagram"/>
+    </a:ext>
+  </dgm:extLst>
+</dgm:dataModel>
+</file>
+
+<file path=ppt/diagrams/data2.xml><?xml version="1.0" encoding="utf-8"?>
+<dgm:dataModel xmlns:dgm="http://schemas.openxmlformats.org/drawingml/2006/diagram" xmlns:a="http://schemas.openxmlformats.org/drawingml/2006/main">
+  <dgm:ptLst>
+    <dgm:pt modelId="{53333586-0B0A-483D-905E-E3378E3D2FBF}" type="doc">
+      <dgm:prSet loTypeId="urn:microsoft.com/office/officeart/2018/2/layout/IconVerticalSolidList" loCatId="icon" qsTypeId="urn:microsoft.com/office/officeart/2005/8/quickstyle/simple1" qsCatId="simple" csTypeId="urn:microsoft.com/office/officeart/2018/5/colors/Iconchunking_neutralbg_colorful1" csCatId="colorful" phldr="1"/>
+      <dgm:spPr/>
+      <dgm:t>
+        <a:bodyPr/>
+        <a:lstStyle/>
+        <a:p>
+          <a:endParaRPr lang="en-US"/>
+        </a:p>
+      </dgm:t>
+    </dgm:pt>
+    <dgm:pt modelId="{94383F4F-22A7-40C2-83D6-D602F203D581}">
+      <dgm:prSet/>
+      <dgm:spPr/>
+      <dgm:t>
+        <a:bodyPr/>
+        <a:lstStyle/>
+        <a:p>
+          <a:r>
+            <a:rPr lang="en-US"/>
+            <a:t>Abstraction</a:t>
+          </a:r>
+        </a:p>
+      </dgm:t>
+    </dgm:pt>
+    <dgm:pt modelId="{AD979302-4CC9-4628-BDB4-C46C508318EF}" type="parTrans" cxnId="{EBD5FA21-56C4-40AB-80F8-D5790B220036}">
+      <dgm:prSet/>
+      <dgm:spPr/>
+      <dgm:t>
+        <a:bodyPr/>
+        <a:lstStyle/>
+        <a:p>
+          <a:endParaRPr lang="en-US"/>
+        </a:p>
+      </dgm:t>
+    </dgm:pt>
+    <dgm:pt modelId="{9684A5E5-1B7D-47BD-8301-773003800D4B}" type="sibTrans" cxnId="{EBD5FA21-56C4-40AB-80F8-D5790B220036}">
+      <dgm:prSet/>
+      <dgm:spPr/>
+      <dgm:t>
+        <a:bodyPr/>
+        <a:lstStyle/>
+        <a:p>
+          <a:endParaRPr lang="en-US"/>
+        </a:p>
+      </dgm:t>
+    </dgm:pt>
+    <dgm:pt modelId="{91E88A25-6197-41AE-B4A7-E805D25DBCD8}">
+      <dgm:prSet/>
+      <dgm:spPr/>
+      <dgm:t>
+        <a:bodyPr/>
+        <a:lstStyle/>
+        <a:p>
+          <a:r>
+            <a:rPr lang="en-US"/>
+            <a:t>Code reuse</a:t>
+          </a:r>
+        </a:p>
+      </dgm:t>
+    </dgm:pt>
+    <dgm:pt modelId="{268D01FF-6308-47E9-8E8E-9D86BA758286}" type="parTrans" cxnId="{19C5D7F4-D42C-42A0-8F90-5786F225CAF8}">
+      <dgm:prSet/>
+      <dgm:spPr/>
+      <dgm:t>
+        <a:bodyPr/>
+        <a:lstStyle/>
+        <a:p>
+          <a:endParaRPr lang="en-US"/>
+        </a:p>
+      </dgm:t>
+    </dgm:pt>
+    <dgm:pt modelId="{99DF0836-F6D1-43FC-9F79-DDD7D86B637F}" type="sibTrans" cxnId="{19C5D7F4-D42C-42A0-8F90-5786F225CAF8}">
+      <dgm:prSet/>
+      <dgm:spPr/>
+      <dgm:t>
+        <a:bodyPr/>
+        <a:lstStyle/>
+        <a:p>
+          <a:endParaRPr lang="en-US"/>
+        </a:p>
+      </dgm:t>
+    </dgm:pt>
+    <dgm:pt modelId="{6EE24242-60FB-44D8-B68E-8263CA5D69A8}">
+      <dgm:prSet/>
+      <dgm:spPr/>
+      <dgm:t>
+        <a:bodyPr/>
+        <a:lstStyle/>
+        <a:p>
+          <a:r>
+            <a:rPr lang="en-US"/>
+            <a:t>We already use them</a:t>
+          </a:r>
+        </a:p>
+      </dgm:t>
+    </dgm:pt>
+    <dgm:pt modelId="{478349DB-ED4A-4A3B-AE1C-F6C6C8226FC7}" type="parTrans" cxnId="{C3A620AF-3C3F-4FD5-AA96-D9903B9CB891}">
+      <dgm:prSet/>
+      <dgm:spPr/>
+      <dgm:t>
+        <a:bodyPr/>
+        <a:lstStyle/>
+        <a:p>
+          <a:endParaRPr lang="en-US"/>
+        </a:p>
+      </dgm:t>
+    </dgm:pt>
+    <dgm:pt modelId="{F0E9F6D6-211A-4E89-9359-3E800DAF02C3}" type="sibTrans" cxnId="{C3A620AF-3C3F-4FD5-AA96-D9903B9CB891}">
+      <dgm:prSet/>
+      <dgm:spPr/>
+      <dgm:t>
+        <a:bodyPr/>
+        <a:lstStyle/>
+        <a:p>
+          <a:endParaRPr lang="en-US"/>
+        </a:p>
+      </dgm:t>
+    </dgm:pt>
+    <dgm:pt modelId="{DC902B03-A639-46B8-A42D-113D98771071}" type="pres">
+      <dgm:prSet presAssocID="{53333586-0B0A-483D-905E-E3378E3D2FBF}" presName="root" presStyleCnt="0">
+        <dgm:presLayoutVars>
+          <dgm:dir/>
+          <dgm:resizeHandles val="exact"/>
+        </dgm:presLayoutVars>
+      </dgm:prSet>
+      <dgm:spPr/>
+    </dgm:pt>
+    <dgm:pt modelId="{5452936D-7B36-4020-9857-42710B126D36}" type="pres">
+      <dgm:prSet presAssocID="{94383F4F-22A7-40C2-83D6-D602F203D581}" presName="compNode" presStyleCnt="0"/>
+      <dgm:spPr/>
+    </dgm:pt>
+    <dgm:pt modelId="{3D640634-3EF3-45CE-9B54-3E1F2D0F8ADA}" type="pres">
+      <dgm:prSet presAssocID="{94383F4F-22A7-40C2-83D6-D602F203D581}" presName="bgRect" presStyleLbl="bgShp" presStyleIdx="0" presStyleCnt="3"/>
+      <dgm:spPr/>
+    </dgm:pt>
+    <dgm:pt modelId="{DC6EF6AF-02C0-4D5F-B244-624AD83591C8}" type="pres">
+      <dgm:prSet presAssocID="{94383F4F-22A7-40C2-83D6-D602F203D581}" presName="iconRect" presStyleLbl="node1" presStyleIdx="0" presStyleCnt="3"/>
+      <dgm:spPr>
+        <a:blipFill>
+          <a:blip xmlns:r="http://schemas.openxmlformats.org/officeDocument/2006/relationships" r:embed="rId1">
+            <a:extLst>
+              <a:ext uri="{28A0092B-C50C-407E-A947-70E740481C1C}">
+                <a14:useLocalDpi xmlns:a14="http://schemas.microsoft.com/office/drawing/2010/main" val="0"/>
+              </a:ext>
+              <a:ext uri="{96DAC541-7B7A-43D3-8B79-37D633B846F1}">
+                <asvg:svgBlip xmlns:asvg="http://schemas.microsoft.com/office/drawing/2016/SVG/main" r:embed="rId2"/>
+              </a:ext>
+            </a:extLst>
+          </a:blip>
+          <a:stretch>
+            <a:fillRect/>
+          </a:stretch>
+        </a:blipFill>
+        <a:ln>
+          <a:noFill/>
+        </a:ln>
+      </dgm:spPr>
+      <dgm:extLst>
+        <a:ext uri="{E40237B7-FDA0-4F09-8148-C483321AD2D9}">
+          <dgm14:cNvPr xmlns:dgm14="http://schemas.microsoft.com/office/drawing/2010/diagram" id="0" name="" descr="Head with Gears"/>
+        </a:ext>
+      </dgm:extLst>
+    </dgm:pt>
+    <dgm:pt modelId="{BEE5F79F-ACB6-4D65-B7A0-F31383D44788}" type="pres">
+      <dgm:prSet presAssocID="{94383F4F-22A7-40C2-83D6-D602F203D581}" presName="spaceRect" presStyleCnt="0"/>
+      <dgm:spPr/>
+    </dgm:pt>
+    <dgm:pt modelId="{B7B29EA9-5F94-4387-B6E9-A7922226723D}" type="pres">
+      <dgm:prSet presAssocID="{94383F4F-22A7-40C2-83D6-D602F203D581}" presName="parTx" presStyleLbl="revTx" presStyleIdx="0" presStyleCnt="3">
+        <dgm:presLayoutVars>
+          <dgm:chMax val="0"/>
+          <dgm:chPref val="0"/>
+        </dgm:presLayoutVars>
+      </dgm:prSet>
+      <dgm:spPr/>
+    </dgm:pt>
+    <dgm:pt modelId="{5935BA27-4C81-4D6B-9CBE-4E08FD18FBFC}" type="pres">
+      <dgm:prSet presAssocID="{9684A5E5-1B7D-47BD-8301-773003800D4B}" presName="sibTrans" presStyleCnt="0"/>
+      <dgm:spPr/>
+    </dgm:pt>
+    <dgm:pt modelId="{D1A2A42A-07DA-4CA3-A356-91F4046DBA1A}" type="pres">
+      <dgm:prSet presAssocID="{91E88A25-6197-41AE-B4A7-E805D25DBCD8}" presName="compNode" presStyleCnt="0"/>
+      <dgm:spPr/>
+    </dgm:pt>
+    <dgm:pt modelId="{54B0FC84-1479-4AC8-8085-7D4E45363C7A}" type="pres">
+      <dgm:prSet presAssocID="{91E88A25-6197-41AE-B4A7-E805D25DBCD8}" presName="bgRect" presStyleLbl="bgShp" presStyleIdx="1" presStyleCnt="3"/>
+      <dgm:spPr/>
+    </dgm:pt>
+    <dgm:pt modelId="{DD6ED6B9-98AF-409B-9BC2-FDC9779B0B4B}" type="pres">
+      <dgm:prSet presAssocID="{91E88A25-6197-41AE-B4A7-E805D25DBCD8}" presName="iconRect" presStyleLbl="node1" presStyleIdx="1" presStyleCnt="3"/>
+      <dgm:spPr>
+        <a:blipFill>
+          <a:blip xmlns:r="http://schemas.openxmlformats.org/officeDocument/2006/relationships" r:embed="rId3">
+            <a:extLst>
+              <a:ext uri="{28A0092B-C50C-407E-A947-70E740481C1C}">
+                <a14:useLocalDpi xmlns:a14="http://schemas.microsoft.com/office/drawing/2010/main" val="0"/>
+              </a:ext>
+              <a:ext uri="{96DAC541-7B7A-43D3-8B79-37D633B846F1}">
+                <asvg:svgBlip xmlns:asvg="http://schemas.microsoft.com/office/drawing/2016/SVG/main" r:embed="rId4"/>
+              </a:ext>
+            </a:extLst>
+          </a:blip>
+          <a:stretch>
+            <a:fillRect/>
+          </a:stretch>
+        </a:blipFill>
+        <a:ln>
+          <a:noFill/>
+        </a:ln>
+      </dgm:spPr>
+      <dgm:extLst>
+        <a:ext uri="{E40237B7-FDA0-4F09-8148-C483321AD2D9}">
+          <dgm14:cNvPr xmlns:dgm14="http://schemas.microsoft.com/office/drawing/2010/diagram" id="0" name="" descr="Recycle"/>
+        </a:ext>
+      </dgm:extLst>
+    </dgm:pt>
+    <dgm:pt modelId="{BD942563-AA1D-46E7-B6C9-7B302251D9E5}" type="pres">
+      <dgm:prSet presAssocID="{91E88A25-6197-41AE-B4A7-E805D25DBCD8}" presName="spaceRect" presStyleCnt="0"/>
+      <dgm:spPr/>
+    </dgm:pt>
+    <dgm:pt modelId="{77C572F4-2216-4546-BA45-5BBF316855C5}" type="pres">
+      <dgm:prSet presAssocID="{91E88A25-6197-41AE-B4A7-E805D25DBCD8}" presName="parTx" presStyleLbl="revTx" presStyleIdx="1" presStyleCnt="3">
+        <dgm:presLayoutVars>
+          <dgm:chMax val="0"/>
+          <dgm:chPref val="0"/>
+        </dgm:presLayoutVars>
+      </dgm:prSet>
+      <dgm:spPr/>
+    </dgm:pt>
+    <dgm:pt modelId="{262BC2CF-C258-4B88-B854-6615A916D8B5}" type="pres">
+      <dgm:prSet presAssocID="{99DF0836-F6D1-43FC-9F79-DDD7D86B637F}" presName="sibTrans" presStyleCnt="0"/>
+      <dgm:spPr/>
+    </dgm:pt>
+    <dgm:pt modelId="{E4437E3E-DC29-4F9C-956B-2CFFD7373211}" type="pres">
+      <dgm:prSet presAssocID="{6EE24242-60FB-44D8-B68E-8263CA5D69A8}" presName="compNode" presStyleCnt="0"/>
+      <dgm:spPr/>
+    </dgm:pt>
+    <dgm:pt modelId="{3FB4C6A9-CF64-4400-91DD-16DE12E1CD4B}" type="pres">
+      <dgm:prSet presAssocID="{6EE24242-60FB-44D8-B68E-8263CA5D69A8}" presName="bgRect" presStyleLbl="bgShp" presStyleIdx="2" presStyleCnt="3"/>
+      <dgm:spPr/>
+    </dgm:pt>
+    <dgm:pt modelId="{AB325665-B84F-4712-BE55-118607370E10}" type="pres">
+      <dgm:prSet presAssocID="{6EE24242-60FB-44D8-B68E-8263CA5D69A8}" presName="iconRect" presStyleLbl="node1" presStyleIdx="2" presStyleCnt="3"/>
+      <dgm:spPr>
+        <a:blipFill>
+          <a:blip xmlns:r="http://schemas.openxmlformats.org/officeDocument/2006/relationships" r:embed="rId5">
+            <a:extLst>
+              <a:ext uri="{28A0092B-C50C-407E-A947-70E740481C1C}">
+                <a14:useLocalDpi xmlns:a14="http://schemas.microsoft.com/office/drawing/2010/main" val="0"/>
+              </a:ext>
+              <a:ext uri="{96DAC541-7B7A-43D3-8B79-37D633B846F1}">
+                <asvg:svgBlip xmlns:asvg="http://schemas.microsoft.com/office/drawing/2016/SVG/main" r:embed="rId6"/>
+              </a:ext>
+            </a:extLst>
+          </a:blip>
+          <a:stretch>
+            <a:fillRect/>
+          </a:stretch>
+        </a:blipFill>
+        <a:ln>
+          <a:noFill/>
+        </a:ln>
+      </dgm:spPr>
+      <dgm:extLst>
+        <a:ext uri="{E40237B7-FDA0-4F09-8148-C483321AD2D9}">
+          <dgm14:cNvPr xmlns:dgm14="http://schemas.microsoft.com/office/drawing/2010/diagram" id="0" name="" descr="Checkmark"/>
+        </a:ext>
+      </dgm:extLst>
+    </dgm:pt>
+    <dgm:pt modelId="{122825D1-C232-461C-9F45-35A6C5A4B7B2}" type="pres">
+      <dgm:prSet presAssocID="{6EE24242-60FB-44D8-B68E-8263CA5D69A8}" presName="spaceRect" presStyleCnt="0"/>
+      <dgm:spPr/>
+    </dgm:pt>
+    <dgm:pt modelId="{0042AF43-9A68-4D6F-8AD2-80E49711924B}" type="pres">
+      <dgm:prSet presAssocID="{6EE24242-60FB-44D8-B68E-8263CA5D69A8}" presName="parTx" presStyleLbl="revTx" presStyleIdx="2" presStyleCnt="3">
+        <dgm:presLayoutVars>
+          <dgm:chMax val="0"/>
+          <dgm:chPref val="0"/>
+        </dgm:presLayoutVars>
+      </dgm:prSet>
+      <dgm:spPr/>
+    </dgm:pt>
+  </dgm:ptLst>
+  <dgm:cxnLst>
+    <dgm:cxn modelId="{EBD5FA21-56C4-40AB-80F8-D5790B220036}" srcId="{53333586-0B0A-483D-905E-E3378E3D2FBF}" destId="{94383F4F-22A7-40C2-83D6-D602F203D581}" srcOrd="0" destOrd="0" parTransId="{AD979302-4CC9-4628-BDB4-C46C508318EF}" sibTransId="{9684A5E5-1B7D-47BD-8301-773003800D4B}"/>
+    <dgm:cxn modelId="{1ABA4588-D658-4747-BA33-15487E43A952}" type="presOf" srcId="{53333586-0B0A-483D-905E-E3378E3D2FBF}" destId="{DC902B03-A639-46B8-A42D-113D98771071}" srcOrd="0" destOrd="0" presId="urn:microsoft.com/office/officeart/2018/2/layout/IconVerticalSolidList"/>
+    <dgm:cxn modelId="{CB0BFC97-4449-45A6-B915-B2FA1CB8FD2E}" type="presOf" srcId="{94383F4F-22A7-40C2-83D6-D602F203D581}" destId="{B7B29EA9-5F94-4387-B6E9-A7922226723D}" srcOrd="0" destOrd="0" presId="urn:microsoft.com/office/officeart/2018/2/layout/IconVerticalSolidList"/>
+    <dgm:cxn modelId="{C3A620AF-3C3F-4FD5-AA96-D9903B9CB891}" srcId="{53333586-0B0A-483D-905E-E3378E3D2FBF}" destId="{6EE24242-60FB-44D8-B68E-8263CA5D69A8}" srcOrd="2" destOrd="0" parTransId="{478349DB-ED4A-4A3B-AE1C-F6C6C8226FC7}" sibTransId="{F0E9F6D6-211A-4E89-9359-3E800DAF02C3}"/>
+    <dgm:cxn modelId="{537331DC-F259-4951-AAEB-FD969AD7F44D}" type="presOf" srcId="{6EE24242-60FB-44D8-B68E-8263CA5D69A8}" destId="{0042AF43-9A68-4D6F-8AD2-80E49711924B}" srcOrd="0" destOrd="0" presId="urn:microsoft.com/office/officeart/2018/2/layout/IconVerticalSolidList"/>
+    <dgm:cxn modelId="{A445D5F4-B053-4D5A-AE05-BD83DDC5FEB8}" type="presOf" srcId="{91E88A25-6197-41AE-B4A7-E805D25DBCD8}" destId="{77C572F4-2216-4546-BA45-5BBF316855C5}" srcOrd="0" destOrd="0" presId="urn:microsoft.com/office/officeart/2018/2/layout/IconVerticalSolidList"/>
+    <dgm:cxn modelId="{19C5D7F4-D42C-42A0-8F90-5786F225CAF8}" srcId="{53333586-0B0A-483D-905E-E3378E3D2FBF}" destId="{91E88A25-6197-41AE-B4A7-E805D25DBCD8}" srcOrd="1" destOrd="0" parTransId="{268D01FF-6308-47E9-8E8E-9D86BA758286}" sibTransId="{99DF0836-F6D1-43FC-9F79-DDD7D86B637F}"/>
+    <dgm:cxn modelId="{D6CE6CD0-956B-4706-8299-F9395BCEF0A5}" type="presParOf" srcId="{DC902B03-A639-46B8-A42D-113D98771071}" destId="{5452936D-7B36-4020-9857-42710B126D36}" srcOrd="0" destOrd="0" presId="urn:microsoft.com/office/officeart/2018/2/layout/IconVerticalSolidList"/>
+    <dgm:cxn modelId="{FC6122B7-A35A-435D-B78E-8076C4C14730}" type="presParOf" srcId="{5452936D-7B36-4020-9857-42710B126D36}" destId="{3D640634-3EF3-45CE-9B54-3E1F2D0F8ADA}" srcOrd="0" destOrd="0" presId="urn:microsoft.com/office/officeart/2018/2/layout/IconVerticalSolidList"/>
+    <dgm:cxn modelId="{6E8D835C-887E-4DC4-B9B8-1A39760D530F}" type="presParOf" srcId="{5452936D-7B36-4020-9857-42710B126D36}" destId="{DC6EF6AF-02C0-4D5F-B244-624AD83591C8}" srcOrd="1" destOrd="0" presId="urn:microsoft.com/office/officeart/2018/2/layout/IconVerticalSolidList"/>
+    <dgm:cxn modelId="{D6D935CD-D92C-402C-B590-294AA1352964}" type="presParOf" srcId="{5452936D-7B36-4020-9857-42710B126D36}" destId="{BEE5F79F-ACB6-4D65-B7A0-F31383D44788}" srcOrd="2" destOrd="0" presId="urn:microsoft.com/office/officeart/2018/2/layout/IconVerticalSolidList"/>
+    <dgm:cxn modelId="{827D6601-40D5-491B-8323-AD646B7B0AE7}" type="presParOf" srcId="{5452936D-7B36-4020-9857-42710B126D36}" destId="{B7B29EA9-5F94-4387-B6E9-A7922226723D}" srcOrd="3" destOrd="0" presId="urn:microsoft.com/office/officeart/2018/2/layout/IconVerticalSolidList"/>
+    <dgm:cxn modelId="{17018773-0060-458E-AF9A-A034092DEC70}" type="presParOf" srcId="{DC902B03-A639-46B8-A42D-113D98771071}" destId="{5935BA27-4C81-4D6B-9CBE-4E08FD18FBFC}" srcOrd="1" destOrd="0" presId="urn:microsoft.com/office/officeart/2018/2/layout/IconVerticalSolidList"/>
+    <dgm:cxn modelId="{FFB50C6B-88A1-41E5-998B-553C382FC6CC}" type="presParOf" srcId="{DC902B03-A639-46B8-A42D-113D98771071}" destId="{D1A2A42A-07DA-4CA3-A356-91F4046DBA1A}" srcOrd="2" destOrd="0" presId="urn:microsoft.com/office/officeart/2018/2/layout/IconVerticalSolidList"/>
+    <dgm:cxn modelId="{C11CBC42-8698-45A5-8944-DBD248546EBA}" type="presParOf" srcId="{D1A2A42A-07DA-4CA3-A356-91F4046DBA1A}" destId="{54B0FC84-1479-4AC8-8085-7D4E45363C7A}" srcOrd="0" destOrd="0" presId="urn:microsoft.com/office/officeart/2018/2/layout/IconVerticalSolidList"/>
+    <dgm:cxn modelId="{125FD876-8CBF-4474-BB68-22D3D3DD8C49}" type="presParOf" srcId="{D1A2A42A-07DA-4CA3-A356-91F4046DBA1A}" destId="{DD6ED6B9-98AF-409B-9BC2-FDC9779B0B4B}" srcOrd="1" destOrd="0" presId="urn:microsoft.com/office/officeart/2018/2/layout/IconVerticalSolidList"/>
+    <dgm:cxn modelId="{F41AF01B-0A88-44E6-B04B-1FFF0944C2E7}" type="presParOf" srcId="{D1A2A42A-07DA-4CA3-A356-91F4046DBA1A}" destId="{BD942563-AA1D-46E7-B6C9-7B302251D9E5}" srcOrd="2" destOrd="0" presId="urn:microsoft.com/office/officeart/2018/2/layout/IconVerticalSolidList"/>
+    <dgm:cxn modelId="{A7A606BB-074F-4472-BD01-2B0A694EFF6F}" type="presParOf" srcId="{D1A2A42A-07DA-4CA3-A356-91F4046DBA1A}" destId="{77C572F4-2216-4546-BA45-5BBF316855C5}" srcOrd="3" destOrd="0" presId="urn:microsoft.com/office/officeart/2018/2/layout/IconVerticalSolidList"/>
+    <dgm:cxn modelId="{5DFF2807-5AAA-4EBB-80E4-60B599106BD3}" type="presParOf" srcId="{DC902B03-A639-46B8-A42D-113D98771071}" destId="{262BC2CF-C258-4B88-B854-6615A916D8B5}" srcOrd="3" destOrd="0" presId="urn:microsoft.com/office/officeart/2018/2/layout/IconVerticalSolidList"/>
+    <dgm:cxn modelId="{6691A2B1-C1B9-44F8-94AC-3D9C294DD956}" type="presParOf" srcId="{DC902B03-A639-46B8-A42D-113D98771071}" destId="{E4437E3E-DC29-4F9C-956B-2CFFD7373211}" srcOrd="4" destOrd="0" presId="urn:microsoft.com/office/officeart/2018/2/layout/IconVerticalSolidList"/>
+    <dgm:cxn modelId="{68A21E33-E531-4EF6-B9CB-ABFBE5235BA2}" type="presParOf" srcId="{E4437E3E-DC29-4F9C-956B-2CFFD7373211}" destId="{3FB4C6A9-CF64-4400-91DD-16DE12E1CD4B}" srcOrd="0" destOrd="0" presId="urn:microsoft.com/office/officeart/2018/2/layout/IconVerticalSolidList"/>
+    <dgm:cxn modelId="{40274721-7802-4337-AA88-00BD633B3863}" type="presParOf" srcId="{E4437E3E-DC29-4F9C-956B-2CFFD7373211}" destId="{AB325665-B84F-4712-BE55-118607370E10}" srcOrd="1" destOrd="0" presId="urn:microsoft.com/office/officeart/2018/2/layout/IconVerticalSolidList"/>
+    <dgm:cxn modelId="{4D9DFEA5-25B5-48AF-9EAC-2FB05A3877B8}" type="presParOf" srcId="{E4437E3E-DC29-4F9C-956B-2CFFD7373211}" destId="{122825D1-C232-461C-9F45-35A6C5A4B7B2}" srcOrd="2" destOrd="0" presId="urn:microsoft.com/office/officeart/2018/2/layout/IconVerticalSolidList"/>
+    <dgm:cxn modelId="{D208D030-9F6E-4B11-A66E-289B6BE7AD3B}" type="presParOf" srcId="{E4437E3E-DC29-4F9C-956B-2CFFD7373211}" destId="{0042AF43-9A68-4D6F-8AD2-80E49711924B}" srcOrd="3" destOrd="0" presId="urn:microsoft.com/office/officeart/2018/2/layout/IconVerticalSolidList"/>
+  </dgm:cxnLst>
+  <dgm:bg/>
+  <dgm:whole/>
+  <dgm:extLst>
+    <a:ext uri="http://schemas.microsoft.com/office/drawing/2008/diagram">
+      <dsp:dataModelExt xmlns:dsp="http://schemas.microsoft.com/office/drawing/2008/diagram" relId="rId6" minVer="http://schemas.openxmlformats.org/drawingml/2006/diagram"/>
+    </a:ext>
+  </dgm:extLst>
+</dgm:dataModel>
+</file>
+
+<file path=ppt/diagrams/data3.xml><?xml version="1.0" encoding="utf-8"?>
 <dgm:dataModel xmlns:dgm="http://schemas.openxmlformats.org/drawingml/2006/diagram" xmlns:a="http://schemas.openxmlformats.org/drawingml/2006/main">
   <dgm:ptLst>
     <dgm:pt modelId="{15509919-36B5-4162-8899-417A9F93473B}" type="doc">
@@ -2974,7 +5142,7 @@
 </dgm:dataModel>
 </file>
 
-<file path=ppt/diagrams/data2.xml><?xml version="1.0" encoding="utf-8"?>
+<file path=ppt/diagrams/data4.xml><?xml version="1.0" encoding="utf-8"?>
 <dgm:dataModel xmlns:dgm="http://schemas.openxmlformats.org/drawingml/2006/diagram" xmlns:a="http://schemas.openxmlformats.org/drawingml/2006/main">
   <dgm:ptLst>
     <dgm:pt modelId="{240FC3D1-B0C7-4C67-8A25-0A00C5C9F0D2}" type="doc">
@@ -3165,7 +5333,7 @@
 </dgm:dataModel>
 </file>
 
-<file path=ppt/diagrams/data3.xml><?xml version="1.0" encoding="utf-8"?>
+<file path=ppt/diagrams/data5.xml><?xml version="1.0" encoding="utf-8"?>
 <dgm:dataModel xmlns:dgm="http://schemas.openxmlformats.org/drawingml/2006/diagram" xmlns:a="http://schemas.openxmlformats.org/drawingml/2006/main">
   <dgm:ptLst>
     <dgm:pt modelId="{B8CC2BC3-3B9A-433C-83F0-66F68A3C0DD6}" type="doc">
@@ -3440,6 +5608,722 @@
       <dsp:cNvGrpSpPr/>
     </dsp:nvGrpSpPr>
     <dsp:grpSpPr/>
+    <dsp:sp modelId="{DDB1B11D-1F2E-4713-88C9-A98DB251D0E6}">
+      <dsp:nvSpPr>
+        <dsp:cNvPr id="0" name=""/>
+        <dsp:cNvSpPr/>
+      </dsp:nvSpPr>
+      <dsp:spPr>
+        <a:xfrm>
+          <a:off x="0" y="0"/>
+          <a:ext cx="5906181" cy="0"/>
+        </a:xfrm>
+        <a:prstGeom prst="line">
+          <a:avLst/>
+        </a:prstGeom>
+        <a:solidFill>
+          <a:schemeClr val="accent4">
+            <a:hueOff val="0"/>
+            <a:satOff val="0"/>
+            <a:lumOff val="0"/>
+            <a:alphaOff val="0"/>
+          </a:schemeClr>
+        </a:solidFill>
+        <a:ln w="12700" cap="flat" cmpd="sng" algn="ctr">
+          <a:solidFill>
+            <a:schemeClr val="accent4">
+              <a:hueOff val="0"/>
+              <a:satOff val="0"/>
+              <a:lumOff val="0"/>
+              <a:alphaOff val="0"/>
+            </a:schemeClr>
+          </a:solidFill>
+          <a:prstDash val="solid"/>
+        </a:ln>
+        <a:effectLst/>
+      </dsp:spPr>
+      <dsp:style>
+        <a:lnRef idx="2">
+          <a:scrgbClr r="0" g="0" b="0"/>
+        </a:lnRef>
+        <a:fillRef idx="1">
+          <a:scrgbClr r="0" g="0" b="0"/>
+        </a:fillRef>
+        <a:effectRef idx="0">
+          <a:scrgbClr r="0" g="0" b="0"/>
+        </a:effectRef>
+        <a:fontRef idx="minor">
+          <a:schemeClr val="lt1"/>
+        </a:fontRef>
+      </dsp:style>
+    </dsp:sp>
+    <dsp:sp modelId="{02E52BD9-C354-46D1-9538-98A6AA983654}">
+      <dsp:nvSpPr>
+        <dsp:cNvPr id="0" name=""/>
+        <dsp:cNvSpPr/>
+      </dsp:nvSpPr>
+      <dsp:spPr>
+        <a:xfrm>
+          <a:off x="0" y="0"/>
+          <a:ext cx="5906181" cy="2615359"/>
+        </a:xfrm>
+        <a:prstGeom prst="rect">
+          <a:avLst/>
+        </a:prstGeom>
+        <a:noFill/>
+        <a:ln>
+          <a:noFill/>
+        </a:ln>
+        <a:effectLst/>
+      </dsp:spPr>
+      <dsp:style>
+        <a:lnRef idx="0">
+          <a:scrgbClr r="0" g="0" b="0"/>
+        </a:lnRef>
+        <a:fillRef idx="0">
+          <a:scrgbClr r="0" g="0" b="0"/>
+        </a:fillRef>
+        <a:effectRef idx="0">
+          <a:scrgbClr r="0" g="0" b="0"/>
+        </a:effectRef>
+        <a:fontRef idx="minor"/>
+      </dsp:style>
+      <dsp:txBody>
+        <a:bodyPr spcFirstLastPara="0" vert="horz" wrap="square" lIns="156210" tIns="156210" rIns="156210" bIns="156210" numCol="1" spcCol="1270" anchor="t" anchorCtr="0">
+          <a:noAutofit/>
+        </a:bodyPr>
+        <a:lstStyle/>
+        <a:p>
+          <a:pPr marL="0" lvl="0" indent="0" algn="l" defTabSz="1822450">
+            <a:lnSpc>
+              <a:spcPct val="90000"/>
+            </a:lnSpc>
+            <a:spcBef>
+              <a:spcPct val="0"/>
+            </a:spcBef>
+            <a:spcAft>
+              <a:spcPct val="35000"/>
+            </a:spcAft>
+            <a:buNone/>
+          </a:pPr>
+          <a:r>
+            <a:rPr lang="en-US" sz="4100" kern="1200"/>
+            <a:t>Created by  </a:t>
+          </a:r>
+          <a:r>
+            <a:rPr lang="en-US" sz="4100" kern="1200">
+              <a:hlinkClick xmlns:r="http://schemas.openxmlformats.org/officeDocument/2006/relationships" r:id="rId1"/>
+            </a:rPr>
+            <a:t>Roger Godement</a:t>
+          </a:r>
+          <a:r>
+            <a:rPr lang="en-US" sz="4100" kern="1200"/>
+            <a:t> in the 1950’s</a:t>
+          </a:r>
+        </a:p>
+      </dsp:txBody>
+      <dsp:txXfrm>
+        <a:off x="0" y="0"/>
+        <a:ext cx="5906181" cy="2615359"/>
+      </dsp:txXfrm>
+    </dsp:sp>
+    <dsp:sp modelId="{DEBF848D-1ED5-4D27-8758-FDB64A5E532E}">
+      <dsp:nvSpPr>
+        <dsp:cNvPr id="0" name=""/>
+        <dsp:cNvSpPr/>
+      </dsp:nvSpPr>
+      <dsp:spPr>
+        <a:xfrm>
+          <a:off x="0" y="2615359"/>
+          <a:ext cx="5906181" cy="0"/>
+        </a:xfrm>
+        <a:prstGeom prst="line">
+          <a:avLst/>
+        </a:prstGeom>
+        <a:solidFill>
+          <a:schemeClr val="accent4">
+            <a:hueOff val="0"/>
+            <a:satOff val="0"/>
+            <a:lumOff val="0"/>
+            <a:alphaOff val="0"/>
+          </a:schemeClr>
+        </a:solidFill>
+        <a:ln w="12700" cap="flat" cmpd="sng" algn="ctr">
+          <a:solidFill>
+            <a:schemeClr val="accent4">
+              <a:hueOff val="0"/>
+              <a:satOff val="0"/>
+              <a:lumOff val="0"/>
+              <a:alphaOff val="0"/>
+            </a:schemeClr>
+          </a:solidFill>
+          <a:prstDash val="solid"/>
+        </a:ln>
+        <a:effectLst/>
+      </dsp:spPr>
+      <dsp:style>
+        <a:lnRef idx="2">
+          <a:scrgbClr r="0" g="0" b="0"/>
+        </a:lnRef>
+        <a:fillRef idx="1">
+          <a:scrgbClr r="0" g="0" b="0"/>
+        </a:fillRef>
+        <a:effectRef idx="0">
+          <a:scrgbClr r="0" g="0" b="0"/>
+        </a:effectRef>
+        <a:fontRef idx="minor">
+          <a:schemeClr val="lt1"/>
+        </a:fontRef>
+      </dsp:style>
+    </dsp:sp>
+    <dsp:sp modelId="{F88D68E4-5AE5-49C9-A4AE-9F6C6F20F18A}">
+      <dsp:nvSpPr>
+        <dsp:cNvPr id="0" name=""/>
+        <dsp:cNvSpPr/>
+      </dsp:nvSpPr>
+      <dsp:spPr>
+        <a:xfrm>
+          <a:off x="0" y="2615359"/>
+          <a:ext cx="5906181" cy="2615359"/>
+        </a:xfrm>
+        <a:prstGeom prst="rect">
+          <a:avLst/>
+        </a:prstGeom>
+        <a:noFill/>
+        <a:ln>
+          <a:noFill/>
+        </a:ln>
+        <a:effectLst/>
+      </dsp:spPr>
+      <dsp:style>
+        <a:lnRef idx="0">
+          <a:scrgbClr r="0" g="0" b="0"/>
+        </a:lnRef>
+        <a:fillRef idx="0">
+          <a:scrgbClr r="0" g="0" b="0"/>
+        </a:fillRef>
+        <a:effectRef idx="0">
+          <a:scrgbClr r="0" g="0" b="0"/>
+        </a:effectRef>
+        <a:fontRef idx="minor"/>
+      </dsp:style>
+      <dsp:txBody>
+        <a:bodyPr spcFirstLastPara="0" vert="horz" wrap="square" lIns="156210" tIns="156210" rIns="156210" bIns="156210" numCol="1" spcCol="1270" anchor="t" anchorCtr="0">
+          <a:noAutofit/>
+        </a:bodyPr>
+        <a:lstStyle/>
+        <a:p>
+          <a:pPr marL="0" lvl="0" indent="0" algn="l" defTabSz="1822450">
+            <a:lnSpc>
+              <a:spcPct val="90000"/>
+            </a:lnSpc>
+            <a:spcBef>
+              <a:spcPct val="0"/>
+            </a:spcBef>
+            <a:spcAft>
+              <a:spcPct val="35000"/>
+            </a:spcAft>
+            <a:buNone/>
+          </a:pPr>
+          <a:r>
+            <a:rPr lang="en-US" sz="4100" kern="1200">
+              <a:hlinkClick xmlns:r="http://schemas.openxmlformats.org/officeDocument/2006/relationships" r:id="rId2"/>
+            </a:rPr>
+            <a:t>Eugenio Moggi</a:t>
+          </a:r>
+          <a:r>
+            <a:rPr lang="en-US" sz="4100" kern="1200"/>
+            <a:t> first </a:t>
+          </a:r>
+          <a:r>
+            <a:rPr lang="en-US" sz="4100" b="0" i="0" kern="1200"/>
+            <a:t>to link category theory monad to functional programming</a:t>
+          </a:r>
+          <a:endParaRPr lang="en-US" sz="4100" kern="1200"/>
+        </a:p>
+      </dsp:txBody>
+      <dsp:txXfrm>
+        <a:off x="0" y="2615359"/>
+        <a:ext cx="5906181" cy="2615359"/>
+      </dsp:txXfrm>
+    </dsp:sp>
+  </dsp:spTree>
+</dsp:drawing>
+</file>
+
+<file path=ppt/diagrams/drawing2.xml><?xml version="1.0" encoding="utf-8"?>
+<dsp:drawing xmlns:dgm="http://schemas.openxmlformats.org/drawingml/2006/diagram" xmlns:dsp="http://schemas.microsoft.com/office/drawing/2008/diagram" xmlns:a="http://schemas.openxmlformats.org/drawingml/2006/main">
+  <dsp:spTree>
+    <dsp:nvGrpSpPr>
+      <dsp:cNvPr id="0" name=""/>
+      <dsp:cNvGrpSpPr/>
+    </dsp:nvGrpSpPr>
+    <dsp:grpSpPr/>
+    <dsp:sp modelId="{3D640634-3EF3-45CE-9B54-3E1F2D0F8ADA}">
+      <dsp:nvSpPr>
+        <dsp:cNvPr id="0" name=""/>
+        <dsp:cNvSpPr/>
+      </dsp:nvSpPr>
+      <dsp:spPr>
+        <a:xfrm>
+          <a:off x="0" y="638"/>
+          <a:ext cx="5906181" cy="1494125"/>
+        </a:xfrm>
+        <a:prstGeom prst="roundRect">
+          <a:avLst>
+            <a:gd name="adj" fmla="val 10000"/>
+          </a:avLst>
+        </a:prstGeom>
+        <a:solidFill>
+          <a:schemeClr val="bg1">
+            <a:lumMod val="95000"/>
+            <a:hueOff val="0"/>
+            <a:satOff val="0"/>
+            <a:lumOff val="0"/>
+            <a:alphaOff val="0"/>
+          </a:schemeClr>
+        </a:solidFill>
+        <a:ln>
+          <a:noFill/>
+        </a:ln>
+        <a:effectLst/>
+      </dsp:spPr>
+      <dsp:style>
+        <a:lnRef idx="0">
+          <a:scrgbClr r="0" g="0" b="0"/>
+        </a:lnRef>
+        <a:fillRef idx="1">
+          <a:scrgbClr r="0" g="0" b="0"/>
+        </a:fillRef>
+        <a:effectRef idx="0">
+          <a:scrgbClr r="0" g="0" b="0"/>
+        </a:effectRef>
+        <a:fontRef idx="minor"/>
+      </dsp:style>
+    </dsp:sp>
+    <dsp:sp modelId="{DC6EF6AF-02C0-4D5F-B244-624AD83591C8}">
+      <dsp:nvSpPr>
+        <dsp:cNvPr id="0" name=""/>
+        <dsp:cNvSpPr/>
+      </dsp:nvSpPr>
+      <dsp:spPr>
+        <a:xfrm>
+          <a:off x="451973" y="336816"/>
+          <a:ext cx="821769" cy="821769"/>
+        </a:xfrm>
+        <a:prstGeom prst="rect">
+          <a:avLst/>
+        </a:prstGeom>
+        <a:blipFill>
+          <a:blip xmlns:r="http://schemas.openxmlformats.org/officeDocument/2006/relationships" r:embed="rId1">
+            <a:extLst>
+              <a:ext uri="{28A0092B-C50C-407E-A947-70E740481C1C}">
+                <a14:useLocalDpi xmlns:a14="http://schemas.microsoft.com/office/drawing/2010/main" val="0"/>
+              </a:ext>
+              <a:ext uri="{96DAC541-7B7A-43D3-8B79-37D633B846F1}">
+                <asvg:svgBlip xmlns:asvg="http://schemas.microsoft.com/office/drawing/2016/SVG/main" r:embed="rId2"/>
+              </a:ext>
+            </a:extLst>
+          </a:blip>
+          <a:stretch>
+            <a:fillRect/>
+          </a:stretch>
+        </a:blipFill>
+        <a:ln w="12700" cap="flat" cmpd="sng" algn="ctr">
+          <a:noFill/>
+          <a:prstDash val="solid"/>
+        </a:ln>
+        <a:effectLst/>
+      </dsp:spPr>
+      <dsp:style>
+        <a:lnRef idx="2">
+          <a:scrgbClr r="0" g="0" b="0"/>
+        </a:lnRef>
+        <a:fillRef idx="1">
+          <a:scrgbClr r="0" g="0" b="0"/>
+        </a:fillRef>
+        <a:effectRef idx="0">
+          <a:scrgbClr r="0" g="0" b="0"/>
+        </a:effectRef>
+        <a:fontRef idx="minor">
+          <a:schemeClr val="lt1"/>
+        </a:fontRef>
+      </dsp:style>
+    </dsp:sp>
+    <dsp:sp modelId="{B7B29EA9-5F94-4387-B6E9-A7922226723D}">
+      <dsp:nvSpPr>
+        <dsp:cNvPr id="0" name=""/>
+        <dsp:cNvSpPr/>
+      </dsp:nvSpPr>
+      <dsp:spPr>
+        <a:xfrm>
+          <a:off x="1725715" y="638"/>
+          <a:ext cx="4180465" cy="1494125"/>
+        </a:xfrm>
+        <a:prstGeom prst="rect">
+          <a:avLst/>
+        </a:prstGeom>
+        <a:noFill/>
+        <a:ln>
+          <a:noFill/>
+        </a:ln>
+        <a:effectLst/>
+      </dsp:spPr>
+      <dsp:style>
+        <a:lnRef idx="0">
+          <a:scrgbClr r="0" g="0" b="0"/>
+        </a:lnRef>
+        <a:fillRef idx="0">
+          <a:scrgbClr r="0" g="0" b="0"/>
+        </a:fillRef>
+        <a:effectRef idx="0">
+          <a:scrgbClr r="0" g="0" b="0"/>
+        </a:effectRef>
+        <a:fontRef idx="minor"/>
+      </dsp:style>
+      <dsp:txBody>
+        <a:bodyPr spcFirstLastPara="0" vert="horz" wrap="square" lIns="158128" tIns="158128" rIns="158128" bIns="158128" numCol="1" spcCol="1270" anchor="ctr" anchorCtr="0">
+          <a:noAutofit/>
+        </a:bodyPr>
+        <a:lstStyle/>
+        <a:p>
+          <a:pPr marL="0" lvl="0" indent="0" algn="l" defTabSz="1111250">
+            <a:lnSpc>
+              <a:spcPct val="90000"/>
+            </a:lnSpc>
+            <a:spcBef>
+              <a:spcPct val="0"/>
+            </a:spcBef>
+            <a:spcAft>
+              <a:spcPct val="35000"/>
+            </a:spcAft>
+            <a:buNone/>
+          </a:pPr>
+          <a:r>
+            <a:rPr lang="en-US" sz="2500" kern="1200"/>
+            <a:t>Abstraction</a:t>
+          </a:r>
+        </a:p>
+      </dsp:txBody>
+      <dsp:txXfrm>
+        <a:off x="1725715" y="638"/>
+        <a:ext cx="4180465" cy="1494125"/>
+      </dsp:txXfrm>
+    </dsp:sp>
+    <dsp:sp modelId="{54B0FC84-1479-4AC8-8085-7D4E45363C7A}">
+      <dsp:nvSpPr>
+        <dsp:cNvPr id="0" name=""/>
+        <dsp:cNvSpPr/>
+      </dsp:nvSpPr>
+      <dsp:spPr>
+        <a:xfrm>
+          <a:off x="0" y="1868296"/>
+          <a:ext cx="5906181" cy="1494125"/>
+        </a:xfrm>
+        <a:prstGeom prst="roundRect">
+          <a:avLst>
+            <a:gd name="adj" fmla="val 10000"/>
+          </a:avLst>
+        </a:prstGeom>
+        <a:solidFill>
+          <a:schemeClr val="bg1">
+            <a:lumMod val="95000"/>
+            <a:hueOff val="0"/>
+            <a:satOff val="0"/>
+            <a:lumOff val="0"/>
+            <a:alphaOff val="0"/>
+          </a:schemeClr>
+        </a:solidFill>
+        <a:ln>
+          <a:noFill/>
+        </a:ln>
+        <a:effectLst/>
+      </dsp:spPr>
+      <dsp:style>
+        <a:lnRef idx="0">
+          <a:scrgbClr r="0" g="0" b="0"/>
+        </a:lnRef>
+        <a:fillRef idx="1">
+          <a:scrgbClr r="0" g="0" b="0"/>
+        </a:fillRef>
+        <a:effectRef idx="0">
+          <a:scrgbClr r="0" g="0" b="0"/>
+        </a:effectRef>
+        <a:fontRef idx="minor"/>
+      </dsp:style>
+    </dsp:sp>
+    <dsp:sp modelId="{DD6ED6B9-98AF-409B-9BC2-FDC9779B0B4B}">
+      <dsp:nvSpPr>
+        <dsp:cNvPr id="0" name=""/>
+        <dsp:cNvSpPr/>
+      </dsp:nvSpPr>
+      <dsp:spPr>
+        <a:xfrm>
+          <a:off x="451973" y="2204474"/>
+          <a:ext cx="821769" cy="821769"/>
+        </a:xfrm>
+        <a:prstGeom prst="rect">
+          <a:avLst/>
+        </a:prstGeom>
+        <a:blipFill>
+          <a:blip xmlns:r="http://schemas.openxmlformats.org/officeDocument/2006/relationships" r:embed="rId3">
+            <a:extLst>
+              <a:ext uri="{28A0092B-C50C-407E-A947-70E740481C1C}">
+                <a14:useLocalDpi xmlns:a14="http://schemas.microsoft.com/office/drawing/2010/main" val="0"/>
+              </a:ext>
+              <a:ext uri="{96DAC541-7B7A-43D3-8B79-37D633B846F1}">
+                <asvg:svgBlip xmlns:asvg="http://schemas.microsoft.com/office/drawing/2016/SVG/main" r:embed="rId4"/>
+              </a:ext>
+            </a:extLst>
+          </a:blip>
+          <a:stretch>
+            <a:fillRect/>
+          </a:stretch>
+        </a:blipFill>
+        <a:ln w="12700" cap="flat" cmpd="sng" algn="ctr">
+          <a:noFill/>
+          <a:prstDash val="solid"/>
+        </a:ln>
+        <a:effectLst/>
+      </dsp:spPr>
+      <dsp:style>
+        <a:lnRef idx="2">
+          <a:scrgbClr r="0" g="0" b="0"/>
+        </a:lnRef>
+        <a:fillRef idx="1">
+          <a:scrgbClr r="0" g="0" b="0"/>
+        </a:fillRef>
+        <a:effectRef idx="0">
+          <a:scrgbClr r="0" g="0" b="0"/>
+        </a:effectRef>
+        <a:fontRef idx="minor">
+          <a:schemeClr val="lt1"/>
+        </a:fontRef>
+      </dsp:style>
+    </dsp:sp>
+    <dsp:sp modelId="{77C572F4-2216-4546-BA45-5BBF316855C5}">
+      <dsp:nvSpPr>
+        <dsp:cNvPr id="0" name=""/>
+        <dsp:cNvSpPr/>
+      </dsp:nvSpPr>
+      <dsp:spPr>
+        <a:xfrm>
+          <a:off x="1725715" y="1868296"/>
+          <a:ext cx="4180465" cy="1494125"/>
+        </a:xfrm>
+        <a:prstGeom prst="rect">
+          <a:avLst/>
+        </a:prstGeom>
+        <a:noFill/>
+        <a:ln>
+          <a:noFill/>
+        </a:ln>
+        <a:effectLst/>
+      </dsp:spPr>
+      <dsp:style>
+        <a:lnRef idx="0">
+          <a:scrgbClr r="0" g="0" b="0"/>
+        </a:lnRef>
+        <a:fillRef idx="0">
+          <a:scrgbClr r="0" g="0" b="0"/>
+        </a:fillRef>
+        <a:effectRef idx="0">
+          <a:scrgbClr r="0" g="0" b="0"/>
+        </a:effectRef>
+        <a:fontRef idx="minor"/>
+      </dsp:style>
+      <dsp:txBody>
+        <a:bodyPr spcFirstLastPara="0" vert="horz" wrap="square" lIns="158128" tIns="158128" rIns="158128" bIns="158128" numCol="1" spcCol="1270" anchor="ctr" anchorCtr="0">
+          <a:noAutofit/>
+        </a:bodyPr>
+        <a:lstStyle/>
+        <a:p>
+          <a:pPr marL="0" lvl="0" indent="0" algn="l" defTabSz="1111250">
+            <a:lnSpc>
+              <a:spcPct val="90000"/>
+            </a:lnSpc>
+            <a:spcBef>
+              <a:spcPct val="0"/>
+            </a:spcBef>
+            <a:spcAft>
+              <a:spcPct val="35000"/>
+            </a:spcAft>
+            <a:buNone/>
+          </a:pPr>
+          <a:r>
+            <a:rPr lang="en-US" sz="2500" kern="1200"/>
+            <a:t>Code reuse</a:t>
+          </a:r>
+        </a:p>
+      </dsp:txBody>
+      <dsp:txXfrm>
+        <a:off x="1725715" y="1868296"/>
+        <a:ext cx="4180465" cy="1494125"/>
+      </dsp:txXfrm>
+    </dsp:sp>
+    <dsp:sp modelId="{3FB4C6A9-CF64-4400-91DD-16DE12E1CD4B}">
+      <dsp:nvSpPr>
+        <dsp:cNvPr id="0" name=""/>
+        <dsp:cNvSpPr/>
+      </dsp:nvSpPr>
+      <dsp:spPr>
+        <a:xfrm>
+          <a:off x="0" y="3735953"/>
+          <a:ext cx="5906181" cy="1494125"/>
+        </a:xfrm>
+        <a:prstGeom prst="roundRect">
+          <a:avLst>
+            <a:gd name="adj" fmla="val 10000"/>
+          </a:avLst>
+        </a:prstGeom>
+        <a:solidFill>
+          <a:schemeClr val="bg1">
+            <a:lumMod val="95000"/>
+            <a:hueOff val="0"/>
+            <a:satOff val="0"/>
+            <a:lumOff val="0"/>
+            <a:alphaOff val="0"/>
+          </a:schemeClr>
+        </a:solidFill>
+        <a:ln>
+          <a:noFill/>
+        </a:ln>
+        <a:effectLst/>
+      </dsp:spPr>
+      <dsp:style>
+        <a:lnRef idx="0">
+          <a:scrgbClr r="0" g="0" b="0"/>
+        </a:lnRef>
+        <a:fillRef idx="1">
+          <a:scrgbClr r="0" g="0" b="0"/>
+        </a:fillRef>
+        <a:effectRef idx="0">
+          <a:scrgbClr r="0" g="0" b="0"/>
+        </a:effectRef>
+        <a:fontRef idx="minor"/>
+      </dsp:style>
+    </dsp:sp>
+    <dsp:sp modelId="{AB325665-B84F-4712-BE55-118607370E10}">
+      <dsp:nvSpPr>
+        <dsp:cNvPr id="0" name=""/>
+        <dsp:cNvSpPr/>
+      </dsp:nvSpPr>
+      <dsp:spPr>
+        <a:xfrm>
+          <a:off x="451973" y="4072131"/>
+          <a:ext cx="821769" cy="821769"/>
+        </a:xfrm>
+        <a:prstGeom prst="rect">
+          <a:avLst/>
+        </a:prstGeom>
+        <a:blipFill>
+          <a:blip xmlns:r="http://schemas.openxmlformats.org/officeDocument/2006/relationships" r:embed="rId5">
+            <a:extLst>
+              <a:ext uri="{28A0092B-C50C-407E-A947-70E740481C1C}">
+                <a14:useLocalDpi xmlns:a14="http://schemas.microsoft.com/office/drawing/2010/main" val="0"/>
+              </a:ext>
+              <a:ext uri="{96DAC541-7B7A-43D3-8B79-37D633B846F1}">
+                <asvg:svgBlip xmlns:asvg="http://schemas.microsoft.com/office/drawing/2016/SVG/main" r:embed="rId6"/>
+              </a:ext>
+            </a:extLst>
+          </a:blip>
+          <a:stretch>
+            <a:fillRect/>
+          </a:stretch>
+        </a:blipFill>
+        <a:ln w="12700" cap="flat" cmpd="sng" algn="ctr">
+          <a:noFill/>
+          <a:prstDash val="solid"/>
+        </a:ln>
+        <a:effectLst/>
+      </dsp:spPr>
+      <dsp:style>
+        <a:lnRef idx="2">
+          <a:scrgbClr r="0" g="0" b="0"/>
+        </a:lnRef>
+        <a:fillRef idx="1">
+          <a:scrgbClr r="0" g="0" b="0"/>
+        </a:fillRef>
+        <a:effectRef idx="0">
+          <a:scrgbClr r="0" g="0" b="0"/>
+        </a:effectRef>
+        <a:fontRef idx="minor">
+          <a:schemeClr val="lt1"/>
+        </a:fontRef>
+      </dsp:style>
+    </dsp:sp>
+    <dsp:sp modelId="{0042AF43-9A68-4D6F-8AD2-80E49711924B}">
+      <dsp:nvSpPr>
+        <dsp:cNvPr id="0" name=""/>
+        <dsp:cNvSpPr/>
+      </dsp:nvSpPr>
+      <dsp:spPr>
+        <a:xfrm>
+          <a:off x="1725715" y="3735953"/>
+          <a:ext cx="4180465" cy="1494125"/>
+        </a:xfrm>
+        <a:prstGeom prst="rect">
+          <a:avLst/>
+        </a:prstGeom>
+        <a:noFill/>
+        <a:ln>
+          <a:noFill/>
+        </a:ln>
+        <a:effectLst/>
+      </dsp:spPr>
+      <dsp:style>
+        <a:lnRef idx="0">
+          <a:scrgbClr r="0" g="0" b="0"/>
+        </a:lnRef>
+        <a:fillRef idx="0">
+          <a:scrgbClr r="0" g="0" b="0"/>
+        </a:fillRef>
+        <a:effectRef idx="0">
+          <a:scrgbClr r="0" g="0" b="0"/>
+        </a:effectRef>
+        <a:fontRef idx="minor"/>
+      </dsp:style>
+      <dsp:txBody>
+        <a:bodyPr spcFirstLastPara="0" vert="horz" wrap="square" lIns="158128" tIns="158128" rIns="158128" bIns="158128" numCol="1" spcCol="1270" anchor="ctr" anchorCtr="0">
+          <a:noAutofit/>
+        </a:bodyPr>
+        <a:lstStyle/>
+        <a:p>
+          <a:pPr marL="0" lvl="0" indent="0" algn="l" defTabSz="1111250">
+            <a:lnSpc>
+              <a:spcPct val="90000"/>
+            </a:lnSpc>
+            <a:spcBef>
+              <a:spcPct val="0"/>
+            </a:spcBef>
+            <a:spcAft>
+              <a:spcPct val="35000"/>
+            </a:spcAft>
+            <a:buNone/>
+          </a:pPr>
+          <a:r>
+            <a:rPr lang="en-US" sz="2500" kern="1200"/>
+            <a:t>We already use them</a:t>
+          </a:r>
+        </a:p>
+      </dsp:txBody>
+      <dsp:txXfrm>
+        <a:off x="1725715" y="3735953"/>
+        <a:ext cx="4180465" cy="1494125"/>
+      </dsp:txXfrm>
+    </dsp:sp>
+  </dsp:spTree>
+</dsp:drawing>
+</file>
+
+<file path=ppt/diagrams/drawing3.xml><?xml version="1.0" encoding="utf-8"?>
+<dsp:drawing xmlns:dgm="http://schemas.openxmlformats.org/drawingml/2006/diagram" xmlns:dsp="http://schemas.microsoft.com/office/drawing/2008/diagram" xmlns:a="http://schemas.openxmlformats.org/drawingml/2006/main">
+  <dsp:spTree>
+    <dsp:nvGrpSpPr>
+      <dsp:cNvPr id="0" name=""/>
+      <dsp:cNvGrpSpPr/>
+    </dsp:nvGrpSpPr>
+    <dsp:grpSpPr/>
     <dsp:sp modelId="{AD19B792-7D1E-48DA-80D6-A3ED32F0553A}">
       <dsp:nvSpPr>
         <dsp:cNvPr id="0" name=""/>
@@ -3900,7 +6784,7 @@
 </dsp:drawing>
 </file>
 
-<file path=ppt/diagrams/drawing2.xml><?xml version="1.0" encoding="utf-8"?>
+<file path=ppt/diagrams/drawing4.xml><?xml version="1.0" encoding="utf-8"?>
 <dsp:drawing xmlns:dgm="http://schemas.openxmlformats.org/drawingml/2006/diagram" xmlns:dsp="http://schemas.microsoft.com/office/drawing/2008/diagram" xmlns:a="http://schemas.openxmlformats.org/drawingml/2006/main">
   <dsp:spTree>
     <dsp:nvGrpSpPr>
@@ -4143,7 +7027,7 @@
 </dsp:drawing>
 </file>
 
-<file path=ppt/diagrams/drawing3.xml><?xml version="1.0" encoding="utf-8"?>
+<file path=ppt/diagrams/drawing5.xml><?xml version="1.0" encoding="utf-8"?>
 <dsp:drawing xmlns:dgm="http://schemas.openxmlformats.org/drawingml/2006/diagram" xmlns:dsp="http://schemas.microsoft.com/office/drawing/2008/diagram" xmlns:a="http://schemas.openxmlformats.org/drawingml/2006/main">
   <dsp:spTree>
     <dsp:nvGrpSpPr>
@@ -4531,6 +7415,766 @@
 </file>
 
 <file path=ppt/diagrams/layout1.xml><?xml version="1.0" encoding="utf-8"?>
+<dgm:layoutDef xmlns:dgm="http://schemas.openxmlformats.org/drawingml/2006/diagram" xmlns:a="http://schemas.openxmlformats.org/drawingml/2006/main" uniqueId="urn:microsoft.com/office/officeart/2008/layout/LinedList">
+  <dgm:title val=""/>
+  <dgm:desc val=""/>
+  <dgm:catLst>
+    <dgm:cat type="hierarchy" pri="8000"/>
+    <dgm:cat type="list" pri="2500"/>
+  </dgm:catLst>
+  <dgm:sampData>
+    <dgm:dataModel>
+      <dgm:ptLst>
+        <dgm:pt modelId="0" type="doc"/>
+        <dgm:pt modelId="1">
+          <dgm:prSet phldr="1"/>
+        </dgm:pt>
+        <dgm:pt modelId="11">
+          <dgm:prSet phldr="1"/>
+        </dgm:pt>
+        <dgm:pt modelId="12">
+          <dgm:prSet phldr="1"/>
+        </dgm:pt>
+        <dgm:pt modelId="13">
+          <dgm:prSet phldr="1"/>
+        </dgm:pt>
+      </dgm:ptLst>
+      <dgm:cxnLst>
+        <dgm:cxn modelId="2" srcId="0" destId="1" srcOrd="0" destOrd="0"/>
+        <dgm:cxn modelId="3" srcId="1" destId="11" srcOrd="0" destOrd="0"/>
+        <dgm:cxn modelId="4" srcId="1" destId="12" srcOrd="1" destOrd="0"/>
+        <dgm:cxn modelId="5" srcId="1" destId="13" srcOrd="2" destOrd="0"/>
+      </dgm:cxnLst>
+      <dgm:bg/>
+      <dgm:whole/>
+    </dgm:dataModel>
+  </dgm:sampData>
+  <dgm:styleData>
+    <dgm:dataModel>
+      <dgm:ptLst>
+        <dgm:pt modelId="0" type="doc"/>
+        <dgm:pt modelId="1">
+          <dgm:prSet phldr="1"/>
+        </dgm:pt>
+        <dgm:pt modelId="11">
+          <dgm:prSet phldr="1"/>
+        </dgm:pt>
+        <dgm:pt modelId="12">
+          <dgm:prSet phldr="1"/>
+        </dgm:pt>
+      </dgm:ptLst>
+      <dgm:cxnLst>
+        <dgm:cxn modelId="2" srcId="0" destId="1" srcOrd="0" destOrd="0"/>
+        <dgm:cxn modelId="3" srcId="1" destId="11" srcOrd="0" destOrd="0"/>
+        <dgm:cxn modelId="4" srcId="1" destId="12" srcOrd="1" destOrd="0"/>
+      </dgm:cxnLst>
+      <dgm:bg/>
+      <dgm:whole/>
+    </dgm:dataModel>
+  </dgm:styleData>
+  <dgm:clrData>
+    <dgm:dataModel>
+      <dgm:ptLst>
+        <dgm:pt modelId="0" type="doc"/>
+        <dgm:pt modelId="1">
+          <dgm:prSet phldr="1"/>
+        </dgm:pt>
+        <dgm:pt modelId="11">
+          <dgm:prSet phldr="1"/>
+        </dgm:pt>
+        <dgm:pt modelId="12">
+          <dgm:prSet phldr="1"/>
+        </dgm:pt>
+      </dgm:ptLst>
+      <dgm:cxnLst>
+        <dgm:cxn modelId="2" srcId="0" destId="1" srcOrd="0" destOrd="0"/>
+        <dgm:cxn modelId="3" srcId="1" destId="11" srcOrd="0" destOrd="0"/>
+        <dgm:cxn modelId="4" srcId="1" destId="12" srcOrd="1" destOrd="0"/>
+      </dgm:cxnLst>
+      <dgm:bg/>
+      <dgm:whole/>
+    </dgm:dataModel>
+  </dgm:clrData>
+  <dgm:layoutNode name="vert0">
+    <dgm:varLst>
+      <dgm:dir/>
+      <dgm:animOne val="branch"/>
+      <dgm:animLvl val="lvl"/>
+    </dgm:varLst>
+    <dgm:choose name="Name0">
+      <dgm:if name="Name1" func="var" arg="dir" op="equ" val="norm">
+        <dgm:alg type="lin">
+          <dgm:param type="linDir" val="fromT"/>
+          <dgm:param type="nodeHorzAlign" val="l"/>
+        </dgm:alg>
+      </dgm:if>
+      <dgm:else name="Name2">
+        <dgm:alg type="lin">
+          <dgm:param type="linDir" val="fromT"/>
+          <dgm:param type="nodeHorzAlign" val="r"/>
+        </dgm:alg>
+      </dgm:else>
+    </dgm:choose>
+    <dgm:shape xmlns:r="http://schemas.openxmlformats.org/officeDocument/2006/relationships" r:blip="">
+      <dgm:adjLst/>
+    </dgm:shape>
+    <dgm:presOf/>
+    <dgm:constrLst>
+      <dgm:constr type="w" for="ch" forName="horz1" refType="w"/>
+      <dgm:constr type="h" for="ch" forName="horz1" refType="h"/>
+      <dgm:constr type="h" for="des" forName="vert1" refType="h"/>
+      <dgm:constr type="h" for="des" forName="tx1" refType="h"/>
+      <dgm:constr type="h" for="des" forName="horz2" refType="h"/>
+      <dgm:constr type="h" for="des" forName="vert2" refType="h"/>
+      <dgm:constr type="h" for="des" forName="horz3" refType="h"/>
+      <dgm:constr type="h" for="des" forName="vert3" refType="h"/>
+      <dgm:constr type="h" for="des" forName="horz4" refType="h"/>
+      <dgm:constr type="h" for="des" ptType="node" refType="h"/>
+      <dgm:constr type="primFontSz" for="des" forName="tx1" op="equ" val="65"/>
+      <dgm:constr type="primFontSz" for="des" forName="tx2" op="equ" val="65"/>
+      <dgm:constr type="primFontSz" for="des" forName="tx3" op="equ" val="65"/>
+      <dgm:constr type="primFontSz" for="des" forName="tx4" op="equ" val="65"/>
+      <dgm:constr type="w" for="des" forName="thickLine" refType="w"/>
+      <dgm:constr type="h" for="des" forName="thickLine"/>
+      <dgm:constr type="h" for="des" forName="thinLine1"/>
+      <dgm:constr type="h" for="des" forName="thinLine2b"/>
+      <dgm:constr type="h" for="des" forName="thinLine3"/>
+      <dgm:constr type="h" for="des" forName="vertSpace2a" refType="h" fact="0.05"/>
+      <dgm:constr type="h" for="des" forName="vertSpace2b" refType="h" refFor="des" refForName="vertSpace2a"/>
+    </dgm:constrLst>
+    <dgm:forEach name="Name3" axis="ch" ptType="node">
+      <dgm:layoutNode name="thickLine" styleLbl="alignNode1">
+        <dgm:alg type="sp"/>
+        <dgm:shape xmlns:r="http://schemas.openxmlformats.org/officeDocument/2006/relationships" type="line" r:blip="">
+          <dgm:adjLst/>
+        </dgm:shape>
+        <dgm:presOf/>
+      </dgm:layoutNode>
+      <dgm:layoutNode name="horz1">
+        <dgm:choose name="Name4">
+          <dgm:if name="Name5" func="var" arg="dir" op="equ" val="norm">
+            <dgm:alg type="lin">
+              <dgm:param type="linDir" val="fromL"/>
+              <dgm:param type="nodeVertAlign" val="t"/>
+            </dgm:alg>
+          </dgm:if>
+          <dgm:else name="Name6">
+            <dgm:alg type="lin">
+              <dgm:param type="linDir" val="fromR"/>
+              <dgm:param type="nodeVertAlign" val="t"/>
+            </dgm:alg>
+          </dgm:else>
+        </dgm:choose>
+        <dgm:shape xmlns:r="http://schemas.openxmlformats.org/officeDocument/2006/relationships" r:blip="">
+          <dgm:adjLst/>
+        </dgm:shape>
+        <dgm:presOf/>
+        <dgm:choose name="Name7">
+          <dgm:if name="Name8" axis="root des" func="maxDepth" op="equ" val="1">
+            <dgm:constrLst>
+              <dgm:constr type="w" for="ch" forName="tx1" refType="w"/>
+            </dgm:constrLst>
+          </dgm:if>
+          <dgm:if name="Name9" axis="root des" func="maxDepth" op="equ" val="2">
+            <dgm:constrLst>
+              <dgm:constr type="w" for="ch" forName="tx1" refType="w" fact="0.2"/>
+              <dgm:constr type="w" for="des" forName="tx2" refType="w" fact="0.785"/>
+              <dgm:constr type="w" for="des" forName="horzSpace2" refType="w" fact="0.015"/>
+              <dgm:constr type="w" for="des" forName="thinLine2b" refType="w" fact="0.8"/>
+            </dgm:constrLst>
+          </dgm:if>
+          <dgm:if name="Name10" axis="root des" func="maxDepth" op="equ" val="3">
+            <dgm:constrLst>
+              <dgm:constr type="w" for="ch" forName="tx1" refType="w" fact="0.2"/>
+              <dgm:constr type="w" for="des" forName="tx2" refType="w" fact="0.385"/>
+              <dgm:constr type="w" for="des" forName="tx3" refType="w" fact="0.385"/>
+              <dgm:constr type="w" for="des" forName="horzSpace2" refType="w" fact="0.015"/>
+              <dgm:constr type="w" for="des" forName="horzSpace3" refType="w" fact="0.015"/>
+              <dgm:constr type="w" for="des" forName="thinLine2b" refType="w" fact="0.8"/>
+              <dgm:constr type="w" for="des" forName="thinLine3" refType="w" fact="0.385"/>
+            </dgm:constrLst>
+          </dgm:if>
+          <dgm:if name="Name11" axis="root des" func="maxDepth" op="gte" val="4">
+            <dgm:constrLst>
+              <dgm:constr type="w" for="ch" forName="tx1" refType="w" fact="0.2"/>
+              <dgm:constr type="w" for="des" forName="tx2" refType="w" fact="0.2516"/>
+              <dgm:constr type="w" for="des" forName="tx3" refType="w" fact="0.2516"/>
+              <dgm:constr type="w" for="des" forName="tx4" refType="w" fact="0.2516"/>
+              <dgm:constr type="w" for="des" forName="horzSpace2" refType="w" fact="0.015"/>
+              <dgm:constr type="w" for="des" forName="horzSpace3" refType="w" fact="0.015"/>
+              <dgm:constr type="w" for="des" forName="horzSpace4" refType="w" fact="0.015"/>
+              <dgm:constr type="w" for="des" forName="thinLine2b" refType="w" fact="0.8"/>
+              <dgm:constr type="w" for="des" forName="thinLine3" refType="w" fact="0.5332"/>
+            </dgm:constrLst>
+          </dgm:if>
+          <dgm:else name="Name12"/>
+        </dgm:choose>
+        <dgm:layoutNode name="tx1" styleLbl="revTx">
+          <dgm:alg type="tx">
+            <dgm:param type="parTxLTRAlign" val="l"/>
+            <dgm:param type="parTxRTLAlign" val="r"/>
+            <dgm:param type="txAnchorVert" val="t"/>
+          </dgm:alg>
+          <dgm:shape xmlns:r="http://schemas.openxmlformats.org/officeDocument/2006/relationships" type="rect" r:blip="">
+            <dgm:adjLst/>
+          </dgm:shape>
+          <dgm:presOf axis="self"/>
+          <dgm:constrLst>
+            <dgm:constr type="tMarg" refType="primFontSz" fact="0.3"/>
+            <dgm:constr type="bMarg" refType="primFontSz" fact="0.3"/>
+            <dgm:constr type="lMarg" refType="primFontSz" fact="0.3"/>
+            <dgm:constr type="rMarg" refType="primFontSz" fact="0.3"/>
+          </dgm:constrLst>
+          <dgm:ruleLst>
+            <dgm:rule type="primFontSz" val="5" fact="NaN" max="NaN"/>
+          </dgm:ruleLst>
+        </dgm:layoutNode>
+        <dgm:layoutNode name="vert1">
+          <dgm:choose name="Name13">
+            <dgm:if name="Name14" func="var" arg="dir" op="equ" val="norm">
+              <dgm:alg type="lin">
+                <dgm:param type="linDir" val="fromT"/>
+                <dgm:param type="nodeHorzAlign" val="l"/>
+              </dgm:alg>
+            </dgm:if>
+            <dgm:else name="Name15">
+              <dgm:alg type="lin">
+                <dgm:param type="linDir" val="fromT"/>
+                <dgm:param type="nodeHorzAlign" val="r"/>
+              </dgm:alg>
+            </dgm:else>
+          </dgm:choose>
+          <dgm:shape xmlns:r="http://schemas.openxmlformats.org/officeDocument/2006/relationships" r:blip="">
+            <dgm:adjLst/>
+          </dgm:shape>
+          <dgm:presOf/>
+          <dgm:forEach name="Name16" axis="ch" ptType="node">
+            <dgm:choose name="Name17">
+              <dgm:if name="Name18" axis="self" ptType="node" func="pos" op="equ" val="1">
+                <dgm:layoutNode name="vertSpace2a">
+                  <dgm:alg type="sp"/>
+                  <dgm:shape xmlns:r="http://schemas.openxmlformats.org/officeDocument/2006/relationships" r:blip="">
+                    <dgm:adjLst/>
+                  </dgm:shape>
+                  <dgm:presOf/>
+                </dgm:layoutNode>
+              </dgm:if>
+              <dgm:else name="Name19"/>
+            </dgm:choose>
+            <dgm:layoutNode name="horz2">
+              <dgm:choose name="Name20">
+                <dgm:if name="Name21" func="var" arg="dir" op="equ" val="norm">
+                  <dgm:alg type="lin">
+                    <dgm:param type="linDir" val="fromL"/>
+                    <dgm:param type="nodeVertAlign" val="t"/>
+                  </dgm:alg>
+                </dgm:if>
+                <dgm:else name="Name22">
+                  <dgm:alg type="lin">
+                    <dgm:param type="linDir" val="fromR"/>
+                    <dgm:param type="nodeVertAlign" val="t"/>
+                  </dgm:alg>
+                </dgm:else>
+              </dgm:choose>
+              <dgm:shape xmlns:r="http://schemas.openxmlformats.org/officeDocument/2006/relationships" r:blip="">
+                <dgm:adjLst/>
+              </dgm:shape>
+              <dgm:presOf/>
+              <dgm:layoutNode name="horzSpace2">
+                <dgm:alg type="sp"/>
+                <dgm:shape xmlns:r="http://schemas.openxmlformats.org/officeDocument/2006/relationships" r:blip="">
+                  <dgm:adjLst/>
+                </dgm:shape>
+                <dgm:presOf/>
+              </dgm:layoutNode>
+              <dgm:layoutNode name="tx2" styleLbl="revTx">
+                <dgm:alg type="tx">
+                  <dgm:param type="parTxLTRAlign" val="l"/>
+                  <dgm:param type="parTxRTLAlign" val="r"/>
+                  <dgm:param type="txAnchorVert" val="t"/>
+                </dgm:alg>
+                <dgm:shape xmlns:r="http://schemas.openxmlformats.org/officeDocument/2006/relationships" type="rect" r:blip="">
+                  <dgm:adjLst/>
+                </dgm:shape>
+                <dgm:presOf axis="self"/>
+                <dgm:constrLst>
+                  <dgm:constr type="tMarg" refType="primFontSz" fact="0.3"/>
+                  <dgm:constr type="bMarg" refType="primFontSz" fact="0.3"/>
+                  <dgm:constr type="lMarg" refType="primFontSz" fact="0.3"/>
+                  <dgm:constr type="rMarg" refType="primFontSz" fact="0.3"/>
+                </dgm:constrLst>
+                <dgm:ruleLst>
+                  <dgm:rule type="primFontSz" val="5" fact="NaN" max="NaN"/>
+                </dgm:ruleLst>
+              </dgm:layoutNode>
+              <dgm:layoutNode name="vert2">
+                <dgm:choose name="Name23">
+                  <dgm:if name="Name24" func="var" arg="dir" op="equ" val="norm">
+                    <dgm:alg type="lin">
+                      <dgm:param type="linDir" val="fromT"/>
+                      <dgm:param type="nodeHorzAlign" val="l"/>
+                    </dgm:alg>
+                  </dgm:if>
+                  <dgm:else name="Name25">
+                    <dgm:alg type="lin">
+                      <dgm:param type="linDir" val="fromT"/>
+                      <dgm:param type="nodeHorzAlign" val="r"/>
+                    </dgm:alg>
+                  </dgm:else>
+                </dgm:choose>
+                <dgm:shape xmlns:r="http://schemas.openxmlformats.org/officeDocument/2006/relationships" r:blip="">
+                  <dgm:adjLst/>
+                </dgm:shape>
+                <dgm:presOf/>
+                <dgm:forEach name="Name26" axis="ch" ptType="node">
+                  <dgm:layoutNode name="horz3">
+                    <dgm:choose name="Name27">
+                      <dgm:if name="Name28" func="var" arg="dir" op="equ" val="norm">
+                        <dgm:alg type="lin">
+                          <dgm:param type="linDir" val="fromL"/>
+                          <dgm:param type="nodeVertAlign" val="t"/>
+                        </dgm:alg>
+                      </dgm:if>
+                      <dgm:else name="Name29">
+                        <dgm:alg type="lin">
+                          <dgm:param type="linDir" val="fromR"/>
+                          <dgm:param type="nodeVertAlign" val="t"/>
+                        </dgm:alg>
+                      </dgm:else>
+                    </dgm:choose>
+                    <dgm:shape xmlns:r="http://schemas.openxmlformats.org/officeDocument/2006/relationships" r:blip="">
+                      <dgm:adjLst/>
+                    </dgm:shape>
+                    <dgm:presOf/>
+                    <dgm:layoutNode name="horzSpace3">
+                      <dgm:alg type="sp"/>
+                      <dgm:shape xmlns:r="http://schemas.openxmlformats.org/officeDocument/2006/relationships" r:blip="">
+                        <dgm:adjLst/>
+                      </dgm:shape>
+                      <dgm:presOf/>
+                    </dgm:layoutNode>
+                    <dgm:layoutNode name="tx3" styleLbl="revTx">
+                      <dgm:alg type="tx">
+                        <dgm:param type="parTxLTRAlign" val="l"/>
+                        <dgm:param type="parTxRTLAlign" val="r"/>
+                        <dgm:param type="txAnchorVert" val="t"/>
+                      </dgm:alg>
+                      <dgm:shape xmlns:r="http://schemas.openxmlformats.org/officeDocument/2006/relationships" type="rect" r:blip="">
+                        <dgm:adjLst/>
+                      </dgm:shape>
+                      <dgm:presOf axis="self"/>
+                      <dgm:constrLst>
+                        <dgm:constr type="tMarg" refType="primFontSz" fact="0.3"/>
+                        <dgm:constr type="bMarg" refType="primFontSz" fact="0.3"/>
+                        <dgm:constr type="lMarg" refType="primFontSz" fact="0.3"/>
+                        <dgm:constr type="rMarg" refType="primFontSz" fact="0.3"/>
+                      </dgm:constrLst>
+                      <dgm:ruleLst>
+                        <dgm:rule type="primFontSz" val="5" fact="NaN" max="NaN"/>
+                      </dgm:ruleLst>
+                    </dgm:layoutNode>
+                    <dgm:layoutNode name="vert3">
+                      <dgm:choose name="Name30">
+                        <dgm:if name="Name31" func="var" arg="dir" op="equ" val="norm">
+                          <dgm:alg type="lin">
+                            <dgm:param type="linDir" val="fromT"/>
+                            <dgm:param type="nodeHorzAlign" val="l"/>
+                          </dgm:alg>
+                        </dgm:if>
+                        <dgm:else name="Name32">
+                          <dgm:alg type="lin">
+                            <dgm:param type="linDir" val="fromT"/>
+                            <dgm:param type="nodeHorzAlign" val="r"/>
+                          </dgm:alg>
+                        </dgm:else>
+                      </dgm:choose>
+                      <dgm:shape xmlns:r="http://schemas.openxmlformats.org/officeDocument/2006/relationships" r:blip="">
+                        <dgm:adjLst/>
+                      </dgm:shape>
+                      <dgm:presOf/>
+                      <dgm:forEach name="Name33" axis="ch" ptType="node">
+                        <dgm:layoutNode name="horz4">
+                          <dgm:choose name="Name34">
+                            <dgm:if name="Name35" func="var" arg="dir" op="equ" val="norm">
+                              <dgm:alg type="lin">
+                                <dgm:param type="linDir" val="fromL"/>
+                                <dgm:param type="nodeVertAlign" val="t"/>
+                              </dgm:alg>
+                            </dgm:if>
+                            <dgm:else name="Name36">
+                              <dgm:alg type="lin">
+                                <dgm:param type="linDir" val="fromR"/>
+                                <dgm:param type="nodeVertAlign" val="t"/>
+                              </dgm:alg>
+                            </dgm:else>
+                          </dgm:choose>
+                          <dgm:shape xmlns:r="http://schemas.openxmlformats.org/officeDocument/2006/relationships" r:blip="">
+                            <dgm:adjLst/>
+                          </dgm:shape>
+                          <dgm:presOf/>
+                          <dgm:layoutNode name="horzSpace4">
+                            <dgm:alg type="sp"/>
+                            <dgm:shape xmlns:r="http://schemas.openxmlformats.org/officeDocument/2006/relationships" r:blip="">
+                              <dgm:adjLst/>
+                            </dgm:shape>
+                            <dgm:presOf/>
+                          </dgm:layoutNode>
+                          <dgm:layoutNode name="tx4" styleLbl="revTx">
+                            <dgm:varLst>
+                              <dgm:bulletEnabled val="1"/>
+                            </dgm:varLst>
+                            <dgm:alg type="tx">
+                              <dgm:param type="parTxLTRAlign" val="l"/>
+                              <dgm:param type="parTxRTLAlign" val="r"/>
+                              <dgm:param type="txAnchorVert" val="t"/>
+                            </dgm:alg>
+                            <dgm:shape xmlns:r="http://schemas.openxmlformats.org/officeDocument/2006/relationships" type="rect" r:blip="">
+                              <dgm:adjLst/>
+                            </dgm:shape>
+                            <dgm:presOf axis="desOrSelf" ptType="node"/>
+                            <dgm:constrLst>
+                              <dgm:constr type="tMarg" refType="primFontSz" fact="0.3"/>
+                              <dgm:constr type="bMarg" refType="primFontSz" fact="0.3"/>
+                              <dgm:constr type="lMarg" refType="primFontSz" fact="0.3"/>
+                              <dgm:constr type="rMarg" refType="primFontSz" fact="0.3"/>
+                            </dgm:constrLst>
+                            <dgm:ruleLst>
+                              <dgm:rule type="primFontSz" val="5" fact="NaN" max="NaN"/>
+                            </dgm:ruleLst>
+                          </dgm:layoutNode>
+                        </dgm:layoutNode>
+                      </dgm:forEach>
+                    </dgm:layoutNode>
+                  </dgm:layoutNode>
+                  <dgm:forEach name="Name37" axis="followSib" ptType="sibTrans" cnt="1">
+                    <dgm:layoutNode name="thinLine3" styleLbl="callout">
+                      <dgm:alg type="sp"/>
+                      <dgm:shape xmlns:r="http://schemas.openxmlformats.org/officeDocument/2006/relationships" type="line" r:blip="">
+                        <dgm:adjLst/>
+                      </dgm:shape>
+                      <dgm:presOf/>
+                    </dgm:layoutNode>
+                  </dgm:forEach>
+                </dgm:forEach>
+              </dgm:layoutNode>
+            </dgm:layoutNode>
+            <dgm:layoutNode name="thinLine2b" styleLbl="callout">
+              <dgm:alg type="sp"/>
+              <dgm:shape xmlns:r="http://schemas.openxmlformats.org/officeDocument/2006/relationships" type="line" r:blip="">
+                <dgm:adjLst/>
+              </dgm:shape>
+              <dgm:presOf/>
+            </dgm:layoutNode>
+            <dgm:layoutNode name="vertSpace2b">
+              <dgm:alg type="sp"/>
+              <dgm:shape xmlns:r="http://schemas.openxmlformats.org/officeDocument/2006/relationships" r:blip="">
+                <dgm:adjLst/>
+              </dgm:shape>
+              <dgm:presOf/>
+            </dgm:layoutNode>
+          </dgm:forEach>
+        </dgm:layoutNode>
+      </dgm:layoutNode>
+    </dgm:forEach>
+  </dgm:layoutNode>
+</dgm:layoutDef>
+</file>
+
+<file path=ppt/diagrams/layout2.xml><?xml version="1.0" encoding="utf-8"?>
+<dgm:layoutDef xmlns:dgm="http://schemas.openxmlformats.org/drawingml/2006/diagram" xmlns:a="http://schemas.openxmlformats.org/drawingml/2006/main" uniqueId="urn:microsoft.com/office/officeart/2018/2/layout/IconVerticalSolidList">
+  <dgm:title val="Icon Vertical Solid List"/>
+  <dgm:desc val="Use to show a series of visuals from top to bottom with Level 1 or Level 1 and Level 2 text grouped in a shape. Works best with icons or small pictures with lengthier descriptions."/>
+  <dgm:catLst>
+    <dgm:cat type="icon" pri="500"/>
+  </dgm:catLst>
+  <dgm:sampData useDef="1">
+    <dgm:dataModel>
+      <dgm:ptLst/>
+      <dgm:bg/>
+      <dgm:whole/>
+    </dgm:dataModel>
+  </dgm:sampData>
+  <dgm:styleData useDef="1">
+    <dgm:dataModel>
+      <dgm:ptLst/>
+      <dgm:bg/>
+      <dgm:whole/>
+    </dgm:dataModel>
+  </dgm:styleData>
+  <dgm:clrData useDef="1">
+    <dgm:dataModel>
+      <dgm:ptLst/>
+      <dgm:bg/>
+      <dgm:whole/>
+    </dgm:dataModel>
+  </dgm:clrData>
+  <dgm:layoutNode name="root">
+    <dgm:varLst>
+      <dgm:dir/>
+      <dgm:resizeHandles val="exact"/>
+    </dgm:varLst>
+    <dgm:choose name="Name0">
+      <dgm:if name="Name1" axis="self" func="var" arg="dir" op="equ" val="norm">
+        <dgm:alg type="lin">
+          <dgm:param type="linDir" val="fromT"/>
+          <dgm:param type="nodeHorzAlign" val="l"/>
+        </dgm:alg>
+      </dgm:if>
+      <dgm:else name="Name2">
+        <dgm:alg type="lin">
+          <dgm:param type="linDir" val="fromT"/>
+          <dgm:param type="nodeHorzAlign" val="r"/>
+        </dgm:alg>
+      </dgm:else>
+    </dgm:choose>
+    <dgm:shape xmlns:r="http://schemas.openxmlformats.org/officeDocument/2006/relationships" r:blip="">
+      <dgm:adjLst/>
+    </dgm:shape>
+    <dgm:presOf/>
+    <dgm:choose name="Name3">
+      <dgm:if name="Name4" axis="ch" ptType="node" func="cnt" op="lte" val="3">
+        <dgm:constrLst>
+          <dgm:constr type="h" for="ch" forName="compNode" refType="h" fact="0.3"/>
+          <dgm:constr type="w" for="ch" forName="compNode" refType="w"/>
+          <dgm:constr type="h" for="ch" forName="sibTrans" refType="h" refFor="ch" refForName="compNode" fact="0.25"/>
+          <dgm:constr type="primFontSz" for="des" forName="parTx" val="25"/>
+          <dgm:constr type="primFontSz" for="des" forName="desTx" refType="primFontSz" refFor="des" refForName="parTx" op="lte" fact="0.75"/>
+          <dgm:constr type="h" for="des" forName="compNode" op="equ"/>
+          <dgm:constr type="h" for="des" forName="bgRect" op="equ"/>
+          <dgm:constr type="h" for="des" forName="iconRect" op="equ"/>
+          <dgm:constr type="w" for="des" forName="iconRect" op="equ"/>
+          <dgm:constr type="h" for="des" forName="spaceRect" op="equ"/>
+          <dgm:constr type="h" for="des" forName="parTx" op="equ"/>
+          <dgm:constr type="h" for="des" forName="desTx" op="equ"/>
+        </dgm:constrLst>
+      </dgm:if>
+      <dgm:if name="Name5" axis="ch" ptType="node" func="cnt" op="lte" val="4">
+        <dgm:constrLst>
+          <dgm:constr type="h" for="ch" forName="compNode" refType="h" fact="0.3"/>
+          <dgm:constr type="w" for="ch" forName="compNode" refType="w"/>
+          <dgm:constr type="h" for="ch" forName="sibTrans" refType="h" refFor="ch" refForName="compNode" fact="0.25"/>
+          <dgm:constr type="primFontSz" for="des" forName="parTx" val="22"/>
+          <dgm:constr type="primFontSz" for="des" forName="desTx" refType="primFontSz" refFor="des" refForName="parTx" op="lte" fact="0.75"/>
+          <dgm:constr type="h" for="des" forName="compNode" op="equ"/>
+          <dgm:constr type="h" for="des" forName="bgRect" op="equ"/>
+          <dgm:constr type="h" for="des" forName="iconRect" op="equ"/>
+          <dgm:constr type="w" for="des" forName="iconRect" op="equ"/>
+          <dgm:constr type="h" for="des" forName="spaceRect" op="equ"/>
+          <dgm:constr type="h" for="des" forName="parTx" op="equ"/>
+          <dgm:constr type="h" for="des" forName="desTx" op="equ"/>
+        </dgm:constrLst>
+      </dgm:if>
+      <dgm:if name="Name6" axis="ch" ptType="node" func="cnt" op="lte" val="6">
+        <dgm:constrLst>
+          <dgm:constr type="h" for="ch" forName="compNode" refType="h" fact="0.3"/>
+          <dgm:constr type="w" for="ch" forName="compNode" refType="w"/>
+          <dgm:constr type="h" for="ch" forName="sibTrans" refType="h" refFor="ch" refForName="compNode" fact="0.25"/>
+          <dgm:constr type="primFontSz" for="des" forName="parTx" val="19"/>
+          <dgm:constr type="primFontSz" for="des" forName="desTx" refType="primFontSz" refFor="des" refForName="parTx" op="lte" fact="0.75"/>
+          <dgm:constr type="h" for="des" forName="compNode" op="equ"/>
+          <dgm:constr type="h" for="des" forName="bgRect" op="equ"/>
+          <dgm:constr type="h" for="des" forName="iconRect" op="equ"/>
+          <dgm:constr type="w" for="des" forName="iconRect" op="equ"/>
+          <dgm:constr type="h" for="des" forName="spaceRect" op="equ"/>
+          <dgm:constr type="h" for="des" forName="parTx" op="equ"/>
+          <dgm:constr type="h" for="des" forName="desTx" op="equ"/>
+        </dgm:constrLst>
+      </dgm:if>
+      <dgm:else name="Name7">
+        <dgm:constrLst>
+          <dgm:constr type="h" for="ch" forName="compNode" refType="h" fact="0.3"/>
+          <dgm:constr type="w" for="ch" forName="compNode" refType="w"/>
+          <dgm:constr type="h" for="ch" forName="sibTrans" refType="h" refFor="ch" refForName="compNode" fact="0.25"/>
+          <dgm:constr type="primFontSz" for="des" forName="parTx" val="16"/>
+          <dgm:constr type="primFontSz" for="des" forName="desTx" refType="primFontSz" refFor="des" refForName="parTx" op="lte" fact="0.75"/>
+          <dgm:constr type="h" for="des" forName="compNode" op="equ"/>
+          <dgm:constr type="h" for="des" forName="bgRect" op="equ"/>
+          <dgm:constr type="h" for="des" forName="iconRect" op="equ"/>
+          <dgm:constr type="w" for="des" forName="iconRect" op="equ"/>
+          <dgm:constr type="h" for="des" forName="spaceRect" op="equ"/>
+          <dgm:constr type="h" for="des" forName="parTx" op="equ"/>
+          <dgm:constr type="h" for="des" forName="desTx" op="equ"/>
+        </dgm:constrLst>
+      </dgm:else>
+    </dgm:choose>
+    <dgm:ruleLst>
+      <dgm:rule type="h" for="ch" forName="compNode" val="0" fact="NaN" max="NaN"/>
+    </dgm:ruleLst>
+    <dgm:forEach name="Name8" axis="ch" ptType="node">
+      <dgm:layoutNode name="compNode">
+        <dgm:alg type="composite"/>
+        <dgm:shape xmlns:r="http://schemas.openxmlformats.org/officeDocument/2006/relationships" r:blip="">
+          <dgm:adjLst/>
+        </dgm:shape>
+        <dgm:presOf axis="self"/>
+        <dgm:choose name="Name9">
+          <dgm:if name="Name10" axis="ch" ptType="node" func="cnt" op="gte" val="1">
+            <dgm:constrLst>
+              <dgm:constr type="w" for="ch" forName="bgRect" refType="w"/>
+              <dgm:constr type="h" for="ch" forName="bgRect" refType="h"/>
+              <dgm:constr type="l" for="ch" forName="bgRect"/>
+              <dgm:constr type="t" for="ch" forName="bgRect"/>
+              <dgm:constr type="h" for="ch" forName="iconRect" refType="h" fact="0.55"/>
+              <dgm:constr type="w" for="ch" forName="iconRect" refType="h" refFor="ch" refForName="iconRect"/>
+              <dgm:constr type="l" for="ch" forName="iconRect" refType="h" refFor="ch" refForName="iconRect" fact="0.55"/>
+              <dgm:constr type="ctrY" for="ch" forName="iconRect" refType="ctrY" refFor="ch" refForName="bgRect"/>
+              <dgm:constr type="w" for="ch" forName="spaceRect" refType="l" refFor="ch" refForName="iconRect"/>
+              <dgm:constr type="h" for="ch" forName="spaceRect" refType="h"/>
+              <dgm:constr type="l" for="ch" forName="spaceRect" refType="r" refFor="ch" refForName="iconRect"/>
+              <dgm:constr type="t" for="ch" forName="spaceRect"/>
+              <dgm:constr type="w" for="ch" forName="parTx" refType="w" fact="0.45"/>
+              <dgm:constr type="h" for="ch" forName="parTx" refType="h"/>
+              <dgm:constr type="l" for="ch" forName="parTx" refType="r" refFor="ch" refForName="spaceRect"/>
+              <dgm:constr type="t" for="ch" forName="parTx"/>
+              <dgm:constr type="h" for="ch" forName="desTx" refType="h"/>
+              <dgm:constr type="l" for="ch" forName="desTx" refType="r" refFor="ch" refForName="parTx"/>
+              <dgm:constr type="t" for="ch" forName="desTx"/>
+            </dgm:constrLst>
+          </dgm:if>
+          <dgm:else name="Name11">
+            <dgm:constrLst>
+              <dgm:constr type="w" for="ch" forName="bgRect" refType="w"/>
+              <dgm:constr type="h" for="ch" forName="bgRect" refType="h"/>
+              <dgm:constr type="l" for="ch" forName="bgRect"/>
+              <dgm:constr type="t" for="ch" forName="bgRect"/>
+              <dgm:constr type="h" for="ch" forName="iconRect" refType="h" fact="0.55"/>
+              <dgm:constr type="w" for="ch" forName="iconRect" refType="h" refFor="ch" refForName="iconRect"/>
+              <dgm:constr type="l" for="ch" forName="iconRect" refType="h" refFor="ch" refForName="iconRect" fact="0.55"/>
+              <dgm:constr type="ctrY" for="ch" forName="iconRect" refType="ctrY" refFor="ch" refForName="bgRect"/>
+              <dgm:constr type="w" for="ch" forName="spaceRect" refType="l" refFor="ch" refForName="iconRect"/>
+              <dgm:constr type="h" for="ch" forName="spaceRect" refType="h"/>
+              <dgm:constr type="l" for="ch" forName="spaceRect" refType="r" refFor="ch" refForName="iconRect"/>
+              <dgm:constr type="t" for="ch" forName="spaceRect"/>
+              <dgm:constr type="h" for="ch" forName="parTx" refType="h"/>
+              <dgm:constr type="l" for="ch" forName="parTx" refType="r" refFor="ch" refForName="spaceRect"/>
+              <dgm:constr type="t" for="ch" forName="parTx"/>
+            </dgm:constrLst>
+          </dgm:else>
+        </dgm:choose>
+        <dgm:ruleLst>
+          <dgm:rule type="h" val="INF" fact="NaN" max="NaN"/>
+        </dgm:ruleLst>
+        <dgm:layoutNode name="bgRect" styleLbl="bgShp">
+          <dgm:alg type="sp"/>
+          <dgm:shape xmlns:r="http://schemas.openxmlformats.org/officeDocument/2006/relationships" type="roundRect" r:blip="">
+            <dgm:adjLst>
+              <dgm:adj idx="1" val="0.1"/>
+            </dgm:adjLst>
+          </dgm:shape>
+          <dgm:presOf/>
+          <dgm:constrLst/>
+          <dgm:ruleLst/>
+        </dgm:layoutNode>
+        <dgm:layoutNode name="iconRect" styleLbl="node1">
+          <dgm:alg type="sp"/>
+          <dgm:shape xmlns:r="http://schemas.openxmlformats.org/officeDocument/2006/relationships" type="rect" r:blip="" blipPhldr="1">
+            <dgm:adjLst/>
+          </dgm:shape>
+          <dgm:presOf/>
+          <dgm:constrLst/>
+          <dgm:ruleLst/>
+        </dgm:layoutNode>
+        <dgm:layoutNode name="spaceRect">
+          <dgm:alg type="sp"/>
+          <dgm:shape xmlns:r="http://schemas.openxmlformats.org/officeDocument/2006/relationships" r:blip="">
+            <dgm:adjLst/>
+          </dgm:shape>
+          <dgm:presOf/>
+          <dgm:constrLst/>
+          <dgm:ruleLst/>
+        </dgm:layoutNode>
+        <dgm:layoutNode name="parTx" styleLbl="revTx">
+          <dgm:varLst>
+            <dgm:chMax val="0"/>
+            <dgm:chPref val="0"/>
+          </dgm:varLst>
+          <dgm:alg type="tx">
+            <dgm:param type="txAnchorVert" val="mid"/>
+            <dgm:param type="parTxLTRAlign" val="l"/>
+            <dgm:param type="shpTxLTRAlignCh" val="l"/>
+            <dgm:param type="parTxRTLAlign" val="r"/>
+            <dgm:param type="shpTxRTLAlignCh" val="r"/>
+          </dgm:alg>
+          <dgm:shape xmlns:r="http://schemas.openxmlformats.org/officeDocument/2006/relationships" type="rect" r:blip="">
+            <dgm:adjLst/>
+          </dgm:shape>
+          <dgm:presOf axis="self" ptType="node"/>
+          <dgm:constrLst>
+            <dgm:constr type="lMarg" refType="h" fact="0.3"/>
+            <dgm:constr type="rMarg" refType="h" fact="0.3"/>
+            <dgm:constr type="tMarg" refType="h" fact="0.3"/>
+            <dgm:constr type="bMarg" refType="h" fact="0.3"/>
+          </dgm:constrLst>
+          <dgm:ruleLst>
+            <dgm:rule type="primFontSz" val="14" fact="NaN" max="NaN"/>
+            <dgm:rule type="h" val="INF" fact="NaN" max="NaN"/>
+          </dgm:ruleLst>
+        </dgm:layoutNode>
+        <dgm:choose name="Name12">
+          <dgm:if name="Name13" axis="ch" ptType="node" func="cnt" op="gte" val="1">
+            <dgm:layoutNode name="desTx" styleLbl="revTx">
+              <dgm:varLst/>
+              <dgm:alg type="tx">
+                <dgm:param type="txAnchorVertCh" val="mid"/>
+                <dgm:param type="parTxLTRAlign" val="l"/>
+                <dgm:param type="shpTxLTRAlignCh" val="l"/>
+                <dgm:param type="parTxRTLAlign" val="r"/>
+                <dgm:param type="shpTxRTLAlignCh" val="r"/>
+                <dgm:param type="stBulletLvl" val="0"/>
+              </dgm:alg>
+              <dgm:shape xmlns:r="http://schemas.openxmlformats.org/officeDocument/2006/relationships" type="rect" r:blip="">
+                <dgm:adjLst/>
+              </dgm:shape>
+              <dgm:presOf axis="des" ptType="node"/>
+              <dgm:constrLst>
+                <dgm:constr type="primFontSz" val="18"/>
+                <dgm:constr type="secFontSz" refType="primFontSz"/>
+                <dgm:constr type="lMarg" refType="h" fact="0.3"/>
+                <dgm:constr type="rMarg" refType="h" fact="0.3"/>
+                <dgm:constr type="tMarg" refType="h" fact="0.3"/>
+                <dgm:constr type="bMarg" refType="h" fact="0.3"/>
+              </dgm:constrLst>
+              <dgm:ruleLst>
+                <dgm:rule type="primFontSz" val="11" fact="NaN" max="NaN"/>
+              </dgm:ruleLst>
+            </dgm:layoutNode>
+          </dgm:if>
+          <dgm:else name="Name14"/>
+        </dgm:choose>
+      </dgm:layoutNode>
+      <dgm:forEach name="Name15" axis="followSib" ptType="sibTrans" cnt="1">
+        <dgm:layoutNode name="sibTrans">
+          <dgm:alg type="sp"/>
+          <dgm:shape xmlns:r="http://schemas.openxmlformats.org/officeDocument/2006/relationships" r:blip="">
+            <dgm:adjLst/>
+          </dgm:shape>
+          <dgm:presOf axis="self"/>
+          <dgm:constrLst/>
+          <dgm:ruleLst/>
+        </dgm:layoutNode>
+      </dgm:forEach>
+    </dgm:forEach>
+  </dgm:layoutNode>
+  <dgm:extLst>
+    <a:ext uri="{68A01E43-0DF5-4B5B-8FA6-DAF915123BFB}">
+      <dgm1612:lstStyle xmlns:dgm1612="http://schemas.microsoft.com/office/drawing/2016/12/diagram">
+        <a:lvl1pPr>
+          <a:lnSpc>
+            <a:spcPct val="100000"/>
+          </a:lnSpc>
+        </a:lvl1pPr>
+        <a:lvl2pPr>
+          <a:lnSpc>
+            <a:spcPct val="100000"/>
+          </a:lnSpc>
+        </a:lvl2pPr>
+      </dgm1612:lstStyle>
+    </a:ext>
+  </dgm:extLst>
+</dgm:layoutDef>
+</file>
+
+<file path=ppt/diagrams/layout3.xml><?xml version="1.0" encoding="utf-8"?>
 <dgm:layoutDef xmlns:dgm="http://schemas.openxmlformats.org/drawingml/2006/diagram" xmlns:a="http://schemas.openxmlformats.org/drawingml/2006/main" uniqueId="urn:microsoft.com/office/officeart/2018/5/layout/IconLeafLabelList">
   <dgm:title val="Icon Leaf Label List"/>
   <dgm:desc val="Use to show non-sequential or grouped chunks of information accompanied by a related visuals. Works best with icons or small pictures with short text captions."/>
@@ -4757,7 +8401,7 @@
 </dgm:layoutDef>
 </file>
 
-<file path=ppt/diagrams/layout2.xml><?xml version="1.0" encoding="utf-8"?>
+<file path=ppt/diagrams/layout4.xml><?xml version="1.0" encoding="utf-8"?>
 <dgm:layoutDef xmlns:dgm="http://schemas.openxmlformats.org/drawingml/2006/diagram" xmlns:a="http://schemas.openxmlformats.org/drawingml/2006/main" uniqueId="urn:microsoft.com/office/officeart/2005/8/layout/vList2">
   <dgm:title val=""/>
   <dgm:desc val=""/>
@@ -4924,7 +8568,7 @@
 </dgm:layoutDef>
 </file>
 
-<file path=ppt/diagrams/layout3.xml><?xml version="1.0" encoding="utf-8"?>
+<file path=ppt/diagrams/layout5.xml><?xml version="1.0" encoding="utf-8"?>
 <dgm:layoutDef xmlns:dgm="http://schemas.openxmlformats.org/drawingml/2006/diagram" xmlns:a="http://schemas.openxmlformats.org/drawingml/2006/main" uniqueId="urn:microsoft.com/office/officeart/2005/8/layout/list1">
   <dgm:title val=""/>
   <dgm:desc val=""/>
@@ -7218,6 +10862,2074 @@
 </file>
 
 <file path=ppt/diagrams/quickStyle3.xml><?xml version="1.0" encoding="utf-8"?>
+<dgm:styleDef xmlns:dgm="http://schemas.openxmlformats.org/drawingml/2006/diagram" xmlns:a="http://schemas.openxmlformats.org/drawingml/2006/main" uniqueId="urn:microsoft.com/office/officeart/2005/8/quickstyle/simple1">
+  <dgm:title val=""/>
+  <dgm:desc val=""/>
+  <dgm:catLst>
+    <dgm:cat type="simple" pri="10100"/>
+  </dgm:catLst>
+  <dgm:scene3d>
+    <a:camera prst="orthographicFront"/>
+    <a:lightRig rig="threePt" dir="t"/>
+  </dgm:scene3d>
+  <dgm:styleLbl name="node0">
+    <dgm:scene3d>
+      <a:camera prst="orthographicFront"/>
+      <a:lightRig rig="threePt" dir="t"/>
+    </dgm:scene3d>
+    <dgm:sp3d/>
+    <dgm:txPr/>
+    <dgm:style>
+      <a:lnRef idx="2">
+        <a:scrgbClr r="0" g="0" b="0"/>
+      </a:lnRef>
+      <a:fillRef idx="1">
+        <a:scrgbClr r="0" g="0" b="0"/>
+      </a:fillRef>
+      <a:effectRef idx="0">
+        <a:scrgbClr r="0" g="0" b="0"/>
+      </a:effectRef>
+      <a:fontRef idx="minor">
+        <a:schemeClr val="lt1"/>
+      </a:fontRef>
+    </dgm:style>
+  </dgm:styleLbl>
+  <dgm:styleLbl name="lnNode1">
+    <dgm:scene3d>
+      <a:camera prst="orthographicFront"/>
+      <a:lightRig rig="threePt" dir="t"/>
+    </dgm:scene3d>
+    <dgm:sp3d/>
+    <dgm:txPr/>
+    <dgm:style>
+      <a:lnRef idx="2">
+        <a:scrgbClr r="0" g="0" b="0"/>
+      </a:lnRef>
+      <a:fillRef idx="1">
+        <a:scrgbClr r="0" g="0" b="0"/>
+      </a:fillRef>
+      <a:effectRef idx="0">
+        <a:scrgbClr r="0" g="0" b="0"/>
+      </a:effectRef>
+      <a:fontRef idx="minor">
+        <a:schemeClr val="lt1"/>
+      </a:fontRef>
+    </dgm:style>
+  </dgm:styleLbl>
+  <dgm:styleLbl name="vennNode1">
+    <dgm:scene3d>
+      <a:camera prst="orthographicFront"/>
+      <a:lightRig rig="threePt" dir="t"/>
+    </dgm:scene3d>
+    <dgm:sp3d/>
+    <dgm:txPr/>
+    <dgm:style>
+      <a:lnRef idx="2">
+        <a:scrgbClr r="0" g="0" b="0"/>
+      </a:lnRef>
+      <a:fillRef idx="1">
+        <a:scrgbClr r="0" g="0" b="0"/>
+      </a:fillRef>
+      <a:effectRef idx="0">
+        <a:scrgbClr r="0" g="0" b="0"/>
+      </a:effectRef>
+      <a:fontRef idx="minor">
+        <a:schemeClr val="tx1"/>
+      </a:fontRef>
+    </dgm:style>
+  </dgm:styleLbl>
+  <dgm:styleLbl name="alignNode1">
+    <dgm:scene3d>
+      <a:camera prst="orthographicFront"/>
+      <a:lightRig rig="threePt" dir="t"/>
+    </dgm:scene3d>
+    <dgm:sp3d/>
+    <dgm:txPr/>
+    <dgm:style>
+      <a:lnRef idx="2">
+        <a:scrgbClr r="0" g="0" b="0"/>
+      </a:lnRef>
+      <a:fillRef idx="1">
+        <a:scrgbClr r="0" g="0" b="0"/>
+      </a:fillRef>
+      <a:effectRef idx="0">
+        <a:scrgbClr r="0" g="0" b="0"/>
+      </a:effectRef>
+      <a:fontRef idx="minor">
+        <a:schemeClr val="lt1"/>
+      </a:fontRef>
+    </dgm:style>
+  </dgm:styleLbl>
+  <dgm:styleLbl name="node1">
+    <dgm:scene3d>
+      <a:camera prst="orthographicFront"/>
+      <a:lightRig rig="threePt" dir="t"/>
+    </dgm:scene3d>
+    <dgm:sp3d/>
+    <dgm:txPr/>
+    <dgm:style>
+      <a:lnRef idx="2">
+        <a:scrgbClr r="0" g="0" b="0"/>
+      </a:lnRef>
+      <a:fillRef idx="1">
+        <a:scrgbClr r="0" g="0" b="0"/>
+      </a:fillRef>
+      <a:effectRef idx="0">
+        <a:scrgbClr r="0" g="0" b="0"/>
+      </a:effectRef>
+      <a:fontRef idx="minor">
+        <a:schemeClr val="lt1"/>
+      </a:fontRef>
+    </dgm:style>
+  </dgm:styleLbl>
+  <dgm:styleLbl name="node2">
+    <dgm:scene3d>
+      <a:camera prst="orthographicFront"/>
+      <a:lightRig rig="threePt" dir="t"/>
+    </dgm:scene3d>
+    <dgm:sp3d/>
+    <dgm:txPr/>
+    <dgm:style>
+      <a:lnRef idx="2">
+        <a:scrgbClr r="0" g="0" b="0"/>
+      </a:lnRef>
+      <a:fillRef idx="1">
+        <a:scrgbClr r="0" g="0" b="0"/>
+      </a:fillRef>
+      <a:effectRef idx="0">
+        <a:scrgbClr r="0" g="0" b="0"/>
+      </a:effectRef>
+      <a:fontRef idx="minor">
+        <a:schemeClr val="lt1"/>
+      </a:fontRef>
+    </dgm:style>
+  </dgm:styleLbl>
+  <dgm:styleLbl name="node3">
+    <dgm:scene3d>
+      <a:camera prst="orthographicFront"/>
+      <a:lightRig rig="threePt" dir="t"/>
+    </dgm:scene3d>
+    <dgm:sp3d/>
+    <dgm:txPr/>
+    <dgm:style>
+      <a:lnRef idx="2">
+        <a:scrgbClr r="0" g="0" b="0"/>
+      </a:lnRef>
+      <a:fillRef idx="1">
+        <a:scrgbClr r="0" g="0" b="0"/>
+      </a:fillRef>
+      <a:effectRef idx="0">
+        <a:scrgbClr r="0" g="0" b="0"/>
+      </a:effectRef>
+      <a:fontRef idx="minor">
+        <a:schemeClr val="lt1"/>
+      </a:fontRef>
+    </dgm:style>
+  </dgm:styleLbl>
+  <dgm:styleLbl name="node4">
+    <dgm:scene3d>
+      <a:camera prst="orthographicFront"/>
+      <a:lightRig rig="threePt" dir="t"/>
+    </dgm:scene3d>
+    <dgm:sp3d/>
+    <dgm:txPr/>
+    <dgm:style>
+      <a:lnRef idx="2">
+        <a:scrgbClr r="0" g="0" b="0"/>
+      </a:lnRef>
+      <a:fillRef idx="1">
+        <a:scrgbClr r="0" g="0" b="0"/>
+      </a:fillRef>
+      <a:effectRef idx="0">
+        <a:scrgbClr r="0" g="0" b="0"/>
+      </a:effectRef>
+      <a:fontRef idx="minor">
+        <a:schemeClr val="lt1"/>
+      </a:fontRef>
+    </dgm:style>
+  </dgm:styleLbl>
+  <dgm:styleLbl name="fgImgPlace1">
+    <dgm:scene3d>
+      <a:camera prst="orthographicFront"/>
+      <a:lightRig rig="threePt" dir="t"/>
+    </dgm:scene3d>
+    <dgm:sp3d/>
+    <dgm:txPr/>
+    <dgm:style>
+      <a:lnRef idx="2">
+        <a:scrgbClr r="0" g="0" b="0"/>
+      </a:lnRef>
+      <a:fillRef idx="1">
+        <a:scrgbClr r="0" g="0" b="0"/>
+      </a:fillRef>
+      <a:effectRef idx="0">
+        <a:scrgbClr r="0" g="0" b="0"/>
+      </a:effectRef>
+      <a:fontRef idx="minor"/>
+    </dgm:style>
+  </dgm:styleLbl>
+  <dgm:styleLbl name="alignImgPlace1">
+    <dgm:scene3d>
+      <a:camera prst="orthographicFront"/>
+      <a:lightRig rig="threePt" dir="t"/>
+    </dgm:scene3d>
+    <dgm:sp3d/>
+    <dgm:txPr/>
+    <dgm:style>
+      <a:lnRef idx="2">
+        <a:scrgbClr r="0" g="0" b="0"/>
+      </a:lnRef>
+      <a:fillRef idx="1">
+        <a:scrgbClr r="0" g="0" b="0"/>
+      </a:fillRef>
+      <a:effectRef idx="0">
+        <a:scrgbClr r="0" g="0" b="0"/>
+      </a:effectRef>
+      <a:fontRef idx="minor"/>
+    </dgm:style>
+  </dgm:styleLbl>
+  <dgm:styleLbl name="bgImgPlace1">
+    <dgm:scene3d>
+      <a:camera prst="orthographicFront"/>
+      <a:lightRig rig="threePt" dir="t"/>
+    </dgm:scene3d>
+    <dgm:sp3d/>
+    <dgm:txPr/>
+    <dgm:style>
+      <a:lnRef idx="2">
+        <a:scrgbClr r="0" g="0" b="0"/>
+      </a:lnRef>
+      <a:fillRef idx="1">
+        <a:scrgbClr r="0" g="0" b="0"/>
+      </a:fillRef>
+      <a:effectRef idx="0">
+        <a:scrgbClr r="0" g="0" b="0"/>
+      </a:effectRef>
+      <a:fontRef idx="minor"/>
+    </dgm:style>
+  </dgm:styleLbl>
+  <dgm:styleLbl name="sibTrans2D1">
+    <dgm:scene3d>
+      <a:camera prst="orthographicFront"/>
+      <a:lightRig rig="threePt" dir="t"/>
+    </dgm:scene3d>
+    <dgm:sp3d/>
+    <dgm:txPr/>
+    <dgm:style>
+      <a:lnRef idx="0">
+        <a:scrgbClr r="0" g="0" b="0"/>
+      </a:lnRef>
+      <a:fillRef idx="1">
+        <a:scrgbClr r="0" g="0" b="0"/>
+      </a:fillRef>
+      <a:effectRef idx="0">
+        <a:scrgbClr r="0" g="0" b="0"/>
+      </a:effectRef>
+      <a:fontRef idx="minor">
+        <a:schemeClr val="lt1"/>
+      </a:fontRef>
+    </dgm:style>
+  </dgm:styleLbl>
+  <dgm:styleLbl name="fgSibTrans2D1">
+    <dgm:scene3d>
+      <a:camera prst="orthographicFront"/>
+      <a:lightRig rig="threePt" dir="t"/>
+    </dgm:scene3d>
+    <dgm:sp3d/>
+    <dgm:txPr/>
+    <dgm:style>
+      <a:lnRef idx="0">
+        <a:scrgbClr r="0" g="0" b="0"/>
+      </a:lnRef>
+      <a:fillRef idx="1">
+        <a:scrgbClr r="0" g="0" b="0"/>
+      </a:fillRef>
+      <a:effectRef idx="0">
+        <a:scrgbClr r="0" g="0" b="0"/>
+      </a:effectRef>
+      <a:fontRef idx="minor">
+        <a:schemeClr val="lt1"/>
+      </a:fontRef>
+    </dgm:style>
+  </dgm:styleLbl>
+  <dgm:styleLbl name="bgSibTrans2D1">
+    <dgm:scene3d>
+      <a:camera prst="orthographicFront"/>
+      <a:lightRig rig="threePt" dir="t"/>
+    </dgm:scene3d>
+    <dgm:sp3d/>
+    <dgm:txPr/>
+    <dgm:style>
+      <a:lnRef idx="0">
+        <a:scrgbClr r="0" g="0" b="0"/>
+      </a:lnRef>
+      <a:fillRef idx="1">
+        <a:scrgbClr r="0" g="0" b="0"/>
+      </a:fillRef>
+      <a:effectRef idx="0">
+        <a:scrgbClr r="0" g="0" b="0"/>
+      </a:effectRef>
+      <a:fontRef idx="minor">
+        <a:schemeClr val="lt1"/>
+      </a:fontRef>
+    </dgm:style>
+  </dgm:styleLbl>
+  <dgm:styleLbl name="sibTrans1D1">
+    <dgm:scene3d>
+      <a:camera prst="orthographicFront"/>
+      <a:lightRig rig="threePt" dir="t"/>
+    </dgm:scene3d>
+    <dgm:sp3d/>
+    <dgm:txPr/>
+    <dgm:style>
+      <a:lnRef idx="1">
+        <a:scrgbClr r="0" g="0" b="0"/>
+      </a:lnRef>
+      <a:fillRef idx="0">
+        <a:scrgbClr r="0" g="0" b="0"/>
+      </a:fillRef>
+      <a:effectRef idx="0">
+        <a:scrgbClr r="0" g="0" b="0"/>
+      </a:effectRef>
+      <a:fontRef idx="minor"/>
+    </dgm:style>
+  </dgm:styleLbl>
+  <dgm:styleLbl name="callout">
+    <dgm:scene3d>
+      <a:camera prst="orthographicFront"/>
+      <a:lightRig rig="threePt" dir="t"/>
+    </dgm:scene3d>
+    <dgm:sp3d/>
+    <dgm:txPr/>
+    <dgm:style>
+      <a:lnRef idx="2">
+        <a:scrgbClr r="0" g="0" b="0"/>
+      </a:lnRef>
+      <a:fillRef idx="1">
+        <a:scrgbClr r="0" g="0" b="0"/>
+      </a:fillRef>
+      <a:effectRef idx="0">
+        <a:scrgbClr r="0" g="0" b="0"/>
+      </a:effectRef>
+      <a:fontRef idx="minor"/>
+    </dgm:style>
+  </dgm:styleLbl>
+  <dgm:styleLbl name="asst0">
+    <dgm:scene3d>
+      <a:camera prst="orthographicFront"/>
+      <a:lightRig rig="threePt" dir="t"/>
+    </dgm:scene3d>
+    <dgm:sp3d/>
+    <dgm:txPr/>
+    <dgm:style>
+      <a:lnRef idx="2">
+        <a:scrgbClr r="0" g="0" b="0"/>
+      </a:lnRef>
+      <a:fillRef idx="1">
+        <a:scrgbClr r="0" g="0" b="0"/>
+      </a:fillRef>
+      <a:effectRef idx="0">
+        <a:scrgbClr r="0" g="0" b="0"/>
+      </a:effectRef>
+      <a:fontRef idx="minor">
+        <a:schemeClr val="lt1"/>
+      </a:fontRef>
+    </dgm:style>
+  </dgm:styleLbl>
+  <dgm:styleLbl name="asst1">
+    <dgm:scene3d>
+      <a:camera prst="orthographicFront"/>
+      <a:lightRig rig="threePt" dir="t"/>
+    </dgm:scene3d>
+    <dgm:sp3d/>
+    <dgm:txPr/>
+    <dgm:style>
+      <a:lnRef idx="2">
+        <a:scrgbClr r="0" g="0" b="0"/>
+      </a:lnRef>
+      <a:fillRef idx="1">
+        <a:scrgbClr r="0" g="0" b="0"/>
+      </a:fillRef>
+      <a:effectRef idx="0">
+        <a:scrgbClr r="0" g="0" b="0"/>
+      </a:effectRef>
+      <a:fontRef idx="minor">
+        <a:schemeClr val="lt1"/>
+      </a:fontRef>
+    </dgm:style>
+  </dgm:styleLbl>
+  <dgm:styleLbl name="asst2">
+    <dgm:scene3d>
+      <a:camera prst="orthographicFront"/>
+      <a:lightRig rig="threePt" dir="t"/>
+    </dgm:scene3d>
+    <dgm:sp3d/>
+    <dgm:txPr/>
+    <dgm:style>
+      <a:lnRef idx="2">
+        <a:scrgbClr r="0" g="0" b="0"/>
+      </a:lnRef>
+      <a:fillRef idx="1">
+        <a:scrgbClr r="0" g="0" b="0"/>
+      </a:fillRef>
+      <a:effectRef idx="0">
+        <a:scrgbClr r="0" g="0" b="0"/>
+      </a:effectRef>
+      <a:fontRef idx="minor">
+        <a:schemeClr val="lt1"/>
+      </a:fontRef>
+    </dgm:style>
+  </dgm:styleLbl>
+  <dgm:styleLbl name="asst3">
+    <dgm:scene3d>
+      <a:camera prst="orthographicFront"/>
+      <a:lightRig rig="threePt" dir="t"/>
+    </dgm:scene3d>
+    <dgm:sp3d/>
+    <dgm:txPr/>
+    <dgm:style>
+      <a:lnRef idx="2">
+        <a:scrgbClr r="0" g="0" b="0"/>
+      </a:lnRef>
+      <a:fillRef idx="1">
+        <a:scrgbClr r="0" g="0" b="0"/>
+      </a:fillRef>
+      <a:effectRef idx="0">
+        <a:scrgbClr r="0" g="0" b="0"/>
+      </a:effectRef>
+      <a:fontRef idx="minor">
+        <a:schemeClr val="lt1"/>
+      </a:fontRef>
+    </dgm:style>
+  </dgm:styleLbl>
+  <dgm:styleLbl name="asst4">
+    <dgm:scene3d>
+      <a:camera prst="orthographicFront"/>
+      <a:lightRig rig="threePt" dir="t"/>
+    </dgm:scene3d>
+    <dgm:sp3d/>
+    <dgm:txPr/>
+    <dgm:style>
+      <a:lnRef idx="2">
+        <a:scrgbClr r="0" g="0" b="0"/>
+      </a:lnRef>
+      <a:fillRef idx="1">
+        <a:scrgbClr r="0" g="0" b="0"/>
+      </a:fillRef>
+      <a:effectRef idx="0">
+        <a:scrgbClr r="0" g="0" b="0"/>
+      </a:effectRef>
+      <a:fontRef idx="minor">
+        <a:schemeClr val="lt1"/>
+      </a:fontRef>
+    </dgm:style>
+  </dgm:styleLbl>
+  <dgm:styleLbl name="parChTrans2D1">
+    <dgm:scene3d>
+      <a:camera prst="orthographicFront"/>
+      <a:lightRig rig="threePt" dir="t"/>
+    </dgm:scene3d>
+    <dgm:sp3d/>
+    <dgm:txPr/>
+    <dgm:style>
+      <a:lnRef idx="2">
+        <a:scrgbClr r="0" g="0" b="0"/>
+      </a:lnRef>
+      <a:fillRef idx="1">
+        <a:scrgbClr r="0" g="0" b="0"/>
+      </a:fillRef>
+      <a:effectRef idx="0">
+        <a:scrgbClr r="0" g="0" b="0"/>
+      </a:effectRef>
+      <a:fontRef idx="minor">
+        <a:schemeClr val="lt1"/>
+      </a:fontRef>
+    </dgm:style>
+  </dgm:styleLbl>
+  <dgm:styleLbl name="parChTrans2D2">
+    <dgm:scene3d>
+      <a:camera prst="orthographicFront"/>
+      <a:lightRig rig="threePt" dir="t"/>
+    </dgm:scene3d>
+    <dgm:sp3d/>
+    <dgm:txPr/>
+    <dgm:style>
+      <a:lnRef idx="2">
+        <a:scrgbClr r="0" g="0" b="0"/>
+      </a:lnRef>
+      <a:fillRef idx="1">
+        <a:scrgbClr r="0" g="0" b="0"/>
+      </a:fillRef>
+      <a:effectRef idx="0">
+        <a:scrgbClr r="0" g="0" b="0"/>
+      </a:effectRef>
+      <a:fontRef idx="minor">
+        <a:schemeClr val="lt1"/>
+      </a:fontRef>
+    </dgm:style>
+  </dgm:styleLbl>
+  <dgm:styleLbl name="parChTrans2D3">
+    <dgm:scene3d>
+      <a:camera prst="orthographicFront"/>
+      <a:lightRig rig="threePt" dir="t"/>
+    </dgm:scene3d>
+    <dgm:sp3d/>
+    <dgm:txPr/>
+    <dgm:style>
+      <a:lnRef idx="2">
+        <a:scrgbClr r="0" g="0" b="0"/>
+      </a:lnRef>
+      <a:fillRef idx="1">
+        <a:scrgbClr r="0" g="0" b="0"/>
+      </a:fillRef>
+      <a:effectRef idx="0">
+        <a:scrgbClr r="0" g="0" b="0"/>
+      </a:effectRef>
+      <a:fontRef idx="minor">
+        <a:schemeClr val="lt1"/>
+      </a:fontRef>
+    </dgm:style>
+  </dgm:styleLbl>
+  <dgm:styleLbl name="parChTrans2D4">
+    <dgm:scene3d>
+      <a:camera prst="orthographicFront"/>
+      <a:lightRig rig="threePt" dir="t"/>
+    </dgm:scene3d>
+    <dgm:sp3d/>
+    <dgm:txPr/>
+    <dgm:style>
+      <a:lnRef idx="2">
+        <a:scrgbClr r="0" g="0" b="0"/>
+      </a:lnRef>
+      <a:fillRef idx="1">
+        <a:scrgbClr r="0" g="0" b="0"/>
+      </a:fillRef>
+      <a:effectRef idx="0">
+        <a:scrgbClr r="0" g="0" b="0"/>
+      </a:effectRef>
+      <a:fontRef idx="minor">
+        <a:schemeClr val="lt1"/>
+      </a:fontRef>
+    </dgm:style>
+  </dgm:styleLbl>
+  <dgm:styleLbl name="parChTrans1D1">
+    <dgm:scene3d>
+      <a:camera prst="orthographicFront"/>
+      <a:lightRig rig="threePt" dir="t"/>
+    </dgm:scene3d>
+    <dgm:sp3d/>
+    <dgm:txPr/>
+    <dgm:style>
+      <a:lnRef idx="2">
+        <a:scrgbClr r="0" g="0" b="0"/>
+      </a:lnRef>
+      <a:fillRef idx="0">
+        <a:scrgbClr r="0" g="0" b="0"/>
+      </a:fillRef>
+      <a:effectRef idx="0">
+        <a:scrgbClr r="0" g="0" b="0"/>
+      </a:effectRef>
+      <a:fontRef idx="minor"/>
+    </dgm:style>
+  </dgm:styleLbl>
+  <dgm:styleLbl name="parChTrans1D2">
+    <dgm:scene3d>
+      <a:camera prst="orthographicFront"/>
+      <a:lightRig rig="threePt" dir="t"/>
+    </dgm:scene3d>
+    <dgm:sp3d/>
+    <dgm:txPr/>
+    <dgm:style>
+      <a:lnRef idx="2">
+        <a:scrgbClr r="0" g="0" b="0"/>
+      </a:lnRef>
+      <a:fillRef idx="0">
+        <a:scrgbClr r="0" g="0" b="0"/>
+      </a:fillRef>
+      <a:effectRef idx="0">
+        <a:scrgbClr r="0" g="0" b="0"/>
+      </a:effectRef>
+      <a:fontRef idx="minor"/>
+    </dgm:style>
+  </dgm:styleLbl>
+  <dgm:styleLbl name="parChTrans1D3">
+    <dgm:scene3d>
+      <a:camera prst="orthographicFront"/>
+      <a:lightRig rig="threePt" dir="t"/>
+    </dgm:scene3d>
+    <dgm:sp3d/>
+    <dgm:txPr/>
+    <dgm:style>
+      <a:lnRef idx="2">
+        <a:scrgbClr r="0" g="0" b="0"/>
+      </a:lnRef>
+      <a:fillRef idx="0">
+        <a:scrgbClr r="0" g="0" b="0"/>
+      </a:fillRef>
+      <a:effectRef idx="0">
+        <a:scrgbClr r="0" g="0" b="0"/>
+      </a:effectRef>
+      <a:fontRef idx="minor"/>
+    </dgm:style>
+  </dgm:styleLbl>
+  <dgm:styleLbl name="parChTrans1D4">
+    <dgm:scene3d>
+      <a:camera prst="orthographicFront"/>
+      <a:lightRig rig="threePt" dir="t"/>
+    </dgm:scene3d>
+    <dgm:sp3d/>
+    <dgm:txPr/>
+    <dgm:style>
+      <a:lnRef idx="2">
+        <a:scrgbClr r="0" g="0" b="0"/>
+      </a:lnRef>
+      <a:fillRef idx="0">
+        <a:scrgbClr r="0" g="0" b="0"/>
+      </a:fillRef>
+      <a:effectRef idx="0">
+        <a:scrgbClr r="0" g="0" b="0"/>
+      </a:effectRef>
+      <a:fontRef idx="minor"/>
+    </dgm:style>
+  </dgm:styleLbl>
+  <dgm:styleLbl name="fgAcc1">
+    <dgm:scene3d>
+      <a:camera prst="orthographicFront"/>
+      <a:lightRig rig="threePt" dir="t"/>
+    </dgm:scene3d>
+    <dgm:sp3d/>
+    <dgm:txPr/>
+    <dgm:style>
+      <a:lnRef idx="2">
+        <a:scrgbClr r="0" g="0" b="0"/>
+      </a:lnRef>
+      <a:fillRef idx="1">
+        <a:scrgbClr r="0" g="0" b="0"/>
+      </a:fillRef>
+      <a:effectRef idx="0">
+        <a:scrgbClr r="0" g="0" b="0"/>
+      </a:effectRef>
+      <a:fontRef idx="minor"/>
+    </dgm:style>
+  </dgm:styleLbl>
+  <dgm:styleLbl name="conFgAcc1">
+    <dgm:scene3d>
+      <a:camera prst="orthographicFront"/>
+      <a:lightRig rig="threePt" dir="t"/>
+    </dgm:scene3d>
+    <dgm:sp3d/>
+    <dgm:txPr/>
+    <dgm:style>
+      <a:lnRef idx="2">
+        <a:scrgbClr r="0" g="0" b="0"/>
+      </a:lnRef>
+      <a:fillRef idx="1">
+        <a:scrgbClr r="0" g="0" b="0"/>
+      </a:fillRef>
+      <a:effectRef idx="0">
+        <a:scrgbClr r="0" g="0" b="0"/>
+      </a:effectRef>
+      <a:fontRef idx="minor"/>
+    </dgm:style>
+  </dgm:styleLbl>
+  <dgm:styleLbl name="alignAcc1">
+    <dgm:scene3d>
+      <a:camera prst="orthographicFront"/>
+      <a:lightRig rig="threePt" dir="t"/>
+    </dgm:scene3d>
+    <dgm:sp3d/>
+    <dgm:txPr/>
+    <dgm:style>
+      <a:lnRef idx="2">
+        <a:scrgbClr r="0" g="0" b="0"/>
+      </a:lnRef>
+      <a:fillRef idx="1">
+        <a:scrgbClr r="0" g="0" b="0"/>
+      </a:fillRef>
+      <a:effectRef idx="0">
+        <a:scrgbClr r="0" g="0" b="0"/>
+      </a:effectRef>
+      <a:fontRef idx="minor"/>
+    </dgm:style>
+  </dgm:styleLbl>
+  <dgm:styleLbl name="trAlignAcc1">
+    <dgm:scene3d>
+      <a:camera prst="orthographicFront"/>
+      <a:lightRig rig="threePt" dir="t"/>
+    </dgm:scene3d>
+    <dgm:sp3d/>
+    <dgm:txPr/>
+    <dgm:style>
+      <a:lnRef idx="1">
+        <a:scrgbClr r="0" g="0" b="0"/>
+      </a:lnRef>
+      <a:fillRef idx="1">
+        <a:scrgbClr r="0" g="0" b="0"/>
+      </a:fillRef>
+      <a:effectRef idx="0">
+        <a:scrgbClr r="0" g="0" b="0"/>
+      </a:effectRef>
+      <a:fontRef idx="minor"/>
+    </dgm:style>
+  </dgm:styleLbl>
+  <dgm:styleLbl name="bgAcc1">
+    <dgm:scene3d>
+      <a:camera prst="orthographicFront"/>
+      <a:lightRig rig="threePt" dir="t"/>
+    </dgm:scene3d>
+    <dgm:sp3d/>
+    <dgm:txPr/>
+    <dgm:style>
+      <a:lnRef idx="2">
+        <a:scrgbClr r="0" g="0" b="0"/>
+      </a:lnRef>
+      <a:fillRef idx="1">
+        <a:scrgbClr r="0" g="0" b="0"/>
+      </a:fillRef>
+      <a:effectRef idx="0">
+        <a:scrgbClr r="0" g="0" b="0"/>
+      </a:effectRef>
+      <a:fontRef idx="minor"/>
+    </dgm:style>
+  </dgm:styleLbl>
+  <dgm:styleLbl name="solidFgAcc1">
+    <dgm:scene3d>
+      <a:camera prst="orthographicFront"/>
+      <a:lightRig rig="threePt" dir="t"/>
+    </dgm:scene3d>
+    <dgm:sp3d/>
+    <dgm:txPr/>
+    <dgm:style>
+      <a:lnRef idx="2">
+        <a:scrgbClr r="0" g="0" b="0"/>
+      </a:lnRef>
+      <a:fillRef idx="1">
+        <a:scrgbClr r="0" g="0" b="0"/>
+      </a:fillRef>
+      <a:effectRef idx="0">
+        <a:scrgbClr r="0" g="0" b="0"/>
+      </a:effectRef>
+      <a:fontRef idx="minor"/>
+    </dgm:style>
+  </dgm:styleLbl>
+  <dgm:styleLbl name="solidAlignAcc1">
+    <dgm:scene3d>
+      <a:camera prst="orthographicFront"/>
+      <a:lightRig rig="threePt" dir="t"/>
+    </dgm:scene3d>
+    <dgm:sp3d/>
+    <dgm:txPr/>
+    <dgm:style>
+      <a:lnRef idx="2">
+        <a:scrgbClr r="0" g="0" b="0"/>
+      </a:lnRef>
+      <a:fillRef idx="1">
+        <a:scrgbClr r="0" g="0" b="0"/>
+      </a:fillRef>
+      <a:effectRef idx="0">
+        <a:scrgbClr r="0" g="0" b="0"/>
+      </a:effectRef>
+      <a:fontRef idx="minor"/>
+    </dgm:style>
+  </dgm:styleLbl>
+  <dgm:styleLbl name="solidBgAcc1">
+    <dgm:scene3d>
+      <a:camera prst="orthographicFront"/>
+      <a:lightRig rig="threePt" dir="t"/>
+    </dgm:scene3d>
+    <dgm:sp3d/>
+    <dgm:txPr/>
+    <dgm:style>
+      <a:lnRef idx="2">
+        <a:scrgbClr r="0" g="0" b="0"/>
+      </a:lnRef>
+      <a:fillRef idx="1">
+        <a:scrgbClr r="0" g="0" b="0"/>
+      </a:fillRef>
+      <a:effectRef idx="0">
+        <a:scrgbClr r="0" g="0" b="0"/>
+      </a:effectRef>
+      <a:fontRef idx="minor"/>
+    </dgm:style>
+  </dgm:styleLbl>
+  <dgm:styleLbl name="fgAccFollowNode1">
+    <dgm:scene3d>
+      <a:camera prst="orthographicFront"/>
+      <a:lightRig rig="threePt" dir="t"/>
+    </dgm:scene3d>
+    <dgm:sp3d/>
+    <dgm:txPr/>
+    <dgm:style>
+      <a:lnRef idx="2">
+        <a:scrgbClr r="0" g="0" b="0"/>
+      </a:lnRef>
+      <a:fillRef idx="1">
+        <a:scrgbClr r="0" g="0" b="0"/>
+      </a:fillRef>
+      <a:effectRef idx="0">
+        <a:scrgbClr r="0" g="0" b="0"/>
+      </a:effectRef>
+      <a:fontRef idx="minor"/>
+    </dgm:style>
+  </dgm:styleLbl>
+  <dgm:styleLbl name="alignAccFollowNode1">
+    <dgm:scene3d>
+      <a:camera prst="orthographicFront"/>
+      <a:lightRig rig="threePt" dir="t"/>
+    </dgm:scene3d>
+    <dgm:sp3d/>
+    <dgm:txPr/>
+    <dgm:style>
+      <a:lnRef idx="2">
+        <a:scrgbClr r="0" g="0" b="0"/>
+      </a:lnRef>
+      <a:fillRef idx="1">
+        <a:scrgbClr r="0" g="0" b="0"/>
+      </a:fillRef>
+      <a:effectRef idx="0">
+        <a:scrgbClr r="0" g="0" b="0"/>
+      </a:effectRef>
+      <a:fontRef idx="minor"/>
+    </dgm:style>
+  </dgm:styleLbl>
+  <dgm:styleLbl name="bgAccFollowNode1">
+    <dgm:scene3d>
+      <a:camera prst="orthographicFront"/>
+      <a:lightRig rig="threePt" dir="t"/>
+    </dgm:scene3d>
+    <dgm:sp3d/>
+    <dgm:txPr/>
+    <dgm:style>
+      <a:lnRef idx="2">
+        <a:scrgbClr r="0" g="0" b="0"/>
+      </a:lnRef>
+      <a:fillRef idx="1">
+        <a:scrgbClr r="0" g="0" b="0"/>
+      </a:fillRef>
+      <a:effectRef idx="0">
+        <a:scrgbClr r="0" g="0" b="0"/>
+      </a:effectRef>
+      <a:fontRef idx="minor"/>
+    </dgm:style>
+  </dgm:styleLbl>
+  <dgm:styleLbl name="fgAcc0">
+    <dgm:scene3d>
+      <a:camera prst="orthographicFront"/>
+      <a:lightRig rig="threePt" dir="t"/>
+    </dgm:scene3d>
+    <dgm:sp3d/>
+    <dgm:txPr/>
+    <dgm:style>
+      <a:lnRef idx="2">
+        <a:scrgbClr r="0" g="0" b="0"/>
+      </a:lnRef>
+      <a:fillRef idx="1">
+        <a:scrgbClr r="0" g="0" b="0"/>
+      </a:fillRef>
+      <a:effectRef idx="0">
+        <a:scrgbClr r="0" g="0" b="0"/>
+      </a:effectRef>
+      <a:fontRef idx="minor"/>
+    </dgm:style>
+  </dgm:styleLbl>
+  <dgm:styleLbl name="fgAcc2">
+    <dgm:scene3d>
+      <a:camera prst="orthographicFront"/>
+      <a:lightRig rig="threePt" dir="t"/>
+    </dgm:scene3d>
+    <dgm:sp3d/>
+    <dgm:txPr/>
+    <dgm:style>
+      <a:lnRef idx="2">
+        <a:scrgbClr r="0" g="0" b="0"/>
+      </a:lnRef>
+      <a:fillRef idx="1">
+        <a:scrgbClr r="0" g="0" b="0"/>
+      </a:fillRef>
+      <a:effectRef idx="0">
+        <a:scrgbClr r="0" g="0" b="0"/>
+      </a:effectRef>
+      <a:fontRef idx="minor"/>
+    </dgm:style>
+  </dgm:styleLbl>
+  <dgm:styleLbl name="fgAcc3">
+    <dgm:scene3d>
+      <a:camera prst="orthographicFront"/>
+      <a:lightRig rig="threePt" dir="t"/>
+    </dgm:scene3d>
+    <dgm:sp3d/>
+    <dgm:txPr/>
+    <dgm:style>
+      <a:lnRef idx="2">
+        <a:scrgbClr r="0" g="0" b="0"/>
+      </a:lnRef>
+      <a:fillRef idx="1">
+        <a:scrgbClr r="0" g="0" b="0"/>
+      </a:fillRef>
+      <a:effectRef idx="0">
+        <a:scrgbClr r="0" g="0" b="0"/>
+      </a:effectRef>
+      <a:fontRef idx="minor"/>
+    </dgm:style>
+  </dgm:styleLbl>
+  <dgm:styleLbl name="fgAcc4">
+    <dgm:scene3d>
+      <a:camera prst="orthographicFront"/>
+      <a:lightRig rig="threePt" dir="t"/>
+    </dgm:scene3d>
+    <dgm:sp3d/>
+    <dgm:txPr/>
+    <dgm:style>
+      <a:lnRef idx="2">
+        <a:scrgbClr r="0" g="0" b="0"/>
+      </a:lnRef>
+      <a:fillRef idx="1">
+        <a:scrgbClr r="0" g="0" b="0"/>
+      </a:fillRef>
+      <a:effectRef idx="0">
+        <a:scrgbClr r="0" g="0" b="0"/>
+      </a:effectRef>
+      <a:fontRef idx="minor"/>
+    </dgm:style>
+  </dgm:styleLbl>
+  <dgm:styleLbl name="bgShp">
+    <dgm:scene3d>
+      <a:camera prst="orthographicFront"/>
+      <a:lightRig rig="threePt" dir="t"/>
+    </dgm:scene3d>
+    <dgm:sp3d/>
+    <dgm:txPr/>
+    <dgm:style>
+      <a:lnRef idx="0">
+        <a:scrgbClr r="0" g="0" b="0"/>
+      </a:lnRef>
+      <a:fillRef idx="1">
+        <a:scrgbClr r="0" g="0" b="0"/>
+      </a:fillRef>
+      <a:effectRef idx="0">
+        <a:scrgbClr r="0" g="0" b="0"/>
+      </a:effectRef>
+      <a:fontRef idx="minor"/>
+    </dgm:style>
+  </dgm:styleLbl>
+  <dgm:styleLbl name="dkBgShp">
+    <dgm:scene3d>
+      <a:camera prst="orthographicFront"/>
+      <a:lightRig rig="threePt" dir="t"/>
+    </dgm:scene3d>
+    <dgm:sp3d/>
+    <dgm:txPr/>
+    <dgm:style>
+      <a:lnRef idx="0">
+        <a:scrgbClr r="0" g="0" b="0"/>
+      </a:lnRef>
+      <a:fillRef idx="1">
+        <a:scrgbClr r="0" g="0" b="0"/>
+      </a:fillRef>
+      <a:effectRef idx="0">
+        <a:scrgbClr r="0" g="0" b="0"/>
+      </a:effectRef>
+      <a:fontRef idx="minor"/>
+    </dgm:style>
+  </dgm:styleLbl>
+  <dgm:styleLbl name="trBgShp">
+    <dgm:scene3d>
+      <a:camera prst="orthographicFront"/>
+      <a:lightRig rig="threePt" dir="t"/>
+    </dgm:scene3d>
+    <dgm:sp3d/>
+    <dgm:txPr/>
+    <dgm:style>
+      <a:lnRef idx="0">
+        <a:scrgbClr r="0" g="0" b="0"/>
+      </a:lnRef>
+      <a:fillRef idx="1">
+        <a:scrgbClr r="0" g="0" b="0"/>
+      </a:fillRef>
+      <a:effectRef idx="0">
+        <a:scrgbClr r="0" g="0" b="0"/>
+      </a:effectRef>
+      <a:fontRef idx="minor"/>
+    </dgm:style>
+  </dgm:styleLbl>
+  <dgm:styleLbl name="fgShp">
+    <dgm:scene3d>
+      <a:camera prst="orthographicFront"/>
+      <a:lightRig rig="threePt" dir="t"/>
+    </dgm:scene3d>
+    <dgm:sp3d/>
+    <dgm:txPr/>
+    <dgm:style>
+      <a:lnRef idx="2">
+        <a:scrgbClr r="0" g="0" b="0"/>
+      </a:lnRef>
+      <a:fillRef idx="1">
+        <a:scrgbClr r="0" g="0" b="0"/>
+      </a:fillRef>
+      <a:effectRef idx="0">
+        <a:scrgbClr r="0" g="0" b="0"/>
+      </a:effectRef>
+      <a:fontRef idx="minor"/>
+    </dgm:style>
+  </dgm:styleLbl>
+  <dgm:styleLbl name="revTx">
+    <dgm:scene3d>
+      <a:camera prst="orthographicFront"/>
+      <a:lightRig rig="threePt" dir="t"/>
+    </dgm:scene3d>
+    <dgm:sp3d/>
+    <dgm:txPr/>
+    <dgm:style>
+      <a:lnRef idx="0">
+        <a:scrgbClr r="0" g="0" b="0"/>
+      </a:lnRef>
+      <a:fillRef idx="0">
+        <a:scrgbClr r="0" g="0" b="0"/>
+      </a:fillRef>
+      <a:effectRef idx="0">
+        <a:scrgbClr r="0" g="0" b="0"/>
+      </a:effectRef>
+      <a:fontRef idx="minor"/>
+    </dgm:style>
+  </dgm:styleLbl>
+</dgm:styleDef>
+</file>
+
+<file path=ppt/diagrams/quickStyle4.xml><?xml version="1.0" encoding="utf-8"?>
+<dgm:styleDef xmlns:dgm="http://schemas.openxmlformats.org/drawingml/2006/diagram" xmlns:a="http://schemas.openxmlformats.org/drawingml/2006/main" uniqueId="urn:microsoft.com/office/officeart/2005/8/quickstyle/simple1">
+  <dgm:title val=""/>
+  <dgm:desc val=""/>
+  <dgm:catLst>
+    <dgm:cat type="simple" pri="10100"/>
+  </dgm:catLst>
+  <dgm:scene3d>
+    <a:camera prst="orthographicFront"/>
+    <a:lightRig rig="threePt" dir="t"/>
+  </dgm:scene3d>
+  <dgm:styleLbl name="node0">
+    <dgm:scene3d>
+      <a:camera prst="orthographicFront"/>
+      <a:lightRig rig="threePt" dir="t"/>
+    </dgm:scene3d>
+    <dgm:sp3d/>
+    <dgm:txPr/>
+    <dgm:style>
+      <a:lnRef idx="2">
+        <a:scrgbClr r="0" g="0" b="0"/>
+      </a:lnRef>
+      <a:fillRef idx="1">
+        <a:scrgbClr r="0" g="0" b="0"/>
+      </a:fillRef>
+      <a:effectRef idx="0">
+        <a:scrgbClr r="0" g="0" b="0"/>
+      </a:effectRef>
+      <a:fontRef idx="minor">
+        <a:schemeClr val="lt1"/>
+      </a:fontRef>
+    </dgm:style>
+  </dgm:styleLbl>
+  <dgm:styleLbl name="lnNode1">
+    <dgm:scene3d>
+      <a:camera prst="orthographicFront"/>
+      <a:lightRig rig="threePt" dir="t"/>
+    </dgm:scene3d>
+    <dgm:sp3d/>
+    <dgm:txPr/>
+    <dgm:style>
+      <a:lnRef idx="2">
+        <a:scrgbClr r="0" g="0" b="0"/>
+      </a:lnRef>
+      <a:fillRef idx="1">
+        <a:scrgbClr r="0" g="0" b="0"/>
+      </a:fillRef>
+      <a:effectRef idx="0">
+        <a:scrgbClr r="0" g="0" b="0"/>
+      </a:effectRef>
+      <a:fontRef idx="minor">
+        <a:schemeClr val="lt1"/>
+      </a:fontRef>
+    </dgm:style>
+  </dgm:styleLbl>
+  <dgm:styleLbl name="vennNode1">
+    <dgm:scene3d>
+      <a:camera prst="orthographicFront"/>
+      <a:lightRig rig="threePt" dir="t"/>
+    </dgm:scene3d>
+    <dgm:sp3d/>
+    <dgm:txPr/>
+    <dgm:style>
+      <a:lnRef idx="2">
+        <a:scrgbClr r="0" g="0" b="0"/>
+      </a:lnRef>
+      <a:fillRef idx="1">
+        <a:scrgbClr r="0" g="0" b="0"/>
+      </a:fillRef>
+      <a:effectRef idx="0">
+        <a:scrgbClr r="0" g="0" b="0"/>
+      </a:effectRef>
+      <a:fontRef idx="minor">
+        <a:schemeClr val="tx1"/>
+      </a:fontRef>
+    </dgm:style>
+  </dgm:styleLbl>
+  <dgm:styleLbl name="alignNode1">
+    <dgm:scene3d>
+      <a:camera prst="orthographicFront"/>
+      <a:lightRig rig="threePt" dir="t"/>
+    </dgm:scene3d>
+    <dgm:sp3d/>
+    <dgm:txPr/>
+    <dgm:style>
+      <a:lnRef idx="2">
+        <a:scrgbClr r="0" g="0" b="0"/>
+      </a:lnRef>
+      <a:fillRef idx="1">
+        <a:scrgbClr r="0" g="0" b="0"/>
+      </a:fillRef>
+      <a:effectRef idx="0">
+        <a:scrgbClr r="0" g="0" b="0"/>
+      </a:effectRef>
+      <a:fontRef idx="minor">
+        <a:schemeClr val="lt1"/>
+      </a:fontRef>
+    </dgm:style>
+  </dgm:styleLbl>
+  <dgm:styleLbl name="node1">
+    <dgm:scene3d>
+      <a:camera prst="orthographicFront"/>
+      <a:lightRig rig="threePt" dir="t"/>
+    </dgm:scene3d>
+    <dgm:sp3d/>
+    <dgm:txPr/>
+    <dgm:style>
+      <a:lnRef idx="2">
+        <a:scrgbClr r="0" g="0" b="0"/>
+      </a:lnRef>
+      <a:fillRef idx="1">
+        <a:scrgbClr r="0" g="0" b="0"/>
+      </a:fillRef>
+      <a:effectRef idx="0">
+        <a:scrgbClr r="0" g="0" b="0"/>
+      </a:effectRef>
+      <a:fontRef idx="minor">
+        <a:schemeClr val="lt1"/>
+      </a:fontRef>
+    </dgm:style>
+  </dgm:styleLbl>
+  <dgm:styleLbl name="node2">
+    <dgm:scene3d>
+      <a:camera prst="orthographicFront"/>
+      <a:lightRig rig="threePt" dir="t"/>
+    </dgm:scene3d>
+    <dgm:sp3d/>
+    <dgm:txPr/>
+    <dgm:style>
+      <a:lnRef idx="2">
+        <a:scrgbClr r="0" g="0" b="0"/>
+      </a:lnRef>
+      <a:fillRef idx="1">
+        <a:scrgbClr r="0" g="0" b="0"/>
+      </a:fillRef>
+      <a:effectRef idx="0">
+        <a:scrgbClr r="0" g="0" b="0"/>
+      </a:effectRef>
+      <a:fontRef idx="minor">
+        <a:schemeClr val="lt1"/>
+      </a:fontRef>
+    </dgm:style>
+  </dgm:styleLbl>
+  <dgm:styleLbl name="node3">
+    <dgm:scene3d>
+      <a:camera prst="orthographicFront"/>
+      <a:lightRig rig="threePt" dir="t"/>
+    </dgm:scene3d>
+    <dgm:sp3d/>
+    <dgm:txPr/>
+    <dgm:style>
+      <a:lnRef idx="2">
+        <a:scrgbClr r="0" g="0" b="0"/>
+      </a:lnRef>
+      <a:fillRef idx="1">
+        <a:scrgbClr r="0" g="0" b="0"/>
+      </a:fillRef>
+      <a:effectRef idx="0">
+        <a:scrgbClr r="0" g="0" b="0"/>
+      </a:effectRef>
+      <a:fontRef idx="minor">
+        <a:schemeClr val="lt1"/>
+      </a:fontRef>
+    </dgm:style>
+  </dgm:styleLbl>
+  <dgm:styleLbl name="node4">
+    <dgm:scene3d>
+      <a:camera prst="orthographicFront"/>
+      <a:lightRig rig="threePt" dir="t"/>
+    </dgm:scene3d>
+    <dgm:sp3d/>
+    <dgm:txPr/>
+    <dgm:style>
+      <a:lnRef idx="2">
+        <a:scrgbClr r="0" g="0" b="0"/>
+      </a:lnRef>
+      <a:fillRef idx="1">
+        <a:scrgbClr r="0" g="0" b="0"/>
+      </a:fillRef>
+      <a:effectRef idx="0">
+        <a:scrgbClr r="0" g="0" b="0"/>
+      </a:effectRef>
+      <a:fontRef idx="minor">
+        <a:schemeClr val="lt1"/>
+      </a:fontRef>
+    </dgm:style>
+  </dgm:styleLbl>
+  <dgm:styleLbl name="fgImgPlace1">
+    <dgm:scene3d>
+      <a:camera prst="orthographicFront"/>
+      <a:lightRig rig="threePt" dir="t"/>
+    </dgm:scene3d>
+    <dgm:sp3d/>
+    <dgm:txPr/>
+    <dgm:style>
+      <a:lnRef idx="2">
+        <a:scrgbClr r="0" g="0" b="0"/>
+      </a:lnRef>
+      <a:fillRef idx="1">
+        <a:scrgbClr r="0" g="0" b="0"/>
+      </a:fillRef>
+      <a:effectRef idx="0">
+        <a:scrgbClr r="0" g="0" b="0"/>
+      </a:effectRef>
+      <a:fontRef idx="minor"/>
+    </dgm:style>
+  </dgm:styleLbl>
+  <dgm:styleLbl name="alignImgPlace1">
+    <dgm:scene3d>
+      <a:camera prst="orthographicFront"/>
+      <a:lightRig rig="threePt" dir="t"/>
+    </dgm:scene3d>
+    <dgm:sp3d/>
+    <dgm:txPr/>
+    <dgm:style>
+      <a:lnRef idx="2">
+        <a:scrgbClr r="0" g="0" b="0"/>
+      </a:lnRef>
+      <a:fillRef idx="1">
+        <a:scrgbClr r="0" g="0" b="0"/>
+      </a:fillRef>
+      <a:effectRef idx="0">
+        <a:scrgbClr r="0" g="0" b="0"/>
+      </a:effectRef>
+      <a:fontRef idx="minor"/>
+    </dgm:style>
+  </dgm:styleLbl>
+  <dgm:styleLbl name="bgImgPlace1">
+    <dgm:scene3d>
+      <a:camera prst="orthographicFront"/>
+      <a:lightRig rig="threePt" dir="t"/>
+    </dgm:scene3d>
+    <dgm:sp3d/>
+    <dgm:txPr/>
+    <dgm:style>
+      <a:lnRef idx="2">
+        <a:scrgbClr r="0" g="0" b="0"/>
+      </a:lnRef>
+      <a:fillRef idx="1">
+        <a:scrgbClr r="0" g="0" b="0"/>
+      </a:fillRef>
+      <a:effectRef idx="0">
+        <a:scrgbClr r="0" g="0" b="0"/>
+      </a:effectRef>
+      <a:fontRef idx="minor"/>
+    </dgm:style>
+  </dgm:styleLbl>
+  <dgm:styleLbl name="sibTrans2D1">
+    <dgm:scene3d>
+      <a:camera prst="orthographicFront"/>
+      <a:lightRig rig="threePt" dir="t"/>
+    </dgm:scene3d>
+    <dgm:sp3d/>
+    <dgm:txPr/>
+    <dgm:style>
+      <a:lnRef idx="0">
+        <a:scrgbClr r="0" g="0" b="0"/>
+      </a:lnRef>
+      <a:fillRef idx="1">
+        <a:scrgbClr r="0" g="0" b="0"/>
+      </a:fillRef>
+      <a:effectRef idx="0">
+        <a:scrgbClr r="0" g="0" b="0"/>
+      </a:effectRef>
+      <a:fontRef idx="minor">
+        <a:schemeClr val="lt1"/>
+      </a:fontRef>
+    </dgm:style>
+  </dgm:styleLbl>
+  <dgm:styleLbl name="fgSibTrans2D1">
+    <dgm:scene3d>
+      <a:camera prst="orthographicFront"/>
+      <a:lightRig rig="threePt" dir="t"/>
+    </dgm:scene3d>
+    <dgm:sp3d/>
+    <dgm:txPr/>
+    <dgm:style>
+      <a:lnRef idx="0">
+        <a:scrgbClr r="0" g="0" b="0"/>
+      </a:lnRef>
+      <a:fillRef idx="1">
+        <a:scrgbClr r="0" g="0" b="0"/>
+      </a:fillRef>
+      <a:effectRef idx="0">
+        <a:scrgbClr r="0" g="0" b="0"/>
+      </a:effectRef>
+      <a:fontRef idx="minor">
+        <a:schemeClr val="lt1"/>
+      </a:fontRef>
+    </dgm:style>
+  </dgm:styleLbl>
+  <dgm:styleLbl name="bgSibTrans2D1">
+    <dgm:scene3d>
+      <a:camera prst="orthographicFront"/>
+      <a:lightRig rig="threePt" dir="t"/>
+    </dgm:scene3d>
+    <dgm:sp3d/>
+    <dgm:txPr/>
+    <dgm:style>
+      <a:lnRef idx="0">
+        <a:scrgbClr r="0" g="0" b="0"/>
+      </a:lnRef>
+      <a:fillRef idx="1">
+        <a:scrgbClr r="0" g="0" b="0"/>
+      </a:fillRef>
+      <a:effectRef idx="0">
+        <a:scrgbClr r="0" g="0" b="0"/>
+      </a:effectRef>
+      <a:fontRef idx="minor">
+        <a:schemeClr val="lt1"/>
+      </a:fontRef>
+    </dgm:style>
+  </dgm:styleLbl>
+  <dgm:styleLbl name="sibTrans1D1">
+    <dgm:scene3d>
+      <a:camera prst="orthographicFront"/>
+      <a:lightRig rig="threePt" dir="t"/>
+    </dgm:scene3d>
+    <dgm:sp3d/>
+    <dgm:txPr/>
+    <dgm:style>
+      <a:lnRef idx="1">
+        <a:scrgbClr r="0" g="0" b="0"/>
+      </a:lnRef>
+      <a:fillRef idx="0">
+        <a:scrgbClr r="0" g="0" b="0"/>
+      </a:fillRef>
+      <a:effectRef idx="0">
+        <a:scrgbClr r="0" g="0" b="0"/>
+      </a:effectRef>
+      <a:fontRef idx="minor"/>
+    </dgm:style>
+  </dgm:styleLbl>
+  <dgm:styleLbl name="callout">
+    <dgm:scene3d>
+      <a:camera prst="orthographicFront"/>
+      <a:lightRig rig="threePt" dir="t"/>
+    </dgm:scene3d>
+    <dgm:sp3d/>
+    <dgm:txPr/>
+    <dgm:style>
+      <a:lnRef idx="2">
+        <a:scrgbClr r="0" g="0" b="0"/>
+      </a:lnRef>
+      <a:fillRef idx="1">
+        <a:scrgbClr r="0" g="0" b="0"/>
+      </a:fillRef>
+      <a:effectRef idx="0">
+        <a:scrgbClr r="0" g="0" b="0"/>
+      </a:effectRef>
+      <a:fontRef idx="minor"/>
+    </dgm:style>
+  </dgm:styleLbl>
+  <dgm:styleLbl name="asst0">
+    <dgm:scene3d>
+      <a:camera prst="orthographicFront"/>
+      <a:lightRig rig="threePt" dir="t"/>
+    </dgm:scene3d>
+    <dgm:sp3d/>
+    <dgm:txPr/>
+    <dgm:style>
+      <a:lnRef idx="2">
+        <a:scrgbClr r="0" g="0" b="0"/>
+      </a:lnRef>
+      <a:fillRef idx="1">
+        <a:scrgbClr r="0" g="0" b="0"/>
+      </a:fillRef>
+      <a:effectRef idx="0">
+        <a:scrgbClr r="0" g="0" b="0"/>
+      </a:effectRef>
+      <a:fontRef idx="minor">
+        <a:schemeClr val="lt1"/>
+      </a:fontRef>
+    </dgm:style>
+  </dgm:styleLbl>
+  <dgm:styleLbl name="asst1">
+    <dgm:scene3d>
+      <a:camera prst="orthographicFront"/>
+      <a:lightRig rig="threePt" dir="t"/>
+    </dgm:scene3d>
+    <dgm:sp3d/>
+    <dgm:txPr/>
+    <dgm:style>
+      <a:lnRef idx="2">
+        <a:scrgbClr r="0" g="0" b="0"/>
+      </a:lnRef>
+      <a:fillRef idx="1">
+        <a:scrgbClr r="0" g="0" b="0"/>
+      </a:fillRef>
+      <a:effectRef idx="0">
+        <a:scrgbClr r="0" g="0" b="0"/>
+      </a:effectRef>
+      <a:fontRef idx="minor">
+        <a:schemeClr val="lt1"/>
+      </a:fontRef>
+    </dgm:style>
+  </dgm:styleLbl>
+  <dgm:styleLbl name="asst2">
+    <dgm:scene3d>
+      <a:camera prst="orthographicFront"/>
+      <a:lightRig rig="threePt" dir="t"/>
+    </dgm:scene3d>
+    <dgm:sp3d/>
+    <dgm:txPr/>
+    <dgm:style>
+      <a:lnRef idx="2">
+        <a:scrgbClr r="0" g="0" b="0"/>
+      </a:lnRef>
+      <a:fillRef idx="1">
+        <a:scrgbClr r="0" g="0" b="0"/>
+      </a:fillRef>
+      <a:effectRef idx="0">
+        <a:scrgbClr r="0" g="0" b="0"/>
+      </a:effectRef>
+      <a:fontRef idx="minor">
+        <a:schemeClr val="lt1"/>
+      </a:fontRef>
+    </dgm:style>
+  </dgm:styleLbl>
+  <dgm:styleLbl name="asst3">
+    <dgm:scene3d>
+      <a:camera prst="orthographicFront"/>
+      <a:lightRig rig="threePt" dir="t"/>
+    </dgm:scene3d>
+    <dgm:sp3d/>
+    <dgm:txPr/>
+    <dgm:style>
+      <a:lnRef idx="2">
+        <a:scrgbClr r="0" g="0" b="0"/>
+      </a:lnRef>
+      <a:fillRef idx="1">
+        <a:scrgbClr r="0" g="0" b="0"/>
+      </a:fillRef>
+      <a:effectRef idx="0">
+        <a:scrgbClr r="0" g="0" b="0"/>
+      </a:effectRef>
+      <a:fontRef idx="minor">
+        <a:schemeClr val="lt1"/>
+      </a:fontRef>
+    </dgm:style>
+  </dgm:styleLbl>
+  <dgm:styleLbl name="asst4">
+    <dgm:scene3d>
+      <a:camera prst="orthographicFront"/>
+      <a:lightRig rig="threePt" dir="t"/>
+    </dgm:scene3d>
+    <dgm:sp3d/>
+    <dgm:txPr/>
+    <dgm:style>
+      <a:lnRef idx="2">
+        <a:scrgbClr r="0" g="0" b="0"/>
+      </a:lnRef>
+      <a:fillRef idx="1">
+        <a:scrgbClr r="0" g="0" b="0"/>
+      </a:fillRef>
+      <a:effectRef idx="0">
+        <a:scrgbClr r="0" g="0" b="0"/>
+      </a:effectRef>
+      <a:fontRef idx="minor">
+        <a:schemeClr val="lt1"/>
+      </a:fontRef>
+    </dgm:style>
+  </dgm:styleLbl>
+  <dgm:styleLbl name="parChTrans2D1">
+    <dgm:scene3d>
+      <a:camera prst="orthographicFront"/>
+      <a:lightRig rig="threePt" dir="t"/>
+    </dgm:scene3d>
+    <dgm:sp3d/>
+    <dgm:txPr/>
+    <dgm:style>
+      <a:lnRef idx="2">
+        <a:scrgbClr r="0" g="0" b="0"/>
+      </a:lnRef>
+      <a:fillRef idx="1">
+        <a:scrgbClr r="0" g="0" b="0"/>
+      </a:fillRef>
+      <a:effectRef idx="0">
+        <a:scrgbClr r="0" g="0" b="0"/>
+      </a:effectRef>
+      <a:fontRef idx="minor">
+        <a:schemeClr val="lt1"/>
+      </a:fontRef>
+    </dgm:style>
+  </dgm:styleLbl>
+  <dgm:styleLbl name="parChTrans2D2">
+    <dgm:scene3d>
+      <a:camera prst="orthographicFront"/>
+      <a:lightRig rig="threePt" dir="t"/>
+    </dgm:scene3d>
+    <dgm:sp3d/>
+    <dgm:txPr/>
+    <dgm:style>
+      <a:lnRef idx="2">
+        <a:scrgbClr r="0" g="0" b="0"/>
+      </a:lnRef>
+      <a:fillRef idx="1">
+        <a:scrgbClr r="0" g="0" b="0"/>
+      </a:fillRef>
+      <a:effectRef idx="0">
+        <a:scrgbClr r="0" g="0" b="0"/>
+      </a:effectRef>
+      <a:fontRef idx="minor">
+        <a:schemeClr val="lt1"/>
+      </a:fontRef>
+    </dgm:style>
+  </dgm:styleLbl>
+  <dgm:styleLbl name="parChTrans2D3">
+    <dgm:scene3d>
+      <a:camera prst="orthographicFront"/>
+      <a:lightRig rig="threePt" dir="t"/>
+    </dgm:scene3d>
+    <dgm:sp3d/>
+    <dgm:txPr/>
+    <dgm:style>
+      <a:lnRef idx="2">
+        <a:scrgbClr r="0" g="0" b="0"/>
+      </a:lnRef>
+      <a:fillRef idx="1">
+        <a:scrgbClr r="0" g="0" b="0"/>
+      </a:fillRef>
+      <a:effectRef idx="0">
+        <a:scrgbClr r="0" g="0" b="0"/>
+      </a:effectRef>
+      <a:fontRef idx="minor">
+        <a:schemeClr val="lt1"/>
+      </a:fontRef>
+    </dgm:style>
+  </dgm:styleLbl>
+  <dgm:styleLbl name="parChTrans2D4">
+    <dgm:scene3d>
+      <a:camera prst="orthographicFront"/>
+      <a:lightRig rig="threePt" dir="t"/>
+    </dgm:scene3d>
+    <dgm:sp3d/>
+    <dgm:txPr/>
+    <dgm:style>
+      <a:lnRef idx="2">
+        <a:scrgbClr r="0" g="0" b="0"/>
+      </a:lnRef>
+      <a:fillRef idx="1">
+        <a:scrgbClr r="0" g="0" b="0"/>
+      </a:fillRef>
+      <a:effectRef idx="0">
+        <a:scrgbClr r="0" g="0" b="0"/>
+      </a:effectRef>
+      <a:fontRef idx="minor">
+        <a:schemeClr val="lt1"/>
+      </a:fontRef>
+    </dgm:style>
+  </dgm:styleLbl>
+  <dgm:styleLbl name="parChTrans1D1">
+    <dgm:scene3d>
+      <a:camera prst="orthographicFront"/>
+      <a:lightRig rig="threePt" dir="t"/>
+    </dgm:scene3d>
+    <dgm:sp3d/>
+    <dgm:txPr/>
+    <dgm:style>
+      <a:lnRef idx="2">
+        <a:scrgbClr r="0" g="0" b="0"/>
+      </a:lnRef>
+      <a:fillRef idx="0">
+        <a:scrgbClr r="0" g="0" b="0"/>
+      </a:fillRef>
+      <a:effectRef idx="0">
+        <a:scrgbClr r="0" g="0" b="0"/>
+      </a:effectRef>
+      <a:fontRef idx="minor"/>
+    </dgm:style>
+  </dgm:styleLbl>
+  <dgm:styleLbl name="parChTrans1D2">
+    <dgm:scene3d>
+      <a:camera prst="orthographicFront"/>
+      <a:lightRig rig="threePt" dir="t"/>
+    </dgm:scene3d>
+    <dgm:sp3d/>
+    <dgm:txPr/>
+    <dgm:style>
+      <a:lnRef idx="2">
+        <a:scrgbClr r="0" g="0" b="0"/>
+      </a:lnRef>
+      <a:fillRef idx="0">
+        <a:scrgbClr r="0" g="0" b="0"/>
+      </a:fillRef>
+      <a:effectRef idx="0">
+        <a:scrgbClr r="0" g="0" b="0"/>
+      </a:effectRef>
+      <a:fontRef idx="minor"/>
+    </dgm:style>
+  </dgm:styleLbl>
+  <dgm:styleLbl name="parChTrans1D3">
+    <dgm:scene3d>
+      <a:camera prst="orthographicFront"/>
+      <a:lightRig rig="threePt" dir="t"/>
+    </dgm:scene3d>
+    <dgm:sp3d/>
+    <dgm:txPr/>
+    <dgm:style>
+      <a:lnRef idx="2">
+        <a:scrgbClr r="0" g="0" b="0"/>
+      </a:lnRef>
+      <a:fillRef idx="0">
+        <a:scrgbClr r="0" g="0" b="0"/>
+      </a:fillRef>
+      <a:effectRef idx="0">
+        <a:scrgbClr r="0" g="0" b="0"/>
+      </a:effectRef>
+      <a:fontRef idx="minor"/>
+    </dgm:style>
+  </dgm:styleLbl>
+  <dgm:styleLbl name="parChTrans1D4">
+    <dgm:scene3d>
+      <a:camera prst="orthographicFront"/>
+      <a:lightRig rig="threePt" dir="t"/>
+    </dgm:scene3d>
+    <dgm:sp3d/>
+    <dgm:txPr/>
+    <dgm:style>
+      <a:lnRef idx="2">
+        <a:scrgbClr r="0" g="0" b="0"/>
+      </a:lnRef>
+      <a:fillRef idx="0">
+        <a:scrgbClr r="0" g="0" b="0"/>
+      </a:fillRef>
+      <a:effectRef idx="0">
+        <a:scrgbClr r="0" g="0" b="0"/>
+      </a:effectRef>
+      <a:fontRef idx="minor"/>
+    </dgm:style>
+  </dgm:styleLbl>
+  <dgm:styleLbl name="fgAcc1">
+    <dgm:scene3d>
+      <a:camera prst="orthographicFront"/>
+      <a:lightRig rig="threePt" dir="t"/>
+    </dgm:scene3d>
+    <dgm:sp3d/>
+    <dgm:txPr/>
+    <dgm:style>
+      <a:lnRef idx="2">
+        <a:scrgbClr r="0" g="0" b="0"/>
+      </a:lnRef>
+      <a:fillRef idx="1">
+        <a:scrgbClr r="0" g="0" b="0"/>
+      </a:fillRef>
+      <a:effectRef idx="0">
+        <a:scrgbClr r="0" g="0" b="0"/>
+      </a:effectRef>
+      <a:fontRef idx="minor"/>
+    </dgm:style>
+  </dgm:styleLbl>
+  <dgm:styleLbl name="conFgAcc1">
+    <dgm:scene3d>
+      <a:camera prst="orthographicFront"/>
+      <a:lightRig rig="threePt" dir="t"/>
+    </dgm:scene3d>
+    <dgm:sp3d/>
+    <dgm:txPr/>
+    <dgm:style>
+      <a:lnRef idx="2">
+        <a:scrgbClr r="0" g="0" b="0"/>
+      </a:lnRef>
+      <a:fillRef idx="1">
+        <a:scrgbClr r="0" g="0" b="0"/>
+      </a:fillRef>
+      <a:effectRef idx="0">
+        <a:scrgbClr r="0" g="0" b="0"/>
+      </a:effectRef>
+      <a:fontRef idx="minor"/>
+    </dgm:style>
+  </dgm:styleLbl>
+  <dgm:styleLbl name="alignAcc1">
+    <dgm:scene3d>
+      <a:camera prst="orthographicFront"/>
+      <a:lightRig rig="threePt" dir="t"/>
+    </dgm:scene3d>
+    <dgm:sp3d/>
+    <dgm:txPr/>
+    <dgm:style>
+      <a:lnRef idx="2">
+        <a:scrgbClr r="0" g="0" b="0"/>
+      </a:lnRef>
+      <a:fillRef idx="1">
+        <a:scrgbClr r="0" g="0" b="0"/>
+      </a:fillRef>
+      <a:effectRef idx="0">
+        <a:scrgbClr r="0" g="0" b="0"/>
+      </a:effectRef>
+      <a:fontRef idx="minor"/>
+    </dgm:style>
+  </dgm:styleLbl>
+  <dgm:styleLbl name="trAlignAcc1">
+    <dgm:scene3d>
+      <a:camera prst="orthographicFront"/>
+      <a:lightRig rig="threePt" dir="t"/>
+    </dgm:scene3d>
+    <dgm:sp3d/>
+    <dgm:txPr/>
+    <dgm:style>
+      <a:lnRef idx="1">
+        <a:scrgbClr r="0" g="0" b="0"/>
+      </a:lnRef>
+      <a:fillRef idx="1">
+        <a:scrgbClr r="0" g="0" b="0"/>
+      </a:fillRef>
+      <a:effectRef idx="0">
+        <a:scrgbClr r="0" g="0" b="0"/>
+      </a:effectRef>
+      <a:fontRef idx="minor"/>
+    </dgm:style>
+  </dgm:styleLbl>
+  <dgm:styleLbl name="bgAcc1">
+    <dgm:scene3d>
+      <a:camera prst="orthographicFront"/>
+      <a:lightRig rig="threePt" dir="t"/>
+    </dgm:scene3d>
+    <dgm:sp3d/>
+    <dgm:txPr/>
+    <dgm:style>
+      <a:lnRef idx="2">
+        <a:scrgbClr r="0" g="0" b="0"/>
+      </a:lnRef>
+      <a:fillRef idx="1">
+        <a:scrgbClr r="0" g="0" b="0"/>
+      </a:fillRef>
+      <a:effectRef idx="0">
+        <a:scrgbClr r="0" g="0" b="0"/>
+      </a:effectRef>
+      <a:fontRef idx="minor"/>
+    </dgm:style>
+  </dgm:styleLbl>
+  <dgm:styleLbl name="solidFgAcc1">
+    <dgm:scene3d>
+      <a:camera prst="orthographicFront"/>
+      <a:lightRig rig="threePt" dir="t"/>
+    </dgm:scene3d>
+    <dgm:sp3d/>
+    <dgm:txPr/>
+    <dgm:style>
+      <a:lnRef idx="2">
+        <a:scrgbClr r="0" g="0" b="0"/>
+      </a:lnRef>
+      <a:fillRef idx="1">
+        <a:scrgbClr r="0" g="0" b="0"/>
+      </a:fillRef>
+      <a:effectRef idx="0">
+        <a:scrgbClr r="0" g="0" b="0"/>
+      </a:effectRef>
+      <a:fontRef idx="minor"/>
+    </dgm:style>
+  </dgm:styleLbl>
+  <dgm:styleLbl name="solidAlignAcc1">
+    <dgm:scene3d>
+      <a:camera prst="orthographicFront"/>
+      <a:lightRig rig="threePt" dir="t"/>
+    </dgm:scene3d>
+    <dgm:sp3d/>
+    <dgm:txPr/>
+    <dgm:style>
+      <a:lnRef idx="2">
+        <a:scrgbClr r="0" g="0" b="0"/>
+      </a:lnRef>
+      <a:fillRef idx="1">
+        <a:scrgbClr r="0" g="0" b="0"/>
+      </a:fillRef>
+      <a:effectRef idx="0">
+        <a:scrgbClr r="0" g="0" b="0"/>
+      </a:effectRef>
+      <a:fontRef idx="minor"/>
+    </dgm:style>
+  </dgm:styleLbl>
+  <dgm:styleLbl name="solidBgAcc1">
+    <dgm:scene3d>
+      <a:camera prst="orthographicFront"/>
+      <a:lightRig rig="threePt" dir="t"/>
+    </dgm:scene3d>
+    <dgm:sp3d/>
+    <dgm:txPr/>
+    <dgm:style>
+      <a:lnRef idx="2">
+        <a:scrgbClr r="0" g="0" b="0"/>
+      </a:lnRef>
+      <a:fillRef idx="1">
+        <a:scrgbClr r="0" g="0" b="0"/>
+      </a:fillRef>
+      <a:effectRef idx="0">
+        <a:scrgbClr r="0" g="0" b="0"/>
+      </a:effectRef>
+      <a:fontRef idx="minor"/>
+    </dgm:style>
+  </dgm:styleLbl>
+  <dgm:styleLbl name="fgAccFollowNode1">
+    <dgm:scene3d>
+      <a:camera prst="orthographicFront"/>
+      <a:lightRig rig="threePt" dir="t"/>
+    </dgm:scene3d>
+    <dgm:sp3d/>
+    <dgm:txPr/>
+    <dgm:style>
+      <a:lnRef idx="2">
+        <a:scrgbClr r="0" g="0" b="0"/>
+      </a:lnRef>
+      <a:fillRef idx="1">
+        <a:scrgbClr r="0" g="0" b="0"/>
+      </a:fillRef>
+      <a:effectRef idx="0">
+        <a:scrgbClr r="0" g="0" b="0"/>
+      </a:effectRef>
+      <a:fontRef idx="minor"/>
+    </dgm:style>
+  </dgm:styleLbl>
+  <dgm:styleLbl name="alignAccFollowNode1">
+    <dgm:scene3d>
+      <a:camera prst="orthographicFront"/>
+      <a:lightRig rig="threePt" dir="t"/>
+    </dgm:scene3d>
+    <dgm:sp3d/>
+    <dgm:txPr/>
+    <dgm:style>
+      <a:lnRef idx="2">
+        <a:scrgbClr r="0" g="0" b="0"/>
+      </a:lnRef>
+      <a:fillRef idx="1">
+        <a:scrgbClr r="0" g="0" b="0"/>
+      </a:fillRef>
+      <a:effectRef idx="0">
+        <a:scrgbClr r="0" g="0" b="0"/>
+      </a:effectRef>
+      <a:fontRef idx="minor"/>
+    </dgm:style>
+  </dgm:styleLbl>
+  <dgm:styleLbl name="bgAccFollowNode1">
+    <dgm:scene3d>
+      <a:camera prst="orthographicFront"/>
+      <a:lightRig rig="threePt" dir="t"/>
+    </dgm:scene3d>
+    <dgm:sp3d/>
+    <dgm:txPr/>
+    <dgm:style>
+      <a:lnRef idx="2">
+        <a:scrgbClr r="0" g="0" b="0"/>
+      </a:lnRef>
+      <a:fillRef idx="1">
+        <a:scrgbClr r="0" g="0" b="0"/>
+      </a:fillRef>
+      <a:effectRef idx="0">
+        <a:scrgbClr r="0" g="0" b="0"/>
+      </a:effectRef>
+      <a:fontRef idx="minor"/>
+    </dgm:style>
+  </dgm:styleLbl>
+  <dgm:styleLbl name="fgAcc0">
+    <dgm:scene3d>
+      <a:camera prst="orthographicFront"/>
+      <a:lightRig rig="threePt" dir="t"/>
+    </dgm:scene3d>
+    <dgm:sp3d/>
+    <dgm:txPr/>
+    <dgm:style>
+      <a:lnRef idx="2">
+        <a:scrgbClr r="0" g="0" b="0"/>
+      </a:lnRef>
+      <a:fillRef idx="1">
+        <a:scrgbClr r="0" g="0" b="0"/>
+      </a:fillRef>
+      <a:effectRef idx="0">
+        <a:scrgbClr r="0" g="0" b="0"/>
+      </a:effectRef>
+      <a:fontRef idx="minor"/>
+    </dgm:style>
+  </dgm:styleLbl>
+  <dgm:styleLbl name="fgAcc2">
+    <dgm:scene3d>
+      <a:camera prst="orthographicFront"/>
+      <a:lightRig rig="threePt" dir="t"/>
+    </dgm:scene3d>
+    <dgm:sp3d/>
+    <dgm:txPr/>
+    <dgm:style>
+      <a:lnRef idx="2">
+        <a:scrgbClr r="0" g="0" b="0"/>
+      </a:lnRef>
+      <a:fillRef idx="1">
+        <a:scrgbClr r="0" g="0" b="0"/>
+      </a:fillRef>
+      <a:effectRef idx="0">
+        <a:scrgbClr r="0" g="0" b="0"/>
+      </a:effectRef>
+      <a:fontRef idx="minor"/>
+    </dgm:style>
+  </dgm:styleLbl>
+  <dgm:styleLbl name="fgAcc3">
+    <dgm:scene3d>
+      <a:camera prst="orthographicFront"/>
+      <a:lightRig rig="threePt" dir="t"/>
+    </dgm:scene3d>
+    <dgm:sp3d/>
+    <dgm:txPr/>
+    <dgm:style>
+      <a:lnRef idx="2">
+        <a:scrgbClr r="0" g="0" b="0"/>
+      </a:lnRef>
+      <a:fillRef idx="1">
+        <a:scrgbClr r="0" g="0" b="0"/>
+      </a:fillRef>
+      <a:effectRef idx="0">
+        <a:scrgbClr r="0" g="0" b="0"/>
+      </a:effectRef>
+      <a:fontRef idx="minor"/>
+    </dgm:style>
+  </dgm:styleLbl>
+  <dgm:styleLbl name="fgAcc4">
+    <dgm:scene3d>
+      <a:camera prst="orthographicFront"/>
+      <a:lightRig rig="threePt" dir="t"/>
+    </dgm:scene3d>
+    <dgm:sp3d/>
+    <dgm:txPr/>
+    <dgm:style>
+      <a:lnRef idx="2">
+        <a:scrgbClr r="0" g="0" b="0"/>
+      </a:lnRef>
+      <a:fillRef idx="1">
+        <a:scrgbClr r="0" g="0" b="0"/>
+      </a:fillRef>
+      <a:effectRef idx="0">
+        <a:scrgbClr r="0" g="0" b="0"/>
+      </a:effectRef>
+      <a:fontRef idx="minor"/>
+    </dgm:style>
+  </dgm:styleLbl>
+  <dgm:styleLbl name="bgShp">
+    <dgm:scene3d>
+      <a:camera prst="orthographicFront"/>
+      <a:lightRig rig="threePt" dir="t"/>
+    </dgm:scene3d>
+    <dgm:sp3d/>
+    <dgm:txPr/>
+    <dgm:style>
+      <a:lnRef idx="0">
+        <a:scrgbClr r="0" g="0" b="0"/>
+      </a:lnRef>
+      <a:fillRef idx="1">
+        <a:scrgbClr r="0" g="0" b="0"/>
+      </a:fillRef>
+      <a:effectRef idx="0">
+        <a:scrgbClr r="0" g="0" b="0"/>
+      </a:effectRef>
+      <a:fontRef idx="minor"/>
+    </dgm:style>
+  </dgm:styleLbl>
+  <dgm:styleLbl name="dkBgShp">
+    <dgm:scene3d>
+      <a:camera prst="orthographicFront"/>
+      <a:lightRig rig="threePt" dir="t"/>
+    </dgm:scene3d>
+    <dgm:sp3d/>
+    <dgm:txPr/>
+    <dgm:style>
+      <a:lnRef idx="0">
+        <a:scrgbClr r="0" g="0" b="0"/>
+      </a:lnRef>
+      <a:fillRef idx="1">
+        <a:scrgbClr r="0" g="0" b="0"/>
+      </a:fillRef>
+      <a:effectRef idx="0">
+        <a:scrgbClr r="0" g="0" b="0"/>
+      </a:effectRef>
+      <a:fontRef idx="minor"/>
+    </dgm:style>
+  </dgm:styleLbl>
+  <dgm:styleLbl name="trBgShp">
+    <dgm:scene3d>
+      <a:camera prst="orthographicFront"/>
+      <a:lightRig rig="threePt" dir="t"/>
+    </dgm:scene3d>
+    <dgm:sp3d/>
+    <dgm:txPr/>
+    <dgm:style>
+      <a:lnRef idx="0">
+        <a:scrgbClr r="0" g="0" b="0"/>
+      </a:lnRef>
+      <a:fillRef idx="1">
+        <a:scrgbClr r="0" g="0" b="0"/>
+      </a:fillRef>
+      <a:effectRef idx="0">
+        <a:scrgbClr r="0" g="0" b="0"/>
+      </a:effectRef>
+      <a:fontRef idx="minor"/>
+    </dgm:style>
+  </dgm:styleLbl>
+  <dgm:styleLbl name="fgShp">
+    <dgm:scene3d>
+      <a:camera prst="orthographicFront"/>
+      <a:lightRig rig="threePt" dir="t"/>
+    </dgm:scene3d>
+    <dgm:sp3d/>
+    <dgm:txPr/>
+    <dgm:style>
+      <a:lnRef idx="2">
+        <a:scrgbClr r="0" g="0" b="0"/>
+      </a:lnRef>
+      <a:fillRef idx="1">
+        <a:scrgbClr r="0" g="0" b="0"/>
+      </a:fillRef>
+      <a:effectRef idx="0">
+        <a:scrgbClr r="0" g="0" b="0"/>
+      </a:effectRef>
+      <a:fontRef idx="minor"/>
+    </dgm:style>
+  </dgm:styleLbl>
+  <dgm:styleLbl name="revTx">
+    <dgm:scene3d>
+      <a:camera prst="orthographicFront"/>
+      <a:lightRig rig="threePt" dir="t"/>
+    </dgm:scene3d>
+    <dgm:sp3d/>
+    <dgm:txPr/>
+    <dgm:style>
+      <a:lnRef idx="0">
+        <a:scrgbClr r="0" g="0" b="0"/>
+      </a:lnRef>
+      <a:fillRef idx="0">
+        <a:scrgbClr r="0" g="0" b="0"/>
+      </a:fillRef>
+      <a:effectRef idx="0">
+        <a:scrgbClr r="0" g="0" b="0"/>
+      </a:effectRef>
+      <a:fontRef idx="minor"/>
+    </dgm:style>
+  </dgm:styleLbl>
+</dgm:styleDef>
+</file>
+
+<file path=ppt/diagrams/quickStyle5.xml><?xml version="1.0" encoding="utf-8"?>
 <dgm:styleDef xmlns:dgm="http://schemas.openxmlformats.org/drawingml/2006/diagram" xmlns:a="http://schemas.openxmlformats.org/drawingml/2006/main" uniqueId="urn:microsoft.com/office/officeart/2005/8/quickstyle/simple1">
   <dgm:title val=""/>
   <dgm:desc val=""/>
@@ -8720,7 +14432,7 @@
           <a:p>
             <a:fld id="{EA0C0817-A112-4847-8014-A94B7D2A4EA3}" type="datetime1">
               <a:rPr lang="en-US" smtClean="0"/>
-              <a:t>3/16/2021</a:t>
+              <a:t>3/19/2021</a:t>
             </a:fld>
             <a:endParaRPr lang="en-US" dirty="0"/>
           </a:p>
@@ -8922,7 +14634,7 @@
           <a:p>
             <a:fld id="{7332B432-ACDA-4023-A761-2BAB76577B62}" type="datetime1">
               <a:rPr lang="en-US" smtClean="0"/>
-              <a:t>3/16/2021</a:t>
+              <a:t>3/19/2021</a:t>
             </a:fld>
             <a:endParaRPr lang="en-US" dirty="0"/>
           </a:p>
@@ -9521,7 +15233,7 @@
           <a:p>
             <a:fld id="{D9C646AA-F36E-4540-911D-FFFC0A0EF24A}" type="datetime1">
               <a:rPr lang="en-US" smtClean="0"/>
-              <a:t>3/16/2021</a:t>
+              <a:t>3/19/2021</a:t>
             </a:fld>
             <a:endParaRPr lang="en-US" dirty="0"/>
           </a:p>
@@ -9841,7 +15553,7 @@
           <a:p>
             <a:fld id="{69186D26-FA5F-4637-B602-B7C2DC34CFD4}" type="datetime1">
               <a:rPr lang="en-US" smtClean="0"/>
-              <a:t>3/16/2021</a:t>
+              <a:t>3/19/2021</a:t>
             </a:fld>
             <a:endParaRPr lang="en-US" dirty="0"/>
           </a:p>
@@ -10278,7 +15990,7 @@
           <a:p>
             <a:fld id="{8A7F15D8-96D1-4781-BC50-CA8A088B2FE4}" type="datetime1">
               <a:rPr lang="en-US" smtClean="0"/>
-              <a:t>3/16/2021</a:t>
+              <a:t>3/19/2021</a:t>
             </a:fld>
             <a:endParaRPr lang="en-US" dirty="0"/>
           </a:p>
@@ -10396,7 +16108,7 @@
           <a:p>
             <a:fld id="{F9A96C99-B8F8-4528-BD05-0E16E943DC09}" type="datetime1">
               <a:rPr lang="en-US" smtClean="0"/>
-              <a:t>3/16/2021</a:t>
+              <a:t>3/19/2021</a:t>
             </a:fld>
             <a:endParaRPr lang="en-US" dirty="0"/>
           </a:p>
@@ -10491,7 +16203,7 @@
           <a:p>
             <a:fld id="{03636942-C211-4B28-8DBD-C953E00AF71B}" type="datetime1">
               <a:rPr lang="en-US" smtClean="0"/>
-              <a:t>3/16/2021</a:t>
+              <a:t>3/19/2021</a:t>
             </a:fld>
             <a:endParaRPr lang="en-US" dirty="0"/>
           </a:p>
@@ -10908,7 +16620,7 @@
           <a:p>
             <a:fld id="{7E8D12A6-918A-48BD-8CB9-CA713993B0EA}" type="datetime1">
               <a:rPr lang="en-US" smtClean="0"/>
-              <a:t>3/16/2021</a:t>
+              <a:t>3/19/2021</a:t>
             </a:fld>
             <a:endParaRPr lang="en-US" dirty="0"/>
           </a:p>
@@ -11170,7 +16882,7 @@
             <a:fld id="{E778CE86-875F-4587-BCF6-FA054AFC0D53}" type="datetime1">
               <a:rPr lang="en-US" smtClean="0"/>
               <a:pPr/>
-              <a:t>3/16/2021</a:t>
+              <a:t>3/19/2021</a:t>
             </a:fld>
             <a:endParaRPr lang="en-US" dirty="0"/>
           </a:p>
@@ -11686,7 +17398,7 @@
           <a:p>
             <a:fld id="{F6FA2B21-3FCD-4721-B95C-427943F61125}" type="datetime1">
               <a:rPr lang="en-US" smtClean="0"/>
-              <a:t>3/16/2021</a:t>
+              <a:t>3/19/2021</a:t>
             </a:fld>
             <a:endParaRPr lang="en-US" dirty="0"/>
           </a:p>
@@ -12400,6 +18112,124 @@
           <p:cNvPr id="2" name="Title 1">
             <a:extLst>
               <a:ext uri="{FF2B5EF4-FFF2-40B4-BE49-F238E27FC236}">
+                <a16:creationId xmlns:a16="http://schemas.microsoft.com/office/drawing/2014/main" id="{05B3AC4C-E938-4173-AC56-077EE7F49A56}"/>
+              </a:ext>
+            </a:extLst>
+          </p:cNvPr>
+          <p:cNvSpPr>
+            <a:spLocks noGrp="1"/>
+          </p:cNvSpPr>
+          <p:nvPr>
+            <p:ph type="title"/>
+          </p:nvPr>
+        </p:nvSpPr>
+        <p:spPr/>
+        <p:txBody>
+          <a:bodyPr/>
+          <a:lstStyle/>
+          <a:p>
+            <a:r>
+              <a:rPr lang="en-US" dirty="0"/>
+              <a:t>Compose</a:t>
+            </a:r>
+          </a:p>
+        </p:txBody>
+      </p:sp>
+      <p:pic>
+        <p:nvPicPr>
+          <p:cNvPr id="7" name="Picture 6">
+            <a:extLst>
+              <a:ext uri="{FF2B5EF4-FFF2-40B4-BE49-F238E27FC236}">
+                <a16:creationId xmlns:a16="http://schemas.microsoft.com/office/drawing/2014/main" id="{5E66C197-5F36-485D-9553-B7A35262F8BD}"/>
+              </a:ext>
+            </a:extLst>
+          </p:cNvPr>
+          <p:cNvPicPr>
+            <a:picLocks noChangeAspect="1"/>
+          </p:cNvPicPr>
+          <p:nvPr/>
+        </p:nvPicPr>
+        <p:blipFill>
+          <a:blip r:embed="rId2"/>
+          <a:stretch>
+            <a:fillRect/>
+          </a:stretch>
+        </p:blipFill>
+        <p:spPr>
+          <a:xfrm>
+            <a:off x="1066800" y="1913013"/>
+            <a:ext cx="9754550" cy="1178250"/>
+          </a:xfrm>
+          <a:prstGeom prst="rect">
+            <a:avLst/>
+          </a:prstGeom>
+        </p:spPr>
+      </p:pic>
+      <p:pic>
+        <p:nvPicPr>
+          <p:cNvPr id="11" name="Picture 10">
+            <a:extLst>
+              <a:ext uri="{FF2B5EF4-FFF2-40B4-BE49-F238E27FC236}">
+                <a16:creationId xmlns:a16="http://schemas.microsoft.com/office/drawing/2014/main" id="{D061C08C-9101-43AA-BED3-7C6A496333C1}"/>
+              </a:ext>
+            </a:extLst>
+          </p:cNvPr>
+          <p:cNvPicPr>
+            <a:picLocks noChangeAspect="1"/>
+          </p:cNvPicPr>
+          <p:nvPr/>
+        </p:nvPicPr>
+        <p:blipFill>
+          <a:blip r:embed="rId3"/>
+          <a:stretch>
+            <a:fillRect/>
+          </a:stretch>
+        </p:blipFill>
+        <p:spPr>
+          <a:xfrm>
+            <a:off x="1066800" y="3478610"/>
+            <a:ext cx="5941634" cy="1526669"/>
+          </a:xfrm>
+          <a:prstGeom prst="rect">
+            <a:avLst/>
+          </a:prstGeom>
+        </p:spPr>
+      </p:pic>
+    </p:spTree>
+    <p:extLst>
+      <p:ext uri="{BB962C8B-B14F-4D97-AF65-F5344CB8AC3E}">
+        <p14:creationId xmlns:p14="http://schemas.microsoft.com/office/powerpoint/2010/main" val="2305431762"/>
+      </p:ext>
+    </p:extLst>
+  </p:cSld>
+  <p:clrMapOvr>
+    <a:masterClrMapping/>
+  </p:clrMapOvr>
+</p:sld>
+</file>
+
+<file path=ppt/slides/slide11.xml><?xml version="1.0" encoding="utf-8"?>
+<p:sld xmlns:a="http://schemas.openxmlformats.org/drawingml/2006/main" xmlns:r="http://schemas.openxmlformats.org/officeDocument/2006/relationships" xmlns:p="http://schemas.openxmlformats.org/presentationml/2006/main">
+  <p:cSld>
+    <p:spTree>
+      <p:nvGrpSpPr>
+        <p:cNvPr id="1" name=""/>
+        <p:cNvGrpSpPr/>
+        <p:nvPr/>
+      </p:nvGrpSpPr>
+      <p:grpSpPr>
+        <a:xfrm>
+          <a:off x="0" y="0"/>
+          <a:ext cx="0" cy="0"/>
+          <a:chOff x="0" y="0"/>
+          <a:chExt cx="0" cy="0"/>
+        </a:xfrm>
+      </p:grpSpPr>
+      <p:sp>
+        <p:nvSpPr>
+          <p:cNvPr id="2" name="Title 1">
+            <a:extLst>
+              <a:ext uri="{FF2B5EF4-FFF2-40B4-BE49-F238E27FC236}">
                 <a16:creationId xmlns:a16="http://schemas.microsoft.com/office/drawing/2014/main" id="{D391E3A1-0F08-4A70-AB61-C8F16698FEF3}"/>
               </a:ext>
             </a:extLst>
@@ -12831,7 +18661,7 @@
 </p:sld>
 </file>
 
-<file path=ppt/slides/slide11.xml><?xml version="1.0" encoding="utf-8"?>
+<file path=ppt/slides/slide12.xml><?xml version="1.0" encoding="utf-8"?>
 <p:sld xmlns:a="http://schemas.openxmlformats.org/drawingml/2006/main" xmlns:r="http://schemas.openxmlformats.org/officeDocument/2006/relationships" xmlns:p="http://schemas.openxmlformats.org/presentationml/2006/main">
   <p:cSld>
     <p:spTree>
@@ -13650,7 +19480,7 @@
 </p:sld>
 </file>
 
-<file path=ppt/slides/slide12.xml><?xml version="1.0" encoding="utf-8"?>
+<file path=ppt/slides/slide13.xml><?xml version="1.0" encoding="utf-8"?>
 <p:sld xmlns:a="http://schemas.openxmlformats.org/drawingml/2006/main" xmlns:r="http://schemas.openxmlformats.org/officeDocument/2006/relationships" xmlns:p="http://schemas.openxmlformats.org/presentationml/2006/main">
   <p:cSld>
     <p:bg>
@@ -13912,7 +19742,7 @@
 </p:sld>
 </file>
 
-<file path=ppt/slides/slide13.xml><?xml version="1.0" encoding="utf-8"?>
+<file path=ppt/slides/slide14.xml><?xml version="1.0" encoding="utf-8"?>
 <p:sld xmlns:a="http://schemas.openxmlformats.org/drawingml/2006/main" xmlns:r="http://schemas.openxmlformats.org/officeDocument/2006/relationships" xmlns:p="http://schemas.openxmlformats.org/presentationml/2006/main">
   <p:cSld>
     <p:bg>
@@ -14169,7 +19999,7 @@
 </p:sld>
 </file>
 
-<file path=ppt/slides/slide14.xml><?xml version="1.0" encoding="utf-8"?>
+<file path=ppt/slides/slide15.xml><?xml version="1.0" encoding="utf-8"?>
 <p:sld xmlns:a="http://schemas.openxmlformats.org/drawingml/2006/main" xmlns:r="http://schemas.openxmlformats.org/officeDocument/2006/relationships" xmlns:p="http://schemas.openxmlformats.org/presentationml/2006/main">
   <p:cSld>
     <p:bg>
@@ -14426,7 +20256,7 @@
 </p:sld>
 </file>
 
-<file path=ppt/slides/slide15.xml><?xml version="1.0" encoding="utf-8"?>
+<file path=ppt/slides/slide16.xml><?xml version="1.0" encoding="utf-8"?>
 <p:sld xmlns:a="http://schemas.openxmlformats.org/drawingml/2006/main" xmlns:r="http://schemas.openxmlformats.org/officeDocument/2006/relationships" xmlns:p="http://schemas.openxmlformats.org/presentationml/2006/main">
   <p:cSld>
     <p:bg>
@@ -14786,7 +20616,7 @@
 </p:sld>
 </file>
 
-<file path=ppt/slides/slide16.xml><?xml version="1.0" encoding="utf-8"?>
+<file path=ppt/slides/slide17.xml><?xml version="1.0" encoding="utf-8"?>
 <p:sld xmlns:a="http://schemas.openxmlformats.org/drawingml/2006/main" xmlns:r="http://schemas.openxmlformats.org/officeDocument/2006/relationships" xmlns:p="http://schemas.openxmlformats.org/presentationml/2006/main">
   <p:cSld>
     <p:bg>
@@ -15758,9 +21588,17 @@
 </p:sld>
 </file>
 
-<file path=ppt/slides/slide2.xml><?xml version="1.0" encoding="utf-8"?>
+<file path=ppt/slides/slide18.xml><?xml version="1.0" encoding="utf-8"?>
 <p:sld xmlns:a="http://schemas.openxmlformats.org/drawingml/2006/main" xmlns:r="http://schemas.openxmlformats.org/officeDocument/2006/relationships" xmlns:p="http://schemas.openxmlformats.org/presentationml/2006/main">
   <p:cSld>
+    <p:bg>
+      <p:bgPr>
+        <a:solidFill>
+          <a:schemeClr val="bg1"/>
+        </a:solidFill>
+        <a:effectLst/>
+      </p:bgPr>
+    </p:bg>
     <p:spTree>
       <p:nvGrpSpPr>
         <p:cNvPr id="1" name=""/>
@@ -15777,10 +21615,608 @@
       </p:grpSpPr>
       <p:sp>
         <p:nvSpPr>
+          <p:cNvPr id="10" name="Rectangle 9">
+            <a:extLst>
+              <a:ext uri="{FF2B5EF4-FFF2-40B4-BE49-F238E27FC236}">
+                <a16:creationId xmlns:a16="http://schemas.microsoft.com/office/drawing/2014/main" id="{904DB13E-F722-4ED6-BB00-556651E95281}"/>
+              </a:ext>
+              <a:ext uri="{C183D7F6-B498-43B3-948B-1728B52AA6E4}">
+                <adec:decorative xmlns:adec="http://schemas.microsoft.com/office/drawing/2017/decorative" val="1"/>
+              </a:ext>
+            </a:extLst>
+          </p:cNvPr>
+          <p:cNvSpPr>
+            <a:spLocks noGrp="1" noRot="1" noChangeAspect="1" noMove="1" noResize="1" noEditPoints="1" noAdjustHandles="1" noChangeArrowheads="1" noChangeShapeType="1" noTextEdit="1"/>
+          </p:cNvSpPr>
+          <p:nvPr>
+            <p:extLst>
+              <p:ext uri="{386F3935-93C4-4BCD-93E2-E3B085C9AB24}">
+                <p16:designElem xmlns:p16="http://schemas.microsoft.com/office/powerpoint/2015/main" val="1"/>
+              </p:ext>
+            </p:extLst>
+          </p:nvPr>
+        </p:nvSpPr>
+        <p:spPr>
+          <a:xfrm>
+            <a:off x="0" y="0"/>
+            <a:ext cx="12192000" cy="6858000"/>
+          </a:xfrm>
+          <a:prstGeom prst="rect">
+            <a:avLst/>
+          </a:prstGeom>
+          <a:solidFill>
+            <a:schemeClr val="tx1">
+              <a:lumMod val="65000"/>
+              <a:lumOff val="35000"/>
+            </a:schemeClr>
+          </a:solidFill>
+          <a:ln>
+            <a:noFill/>
+          </a:ln>
+        </p:spPr>
+        <p:style>
+          <a:lnRef idx="2">
+            <a:schemeClr val="accent1">
+              <a:shade val="50000"/>
+            </a:schemeClr>
+          </a:lnRef>
+          <a:fillRef idx="1">
+            <a:schemeClr val="accent1"/>
+          </a:fillRef>
+          <a:effectRef idx="0">
+            <a:schemeClr val="accent1"/>
+          </a:effectRef>
+          <a:fontRef idx="minor">
+            <a:schemeClr val="lt1"/>
+          </a:fontRef>
+        </p:style>
+        <p:txBody>
+          <a:bodyPr rtlCol="0" anchor="ctr"/>
+          <a:lstStyle/>
+          <a:p>
+            <a:pPr algn="ctr"/>
+            <a:endParaRPr lang="en-US"/>
+          </a:p>
+        </p:txBody>
+      </p:sp>
+      <p:sp useBgFill="1">
+        <p:nvSpPr>
+          <p:cNvPr id="12" name="Rectangle 11">
+            <a:extLst>
+              <a:ext uri="{FF2B5EF4-FFF2-40B4-BE49-F238E27FC236}">
+                <a16:creationId xmlns:a16="http://schemas.microsoft.com/office/drawing/2014/main" id="{1419E3D9-C5FB-41A9-B6D2-DFB210BB6211}"/>
+              </a:ext>
+              <a:ext uri="{C183D7F6-B498-43B3-948B-1728B52AA6E4}">
+                <adec:decorative xmlns:adec="http://schemas.microsoft.com/office/drawing/2017/decorative" val="1"/>
+              </a:ext>
+            </a:extLst>
+          </p:cNvPr>
+          <p:cNvSpPr>
+            <a:spLocks noGrp="1" noRot="1" noChangeAspect="1" noMove="1" noResize="1" noEditPoints="1" noAdjustHandles="1" noChangeArrowheads="1" noChangeShapeType="1" noTextEdit="1"/>
+          </p:cNvSpPr>
+          <p:nvPr>
+            <p:extLst>
+              <p:ext uri="{386F3935-93C4-4BCD-93E2-E3B085C9AB24}">
+                <p16:designElem xmlns:p16="http://schemas.microsoft.com/office/powerpoint/2015/main" val="1"/>
+              </p:ext>
+            </p:extLst>
+          </p:nvPr>
+        </p:nvSpPr>
+        <p:spPr>
+          <a:xfrm>
+            <a:off x="1307870" y="1267730"/>
+            <a:ext cx="9576262" cy="4307950"/>
+          </a:xfrm>
+          <a:prstGeom prst="rect">
+            <a:avLst/>
+          </a:prstGeom>
+          <a:ln w="6350" cap="flat" cmpd="sng" algn="ctr">
+            <a:noFill/>
+            <a:prstDash val="solid"/>
+          </a:ln>
+          <a:effectLst>
+            <a:outerShdw blurRad="50800" algn="ctr" rotWithShape="0">
+              <a:prstClr val="black">
+                <a:alpha val="66000"/>
+              </a:prstClr>
+            </a:outerShdw>
+            <a:softEdge rad="0"/>
+          </a:effectLst>
+        </p:spPr>
+      </p:sp>
+      <p:sp>
+        <p:nvSpPr>
+          <p:cNvPr id="14" name="Rectangle 13">
+            <a:extLst>
+              <a:ext uri="{FF2B5EF4-FFF2-40B4-BE49-F238E27FC236}">
+                <a16:creationId xmlns:a16="http://schemas.microsoft.com/office/drawing/2014/main" id="{367909BF-1DF7-4ACE-8F58-6CF719BB27E5}"/>
+              </a:ext>
+              <a:ext uri="{C183D7F6-B498-43B3-948B-1728B52AA6E4}">
+                <adec:decorative xmlns:adec="http://schemas.microsoft.com/office/drawing/2017/decorative" val="1"/>
+              </a:ext>
+            </a:extLst>
+          </p:cNvPr>
+          <p:cNvSpPr>
+            <a:spLocks noGrp="1" noRot="1" noChangeAspect="1" noMove="1" noResize="1" noEditPoints="1" noAdjustHandles="1" noChangeArrowheads="1" noChangeShapeType="1" noTextEdit="1"/>
+          </p:cNvSpPr>
+          <p:nvPr>
+            <p:extLst>
+              <p:ext uri="{386F3935-93C4-4BCD-93E2-E3B085C9AB24}">
+                <p16:designElem xmlns:p16="http://schemas.microsoft.com/office/powerpoint/2015/main" val="1"/>
+              </p:ext>
+            </p:extLst>
+          </p:nvPr>
+        </p:nvSpPr>
+        <p:spPr>
+          <a:xfrm>
+            <a:off x="1447801" y="1411615"/>
+            <a:ext cx="9296400" cy="4034770"/>
+          </a:xfrm>
+          <a:prstGeom prst="rect">
+            <a:avLst/>
+          </a:prstGeom>
+          <a:noFill/>
+          <a:ln w="6350" cap="sq" cmpd="sng" algn="ctr">
+            <a:solidFill>
+              <a:schemeClr val="tx1">
+                <a:lumMod val="75000"/>
+                <a:lumOff val="25000"/>
+              </a:schemeClr>
+            </a:solidFill>
+            <a:prstDash val="solid"/>
+            <a:miter lim="800000"/>
+          </a:ln>
+          <a:effectLst/>
+        </p:spPr>
+      </p:sp>
+      <p:sp>
+        <p:nvSpPr>
+          <p:cNvPr id="16" name="Rectangle 15">
+            <a:extLst>
+              <a:ext uri="{FF2B5EF4-FFF2-40B4-BE49-F238E27FC236}">
+                <a16:creationId xmlns:a16="http://schemas.microsoft.com/office/drawing/2014/main" id="{89E8BEDB-0BBC-4F21-9CFB-8530D664C343}"/>
+              </a:ext>
+              <a:ext uri="{C183D7F6-B498-43B3-948B-1728B52AA6E4}">
+                <adec:decorative xmlns:adec="http://schemas.microsoft.com/office/drawing/2017/decorative" val="1"/>
+              </a:ext>
+            </a:extLst>
+          </p:cNvPr>
+          <p:cNvSpPr>
+            <a:spLocks noGrp="1" noRot="1" noChangeAspect="1" noMove="1" noResize="1" noEditPoints="1" noAdjustHandles="1" noChangeArrowheads="1" noChangeShapeType="1" noTextEdit="1"/>
+          </p:cNvSpPr>
+          <p:nvPr>
+            <p:extLst>
+              <p:ext uri="{386F3935-93C4-4BCD-93E2-E3B085C9AB24}">
+                <p16:designElem xmlns:p16="http://schemas.microsoft.com/office/powerpoint/2015/main" val="1"/>
+              </p:ext>
+            </p:extLst>
+          </p:nvPr>
+        </p:nvSpPr>
+        <p:spPr>
+          <a:xfrm>
+            <a:off x="5135880" y="1267730"/>
+            <a:ext cx="1920240" cy="731520"/>
+          </a:xfrm>
+          <a:prstGeom prst="rect">
+            <a:avLst/>
+          </a:prstGeom>
+          <a:solidFill>
+            <a:schemeClr val="accent1"/>
+          </a:solidFill>
+          <a:ln>
+            <a:noFill/>
+          </a:ln>
+        </p:spPr>
+        <p:style>
+          <a:lnRef idx="2">
+            <a:schemeClr val="accent1">
+              <a:shade val="50000"/>
+            </a:schemeClr>
+          </a:lnRef>
+          <a:fillRef idx="1">
+            <a:schemeClr val="accent1"/>
+          </a:fillRef>
+          <a:effectRef idx="0">
+            <a:schemeClr val="accent1"/>
+          </a:effectRef>
+          <a:fontRef idx="minor">
+            <a:schemeClr val="lt1"/>
+          </a:fontRef>
+        </p:style>
+      </p:sp>
+      <p:grpSp>
+        <p:nvGrpSpPr>
+          <p:cNvPr id="18" name="Group 17">
+            <a:extLst>
+              <a:ext uri="{FF2B5EF4-FFF2-40B4-BE49-F238E27FC236}">
+                <a16:creationId xmlns:a16="http://schemas.microsoft.com/office/drawing/2014/main" id="{E26428D7-C6F3-473D-A360-A3F5C3E8728C}"/>
+              </a:ext>
+              <a:ext uri="{C183D7F6-B498-43B3-948B-1728B52AA6E4}">
+                <adec:decorative xmlns:adec="http://schemas.microsoft.com/office/drawing/2017/decorative" val="1"/>
+              </a:ext>
+            </a:extLst>
+          </p:cNvPr>
+          <p:cNvGrpSpPr>
+            <a:grpSpLocks noGrp="1" noUngrp="1" noRot="1" noChangeAspect="1" noMove="1" noResize="1"/>
+          </p:cNvGrpSpPr>
+          <p:nvPr>
+            <p:extLst>
+              <p:ext uri="{386F3935-93C4-4BCD-93E2-E3B085C9AB24}">
+                <p16:designElem xmlns:p16="http://schemas.microsoft.com/office/powerpoint/2015/main" val="1"/>
+              </p:ext>
+            </p:extLst>
+          </p:nvPr>
+        </p:nvGrpSpPr>
+        <p:grpSpPr>
+          <a:xfrm>
+            <a:off x="5250180" y="1267730"/>
+            <a:ext cx="1691640" cy="615934"/>
+            <a:chOff x="5250180" y="1267730"/>
+            <a:chExt cx="1691640" cy="615934"/>
+          </a:xfrm>
+        </p:grpSpPr>
+        <p:cxnSp>
+          <p:nvCxnSpPr>
+            <p:cNvPr id="19" name="Straight Connector 18">
+              <a:extLst>
+                <a:ext uri="{FF2B5EF4-FFF2-40B4-BE49-F238E27FC236}">
+                  <a16:creationId xmlns:a16="http://schemas.microsoft.com/office/drawing/2014/main" id="{51D6D676-6F2F-4446-9935-2D8D0382147E}"/>
+                </a:ext>
+                <a:ext uri="{C183D7F6-B498-43B3-948B-1728B52AA6E4}">
+                  <adec:decorative xmlns:adec="http://schemas.microsoft.com/office/drawing/2017/decorative" val="1"/>
+                </a:ext>
+              </a:extLst>
+            </p:cNvPr>
+            <p:cNvCxnSpPr/>
+            <p:nvPr>
+              <p:extLst>
+                <p:ext uri="{386F3935-93C4-4BCD-93E2-E3B085C9AB24}">
+                  <p16:designElem xmlns:p16="http://schemas.microsoft.com/office/powerpoint/2015/main" val="1"/>
+                </p:ext>
+              </p:extLst>
+            </p:nvPr>
+          </p:nvCxnSpPr>
+          <p:spPr>
+            <a:xfrm>
+              <a:off x="5250180" y="1267730"/>
+              <a:ext cx="0" cy="612648"/>
+            </a:xfrm>
+            <a:prstGeom prst="line">
+              <a:avLst/>
+            </a:prstGeom>
+            <a:solidFill>
+              <a:schemeClr val="tx1">
+                <a:lumMod val="85000"/>
+                <a:lumOff val="15000"/>
+              </a:schemeClr>
+            </a:solidFill>
+            <a:ln>
+              <a:solidFill>
+                <a:srgbClr val="FFFFFF"/>
+              </a:solidFill>
+              <a:miter lim="800000"/>
+            </a:ln>
+          </p:spPr>
+          <p:style>
+            <a:lnRef idx="1">
+              <a:schemeClr val="accent1"/>
+            </a:lnRef>
+            <a:fillRef idx="0">
+              <a:schemeClr val="accent1"/>
+            </a:fillRef>
+            <a:effectRef idx="0">
+              <a:schemeClr val="accent1"/>
+            </a:effectRef>
+            <a:fontRef idx="minor">
+              <a:schemeClr val="tx1"/>
+            </a:fontRef>
+          </p:style>
+        </p:cxnSp>
+        <p:cxnSp>
+          <p:nvCxnSpPr>
+            <p:cNvPr id="20" name="Straight Connector 19">
+              <a:extLst>
+                <a:ext uri="{FF2B5EF4-FFF2-40B4-BE49-F238E27FC236}">
+                  <a16:creationId xmlns:a16="http://schemas.microsoft.com/office/drawing/2014/main" id="{E9BAEA2B-9C25-4B43-8C9A-A9D0C3E9B15A}"/>
+                </a:ext>
+                <a:ext uri="{C183D7F6-B498-43B3-948B-1728B52AA6E4}">
+                  <adec:decorative xmlns:adec="http://schemas.microsoft.com/office/drawing/2017/decorative" val="1"/>
+                </a:ext>
+              </a:extLst>
+            </p:cNvPr>
+            <p:cNvCxnSpPr/>
+            <p:nvPr>
+              <p:extLst>
+                <p:ext uri="{386F3935-93C4-4BCD-93E2-E3B085C9AB24}">
+                  <p16:designElem xmlns:p16="http://schemas.microsoft.com/office/powerpoint/2015/main" val="1"/>
+                </p:ext>
+              </p:extLst>
+            </p:nvPr>
+          </p:nvCxnSpPr>
+          <p:spPr>
+            <a:xfrm>
+              <a:off x="6941820" y="1267730"/>
+              <a:ext cx="0" cy="612648"/>
+            </a:xfrm>
+            <a:prstGeom prst="line">
+              <a:avLst/>
+            </a:prstGeom>
+            <a:solidFill>
+              <a:schemeClr val="tx1">
+                <a:lumMod val="85000"/>
+                <a:lumOff val="15000"/>
+              </a:schemeClr>
+            </a:solidFill>
+            <a:ln>
+              <a:solidFill>
+                <a:srgbClr val="FFFFFF"/>
+              </a:solidFill>
+              <a:miter lim="800000"/>
+            </a:ln>
+          </p:spPr>
+          <p:style>
+            <a:lnRef idx="1">
+              <a:schemeClr val="accent1"/>
+            </a:lnRef>
+            <a:fillRef idx="0">
+              <a:schemeClr val="accent1"/>
+            </a:fillRef>
+            <a:effectRef idx="0">
+              <a:schemeClr val="accent1"/>
+            </a:effectRef>
+            <a:fontRef idx="minor">
+              <a:schemeClr val="tx1"/>
+            </a:fontRef>
+          </p:style>
+        </p:cxnSp>
+        <p:cxnSp>
+          <p:nvCxnSpPr>
+            <p:cNvPr id="21" name="Straight Connector 20">
+              <a:extLst>
+                <a:ext uri="{FF2B5EF4-FFF2-40B4-BE49-F238E27FC236}">
+                  <a16:creationId xmlns:a16="http://schemas.microsoft.com/office/drawing/2014/main" id="{21FC5F3A-7F1A-4EE8-A913-C8E96ACC3C5C}"/>
+                </a:ext>
+                <a:ext uri="{C183D7F6-B498-43B3-948B-1728B52AA6E4}">
+                  <adec:decorative xmlns:adec="http://schemas.microsoft.com/office/drawing/2017/decorative" val="1"/>
+                </a:ext>
+              </a:extLst>
+            </p:cNvPr>
+            <p:cNvCxnSpPr/>
+            <p:nvPr>
+              <p:extLst>
+                <p:ext uri="{386F3935-93C4-4BCD-93E2-E3B085C9AB24}">
+                  <p16:designElem xmlns:p16="http://schemas.microsoft.com/office/powerpoint/2015/main" val="1"/>
+                </p:ext>
+              </p:extLst>
+            </p:nvPr>
+          </p:nvCxnSpPr>
+          <p:spPr>
+            <a:xfrm>
+              <a:off x="5250180" y="1883664"/>
+              <a:ext cx="1691640" cy="0"/>
+            </a:xfrm>
+            <a:prstGeom prst="line">
+              <a:avLst/>
+            </a:prstGeom>
+            <a:solidFill>
+              <a:schemeClr val="tx1">
+                <a:lumMod val="85000"/>
+                <a:lumOff val="15000"/>
+              </a:schemeClr>
+            </a:solidFill>
+            <a:ln>
+              <a:solidFill>
+                <a:srgbClr val="FFFFFF"/>
+              </a:solidFill>
+              <a:miter lim="800000"/>
+            </a:ln>
+          </p:spPr>
+          <p:style>
+            <a:lnRef idx="1">
+              <a:schemeClr val="accent1"/>
+            </a:lnRef>
+            <a:fillRef idx="0">
+              <a:schemeClr val="accent1"/>
+            </a:fillRef>
+            <a:effectRef idx="0">
+              <a:schemeClr val="accent1"/>
+            </a:effectRef>
+            <a:fontRef idx="minor">
+              <a:schemeClr val="tx1"/>
+            </a:fontRef>
+          </p:style>
+        </p:cxnSp>
+      </p:grpSp>
+      <p:sp>
+        <p:nvSpPr>
+          <p:cNvPr id="23" name="Rectangle 22">
+            <a:extLst>
+              <a:ext uri="{FF2B5EF4-FFF2-40B4-BE49-F238E27FC236}">
+                <a16:creationId xmlns:a16="http://schemas.microsoft.com/office/drawing/2014/main" id="{420551B3-B4DA-48EE-988C-4FAEAEB5CE98}"/>
+              </a:ext>
+              <a:ext uri="{C183D7F6-B498-43B3-948B-1728B52AA6E4}">
+                <adec:decorative xmlns:adec="http://schemas.microsoft.com/office/drawing/2017/decorative" val="1"/>
+              </a:ext>
+            </a:extLst>
+          </p:cNvPr>
+          <p:cNvSpPr>
+            <a:spLocks noGrp="1" noRot="1" noChangeAspect="1" noMove="1" noResize="1" noEditPoints="1" noAdjustHandles="1" noChangeArrowheads="1" noChangeShapeType="1" noTextEdit="1"/>
+          </p:cNvSpPr>
+          <p:nvPr>
+            <p:extLst>
+              <p:ext uri="{386F3935-93C4-4BCD-93E2-E3B085C9AB24}">
+                <p16:designElem xmlns:p16="http://schemas.microsoft.com/office/powerpoint/2015/main" val="1"/>
+              </p:ext>
+            </p:extLst>
+          </p:nvPr>
+        </p:nvSpPr>
+        <p:spPr>
+          <a:xfrm>
+            <a:off x="0" y="0"/>
+            <a:ext cx="12192000" cy="6858000"/>
+          </a:xfrm>
+          <a:prstGeom prst="rect">
+            <a:avLst/>
+          </a:prstGeom>
+          <a:solidFill>
+            <a:schemeClr val="tx1">
+              <a:lumMod val="65000"/>
+              <a:lumOff val="35000"/>
+            </a:schemeClr>
+          </a:solidFill>
+          <a:ln>
+            <a:noFill/>
+          </a:ln>
+        </p:spPr>
+        <p:style>
+          <a:lnRef idx="2">
+            <a:schemeClr val="accent1">
+              <a:shade val="50000"/>
+            </a:schemeClr>
+          </a:lnRef>
+          <a:fillRef idx="1">
+            <a:schemeClr val="accent1"/>
+          </a:fillRef>
+          <a:effectRef idx="0">
+            <a:schemeClr val="accent1"/>
+          </a:effectRef>
+          <a:fontRef idx="minor">
+            <a:schemeClr val="lt1"/>
+          </a:fontRef>
+        </p:style>
+        <p:txBody>
+          <a:bodyPr rtlCol="0" anchor="ctr"/>
+          <a:lstStyle/>
+          <a:p>
+            <a:pPr algn="ctr"/>
+            <a:endParaRPr lang="en-US"/>
+          </a:p>
+        </p:txBody>
+      </p:sp>
+      <p:pic>
+        <p:nvPicPr>
+          <p:cNvPr id="5" name="Picture 4">
+            <a:extLst>
+              <a:ext uri="{FF2B5EF4-FFF2-40B4-BE49-F238E27FC236}">
+                <a16:creationId xmlns:a16="http://schemas.microsoft.com/office/drawing/2014/main" id="{CFE77CB3-F05B-47F5-91DF-B67668B19757}"/>
+              </a:ext>
+            </a:extLst>
+          </p:cNvPr>
+          <p:cNvPicPr>
+            <a:picLocks noChangeAspect="1"/>
+          </p:cNvPicPr>
+          <p:nvPr/>
+        </p:nvPicPr>
+        <p:blipFill rotWithShape="1">
+          <a:blip r:embed="rId2"/>
+          <a:srcRect t="417" b="11752"/>
+          <a:stretch/>
+        </p:blipFill>
+        <p:spPr>
+          <a:xfrm>
+            <a:off x="-1" y="10"/>
+            <a:ext cx="12192000" cy="4551026"/>
+          </a:xfrm>
+          <a:prstGeom prst="rect">
+            <a:avLst/>
+          </a:prstGeom>
+        </p:spPr>
+      </p:pic>
+      <p:sp>
+        <p:nvSpPr>
+          <p:cNvPr id="25" name="Rectangle 24">
+            <a:extLst>
+              <a:ext uri="{FF2B5EF4-FFF2-40B4-BE49-F238E27FC236}">
+                <a16:creationId xmlns:a16="http://schemas.microsoft.com/office/drawing/2014/main" id="{2644B391-9BFE-445C-A9EC-F544BB85FBC7}"/>
+              </a:ext>
+              <a:ext uri="{C183D7F6-B498-43B3-948B-1728B52AA6E4}">
+                <adec:decorative xmlns:adec="http://schemas.microsoft.com/office/drawing/2017/decorative" val="1"/>
+              </a:ext>
+            </a:extLst>
+          </p:cNvPr>
+          <p:cNvSpPr>
+            <a:spLocks noGrp="1" noRot="1" noChangeAspect="1" noMove="1" noResize="1" noEditPoints="1" noAdjustHandles="1" noChangeArrowheads="1" noChangeShapeType="1" noTextEdit="1"/>
+          </p:cNvSpPr>
+          <p:nvPr>
+            <p:extLst>
+              <p:ext uri="{386F3935-93C4-4BCD-93E2-E3B085C9AB24}">
+                <p16:designElem xmlns:p16="http://schemas.microsoft.com/office/powerpoint/2015/main" val="1"/>
+              </p:ext>
+            </p:extLst>
+          </p:nvPr>
+        </p:nvSpPr>
+        <p:spPr>
+          <a:xfrm>
+            <a:off x="0" y="4530074"/>
+            <a:ext cx="12192000" cy="2327925"/>
+          </a:xfrm>
+          <a:prstGeom prst="rect">
+            <a:avLst/>
+          </a:prstGeom>
+          <a:solidFill>
+            <a:schemeClr val="bg1">
+              <a:lumMod val="75000"/>
+              <a:lumOff val="25000"/>
+            </a:schemeClr>
+          </a:solidFill>
+          <a:ln w="6350" cap="sq" cmpd="sng" algn="ctr">
+            <a:noFill/>
+            <a:prstDash val="solid"/>
+            <a:miter lim="800000"/>
+          </a:ln>
+          <a:effectLst/>
+        </p:spPr>
+      </p:sp>
+      <p:sp>
+        <p:nvSpPr>
+          <p:cNvPr id="27" name="Rectangle 26">
+            <a:extLst>
+              <a:ext uri="{FF2B5EF4-FFF2-40B4-BE49-F238E27FC236}">
+                <a16:creationId xmlns:a16="http://schemas.microsoft.com/office/drawing/2014/main" id="{80F26E69-87D9-4655-AE7B-280A87AA3CAD}"/>
+              </a:ext>
+              <a:ext uri="{C183D7F6-B498-43B3-948B-1728B52AA6E4}">
+                <adec:decorative xmlns:adec="http://schemas.microsoft.com/office/drawing/2017/decorative" val="1"/>
+              </a:ext>
+            </a:extLst>
+          </p:cNvPr>
+          <p:cNvSpPr>
+            <a:spLocks noGrp="1" noRot="1" noChangeAspect="1" noMove="1" noResize="1" noEditPoints="1" noAdjustHandles="1" noChangeArrowheads="1" noChangeShapeType="1" noTextEdit="1"/>
+          </p:cNvSpPr>
+          <p:nvPr>
+            <p:extLst>
+              <p:ext uri="{386F3935-93C4-4BCD-93E2-E3B085C9AB24}">
+                <p16:designElem xmlns:p16="http://schemas.microsoft.com/office/powerpoint/2015/main" val="1"/>
+              </p:ext>
+            </p:extLst>
+          </p:nvPr>
+        </p:nvSpPr>
+        <p:spPr>
+          <a:xfrm>
+            <a:off x="166116" y="4692768"/>
+            <a:ext cx="11859768" cy="2002536"/>
+          </a:xfrm>
+          <a:prstGeom prst="rect">
+            <a:avLst/>
+          </a:prstGeom>
+          <a:noFill/>
+          <a:ln w="6350" cap="sq" cmpd="sng" algn="ctr">
+            <a:solidFill>
+              <a:schemeClr val="tx1"/>
+            </a:solidFill>
+            <a:prstDash val="solid"/>
+            <a:miter lim="800000"/>
+          </a:ln>
+          <a:effectLst>
+            <a:softEdge rad="0"/>
+          </a:effectLst>
+        </p:spPr>
+      </p:sp>
+      <p:sp>
+        <p:nvSpPr>
           <p:cNvPr id="2" name="Title 1">
             <a:extLst>
               <a:ext uri="{FF2B5EF4-FFF2-40B4-BE49-F238E27FC236}">
-                <a16:creationId xmlns:a16="http://schemas.microsoft.com/office/drawing/2014/main" id="{335F0212-AD41-45C2-9504-BBAAA52687B5}"/>
+                <a16:creationId xmlns:a16="http://schemas.microsoft.com/office/drawing/2014/main" id="{3663CC6E-EDAC-432B-88C7-2A71960E1EA8}"/>
               </a:ext>
             </a:extLst>
           </p:cNvPr>
@@ -15791,24 +22227,532 @@
             <p:ph type="title"/>
           </p:nvPr>
         </p:nvSpPr>
-        <p:spPr/>
+        <p:spPr>
+          <a:xfrm>
+            <a:off x="372723" y="4956811"/>
+            <a:ext cx="11439414" cy="897439"/>
+          </a:xfrm>
+        </p:spPr>
         <p:txBody>
-          <a:bodyPr/>
+          <a:bodyPr vert="horz" lIns="91440" tIns="45720" rIns="91440" bIns="45720" rtlCol="0" anchor="ctr">
+            <a:normAutofit/>
+          </a:bodyPr>
           <a:lstStyle/>
           <a:p>
+            <a:pPr algn="ctr">
+              <a:lnSpc>
+                <a:spcPct val="83000"/>
+              </a:lnSpc>
+            </a:pPr>
             <a:r>
-              <a:rPr lang="en-US" dirty="0"/>
-              <a:t>Why care about Monads</a:t>
+              <a:rPr lang="en-US" sz="4400" cap="all" spc="-100">
+                <a:solidFill>
+                  <a:schemeClr val="tx1"/>
+                </a:solidFill>
+              </a:rPr>
+              <a:t>Example</a:t>
+            </a:r>
+          </a:p>
+        </p:txBody>
+      </p:sp>
+    </p:spTree>
+    <p:extLst>
+      <p:ext uri="{BB962C8B-B14F-4D97-AF65-F5344CB8AC3E}">
+        <p14:creationId xmlns:p14="http://schemas.microsoft.com/office/powerpoint/2010/main" val="4209834115"/>
+      </p:ext>
+    </p:extLst>
+  </p:cSld>
+  <p:clrMapOvr>
+    <a:overrideClrMapping bg1="dk1" tx1="lt1" bg2="dk2" tx2="lt2" accent1="accent1" accent2="accent2" accent3="accent3" accent4="accent4" accent5="accent5" accent6="accent6" hlink="hlink" folHlink="folHlink"/>
+  </p:clrMapOvr>
+  <p:timing>
+    <p:tnLst>
+      <p:par>
+        <p:cTn id="1" dur="indefinite" restart="never" nodeType="tmRoot">
+          <p:childTnLst>
+            <p:seq concurrent="1" nextAc="seek">
+              <p:cTn id="2" dur="indefinite" nodeType="mainSeq">
+                <p:childTnLst>
+                  <p:par>
+                    <p:cTn id="3" fill="hold">
+                      <p:stCondLst>
+                        <p:cond delay="indefinite"/>
+                        <p:cond evt="onBegin" delay="0">
+                          <p:tn val="2"/>
+                        </p:cond>
+                      </p:stCondLst>
+                      <p:childTnLst>
+                        <p:par>
+                          <p:cTn id="4" fill="hold">
+                            <p:stCondLst>
+                              <p:cond delay="0"/>
+                            </p:stCondLst>
+                            <p:childTnLst>
+                              <p:par>
+                                <p:cTn id="5" presetID="10" presetClass="entr" presetSubtype="0" fill="hold" grpId="0" nodeType="withEffect">
+                                  <p:stCondLst>
+                                    <p:cond delay="1000"/>
+                                  </p:stCondLst>
+                                  <p:iterate>
+                                    <p:tmPct val="10000"/>
+                                  </p:iterate>
+                                  <p:childTnLst>
+                                    <p:set>
+                                      <p:cBhvr>
+                                        <p:cTn id="6" dur="1" fill="hold">
+                                          <p:stCondLst>
+                                            <p:cond delay="0"/>
+                                          </p:stCondLst>
+                                        </p:cTn>
+                                        <p:tgtEl>
+                                          <p:spTgt spid="2"/>
+                                        </p:tgtEl>
+                                        <p:attrNameLst>
+                                          <p:attrName>style.visibility</p:attrName>
+                                        </p:attrNameLst>
+                                      </p:cBhvr>
+                                      <p:to>
+                                        <p:strVal val="visible"/>
+                                      </p:to>
+                                    </p:set>
+                                    <p:animEffect transition="in" filter="fade">
+                                      <p:cBhvr>
+                                        <p:cTn id="7" dur="700"/>
+                                        <p:tgtEl>
+                                          <p:spTgt spid="2"/>
+                                        </p:tgtEl>
+                                      </p:cBhvr>
+                                    </p:animEffect>
+                                  </p:childTnLst>
+                                </p:cTn>
+                              </p:par>
+                            </p:childTnLst>
+                          </p:cTn>
+                        </p:par>
+                      </p:childTnLst>
+                    </p:cTn>
+                  </p:par>
+                </p:childTnLst>
+              </p:cTn>
+              <p:prevCondLst>
+                <p:cond evt="onPrev" delay="0">
+                  <p:tgtEl>
+                    <p:sldTgt/>
+                  </p:tgtEl>
+                </p:cond>
+              </p:prevCondLst>
+              <p:nextCondLst>
+                <p:cond evt="onNext" delay="0">
+                  <p:tgtEl>
+                    <p:sldTgt/>
+                  </p:tgtEl>
+                </p:cond>
+              </p:nextCondLst>
+            </p:seq>
+          </p:childTnLst>
+        </p:cTn>
+      </p:par>
+    </p:tnLst>
+    <p:bldLst>
+      <p:bldP spid="2" grpId="0"/>
+    </p:bldLst>
+  </p:timing>
+</p:sld>
+</file>
+
+<file path=ppt/slides/slide2.xml><?xml version="1.0" encoding="utf-8"?>
+<p:sld xmlns:a="http://schemas.openxmlformats.org/drawingml/2006/main" xmlns:r="http://schemas.openxmlformats.org/officeDocument/2006/relationships" xmlns:p="http://schemas.openxmlformats.org/presentationml/2006/main">
+  <p:cSld>
+    <p:bg>
+      <p:bgPr>
+        <a:solidFill>
+          <a:schemeClr val="bg1"/>
+        </a:solidFill>
+        <a:effectLst/>
+      </p:bgPr>
+    </p:bg>
+    <p:spTree>
+      <p:nvGrpSpPr>
+        <p:cNvPr id="1" name=""/>
+        <p:cNvGrpSpPr/>
+        <p:nvPr/>
+      </p:nvGrpSpPr>
+      <p:grpSpPr>
+        <a:xfrm>
+          <a:off x="0" y="0"/>
+          <a:ext cx="0" cy="0"/>
+          <a:chOff x="0" y="0"/>
+          <a:chExt cx="0" cy="0"/>
+        </a:xfrm>
+      </p:grpSpPr>
+      <p:sp useBgFill="1">
+        <p:nvSpPr>
+          <p:cNvPr id="15" name="Rectangle 8">
+            <a:extLst>
+              <a:ext uri="{FF2B5EF4-FFF2-40B4-BE49-F238E27FC236}">
+                <a16:creationId xmlns:a16="http://schemas.microsoft.com/office/drawing/2014/main" id="{A2AD6B69-E0A0-476D-9EE1-6B69F04C59F8}"/>
+              </a:ext>
+              <a:ext uri="{C183D7F6-B498-43B3-948B-1728B52AA6E4}">
+                <adec:decorative xmlns:adec="http://schemas.microsoft.com/office/drawing/2017/decorative" val="1"/>
+              </a:ext>
+            </a:extLst>
+          </p:cNvPr>
+          <p:cNvSpPr>
+            <a:spLocks noGrp="1" noRot="1" noChangeAspect="1" noMove="1" noResize="1" noEditPoints="1" noAdjustHandles="1" noChangeArrowheads="1" noChangeShapeType="1" noTextEdit="1"/>
+          </p:cNvSpPr>
+          <p:nvPr>
+            <p:extLst>
+              <p:ext uri="{386F3935-93C4-4BCD-93E2-E3B085C9AB24}">
+                <p16:designElem xmlns:p16="http://schemas.microsoft.com/office/powerpoint/2015/main" val="1"/>
+              </p:ext>
+            </p:extLst>
+          </p:nvPr>
+        </p:nvSpPr>
+        <p:spPr>
+          <a:xfrm>
+            <a:off x="0" y="0"/>
+            <a:ext cx="12192000" cy="6858000"/>
+          </a:xfrm>
+          <a:prstGeom prst="rect">
+            <a:avLst/>
+          </a:prstGeom>
+          <a:ln>
+            <a:noFill/>
+          </a:ln>
+        </p:spPr>
+        <p:style>
+          <a:lnRef idx="2">
+            <a:schemeClr val="accent1">
+              <a:shade val="50000"/>
+            </a:schemeClr>
+          </a:lnRef>
+          <a:fillRef idx="1">
+            <a:schemeClr val="accent1"/>
+          </a:fillRef>
+          <a:effectRef idx="0">
+            <a:schemeClr val="accent1"/>
+          </a:effectRef>
+          <a:fontRef idx="minor">
+            <a:schemeClr val="lt1"/>
+          </a:fontRef>
+        </p:style>
+        <p:txBody>
+          <a:bodyPr rtlCol="0" anchor="ctr"/>
+          <a:lstStyle/>
+          <a:p>
+            <a:pPr algn="ctr"/>
+            <a:endParaRPr lang="en-US"/>
+          </a:p>
+        </p:txBody>
+      </p:sp>
+      <p:sp>
+        <p:nvSpPr>
+          <p:cNvPr id="16" name="Rectangle 10">
+            <a:extLst>
+              <a:ext uri="{FF2B5EF4-FFF2-40B4-BE49-F238E27FC236}">
+                <a16:creationId xmlns:a16="http://schemas.microsoft.com/office/drawing/2014/main" id="{16BE10A1-AD5F-4AB3-8A94-41D62B494ADB}"/>
+              </a:ext>
+              <a:ext uri="{C183D7F6-B498-43B3-948B-1728B52AA6E4}">
+                <adec:decorative xmlns:adec="http://schemas.microsoft.com/office/drawing/2017/decorative" val="1"/>
+              </a:ext>
+            </a:extLst>
+          </p:cNvPr>
+          <p:cNvSpPr>
+            <a:spLocks noGrp="1" noRot="1" noChangeAspect="1" noMove="1" noResize="1" noEditPoints="1" noAdjustHandles="1" noChangeArrowheads="1" noChangeShapeType="1" noTextEdit="1"/>
+          </p:cNvSpPr>
+          <p:nvPr>
+            <p:extLst>
+              <p:ext uri="{386F3935-93C4-4BCD-93E2-E3B085C9AB24}">
+                <p16:designElem xmlns:p16="http://schemas.microsoft.com/office/powerpoint/2015/main" val="1"/>
+              </p:ext>
+            </p:extLst>
+          </p:nvPr>
+        </p:nvSpPr>
+        <p:spPr>
+          <a:xfrm>
+            <a:off x="234696" y="237744"/>
+            <a:ext cx="4419599" cy="6382512"/>
+          </a:xfrm>
+          <a:prstGeom prst="rect">
+            <a:avLst/>
+          </a:prstGeom>
+          <a:solidFill>
+            <a:schemeClr val="bg1">
+              <a:lumMod val="85000"/>
+              <a:alpha val="60000"/>
+            </a:schemeClr>
+          </a:solidFill>
+          <a:ln w="6350" cap="flat" cmpd="sng" algn="ctr">
+            <a:noFill/>
+            <a:prstDash val="solid"/>
+          </a:ln>
+          <a:effectLst>
+            <a:softEdge rad="0"/>
+          </a:effectLst>
+        </p:spPr>
+      </p:sp>
+      <p:sp>
+        <p:nvSpPr>
+          <p:cNvPr id="2" name="Title 1">
+            <a:extLst>
+              <a:ext uri="{FF2B5EF4-FFF2-40B4-BE49-F238E27FC236}">
+                <a16:creationId xmlns:a16="http://schemas.microsoft.com/office/drawing/2014/main" id="{545ABA47-34A7-4700-9D86-30C0F7B107FC}"/>
+              </a:ext>
+            </a:extLst>
+          </p:cNvPr>
+          <p:cNvSpPr>
+            <a:spLocks noGrp="1"/>
+          </p:cNvSpPr>
+          <p:nvPr>
+            <p:ph type="title"/>
+          </p:nvPr>
+        </p:nvSpPr>
+        <p:spPr>
+          <a:xfrm>
+            <a:off x="573409" y="559477"/>
+            <a:ext cx="3765200" cy="5709931"/>
+          </a:xfrm>
+        </p:spPr>
+        <p:txBody>
+          <a:bodyPr>
+            <a:normAutofit/>
+          </a:bodyPr>
+          <a:lstStyle/>
+          <a:p>
+            <a:pPr algn="ctr"/>
+            <a:r>
+              <a:rPr lang="en-US"/>
+              <a:t>Monad History</a:t>
             </a:r>
           </a:p>
         </p:txBody>
       </p:sp>
       <p:sp>
         <p:nvSpPr>
-          <p:cNvPr id="3" name="Content Placeholder 2">
+          <p:cNvPr id="17" name="Rectangle 12">
             <a:extLst>
               <a:ext uri="{FF2B5EF4-FFF2-40B4-BE49-F238E27FC236}">
-                <a16:creationId xmlns:a16="http://schemas.microsoft.com/office/drawing/2014/main" id="{86712501-E824-4BCC-814D-58C10485E2D2}"/>
+                <a16:creationId xmlns:a16="http://schemas.microsoft.com/office/drawing/2014/main" id="{5684BFFE-6A90-4311-ACD5-B34177D46462}"/>
+              </a:ext>
+              <a:ext uri="{C183D7F6-B498-43B3-948B-1728B52AA6E4}">
+                <adec:decorative xmlns:adec="http://schemas.microsoft.com/office/drawing/2017/decorative" val="1"/>
+              </a:ext>
+            </a:extLst>
+          </p:cNvPr>
+          <p:cNvSpPr>
+            <a:spLocks noGrp="1" noRot="1" noChangeAspect="1" noMove="1" noResize="1" noEditPoints="1" noAdjustHandles="1" noChangeArrowheads="1" noChangeShapeType="1" noTextEdit="1"/>
+          </p:cNvSpPr>
+          <p:nvPr>
+            <p:extLst>
+              <p:ext uri="{386F3935-93C4-4BCD-93E2-E3B085C9AB24}">
+                <p16:designElem xmlns:p16="http://schemas.microsoft.com/office/powerpoint/2015/main" val="1"/>
+              </p:ext>
+            </p:extLst>
+          </p:nvPr>
+        </p:nvSpPr>
+        <p:spPr>
+          <a:xfrm>
+            <a:off x="371856" y="374904"/>
+            <a:ext cx="4122323" cy="6108192"/>
+          </a:xfrm>
+          <a:prstGeom prst="rect">
+            <a:avLst/>
+          </a:prstGeom>
+          <a:noFill/>
+          <a:ln w="6350" cap="sq" cmpd="sng" algn="ctr">
+            <a:solidFill>
+              <a:schemeClr val="tx1">
+                <a:lumMod val="75000"/>
+                <a:lumOff val="25000"/>
+              </a:schemeClr>
+            </a:solidFill>
+            <a:prstDash val="solid"/>
+            <a:miter lim="800000"/>
+          </a:ln>
+          <a:effectLst/>
+        </p:spPr>
+      </p:sp>
+      <p:graphicFrame>
+        <p:nvGraphicFramePr>
+          <p:cNvPr id="18" name="Content Placeholder 2">
+            <a:extLst>
+              <a:ext uri="{FF2B5EF4-FFF2-40B4-BE49-F238E27FC236}">
+                <a16:creationId xmlns:a16="http://schemas.microsoft.com/office/drawing/2014/main" id="{BA890FE2-C80A-4F38-B6E2-7715DBDDB5F4}"/>
+              </a:ext>
+            </a:extLst>
+          </p:cNvPr>
+          <p:cNvGraphicFramePr>
+            <a:graphicFrameLocks noGrp="1"/>
+          </p:cNvGraphicFramePr>
+          <p:nvPr>
+            <p:ph idx="1"/>
+            <p:extLst>
+              <p:ext uri="{D42A27DB-BD31-4B8C-83A1-F6EECF244321}">
+                <p14:modId xmlns:p14="http://schemas.microsoft.com/office/powerpoint/2010/main" val="2154735832"/>
+              </p:ext>
+            </p:extLst>
+          </p:nvPr>
+        </p:nvGraphicFramePr>
+        <p:xfrm>
+          <a:off x="5478124" y="800947"/>
+          <a:ext cx="5906181" cy="5230718"/>
+        </p:xfrm>
+        <a:graphic>
+          <a:graphicData uri="http://schemas.openxmlformats.org/drawingml/2006/diagram">
+            <dgm:relIds xmlns:dgm="http://schemas.openxmlformats.org/drawingml/2006/diagram" xmlns:r="http://schemas.openxmlformats.org/officeDocument/2006/relationships" r:dm="rId2" r:lo="rId3" r:qs="rId4" r:cs="rId5"/>
+          </a:graphicData>
+        </a:graphic>
+      </p:graphicFrame>
+    </p:spTree>
+    <p:extLst>
+      <p:ext uri="{BB962C8B-B14F-4D97-AF65-F5344CB8AC3E}">
+        <p14:creationId xmlns:p14="http://schemas.microsoft.com/office/powerpoint/2010/main" val="47715880"/>
+      </p:ext>
+    </p:extLst>
+  </p:cSld>
+  <p:clrMapOvr>
+    <a:masterClrMapping/>
+  </p:clrMapOvr>
+</p:sld>
+</file>
+
+<file path=ppt/slides/slide3.xml><?xml version="1.0" encoding="utf-8"?>
+<p:sld xmlns:a="http://schemas.openxmlformats.org/drawingml/2006/main" xmlns:r="http://schemas.openxmlformats.org/officeDocument/2006/relationships" xmlns:p="http://schemas.openxmlformats.org/presentationml/2006/main">
+  <p:cSld>
+    <p:bg>
+      <p:bgPr>
+        <a:solidFill>
+          <a:schemeClr val="bg1"/>
+        </a:solidFill>
+        <a:effectLst/>
+      </p:bgPr>
+    </p:bg>
+    <p:spTree>
+      <p:nvGrpSpPr>
+        <p:cNvPr id="1" name=""/>
+        <p:cNvGrpSpPr/>
+        <p:nvPr/>
+      </p:nvGrpSpPr>
+      <p:grpSpPr>
+        <a:xfrm>
+          <a:off x="0" y="0"/>
+          <a:ext cx="0" cy="0"/>
+          <a:chOff x="0" y="0"/>
+          <a:chExt cx="0" cy="0"/>
+        </a:xfrm>
+      </p:grpSpPr>
+      <p:sp useBgFill="1">
+        <p:nvSpPr>
+          <p:cNvPr id="9" name="Rectangle 8">
+            <a:extLst>
+              <a:ext uri="{FF2B5EF4-FFF2-40B4-BE49-F238E27FC236}">
+                <a16:creationId xmlns:a16="http://schemas.microsoft.com/office/drawing/2014/main" id="{A2AD6B69-E0A0-476D-9EE1-6B69F04C59F8}"/>
+              </a:ext>
+              <a:ext uri="{C183D7F6-B498-43B3-948B-1728B52AA6E4}">
+                <adec:decorative xmlns:adec="http://schemas.microsoft.com/office/drawing/2017/decorative" val="1"/>
+              </a:ext>
+            </a:extLst>
+          </p:cNvPr>
+          <p:cNvSpPr>
+            <a:spLocks noGrp="1" noRot="1" noChangeAspect="1" noMove="1" noResize="1" noEditPoints="1" noAdjustHandles="1" noChangeArrowheads="1" noChangeShapeType="1" noTextEdit="1"/>
+          </p:cNvSpPr>
+          <p:nvPr>
+            <p:extLst>
+              <p:ext uri="{386F3935-93C4-4BCD-93E2-E3B085C9AB24}">
+                <p16:designElem xmlns:p16="http://schemas.microsoft.com/office/powerpoint/2015/main" val="1"/>
+              </p:ext>
+            </p:extLst>
+          </p:nvPr>
+        </p:nvSpPr>
+        <p:spPr>
+          <a:xfrm>
+            <a:off x="0" y="0"/>
+            <a:ext cx="12192000" cy="6858000"/>
+          </a:xfrm>
+          <a:prstGeom prst="rect">
+            <a:avLst/>
+          </a:prstGeom>
+          <a:ln>
+            <a:noFill/>
+          </a:ln>
+        </p:spPr>
+        <p:style>
+          <a:lnRef idx="2">
+            <a:schemeClr val="accent1">
+              <a:shade val="50000"/>
+            </a:schemeClr>
+          </a:lnRef>
+          <a:fillRef idx="1">
+            <a:schemeClr val="accent1"/>
+          </a:fillRef>
+          <a:effectRef idx="0">
+            <a:schemeClr val="accent1"/>
+          </a:effectRef>
+          <a:fontRef idx="minor">
+            <a:schemeClr val="lt1"/>
+          </a:fontRef>
+        </p:style>
+        <p:txBody>
+          <a:bodyPr rtlCol="0" anchor="ctr"/>
+          <a:lstStyle/>
+          <a:p>
+            <a:pPr algn="ctr"/>
+            <a:endParaRPr lang="en-US"/>
+          </a:p>
+        </p:txBody>
+      </p:sp>
+      <p:sp>
+        <p:nvSpPr>
+          <p:cNvPr id="11" name="Rectangle 10">
+            <a:extLst>
+              <a:ext uri="{FF2B5EF4-FFF2-40B4-BE49-F238E27FC236}">
+                <a16:creationId xmlns:a16="http://schemas.microsoft.com/office/drawing/2014/main" id="{16BE10A1-AD5F-4AB3-8A94-41D62B494ADB}"/>
+              </a:ext>
+              <a:ext uri="{C183D7F6-B498-43B3-948B-1728B52AA6E4}">
+                <adec:decorative xmlns:adec="http://schemas.microsoft.com/office/drawing/2017/decorative" val="1"/>
+              </a:ext>
+            </a:extLst>
+          </p:cNvPr>
+          <p:cNvSpPr>
+            <a:spLocks noGrp="1" noRot="1" noChangeAspect="1" noMove="1" noResize="1" noEditPoints="1" noAdjustHandles="1" noChangeArrowheads="1" noChangeShapeType="1" noTextEdit="1"/>
+          </p:cNvSpPr>
+          <p:nvPr>
+            <p:extLst>
+              <p:ext uri="{386F3935-93C4-4BCD-93E2-E3B085C9AB24}">
+                <p16:designElem xmlns:p16="http://schemas.microsoft.com/office/powerpoint/2015/main" val="1"/>
+              </p:ext>
+            </p:extLst>
+          </p:nvPr>
+        </p:nvSpPr>
+        <p:spPr>
+          <a:xfrm>
+            <a:off x="234696" y="237744"/>
+            <a:ext cx="4419599" cy="6382512"/>
+          </a:xfrm>
+          <a:prstGeom prst="rect">
+            <a:avLst/>
+          </a:prstGeom>
+          <a:solidFill>
+            <a:schemeClr val="bg1">
+              <a:lumMod val="85000"/>
+              <a:alpha val="60000"/>
+            </a:schemeClr>
+          </a:solidFill>
+          <a:ln w="6350" cap="flat" cmpd="sng" algn="ctr">
+            <a:noFill/>
+            <a:prstDash val="solid"/>
+          </a:ln>
+          <a:effectLst>
+            <a:softEdge rad="0"/>
+          </a:effectLst>
+        </p:spPr>
+      </p:sp>
+      <p:sp>
+        <p:nvSpPr>
+          <p:cNvPr id="2" name="Title 1">
+            <a:extLst>
+              <a:ext uri="{FF2B5EF4-FFF2-40B4-BE49-F238E27FC236}">
+                <a16:creationId xmlns:a16="http://schemas.microsoft.com/office/drawing/2014/main" id="{335F0212-AD41-45C2-9504-BBAAA52687B5}"/>
               </a:ext>
             </a:extLst>
           </p:cNvPr>
@@ -15816,27 +22760,106 @@
             <a:spLocks noGrp="1"/>
           </p:cNvSpPr>
           <p:nvPr>
-            <p:ph idx="1"/>
+            <p:ph type="title"/>
           </p:nvPr>
         </p:nvSpPr>
-        <p:spPr/>
+        <p:spPr>
+          <a:xfrm>
+            <a:off x="573409" y="559477"/>
+            <a:ext cx="3765200" cy="5709931"/>
+          </a:xfrm>
+        </p:spPr>
         <p:txBody>
-          <a:bodyPr/>
+          <a:bodyPr>
+            <a:normAutofit/>
+          </a:bodyPr>
           <a:lstStyle/>
           <a:p>
+            <a:pPr algn="ctr"/>
             <a:r>
               <a:rPr lang="en-US" dirty="0"/>
-              <a:t>Abstraction</a:t>
+              <a:t>Why care about Monads</a:t>
             </a:r>
-          </a:p>
-          <a:p>
-            <a:r>
-              <a:rPr lang="en-US" dirty="0"/>
-              <a:t>Code Reuse</a:t>
-            </a:r>
+            <a:endParaRPr lang="en-US"/>
           </a:p>
         </p:txBody>
       </p:sp>
+      <p:sp>
+        <p:nvSpPr>
+          <p:cNvPr id="13" name="Rectangle 12">
+            <a:extLst>
+              <a:ext uri="{FF2B5EF4-FFF2-40B4-BE49-F238E27FC236}">
+                <a16:creationId xmlns:a16="http://schemas.microsoft.com/office/drawing/2014/main" id="{5684BFFE-6A90-4311-ACD5-B34177D46462}"/>
+              </a:ext>
+              <a:ext uri="{C183D7F6-B498-43B3-948B-1728B52AA6E4}">
+                <adec:decorative xmlns:adec="http://schemas.microsoft.com/office/drawing/2017/decorative" val="1"/>
+              </a:ext>
+            </a:extLst>
+          </p:cNvPr>
+          <p:cNvSpPr>
+            <a:spLocks noGrp="1" noRot="1" noChangeAspect="1" noMove="1" noResize="1" noEditPoints="1" noAdjustHandles="1" noChangeArrowheads="1" noChangeShapeType="1" noTextEdit="1"/>
+          </p:cNvSpPr>
+          <p:nvPr>
+            <p:extLst>
+              <p:ext uri="{386F3935-93C4-4BCD-93E2-E3B085C9AB24}">
+                <p16:designElem xmlns:p16="http://schemas.microsoft.com/office/powerpoint/2015/main" val="1"/>
+              </p:ext>
+            </p:extLst>
+          </p:nvPr>
+        </p:nvSpPr>
+        <p:spPr>
+          <a:xfrm>
+            <a:off x="371856" y="374904"/>
+            <a:ext cx="4122323" cy="6108192"/>
+          </a:xfrm>
+          <a:prstGeom prst="rect">
+            <a:avLst/>
+          </a:prstGeom>
+          <a:noFill/>
+          <a:ln w="6350" cap="sq" cmpd="sng" algn="ctr">
+            <a:solidFill>
+              <a:schemeClr val="tx1">
+                <a:lumMod val="75000"/>
+                <a:lumOff val="25000"/>
+              </a:schemeClr>
+            </a:solidFill>
+            <a:prstDash val="solid"/>
+            <a:miter lim="800000"/>
+          </a:ln>
+          <a:effectLst/>
+        </p:spPr>
+      </p:sp>
+      <p:graphicFrame>
+        <p:nvGraphicFramePr>
+          <p:cNvPr id="5" name="Content Placeholder 2">
+            <a:extLst>
+              <a:ext uri="{FF2B5EF4-FFF2-40B4-BE49-F238E27FC236}">
+                <a16:creationId xmlns:a16="http://schemas.microsoft.com/office/drawing/2014/main" id="{8C2FDEE8-C213-405A-8733-8F930576C3F4}"/>
+              </a:ext>
+            </a:extLst>
+          </p:cNvPr>
+          <p:cNvGraphicFramePr>
+            <a:graphicFrameLocks noGrp="1"/>
+          </p:cNvGraphicFramePr>
+          <p:nvPr>
+            <p:ph idx="1"/>
+            <p:extLst>
+              <p:ext uri="{D42A27DB-BD31-4B8C-83A1-F6EECF244321}">
+                <p14:modId xmlns:p14="http://schemas.microsoft.com/office/powerpoint/2010/main" val="247235842"/>
+              </p:ext>
+            </p:extLst>
+          </p:nvPr>
+        </p:nvGraphicFramePr>
+        <p:xfrm>
+          <a:off x="5478124" y="800947"/>
+          <a:ext cx="5906181" cy="5230718"/>
+        </p:xfrm>
+        <a:graphic>
+          <a:graphicData uri="http://schemas.openxmlformats.org/drawingml/2006/diagram">
+            <dgm:relIds xmlns:dgm="http://schemas.openxmlformats.org/drawingml/2006/diagram" xmlns:r="http://schemas.openxmlformats.org/officeDocument/2006/relationships" r:dm="rId2" r:lo="rId3" r:qs="rId4" r:cs="rId5"/>
+          </a:graphicData>
+        </a:graphic>
+      </p:graphicFrame>
     </p:spTree>
     <p:extLst>
       <p:ext uri="{BB962C8B-B14F-4D97-AF65-F5344CB8AC3E}">
@@ -15850,7 +22873,7 @@
 </p:sld>
 </file>
 
-<file path=ppt/slides/slide3.xml><?xml version="1.0" encoding="utf-8"?>
+<file path=ppt/slides/slide4.xml><?xml version="1.0" encoding="utf-8"?>
 <p:sld xmlns:a="http://schemas.openxmlformats.org/drawingml/2006/main" xmlns:r="http://schemas.openxmlformats.org/officeDocument/2006/relationships" xmlns:p="http://schemas.openxmlformats.org/presentationml/2006/main">
   <p:cSld>
     <p:bg>
@@ -16956,7 +23979,7 @@
 </p:sld>
 </file>
 
-<file path=ppt/slides/slide4.xml><?xml version="1.0" encoding="utf-8"?>
+<file path=ppt/slides/slide5.xml><?xml version="1.0" encoding="utf-8"?>
 <p:sld xmlns:a="http://schemas.openxmlformats.org/drawingml/2006/main" xmlns:r="http://schemas.openxmlformats.org/officeDocument/2006/relationships" xmlns:p="http://schemas.openxmlformats.org/presentationml/2006/main">
   <p:cSld>
     <p:bg>
@@ -17638,7 +24661,7 @@
 </p:sld>
 </file>
 
-<file path=ppt/slides/slide5.xml><?xml version="1.0" encoding="utf-8"?>
+<file path=ppt/slides/slide6.xml><?xml version="1.0" encoding="utf-8"?>
 <p:sld xmlns:a="http://schemas.openxmlformats.org/drawingml/2006/main" xmlns:r="http://schemas.openxmlformats.org/officeDocument/2006/relationships" xmlns:p="http://schemas.openxmlformats.org/presentationml/2006/main">
   <p:cSld>
     <p:bg>
@@ -18650,7 +25673,7 @@
 </p:sld>
 </file>
 
-<file path=ppt/slides/slide6.xml><?xml version="1.0" encoding="utf-8"?>
+<file path=ppt/slides/slide7.xml><?xml version="1.0" encoding="utf-8"?>
 <p:sld xmlns:a="http://schemas.openxmlformats.org/drawingml/2006/main" xmlns:r="http://schemas.openxmlformats.org/officeDocument/2006/relationships" xmlns:p="http://schemas.openxmlformats.org/presentationml/2006/main">
   <p:cSld>
     <p:bg>
@@ -19461,7 +26484,7 @@
 </p:sld>
 </file>
 
-<file path=ppt/slides/slide7.xml><?xml version="1.0" encoding="utf-8"?>
+<file path=ppt/slides/slide8.xml><?xml version="1.0" encoding="utf-8"?>
 <p:sld xmlns:a="http://schemas.openxmlformats.org/drawingml/2006/main" xmlns:r="http://schemas.openxmlformats.org/officeDocument/2006/relationships" xmlns:p="http://schemas.openxmlformats.org/presentationml/2006/main">
   <p:cSld>
     <p:bg>
@@ -20359,7 +27382,7 @@
 </p:sld>
 </file>
 
-<file path=ppt/slides/slide8.xml><?xml version="1.0" encoding="utf-8"?>
+<file path=ppt/slides/slide9.xml><?xml version="1.0" encoding="utf-8"?>
 <p:sld xmlns:a="http://schemas.openxmlformats.org/drawingml/2006/main" xmlns:r="http://schemas.openxmlformats.org/officeDocument/2006/relationships" xmlns:p="http://schemas.openxmlformats.org/presentationml/2006/main">
   <p:cSld>
     <p:spTree>
@@ -21066,124 +28089,6 @@
       <p:bldP spid="18" grpId="0" animBg="1"/>
     </p:bldLst>
   </p:timing>
-</p:sld>
-</file>
-
-<file path=ppt/slides/slide9.xml><?xml version="1.0" encoding="utf-8"?>
-<p:sld xmlns:a="http://schemas.openxmlformats.org/drawingml/2006/main" xmlns:r="http://schemas.openxmlformats.org/officeDocument/2006/relationships" xmlns:p="http://schemas.openxmlformats.org/presentationml/2006/main">
-  <p:cSld>
-    <p:spTree>
-      <p:nvGrpSpPr>
-        <p:cNvPr id="1" name=""/>
-        <p:cNvGrpSpPr/>
-        <p:nvPr/>
-      </p:nvGrpSpPr>
-      <p:grpSpPr>
-        <a:xfrm>
-          <a:off x="0" y="0"/>
-          <a:ext cx="0" cy="0"/>
-          <a:chOff x="0" y="0"/>
-          <a:chExt cx="0" cy="0"/>
-        </a:xfrm>
-      </p:grpSpPr>
-      <p:sp>
-        <p:nvSpPr>
-          <p:cNvPr id="2" name="Title 1">
-            <a:extLst>
-              <a:ext uri="{FF2B5EF4-FFF2-40B4-BE49-F238E27FC236}">
-                <a16:creationId xmlns:a16="http://schemas.microsoft.com/office/drawing/2014/main" id="{05B3AC4C-E938-4173-AC56-077EE7F49A56}"/>
-              </a:ext>
-            </a:extLst>
-          </p:cNvPr>
-          <p:cNvSpPr>
-            <a:spLocks noGrp="1"/>
-          </p:cNvSpPr>
-          <p:nvPr>
-            <p:ph type="title"/>
-          </p:nvPr>
-        </p:nvSpPr>
-        <p:spPr/>
-        <p:txBody>
-          <a:bodyPr/>
-          <a:lstStyle/>
-          <a:p>
-            <a:r>
-              <a:rPr lang="en-US" dirty="0"/>
-              <a:t>Compose</a:t>
-            </a:r>
-          </a:p>
-        </p:txBody>
-      </p:sp>
-      <p:pic>
-        <p:nvPicPr>
-          <p:cNvPr id="7" name="Picture 6">
-            <a:extLst>
-              <a:ext uri="{FF2B5EF4-FFF2-40B4-BE49-F238E27FC236}">
-                <a16:creationId xmlns:a16="http://schemas.microsoft.com/office/drawing/2014/main" id="{5E66C197-5F36-485D-9553-B7A35262F8BD}"/>
-              </a:ext>
-            </a:extLst>
-          </p:cNvPr>
-          <p:cNvPicPr>
-            <a:picLocks noChangeAspect="1"/>
-          </p:cNvPicPr>
-          <p:nvPr/>
-        </p:nvPicPr>
-        <p:blipFill>
-          <a:blip r:embed="rId2"/>
-          <a:stretch>
-            <a:fillRect/>
-          </a:stretch>
-        </p:blipFill>
-        <p:spPr>
-          <a:xfrm>
-            <a:off x="1066800" y="1913013"/>
-            <a:ext cx="9754550" cy="1178250"/>
-          </a:xfrm>
-          <a:prstGeom prst="rect">
-            <a:avLst/>
-          </a:prstGeom>
-        </p:spPr>
-      </p:pic>
-      <p:pic>
-        <p:nvPicPr>
-          <p:cNvPr id="11" name="Picture 10">
-            <a:extLst>
-              <a:ext uri="{FF2B5EF4-FFF2-40B4-BE49-F238E27FC236}">
-                <a16:creationId xmlns:a16="http://schemas.microsoft.com/office/drawing/2014/main" id="{D061C08C-9101-43AA-BED3-7C6A496333C1}"/>
-              </a:ext>
-            </a:extLst>
-          </p:cNvPr>
-          <p:cNvPicPr>
-            <a:picLocks noChangeAspect="1"/>
-          </p:cNvPicPr>
-          <p:nvPr/>
-        </p:nvPicPr>
-        <p:blipFill>
-          <a:blip r:embed="rId3"/>
-          <a:stretch>
-            <a:fillRect/>
-          </a:stretch>
-        </p:blipFill>
-        <p:spPr>
-          <a:xfrm>
-            <a:off x="1066800" y="3478610"/>
-            <a:ext cx="5941634" cy="1526669"/>
-          </a:xfrm>
-          <a:prstGeom prst="rect">
-            <a:avLst/>
-          </a:prstGeom>
-        </p:spPr>
-      </p:pic>
-    </p:spTree>
-    <p:extLst>
-      <p:ext uri="{BB962C8B-B14F-4D97-AF65-F5344CB8AC3E}">
-        <p14:creationId xmlns:p14="http://schemas.microsoft.com/office/powerpoint/2010/main" val="2305431762"/>
-      </p:ext>
-    </p:extLst>
-  </p:cSld>
-  <p:clrMapOvr>
-    <a:masterClrMapping/>
-  </p:clrMapOvr>
 </p:sld>
 </file>
 
@@ -21771,21 +28676,21 @@
 </file>
 
 <file path=customXml/item2.xml><?xml version="1.0" encoding="utf-8"?>
+<?mso-contentType ?>
+<FormTemplates xmlns="http://schemas.microsoft.com/sharepoint/v3/contenttype/forms">
+  <Display>DocumentLibraryForm</Display>
+  <Edit>DocumentLibraryForm</Edit>
+  <New>DocumentLibraryForm</New>
+</FormTemplates>
+</file>
+
+<file path=customXml/item3.xml><?xml version="1.0" encoding="utf-8"?>
 <p:properties xmlns:p="http://schemas.microsoft.com/office/2006/metadata/properties" xmlns:xsi="http://www.w3.org/2001/XMLSchema-instance" xmlns:pc="http://schemas.microsoft.com/office/infopath/2007/PartnerControls">
   <documentManagement>
     <Status xmlns="71af3243-3dd4-4a8d-8c0d-dd76da1f02a5">Not started</Status>
     <MediaServiceKeyPoints xmlns="71af3243-3dd4-4a8d-8c0d-dd76da1f02a5" xsi:nil="true"/>
   </documentManagement>
 </p:properties>
-</file>
-
-<file path=customXml/item3.xml><?xml version="1.0" encoding="utf-8"?>
-<?mso-contentType ?>
-<FormTemplates xmlns="http://schemas.microsoft.com/sharepoint/v3/contenttype/forms">
-  <Display>DocumentLibraryForm</Display>
-  <Edit>DocumentLibraryForm</Edit>
-  <New>DocumentLibraryForm</New>
-</FormTemplates>
 </file>
 
 <file path=customXml/itemProps1.xml><?xml version="1.0" encoding="utf-8"?>
@@ -21808,6 +28713,14 @@
 </file>
 
 <file path=customXml/itemProps2.xml><?xml version="1.0" encoding="utf-8"?>
+<ds:datastoreItem xmlns:ds="http://schemas.openxmlformats.org/officeDocument/2006/customXml" ds:itemID="{AE2713E1-6312-427E-BFCB-C5A5DA301373}">
+  <ds:schemaRefs>
+    <ds:schemaRef ds:uri="http://schemas.microsoft.com/sharepoint/v3/contenttype/forms"/>
+  </ds:schemaRefs>
+</ds:datastoreItem>
+</file>
+
+<file path=customXml/itemProps3.xml><?xml version="1.0" encoding="utf-8"?>
 <ds:datastoreItem xmlns:ds="http://schemas.openxmlformats.org/officeDocument/2006/customXml" ds:itemID="{52F3B215-496E-4790-A364-7C1C46DEC771}">
   <ds:schemaRefs>
     <ds:schemaRef ds:uri="http://schemas.microsoft.com/office/2006/metadata/properties"/>
@@ -21815,12 +28728,4 @@
     <ds:schemaRef ds:uri="71af3243-3dd4-4a8d-8c0d-dd76da1f02a5"/>
   </ds:schemaRefs>
 </ds:datastoreItem>
-</file>
-
-<file path=customXml/itemProps3.xml><?xml version="1.0" encoding="utf-8"?>
-<ds:datastoreItem xmlns:ds="http://schemas.openxmlformats.org/officeDocument/2006/customXml" ds:itemID="{AE2713E1-6312-427E-BFCB-C5A5DA301373}">
-  <ds:schemaRefs>
-    <ds:schemaRef ds:uri="http://schemas.microsoft.com/sharepoint/v3/contenttype/forms"/>
-  </ds:schemaRefs>
-</ds:datastoreItem>
 </file>